--- a/Slides/Lesson 1.3 The Data Design Recipe.pptx
+++ b/Slides/Lesson 1.3 The Data Design Recipe.pptx
@@ -5,35 +5,42 @@
     <p:sldMasterId id="2147483648" r:id="rId1"/>
   </p:sldMasterIdLst>
   <p:notesMasterIdLst>
-    <p:notesMasterId r:id="rId28"/>
+    <p:notesMasterId r:id="rId35"/>
   </p:notesMasterIdLst>
   <p:sldIdLst>
     <p:sldId id="378" r:id="rId2"/>
     <p:sldId id="379" r:id="rId3"/>
     <p:sldId id="344" r:id="rId4"/>
-    <p:sldId id="346" r:id="rId5"/>
-    <p:sldId id="347" r:id="rId6"/>
-    <p:sldId id="348" r:id="rId7"/>
-    <p:sldId id="349" r:id="rId8"/>
-    <p:sldId id="350" r:id="rId9"/>
-    <p:sldId id="352" r:id="rId10"/>
-    <p:sldId id="382" r:id="rId11"/>
-    <p:sldId id="383" r:id="rId12"/>
-    <p:sldId id="381" r:id="rId13"/>
-    <p:sldId id="384" r:id="rId14"/>
-    <p:sldId id="354" r:id="rId15"/>
-    <p:sldId id="367" r:id="rId16"/>
-    <p:sldId id="366" r:id="rId17"/>
-    <p:sldId id="353" r:id="rId18"/>
-    <p:sldId id="356" r:id="rId19"/>
-    <p:sldId id="385" r:id="rId20"/>
-    <p:sldId id="369" r:id="rId21"/>
-    <p:sldId id="355" r:id="rId22"/>
-    <p:sldId id="387" r:id="rId23"/>
-    <p:sldId id="388" r:id="rId24"/>
-    <p:sldId id="380" r:id="rId25"/>
-    <p:sldId id="389" r:id="rId26"/>
-    <p:sldId id="390" r:id="rId27"/>
+    <p:sldId id="425" r:id="rId5"/>
+    <p:sldId id="346" r:id="rId6"/>
+    <p:sldId id="347" r:id="rId7"/>
+    <p:sldId id="418" r:id="rId8"/>
+    <p:sldId id="349" r:id="rId9"/>
+    <p:sldId id="427" r:id="rId10"/>
+    <p:sldId id="428" r:id="rId11"/>
+    <p:sldId id="426" r:id="rId12"/>
+    <p:sldId id="350" r:id="rId13"/>
+    <p:sldId id="352" r:id="rId14"/>
+    <p:sldId id="367" r:id="rId15"/>
+    <p:sldId id="429" r:id="rId16"/>
+    <p:sldId id="421" r:id="rId17"/>
+    <p:sldId id="430" r:id="rId18"/>
+    <p:sldId id="431" r:id="rId19"/>
+    <p:sldId id="432" r:id="rId20"/>
+    <p:sldId id="433" r:id="rId21"/>
+    <p:sldId id="434" r:id="rId22"/>
+    <p:sldId id="438" r:id="rId23"/>
+    <p:sldId id="439" r:id="rId24"/>
+    <p:sldId id="440" r:id="rId25"/>
+    <p:sldId id="435" r:id="rId26"/>
+    <p:sldId id="382" r:id="rId27"/>
+    <p:sldId id="436" r:id="rId28"/>
+    <p:sldId id="437" r:id="rId29"/>
+    <p:sldId id="441" r:id="rId30"/>
+    <p:sldId id="442" r:id="rId31"/>
+    <p:sldId id="415" r:id="rId32"/>
+    <p:sldId id="416" r:id="rId33"/>
+    <p:sldId id="417" r:id="rId34"/>
   </p:sldIdLst>
   <p:sldSz cx="9144000" cy="6858000" type="screen4x3"/>
   <p:notesSz cx="6858000" cy="9144000"/>
@@ -140,29 +147,36 @@
             <p14:sldId id="378"/>
             <p14:sldId id="379"/>
             <p14:sldId id="344"/>
+            <p14:sldId id="425"/>
             <p14:sldId id="346"/>
             <p14:sldId id="347"/>
-            <p14:sldId id="348"/>
+            <p14:sldId id="418"/>
             <p14:sldId id="349"/>
+            <p14:sldId id="427"/>
+            <p14:sldId id="428"/>
+            <p14:sldId id="426"/>
             <p14:sldId id="350"/>
             <p14:sldId id="352"/>
+            <p14:sldId id="367"/>
+            <p14:sldId id="429"/>
+            <p14:sldId id="421"/>
+            <p14:sldId id="430"/>
+            <p14:sldId id="431"/>
+            <p14:sldId id="432"/>
+            <p14:sldId id="433"/>
+            <p14:sldId id="434"/>
+            <p14:sldId id="438"/>
+            <p14:sldId id="439"/>
+            <p14:sldId id="440"/>
+            <p14:sldId id="435"/>
             <p14:sldId id="382"/>
-            <p14:sldId id="383"/>
-            <p14:sldId id="381"/>
-            <p14:sldId id="384"/>
-            <p14:sldId id="354"/>
-            <p14:sldId id="367"/>
-            <p14:sldId id="366"/>
-            <p14:sldId id="353"/>
-            <p14:sldId id="356"/>
-            <p14:sldId id="385"/>
-            <p14:sldId id="369"/>
-            <p14:sldId id="355"/>
-            <p14:sldId id="387"/>
-            <p14:sldId id="388"/>
-            <p14:sldId id="380"/>
-            <p14:sldId id="389"/>
-            <p14:sldId id="390"/>
+            <p14:sldId id="436"/>
+            <p14:sldId id="437"/>
+            <p14:sldId id="441"/>
+            <p14:sldId id="442"/>
+            <p14:sldId id="415"/>
+            <p14:sldId id="416"/>
+            <p14:sldId id="417"/>
           </p14:sldIdLst>
         </p14:section>
       </p14:sectionLst>
@@ -268,7 +282,7 @@
             <a:fld id="{E3057DDA-BF5C-4879-9957-16E91151DE1E}" type="datetimeFigureOut">
               <a:rPr lang="en-US" smtClean="0"/>
               <a:pPr/>
-              <a:t>7/25/2016</a:t>
+              <a:t>7/24/2017</a:t>
             </a:fld>
             <a:endParaRPr lang="en-US"/>
           </a:p>
@@ -775,7 +789,7 @@
             <a:fld id="{47B2CBB0-62C7-44D8-B0B4-2BA0BA541526}" type="slidenum">
               <a:rPr lang="en-US" smtClean="0"/>
               <a:pPr/>
-              <a:t>5</a:t>
+              <a:t>6</a:t>
             </a:fld>
             <a:endParaRPr lang="en-US"/>
           </a:p>
@@ -838,7 +852,7 @@
           <a:bodyPr/>
           <a:lstStyle/>
           <a:p>
-            <a:endParaRPr lang="en-US" dirty="0"/>
+            <a:endParaRPr lang="en-US"/>
           </a:p>
         </p:txBody>
       </p:sp>
@@ -857,10 +871,10 @@
           <a:bodyPr/>
           <a:lstStyle/>
           <a:p>
-            <a:fld id="{2579440B-E791-2640-8935-69975A005A8A}" type="slidenum">
+            <a:fld id="{47B2CBB0-62C7-44D8-B0B4-2BA0BA541526}" type="slidenum">
               <a:rPr lang="en-US" smtClean="0"/>
               <a:pPr/>
-              <a:t>12</a:t>
+              <a:t>31</a:t>
             </a:fld>
             <a:endParaRPr lang="en-US"/>
           </a:p>
@@ -869,7 +883,7 @@
     </p:spTree>
     <p:extLst>
       <p:ext uri="{BB962C8B-B14F-4D97-AF65-F5344CB8AC3E}">
-        <p14:creationId xmlns:p14="http://schemas.microsoft.com/office/powerpoint/2010/main" val="862795691"/>
+        <p14:creationId xmlns:p14="http://schemas.microsoft.com/office/powerpoint/2010/main" val="2506388278"/>
       </p:ext>
     </p:extLst>
   </p:cSld>
@@ -942,10 +956,10 @@
           <a:bodyPr/>
           <a:lstStyle/>
           <a:p>
-            <a:fld id="{2579440B-E791-2640-8935-69975A005A8A}" type="slidenum">
+            <a:fld id="{6048B3DE-E9CD-4720-84B6-E24D30E64DE7}" type="slidenum">
               <a:rPr lang="en-US" smtClean="0"/>
               <a:pPr/>
-              <a:t>13</a:t>
+              <a:t>32</a:t>
             </a:fld>
             <a:endParaRPr lang="en-US"/>
           </a:p>
@@ -954,177 +968,7 @@
     </p:spTree>
     <p:extLst>
       <p:ext uri="{BB962C8B-B14F-4D97-AF65-F5344CB8AC3E}">
-        <p14:creationId xmlns:p14="http://schemas.microsoft.com/office/powerpoint/2010/main" val="1671572881"/>
-      </p:ext>
-    </p:extLst>
-  </p:cSld>
-  <p:clrMapOvr>
-    <a:masterClrMapping/>
-  </p:clrMapOvr>
-</p:notes>
-</file>
-
-<file path=ppt/notesSlides/notesSlide6.xml><?xml version="1.0" encoding="utf-8"?>
-<p:notes xmlns:a="http://schemas.openxmlformats.org/drawingml/2006/main" xmlns:r="http://schemas.openxmlformats.org/officeDocument/2006/relationships" xmlns:p="http://schemas.openxmlformats.org/presentationml/2006/main">
-  <p:cSld>
-    <p:spTree>
-      <p:nvGrpSpPr>
-        <p:cNvPr id="1" name=""/>
-        <p:cNvGrpSpPr/>
-        <p:nvPr/>
-      </p:nvGrpSpPr>
-      <p:grpSpPr>
-        <a:xfrm>
-          <a:off x="0" y="0"/>
-          <a:ext cx="0" cy="0"/>
-          <a:chOff x="0" y="0"/>
-          <a:chExt cx="0" cy="0"/>
-        </a:xfrm>
-      </p:grpSpPr>
-      <p:sp>
-        <p:nvSpPr>
-          <p:cNvPr id="2" name="Slide Image Placeholder 1"/>
-          <p:cNvSpPr>
-            <a:spLocks noGrp="1" noRot="1" noChangeAspect="1"/>
-          </p:cNvSpPr>
-          <p:nvPr>
-            <p:ph type="sldImg"/>
-          </p:nvPr>
-        </p:nvSpPr>
-        <p:spPr/>
-      </p:sp>
-      <p:sp>
-        <p:nvSpPr>
-          <p:cNvPr id="3" name="Notes Placeholder 2"/>
-          <p:cNvSpPr>
-            <a:spLocks noGrp="1"/>
-          </p:cNvSpPr>
-          <p:nvPr>
-            <p:ph type="body" idx="1"/>
-          </p:nvPr>
-        </p:nvSpPr>
-        <p:spPr/>
-        <p:txBody>
-          <a:bodyPr/>
-          <a:lstStyle/>
-          <a:p>
-            <a:endParaRPr lang="en-US" dirty="0"/>
-          </a:p>
-        </p:txBody>
-      </p:sp>
-      <p:sp>
-        <p:nvSpPr>
-          <p:cNvPr id="4" name="Slide Number Placeholder 3"/>
-          <p:cNvSpPr>
-            <a:spLocks noGrp="1"/>
-          </p:cNvSpPr>
-          <p:nvPr>
-            <p:ph type="sldNum" sz="quarter" idx="10"/>
-          </p:nvPr>
-        </p:nvSpPr>
-        <p:spPr/>
-        <p:txBody>
-          <a:bodyPr/>
-          <a:lstStyle/>
-          <a:p>
-            <a:fld id="{2579440B-E791-2640-8935-69975A005A8A}" type="slidenum">
-              <a:rPr lang="en-US" smtClean="0"/>
-              <a:pPr/>
-              <a:t>19</a:t>
-            </a:fld>
-            <a:endParaRPr lang="en-US"/>
-          </a:p>
-        </p:txBody>
-      </p:sp>
-    </p:spTree>
-    <p:extLst>
-      <p:ext uri="{BB962C8B-B14F-4D97-AF65-F5344CB8AC3E}">
-        <p14:creationId xmlns:p14="http://schemas.microsoft.com/office/powerpoint/2010/main" val="1568830106"/>
-      </p:ext>
-    </p:extLst>
-  </p:cSld>
-  <p:clrMapOvr>
-    <a:masterClrMapping/>
-  </p:clrMapOvr>
-</p:notes>
-</file>
-
-<file path=ppt/notesSlides/notesSlide7.xml><?xml version="1.0" encoding="utf-8"?>
-<p:notes xmlns:a="http://schemas.openxmlformats.org/drawingml/2006/main" xmlns:r="http://schemas.openxmlformats.org/officeDocument/2006/relationships" xmlns:p="http://schemas.openxmlformats.org/presentationml/2006/main">
-  <p:cSld>
-    <p:spTree>
-      <p:nvGrpSpPr>
-        <p:cNvPr id="1" name=""/>
-        <p:cNvGrpSpPr/>
-        <p:nvPr/>
-      </p:nvGrpSpPr>
-      <p:grpSpPr>
-        <a:xfrm>
-          <a:off x="0" y="0"/>
-          <a:ext cx="0" cy="0"/>
-          <a:chOff x="0" y="0"/>
-          <a:chExt cx="0" cy="0"/>
-        </a:xfrm>
-      </p:grpSpPr>
-      <p:sp>
-        <p:nvSpPr>
-          <p:cNvPr id="2" name="Slide Image Placeholder 1"/>
-          <p:cNvSpPr>
-            <a:spLocks noGrp="1" noRot="1" noChangeAspect="1"/>
-          </p:cNvSpPr>
-          <p:nvPr>
-            <p:ph type="sldImg"/>
-          </p:nvPr>
-        </p:nvSpPr>
-        <p:spPr/>
-      </p:sp>
-      <p:sp>
-        <p:nvSpPr>
-          <p:cNvPr id="3" name="Notes Placeholder 2"/>
-          <p:cNvSpPr>
-            <a:spLocks noGrp="1"/>
-          </p:cNvSpPr>
-          <p:nvPr>
-            <p:ph type="body" idx="1"/>
-          </p:nvPr>
-        </p:nvSpPr>
-        <p:spPr/>
-        <p:txBody>
-          <a:bodyPr/>
-          <a:lstStyle/>
-          <a:p>
-            <a:endParaRPr lang="en-US" dirty="0"/>
-          </a:p>
-        </p:txBody>
-      </p:sp>
-      <p:sp>
-        <p:nvSpPr>
-          <p:cNvPr id="4" name="Slide Number Placeholder 3"/>
-          <p:cNvSpPr>
-            <a:spLocks noGrp="1"/>
-          </p:cNvSpPr>
-          <p:nvPr>
-            <p:ph type="sldNum" sz="quarter" idx="10"/>
-          </p:nvPr>
-        </p:nvSpPr>
-        <p:spPr/>
-        <p:txBody>
-          <a:bodyPr/>
-          <a:lstStyle/>
-          <a:p>
-            <a:fld id="{2579440B-E791-2640-8935-69975A005A8A}" type="slidenum">
-              <a:rPr lang="en-US" smtClean="0"/>
-              <a:pPr/>
-              <a:t>20</a:t>
-            </a:fld>
-            <a:endParaRPr lang="en-US"/>
-          </a:p>
-        </p:txBody>
-      </p:sp>
-    </p:spTree>
-    <p:extLst>
-      <p:ext uri="{BB962C8B-B14F-4D97-AF65-F5344CB8AC3E}">
-        <p14:creationId xmlns:p14="http://schemas.microsoft.com/office/powerpoint/2010/main" val="4146288988"/>
+        <p14:creationId xmlns:p14="http://schemas.microsoft.com/office/powerpoint/2010/main" val="3895764699"/>
       </p:ext>
     </p:extLst>
   </p:cSld>
@@ -1321,7 +1165,7 @@
           <a:p>
             <a:fld id="{768B3A28-1884-497D-94C5-27227826CE2C}" type="datetime1">
               <a:rPr lang="en-US" smtClean="0"/>
-              <a:t>7/25/2016</a:t>
+              <a:t>7/24/2017</a:t>
             </a:fld>
             <a:endParaRPr lang="en-US"/>
           </a:p>
@@ -1590,7 +1434,7 @@
           <a:p>
             <a:fld id="{B8262C03-9B91-44B2-B7D5-2A844E6680F8}" type="datetime1">
               <a:rPr lang="en-US" smtClean="0"/>
-              <a:t>7/25/2016</a:t>
+              <a:t>7/24/2017</a:t>
             </a:fld>
             <a:endParaRPr lang="en-US"/>
           </a:p>
@@ -1775,7 +1619,7 @@
           <a:p>
             <a:fld id="{B11DCD3A-F44B-4ECF-B365-54BE99BB4BEA}" type="datetime1">
               <a:rPr lang="en-US" smtClean="0"/>
-              <a:t>7/25/2016</a:t>
+              <a:t>7/24/2017</a:t>
             </a:fld>
             <a:endParaRPr lang="en-US"/>
           </a:p>
@@ -1970,7 +1814,7 @@
           <a:p>
             <a:fld id="{94377941-97D9-4840-A51B-C8DAEDA2815C}" type="datetime1">
               <a:rPr lang="en-US" smtClean="0"/>
-              <a:t>7/25/2016</a:t>
+              <a:t>7/24/2017</a:t>
             </a:fld>
             <a:endParaRPr lang="en-US"/>
           </a:p>
@@ -2167,7 +2011,7 @@
           <a:p>
             <a:fld id="{AB7F5B1C-135C-4619-A2DE-25131AF5278A}" type="datetime1">
               <a:rPr lang="en-US" smtClean="0"/>
-              <a:t>7/25/2016</a:t>
+              <a:t>7/24/2017</a:t>
             </a:fld>
             <a:endParaRPr lang="en-US"/>
           </a:p>
@@ -2372,7 +2216,7 @@
           <a:p>
             <a:fld id="{29517BA8-26BA-4B7C-A41A-804B81F83A36}" type="datetime1">
               <a:rPr lang="en-US" smtClean="0"/>
-              <a:t>7/25/2016</a:t>
+              <a:t>7/24/2017</a:t>
             </a:fld>
             <a:endParaRPr lang="en-US"/>
           </a:p>
@@ -2634,7 +2478,7 @@
           <a:p>
             <a:fld id="{E54FABC5-F62F-49DD-A24E-5C2CE15A3D87}" type="datetime1">
               <a:rPr lang="en-US" smtClean="0"/>
-              <a:t>7/25/2016</a:t>
+              <a:t>7/24/2017</a:t>
             </a:fld>
             <a:endParaRPr lang="en-US"/>
           </a:p>
@@ -2936,7 +2780,7 @@
           <a:p>
             <a:fld id="{510AAC56-4986-4B63-9F74-D47EE64ADD9E}" type="datetime1">
               <a:rPr lang="en-US" smtClean="0"/>
-              <a:t>7/25/2016</a:t>
+              <a:t>7/24/2017</a:t>
             </a:fld>
             <a:endParaRPr lang="en-US"/>
           </a:p>
@@ -3372,7 +3216,7 @@
           <a:p>
             <a:fld id="{FCC14660-E407-48B8-9CF0-DD79C3F69AD0}" type="datetime1">
               <a:rPr lang="en-US" smtClean="0"/>
-              <a:t>7/25/2016</a:t>
+              <a:t>7/24/2017</a:t>
             </a:fld>
             <a:endParaRPr lang="en-US"/>
           </a:p>
@@ -3506,7 +3350,7 @@
           <a:p>
             <a:fld id="{9B0DE907-AEDA-4EE9-869A-B21DA6DC498D}" type="datetime1">
               <a:rPr lang="en-US" smtClean="0"/>
-              <a:t>7/25/2016</a:t>
+              <a:t>7/24/2017</a:t>
             </a:fld>
             <a:endParaRPr lang="en-US"/>
           </a:p>
@@ -3618,7 +3462,7 @@
           <a:p>
             <a:fld id="{38C540BA-3DB2-4124-8990-4661E7113E01}" type="datetime1">
               <a:rPr lang="en-US" smtClean="0"/>
-              <a:t>7/25/2016</a:t>
+              <a:t>7/24/2017</a:t>
             </a:fld>
             <a:endParaRPr lang="en-US"/>
           </a:p>
@@ -3910,7 +3754,7 @@
           <a:p>
             <a:fld id="{90F6EF63-9AC7-45BB-B551-A0640428FFFB}" type="datetime1">
               <a:rPr lang="en-US" smtClean="0"/>
-              <a:t>7/25/2016</a:t>
+              <a:t>7/24/2017</a:t>
             </a:fld>
             <a:endParaRPr lang="en-US"/>
           </a:p>
@@ -4679,68 +4523,100 @@
         </p:nvSpPr>
         <p:spPr/>
         <p:txBody>
+          <a:bodyPr/>
+          <a:lstStyle/>
+          <a:p>
+            <a:r>
+              <a:rPr lang="en-US" dirty="0"/>
+              <a:t>Another example: a Rocket</a:t>
+            </a:r>
+          </a:p>
+        </p:txBody>
+      </p:sp>
+      <p:sp>
+        <p:nvSpPr>
+          <p:cNvPr id="3" name="Content Placeholder 2"/>
+          <p:cNvSpPr>
+            <a:spLocks noGrp="1"/>
+          </p:cNvSpPr>
+          <p:nvPr>
+            <p:ph idx="1"/>
+          </p:nvPr>
+        </p:nvSpPr>
+        <p:spPr/>
+        <p:txBody>
           <a:bodyPr>
-            <a:normAutofit fontScale="90000"/>
+            <a:normAutofit fontScale="55000" lnSpcReduction="20000"/>
           </a:bodyPr>
           <a:lstStyle/>
           <a:p>
             <a:r>
               <a:rPr lang="en-US" dirty="0"/>
-              <a:t>Remember our example of mixed data</a:t>
-            </a:r>
-          </a:p>
-        </p:txBody>
-      </p:sp>
-      <p:sp>
-        <p:nvSpPr>
-          <p:cNvPr id="3" name="Content Placeholder 2"/>
-          <p:cNvSpPr>
-            <a:spLocks noGrp="1"/>
-          </p:cNvSpPr>
-          <p:nvPr>
-            <p:ph idx="1"/>
-          </p:nvPr>
-        </p:nvSpPr>
-        <p:spPr/>
-        <p:txBody>
-          <a:bodyPr>
-            <a:normAutofit fontScale="92500"/>
-          </a:bodyPr>
-          <a:lstStyle/>
-          <a:p>
-            <a:pPr marL="0" indent="0">
-              <a:buNone/>
-            </a:pPr>
-            <a:r>
-              <a:rPr lang="en-US" dirty="0"/>
-              <a:t>In a wine bar, an order may be one of three things: a cup of coffee, a glass of wine, or a cup of tea. </a:t>
-            </a:r>
-          </a:p>
-          <a:p>
-            <a:pPr lvl="1"/>
-            <a:r>
-              <a:rPr lang="en-US" dirty="0"/>
-              <a:t>For the coffee, we need to specify the size (small, medium, or large) and type (this is a fancy bar, so it carries many types of coffee).  Also whether or not it should be served with milk.</a:t>
-            </a:r>
-          </a:p>
-          <a:p>
-            <a:pPr lvl="1"/>
-            <a:r>
-              <a:rPr lang="en-US" dirty="0"/>
-              <a:t>For the wine, we need to specify which vineyard and which year.  </a:t>
-            </a:r>
-          </a:p>
-          <a:p>
-            <a:pPr lvl="1"/>
-            <a:r>
-              <a:rPr lang="en-US" dirty="0"/>
-              <a:t>For tea, we need the size of the cup and the type of tea (this is a fancy bar, so it carries many types of tea).</a:t>
+              <a:t>;; An Altitude is represented as a Real, measured in meters</a:t>
             </a:r>
           </a:p>
           <a:p>
             <a:endParaRPr lang="en-US" dirty="0"/>
           </a:p>
           <a:p>
+            <a:r>
+              <a:rPr lang="en-US" dirty="0"/>
+              <a:t>;; A Velocity is represented as a Real, measured in meters/sec</a:t>
+            </a:r>
+          </a:p>
+          <a:p>
+            <a:r>
+              <a:rPr lang="en-US" dirty="0"/>
+              <a:t>;;  upward</a:t>
+            </a:r>
+          </a:p>
+          <a:p>
+            <a:endParaRPr lang="en-US" dirty="0"/>
+          </a:p>
+          <a:p>
+            <a:r>
+              <a:rPr lang="en-US" dirty="0"/>
+              <a:t>;; We have a single rocket, which is at some altitude and is</a:t>
+            </a:r>
+          </a:p>
+          <a:p>
+            <a:r>
+              <a:rPr lang="en-US" dirty="0"/>
+              <a:t>;; travelling vertically at some velocity.</a:t>
+            </a:r>
+          </a:p>
+          <a:p>
+            <a:endParaRPr lang="en-US" dirty="0"/>
+          </a:p>
+          <a:p>
+            <a:r>
+              <a:rPr lang="en-US" dirty="0"/>
+              <a:t>;; REPRESENTATION:</a:t>
+            </a:r>
+          </a:p>
+          <a:p>
+            <a:r>
+              <a:rPr lang="en-US" dirty="0"/>
+              <a:t>;; A Rocket is represented as a struct (make-rocket altitude velocity)</a:t>
+            </a:r>
+          </a:p>
+          <a:p>
+            <a:r>
+              <a:rPr lang="en-US" dirty="0"/>
+              <a:t>;; with the following fields:</a:t>
+            </a:r>
+          </a:p>
+          <a:p>
+            <a:r>
+              <a:rPr lang="en-US" dirty="0"/>
+              <a:t>;; altitude : Altitude  is the rocket's altitude</a:t>
+            </a:r>
+          </a:p>
+          <a:p>
+            <a:r>
+              <a:rPr lang="en-US" dirty="0"/>
+              <a:t>;; velocity : Velocity  is the rocket's velocity</a:t>
+            </a:r>
             <a:endParaRPr lang="en-US" dirty="0"/>
           </a:p>
         </p:txBody>
@@ -4765,14 +4641,14 @@
               <a:pPr/>
               <a:t>10</a:t>
             </a:fld>
-            <a:endParaRPr lang="en-US"/>
+            <a:endParaRPr lang="en-US" dirty="0"/>
           </a:p>
         </p:txBody>
       </p:sp>
     </p:spTree>
     <p:extLst>
       <p:ext uri="{BB962C8B-B14F-4D97-AF65-F5344CB8AC3E}">
-        <p14:creationId xmlns:p14="http://schemas.microsoft.com/office/powerpoint/2010/main" val="2976238781"/>
+        <p14:creationId xmlns:p14="http://schemas.microsoft.com/office/powerpoint/2010/main" val="3676386538"/>
       </p:ext>
     </p:extLst>
   </p:cSld>
@@ -4811,12 +4687,14 @@
         </p:nvSpPr>
         <p:spPr/>
         <p:txBody>
-          <a:bodyPr/>
-          <a:lstStyle/>
-          <a:p>
-            <a:r>
-              <a:rPr lang="en-US" dirty="0"/>
-              <a:t>Recipe for a constructor template</a:t>
+          <a:bodyPr>
+            <a:normAutofit/>
+          </a:bodyPr>
+          <a:lstStyle/>
+          <a:p>
+            <a:r>
+              <a:rPr lang="en-US" dirty="0"/>
+              <a:t>DDR Step 3. Implementation</a:t>
             </a:r>
           </a:p>
         </p:txBody>
@@ -4833,33 +4711,65 @@
         </p:nvSpPr>
         <p:spPr/>
         <p:txBody>
-          <a:bodyPr/>
-          <a:lstStyle/>
-          <a:p>
-            <a:r>
-              <a:rPr lang="en-US" dirty="0"/>
-              <a:t>Write down one </a:t>
-            </a:r>
-            <a:r>
-              <a:rPr lang="en-US" b="1" dirty="0" err="1"/>
+          <a:bodyPr>
+            <a:normAutofit/>
+          </a:bodyPr>
+          <a:lstStyle/>
+          <a:p>
+            <a:r>
+              <a:rPr lang="en-US" dirty="0"/>
+              <a:t>In Racket, we implement compound data as a </a:t>
+            </a:r>
+            <a:r>
+              <a:rPr lang="en-US" b="1" dirty="0">
+                <a:latin typeface="Consolas" pitchFamily="49" charset="0"/>
+                <a:cs typeface="Consolas" pitchFamily="49" charset="0"/>
+              </a:rPr>
               <a:t>struct</a:t>
             </a:r>
-            <a:r>
-              <a:rPr lang="en-US" dirty="0"/>
-              <a:t> definition for each alternative.</a:t>
-            </a:r>
-          </a:p>
-          <a:p>
-            <a:r>
-              <a:rPr lang="en-US" dirty="0"/>
-              <a:t>Then write down the constructor template showing the type of each field.</a:t>
-            </a:r>
-          </a:p>
-          <a:p>
-            <a:r>
-              <a:rPr lang="en-US" dirty="0"/>
-              <a:t>Example:</a:t>
-            </a:r>
+          </a:p>
+          <a:p>
+            <a:r>
+              <a:rPr lang="en-US" dirty="0">
+                <a:cs typeface="Consolas" pitchFamily="49" charset="0"/>
+              </a:rPr>
+              <a:t>This is like a struct or record in other languages.</a:t>
+            </a:r>
+          </a:p>
+          <a:p>
+            <a:r>
+              <a:rPr lang="en-US" dirty="0">
+                <a:cs typeface="Consolas" pitchFamily="49" charset="0"/>
+              </a:rPr>
+              <a:t>In Racket, we define new kinds of structs or records with </a:t>
+            </a:r>
+            <a:r>
+              <a:rPr lang="en-US" b="1" dirty="0">
+                <a:latin typeface="Consolas" pitchFamily="49" charset="0"/>
+                <a:cs typeface="Consolas" pitchFamily="49" charset="0"/>
+              </a:rPr>
+              <a:t>define-struct</a:t>
+            </a:r>
+            <a:r>
+              <a:rPr lang="en-US" dirty="0">
+                <a:cs typeface="Consolas" pitchFamily="49" charset="0"/>
+              </a:rPr>
+              <a:t>.</a:t>
+            </a:r>
+          </a:p>
+          <a:p>
+            <a:r>
+              <a:rPr lang="en-US" dirty="0">
+                <a:cs typeface="Consolas" pitchFamily="49" charset="0"/>
+              </a:rPr>
+              <a:t>We saw these in Lesson 0.4.  Here’s a review:</a:t>
+            </a:r>
+            <a:endParaRPr lang="en-US" dirty="0">
+              <a:cs typeface="Courier New" pitchFamily="49" charset="0"/>
+            </a:endParaRPr>
+          </a:p>
+          <a:p>
+            <a:endParaRPr lang="en-US" dirty="0"/>
           </a:p>
         </p:txBody>
       </p:sp>
@@ -4890,7 +4800,7 @@
     </p:spTree>
     <p:extLst>
       <p:ext uri="{BB962C8B-B14F-4D97-AF65-F5344CB8AC3E}">
-        <p14:creationId xmlns:p14="http://schemas.microsoft.com/office/powerpoint/2010/main" val="325549749"/>
+        <p14:creationId xmlns:p14="http://schemas.microsoft.com/office/powerpoint/2010/main" val="2067771305"/>
       </p:ext>
     </p:extLst>
   </p:cSld>
@@ -4930,379 +4840,491 @@
         <p:spPr/>
         <p:txBody>
           <a:bodyPr>
-            <a:noAutofit/>
+            <a:normAutofit fontScale="90000"/>
           </a:bodyPr>
           <a:lstStyle/>
           <a:p>
             <a:r>
-              <a:rPr lang="en-US" sz="4000" dirty="0" err="1"/>
-              <a:t>Struct</a:t>
-            </a:r>
-            <a:r>
-              <a:rPr lang="en-US" sz="4000" dirty="0"/>
-              <a:t> definitions and constructor template for mixed data: example</a:t>
-            </a:r>
-          </a:p>
-        </p:txBody>
-      </p:sp>
-      <p:sp>
-        <p:nvSpPr>
-          <p:cNvPr id="3" name="Content Placeholder 2"/>
-          <p:cNvSpPr>
-            <a:spLocks noGrp="1"/>
-          </p:cNvSpPr>
-          <p:nvPr>
-            <p:ph idx="1"/>
-          </p:nvPr>
-        </p:nvSpPr>
-        <p:spPr/>
-        <p:txBody>
-          <a:bodyPr>
-            <a:noAutofit/>
+              <a:rPr lang="en-US" dirty="0">
+                <a:cs typeface="Consolas" pitchFamily="49" charset="0"/>
+              </a:rPr>
+              <a:t>Example of a structure definition in Racket</a:t>
+            </a:r>
+          </a:p>
+        </p:txBody>
+      </p:sp>
+      <p:sp>
+        <p:nvSpPr>
+          <p:cNvPr id="4" name="TextBox 3"/>
+          <p:cNvSpPr txBox="1"/>
+          <p:nvPr/>
+        </p:nvSpPr>
+        <p:spPr>
+          <a:xfrm>
+            <a:off x="304800" y="1752600"/>
+            <a:ext cx="8839200" cy="461665"/>
+          </a:xfrm>
+          <a:prstGeom prst="rect">
+            <a:avLst/>
+          </a:prstGeom>
+          <a:noFill/>
+          <a:ln>
+            <a:noFill/>
+            <a:tailEnd type="stealth" w="lg" len="lg"/>
+          </a:ln>
+        </p:spPr>
+        <p:txBody>
+          <a:bodyPr wrap="square" rtlCol="0">
+            <a:spAutoFit/>
           </a:bodyPr>
           <a:lstStyle/>
           <a:p>
-            <a:pPr>
-              <a:buNone/>
-            </a:pPr>
             <a:r>
               <a:rPr lang="en-US" sz="2400" b="1" dirty="0">
                 <a:latin typeface="Consolas" pitchFamily="49" charset="0"/>
                 <a:cs typeface="Consolas" pitchFamily="49" charset="0"/>
               </a:rPr>
-              <a:t>(define-struct coffee (size type milk?))</a:t>
-            </a:r>
-          </a:p>
-          <a:p>
-            <a:pPr>
-              <a:buNone/>
-            </a:pPr>
+              <a:t>(define-</a:t>
+            </a:r>
+            <a:r>
+              <a:rPr lang="en-US" sz="2400" b="1" dirty="0" err="1">
+                <a:latin typeface="Consolas" pitchFamily="49" charset="0"/>
+                <a:cs typeface="Consolas" pitchFamily="49" charset="0"/>
+              </a:rPr>
+              <a:t>struct</a:t>
+            </a:r>
             <a:r>
               <a:rPr lang="en-US" sz="2400" b="1" dirty="0">
                 <a:latin typeface="Consolas" pitchFamily="49" charset="0"/>
                 <a:cs typeface="Consolas" pitchFamily="49" charset="0"/>
               </a:rPr>
-              <a:t>(define-struct wine (vineyard year))</a:t>
-            </a:r>
-          </a:p>
-          <a:p>
-            <a:pPr>
-              <a:buNone/>
-            </a:pPr>
+              <a:t> book (author title on-hand price))</a:t>
+            </a:r>
+          </a:p>
+        </p:txBody>
+      </p:sp>
+      <p:sp>
+        <p:nvSpPr>
+          <p:cNvPr id="5" name="TextBox 4"/>
+          <p:cNvSpPr txBox="1"/>
+          <p:nvPr/>
+        </p:nvSpPr>
+        <p:spPr>
+          <a:xfrm>
+            <a:off x="685800" y="2743200"/>
+            <a:ext cx="8229600" cy="4154984"/>
+          </a:xfrm>
+          <a:prstGeom prst="rect">
+            <a:avLst/>
+          </a:prstGeom>
+          <a:noFill/>
+        </p:spPr>
+        <p:txBody>
+          <a:bodyPr wrap="square" rtlCol="0">
+            <a:spAutoFit/>
+          </a:bodyPr>
+          <a:lstStyle/>
+          <a:p>
+            <a:r>
+              <a:rPr lang="en-US" sz="2400" dirty="0"/>
+              <a:t>Executing this </a:t>
+            </a:r>
             <a:r>
               <a:rPr lang="en-US" sz="2400" b="1" dirty="0">
                 <a:latin typeface="Consolas" pitchFamily="49" charset="0"/>
                 <a:cs typeface="Consolas" pitchFamily="49" charset="0"/>
               </a:rPr>
-              <a:t>(define-struct tea (size type))</a:t>
-            </a:r>
-          </a:p>
-          <a:p>
-            <a:pPr>
-              <a:buNone/>
-            </a:pPr>
+              <a:t>define-struct</a:t>
+            </a:r>
+            <a:r>
+              <a:rPr lang="en-US" sz="2400" dirty="0"/>
+              <a:t> defines the following functions:</a:t>
+            </a:r>
+          </a:p>
+          <a:p>
+            <a:endParaRPr lang="en-US" sz="2400" dirty="0"/>
+          </a:p>
+          <a:p>
+            <a:r>
+              <a:rPr lang="en-US" sz="2400" b="1" dirty="0">
+                <a:latin typeface="Consolas" pitchFamily="49" charset="0"/>
+                <a:cs typeface="Consolas" pitchFamily="49" charset="0"/>
+              </a:rPr>
+              <a:t>make-book</a:t>
+            </a:r>
+          </a:p>
+          <a:p>
+            <a:endParaRPr lang="en-US" sz="2400" dirty="0"/>
+          </a:p>
+          <a:p>
+            <a:r>
+              <a:rPr lang="en-US" sz="2400" b="1" dirty="0">
+                <a:latin typeface="Consolas" pitchFamily="49" charset="0"/>
+                <a:cs typeface="Consolas" pitchFamily="49" charset="0"/>
+              </a:rPr>
+              <a:t>book-author</a:t>
+            </a:r>
+          </a:p>
+          <a:p>
+            <a:r>
+              <a:rPr lang="en-US" sz="2400" b="1" dirty="0">
+                <a:latin typeface="Consolas" pitchFamily="49" charset="0"/>
+                <a:cs typeface="Consolas" pitchFamily="49" charset="0"/>
+              </a:rPr>
+              <a:t>book-title</a:t>
+            </a:r>
+          </a:p>
+          <a:p>
+            <a:r>
+              <a:rPr lang="en-US" sz="2400" b="1" dirty="0">
+                <a:latin typeface="Consolas" pitchFamily="49" charset="0"/>
+                <a:cs typeface="Consolas" pitchFamily="49" charset="0"/>
+              </a:rPr>
+              <a:t>book-on-hand</a:t>
+            </a:r>
+          </a:p>
+          <a:p>
+            <a:r>
+              <a:rPr lang="en-US" sz="2400" b="1" dirty="0">
+                <a:latin typeface="Consolas" pitchFamily="49" charset="0"/>
+                <a:cs typeface="Consolas" pitchFamily="49" charset="0"/>
+              </a:rPr>
+              <a:t>book-price</a:t>
+            </a:r>
+          </a:p>
+          <a:p>
             <a:endParaRPr lang="en-US" sz="2400" b="1" dirty="0">
               <a:latin typeface="Consolas" pitchFamily="49" charset="0"/>
               <a:cs typeface="Consolas" pitchFamily="49" charset="0"/>
             </a:endParaRPr>
           </a:p>
           <a:p>
-            <a:pPr>
-              <a:buNone/>
-            </a:pPr>
             <a:r>
               <a:rPr lang="en-US" sz="2400" b="1" dirty="0">
                 <a:latin typeface="Consolas" pitchFamily="49" charset="0"/>
                 <a:cs typeface="Consolas" pitchFamily="49" charset="0"/>
               </a:rPr>
-              <a:t>;; A </a:t>
-            </a:r>
-            <a:r>
-              <a:rPr lang="en-US" sz="2400" b="1" dirty="0" err="1">
-                <a:latin typeface="Consolas" pitchFamily="49" charset="0"/>
-                <a:cs typeface="Consolas" pitchFamily="49" charset="0"/>
-              </a:rPr>
-              <a:t>BarOrder</a:t>
-            </a:r>
-            <a:r>
-              <a:rPr lang="en-US" sz="2400" b="1" dirty="0">
-                <a:latin typeface="Consolas" pitchFamily="49" charset="0"/>
-                <a:cs typeface="Consolas" pitchFamily="49" charset="0"/>
-              </a:rPr>
-              <a:t> is one of</a:t>
+              <a:t>book?</a:t>
             </a:r>
           </a:p>
           <a:p>
             <a:pPr>
-              <a:buNone/>
+              <a:buFont typeface="Arial" pitchFamily="34" charset="0"/>
+              <a:buChar char="•"/>
             </a:pPr>
-            <a:r>
-              <a:rPr lang="en-US" sz="2400" b="1" dirty="0">
-                <a:latin typeface="Consolas" pitchFamily="49" charset="0"/>
-                <a:cs typeface="Consolas" pitchFamily="49" charset="0"/>
-              </a:rPr>
-              <a:t>;; -- (make-coffee Size Type Boolean)</a:t>
-            </a:r>
-          </a:p>
-          <a:p>
-            <a:pPr>
-              <a:buNone/>
-            </a:pPr>
-            <a:r>
-              <a:rPr lang="en-US" sz="2400" b="1" dirty="0">
-                <a:latin typeface="Consolas" pitchFamily="49" charset="0"/>
-                <a:cs typeface="Consolas" pitchFamily="49" charset="0"/>
-              </a:rPr>
-              <a:t>;; -- (make-wine Vineyard Year)</a:t>
-            </a:r>
-          </a:p>
-          <a:p>
-            <a:pPr>
-              <a:buNone/>
-            </a:pPr>
-            <a:r>
-              <a:rPr lang="en-US" sz="2400" b="1" dirty="0">
-                <a:latin typeface="Consolas" pitchFamily="49" charset="0"/>
-                <a:cs typeface="Consolas" pitchFamily="49" charset="0"/>
-              </a:rPr>
-              <a:t>;; -- (make-tea Size String)</a:t>
-            </a:r>
-          </a:p>
-        </p:txBody>
-      </p:sp>
-      <p:sp>
-        <p:nvSpPr>
-          <p:cNvPr id="10" name="Title 1"/>
-          <p:cNvSpPr txBox="1">
-            <a:spLocks/>
-          </p:cNvSpPr>
+            <a:endParaRPr lang="en-US" sz="2400" dirty="0"/>
+          </a:p>
+        </p:txBody>
+      </p:sp>
+      <p:sp>
+        <p:nvSpPr>
+          <p:cNvPr id="6" name="TextBox 5"/>
+          <p:cNvSpPr txBox="1"/>
           <p:nvPr/>
         </p:nvSpPr>
         <p:spPr>
           <a:xfrm>
-            <a:off x="-1828800" y="5940723"/>
-            <a:ext cx="9144000" cy="1143000"/>
+            <a:off x="3884406" y="3683576"/>
+            <a:ext cx="5029200" cy="646331"/>
           </a:xfrm>
           <a:prstGeom prst="rect">
             <a:avLst/>
           </a:prstGeom>
+          <a:ln/>
         </p:spPr>
-        <p:txBody>
-          <a:bodyPr vert="horz" lIns="91440" tIns="45720" rIns="91440" bIns="45720" rtlCol="0" anchor="ctr">
-            <a:normAutofit/>
+        <p:style>
+          <a:lnRef idx="1">
+            <a:schemeClr val="accent1"/>
+          </a:lnRef>
+          <a:fillRef idx="2">
+            <a:schemeClr val="accent1"/>
+          </a:fillRef>
+          <a:effectRef idx="1">
+            <a:schemeClr val="accent1"/>
+          </a:effectRef>
+          <a:fontRef idx="minor">
+            <a:schemeClr val="dk1"/>
+          </a:fontRef>
+        </p:style>
+        <p:txBody>
+          <a:bodyPr wrap="square" rtlCol="0">
+            <a:spAutoFit/>
           </a:bodyPr>
-          <a:lstStyle>
-            <a:lvl1pPr algn="ctr" defTabSz="457200" rtl="0" eaLnBrk="1" latinLnBrk="0" hangingPunct="1">
-              <a:spcBef>
-                <a:spcPct val="0"/>
-              </a:spcBef>
-              <a:buNone/>
-              <a:defRPr sz="4400" kern="1200">
+          <a:lstStyle/>
+          <a:p>
+            <a:r>
+              <a:rPr lang="en-US" dirty="0"/>
+              <a:t>A constructor– GIVEN 4 arguments, </a:t>
+            </a:r>
+            <a:r>
+              <a:rPr lang="en-US" dirty="0">
                 <a:solidFill>
                   <a:schemeClr val="tx1"/>
                 </a:solidFill>
-                <a:latin typeface="+mj-lt"/>
-                <a:ea typeface="+mj-ea"/>
-                <a:cs typeface="+mj-cs"/>
-              </a:defRPr>
-            </a:lvl1pPr>
-          </a:lstStyle>
-          <a:p>
-            <a:pPr algn="l"/>
-            <a:r>
-              <a:rPr lang="en-US" dirty="0"/>
+              </a:rPr>
+              <a:t>RETURNS</a:t>
+            </a:r>
+            <a:r>
+              <a:rPr lang="en-US" dirty="0"/>
+              <a:t> a </a:t>
+            </a:r>
+            <a:r>
+              <a:rPr lang="en-US" b="1" dirty="0">
+                <a:latin typeface="Consolas" pitchFamily="49" charset="0"/>
+                <a:cs typeface="Consolas" pitchFamily="49" charset="0"/>
+              </a:rPr>
+              <a:t>book</a:t>
+            </a:r>
+            <a:r>
+              <a:rPr lang="en-US" b="1" dirty="0">
+                <a:latin typeface="Courier New" pitchFamily="49" charset="0"/>
+                <a:cs typeface="Courier New" pitchFamily="49" charset="0"/>
+              </a:rPr>
               <a:t> </a:t>
             </a:r>
-          </a:p>
-        </p:txBody>
-      </p:sp>
-      <p:grpSp>
-        <p:nvGrpSpPr>
-          <p:cNvPr id="5" name="Group 4"/>
-          <p:cNvGrpSpPr/>
+            <a:r>
+              <a:rPr lang="en-US" dirty="0">
+                <a:cs typeface="Courier New" pitchFamily="49" charset="0"/>
+              </a:rPr>
+              <a:t>with the given fields</a:t>
+            </a:r>
+          </a:p>
+        </p:txBody>
+      </p:sp>
+      <p:cxnSp>
+        <p:nvCxnSpPr>
+          <p:cNvPr id="8" name="Straight Arrow Connector 7"/>
+          <p:cNvCxnSpPr>
+            <a:stCxn id="6" idx="1"/>
+          </p:cNvCxnSpPr>
           <p:nvPr/>
-        </p:nvGrpSpPr>
-        <p:grpSpPr>
+        </p:nvCxnSpPr>
+        <p:spPr>
+          <a:xfrm flipH="1" flipV="1">
+            <a:off x="2362200" y="3733801"/>
+            <a:ext cx="1522206" cy="272941"/>
+          </a:xfrm>
+          <a:prstGeom prst="straightConnector1">
+            <a:avLst/>
+          </a:prstGeom>
+          <a:ln>
+            <a:solidFill>
+              <a:schemeClr val="tx1"/>
+            </a:solidFill>
+            <a:tailEnd type="stealth" w="lg" len="lg"/>
+          </a:ln>
+        </p:spPr>
+        <p:style>
+          <a:lnRef idx="1">
+            <a:schemeClr val="accent1"/>
+          </a:lnRef>
+          <a:fillRef idx="0">
+            <a:schemeClr val="accent1"/>
+          </a:fillRef>
+          <a:effectRef idx="0">
+            <a:schemeClr val="accent1"/>
+          </a:effectRef>
+          <a:fontRef idx="minor">
+            <a:schemeClr val="tx1"/>
+          </a:fontRef>
+        </p:style>
+      </p:cxnSp>
+      <p:sp>
+        <p:nvSpPr>
+          <p:cNvPr id="9" name="TextBox 8"/>
+          <p:cNvSpPr txBox="1"/>
+          <p:nvPr/>
+        </p:nvSpPr>
+        <p:spPr>
           <a:xfrm>
-            <a:off x="5867400" y="2590800"/>
-            <a:ext cx="3034515" cy="739180"/>
-            <a:chOff x="5858057" y="1230352"/>
-            <a:chExt cx="3034515" cy="739180"/>
+            <a:off x="3886200" y="4875888"/>
+            <a:ext cx="5029200" cy="646331"/>
           </a:xfrm>
-        </p:grpSpPr>
-        <p:sp>
-          <p:nvSpPr>
-            <p:cNvPr id="6" name="TextBox 5"/>
-            <p:cNvSpPr txBox="1"/>
-            <p:nvPr/>
-          </p:nvSpPr>
-          <p:spPr>
-            <a:xfrm>
-              <a:off x="6400800" y="1600200"/>
-              <a:ext cx="2491772" cy="369332"/>
-            </a:xfrm>
-            <a:prstGeom prst="rect">
-              <a:avLst/>
-            </a:prstGeom>
-            <a:ln/>
-          </p:spPr>
-          <p:style>
-            <a:lnRef idx="2">
-              <a:schemeClr val="accent1"/>
-            </a:lnRef>
-            <a:fillRef idx="1">
-              <a:schemeClr val="lt1"/>
-            </a:fillRef>
-            <a:effectRef idx="0">
-              <a:schemeClr val="accent1"/>
-            </a:effectRef>
-            <a:fontRef idx="minor">
-              <a:schemeClr val="dk1"/>
-            </a:fontRef>
-          </p:style>
-          <p:txBody>
-            <a:bodyPr wrap="none" rtlCol="0">
-              <a:spAutoFit/>
-            </a:bodyPr>
-            <a:lstStyle/>
-            <a:p>
-              <a:r>
-                <a:rPr lang="en-US" dirty="0"/>
-                <a:t>The structure definitions</a:t>
-              </a:r>
-            </a:p>
-          </p:txBody>
-        </p:sp>
-        <p:cxnSp>
-          <p:nvCxnSpPr>
-            <p:cNvPr id="7" name="Straight Arrow Connector 6"/>
-            <p:cNvCxnSpPr>
-              <a:stCxn id="6" idx="1"/>
-            </p:cNvCxnSpPr>
-            <p:nvPr/>
-          </p:nvCxnSpPr>
-          <p:spPr>
-            <a:xfrm flipH="1" flipV="1">
-              <a:off x="5858057" y="1230352"/>
-              <a:ext cx="542743" cy="554514"/>
-            </a:xfrm>
-            <a:prstGeom prst="straightConnector1">
-              <a:avLst/>
-            </a:prstGeom>
-            <a:ln w="19050">
-              <a:tailEnd type="arrow"/>
-            </a:ln>
-          </p:spPr>
-          <p:style>
-            <a:lnRef idx="1">
-              <a:schemeClr val="accent1"/>
-            </a:lnRef>
-            <a:fillRef idx="0">
-              <a:schemeClr val="accent1"/>
-            </a:fillRef>
-            <a:effectRef idx="0">
-              <a:schemeClr val="accent1"/>
-            </a:effectRef>
-            <a:fontRef idx="minor">
+          <a:prstGeom prst="rect">
+            <a:avLst/>
+          </a:prstGeom>
+          <a:ln/>
+        </p:spPr>
+        <p:style>
+          <a:lnRef idx="1">
+            <a:schemeClr val="accent1"/>
+          </a:lnRef>
+          <a:fillRef idx="2">
+            <a:schemeClr val="accent1"/>
+          </a:fillRef>
+          <a:effectRef idx="1">
+            <a:schemeClr val="accent1"/>
+          </a:effectRef>
+          <a:fontRef idx="minor">
+            <a:schemeClr val="dk1"/>
+          </a:fontRef>
+        </p:style>
+        <p:txBody>
+          <a:bodyPr wrap="square" rtlCol="0">
+            <a:spAutoFit/>
+          </a:bodyPr>
+          <a:lstStyle/>
+          <a:p>
+            <a:r>
+              <a:rPr lang="en-US"/>
+              <a:t>Selectors: </a:t>
+            </a:r>
+            <a:r>
+              <a:rPr lang="en-US" dirty="0"/>
+              <a:t>GIVEN: a </a:t>
+            </a:r>
+            <a:r>
+              <a:rPr lang="en-US" b="1" dirty="0">
+                <a:latin typeface="Consolas" pitchFamily="49" charset="0"/>
+                <a:cs typeface="Consolas" pitchFamily="49" charset="0"/>
+              </a:rPr>
+              <a:t>book</a:t>
+            </a:r>
+            <a:r>
+              <a:rPr lang="en-US" dirty="0"/>
+              <a:t>, RETURNS: the value of the indicated field.</a:t>
+            </a:r>
+          </a:p>
+        </p:txBody>
+      </p:sp>
+      <p:cxnSp>
+        <p:nvCxnSpPr>
+          <p:cNvPr id="12" name="Straight Arrow Connector 11"/>
+          <p:cNvCxnSpPr>
+            <a:stCxn id="9" idx="1"/>
+            <a:endCxn id="22" idx="1"/>
+          </p:cNvCxnSpPr>
+          <p:nvPr/>
+        </p:nvCxnSpPr>
+        <p:spPr>
+          <a:xfrm flipH="1" flipV="1">
+            <a:off x="3060933" y="4992200"/>
+            <a:ext cx="825267" cy="206854"/>
+          </a:xfrm>
+          <a:prstGeom prst="straightConnector1">
+            <a:avLst/>
+          </a:prstGeom>
+          <a:ln>
+            <a:solidFill>
               <a:schemeClr val="tx1"/>
-            </a:fontRef>
-          </p:style>
-        </p:cxnSp>
-      </p:grpSp>
-      <p:grpSp>
-        <p:nvGrpSpPr>
-          <p:cNvPr id="4" name="Group 3"/>
-          <p:cNvGrpSpPr/>
+            </a:solidFill>
+            <a:tailEnd type="stealth" w="lg" len="lg"/>
+          </a:ln>
+        </p:spPr>
+        <p:style>
+          <a:lnRef idx="1">
+            <a:schemeClr val="accent1"/>
+          </a:lnRef>
+          <a:fillRef idx="0">
+            <a:schemeClr val="accent1"/>
+          </a:fillRef>
+          <a:effectRef idx="0">
+            <a:schemeClr val="accent1"/>
+          </a:effectRef>
+          <a:fontRef idx="minor">
+            <a:schemeClr val="tx1"/>
+          </a:fontRef>
+        </p:style>
+      </p:cxnSp>
+      <p:sp>
+        <p:nvSpPr>
+          <p:cNvPr id="21" name="TextBox 20"/>
+          <p:cNvSpPr txBox="1"/>
           <p:nvPr/>
-        </p:nvGrpSpPr>
-        <p:grpSpPr>
+        </p:nvSpPr>
+        <p:spPr>
           <a:xfrm>
-            <a:off x="5562600" y="4876800"/>
-            <a:ext cx="3124200" cy="764164"/>
-            <a:chOff x="5180934" y="3065055"/>
-            <a:chExt cx="3124200" cy="764164"/>
+            <a:off x="3886200" y="5791200"/>
+            <a:ext cx="5029200" cy="646331"/>
           </a:xfrm>
-        </p:grpSpPr>
-        <p:sp>
-          <p:nvSpPr>
-            <p:cNvPr id="9" name="TextBox 8"/>
-            <p:cNvSpPr txBox="1"/>
-            <p:nvPr/>
-          </p:nvSpPr>
-          <p:spPr>
-            <a:xfrm>
-              <a:off x="5737828" y="3459887"/>
-              <a:ext cx="2567306" cy="369332"/>
-            </a:xfrm>
-            <a:prstGeom prst="rect">
-              <a:avLst/>
-            </a:prstGeom>
-            <a:ln/>
-          </p:spPr>
-          <p:style>
-            <a:lnRef idx="2">
-              <a:schemeClr val="accent1"/>
-            </a:lnRef>
-            <a:fillRef idx="1">
-              <a:schemeClr val="lt1"/>
-            </a:fillRef>
-            <a:effectRef idx="0">
-              <a:schemeClr val="accent1"/>
-            </a:effectRef>
-            <a:fontRef idx="minor">
-              <a:schemeClr val="dk1"/>
-            </a:fontRef>
-          </p:style>
-          <p:txBody>
-            <a:bodyPr wrap="none" rtlCol="0">
-              <a:spAutoFit/>
-            </a:bodyPr>
-            <a:lstStyle/>
-            <a:p>
-              <a:r>
-                <a:rPr lang="en-US" dirty="0"/>
-                <a:t>The constructor template</a:t>
-              </a:r>
-            </a:p>
-          </p:txBody>
-        </p:sp>
-        <p:cxnSp>
-          <p:nvCxnSpPr>
-            <p:cNvPr id="12" name="Straight Arrow Connector 11"/>
-            <p:cNvCxnSpPr/>
-            <p:nvPr/>
-          </p:nvCxnSpPr>
-          <p:spPr>
-            <a:xfrm flipH="1" flipV="1">
-              <a:off x="5180934" y="3065055"/>
-              <a:ext cx="556895" cy="592545"/>
-            </a:xfrm>
-            <a:prstGeom prst="straightConnector1">
-              <a:avLst/>
-            </a:prstGeom>
-            <a:ln w="19050">
-              <a:tailEnd type="arrow"/>
-            </a:ln>
-          </p:spPr>
-          <p:style>
-            <a:lnRef idx="1">
-              <a:schemeClr val="accent1"/>
-            </a:lnRef>
-            <a:fillRef idx="0">
-              <a:schemeClr val="accent1"/>
-            </a:fillRef>
-            <a:effectRef idx="0">
-              <a:schemeClr val="accent1"/>
-            </a:effectRef>
-            <a:fontRef idx="minor">
+          <a:prstGeom prst="rect">
+            <a:avLst/>
+          </a:prstGeom>
+          <a:ln/>
+        </p:spPr>
+        <p:style>
+          <a:lnRef idx="1">
+            <a:schemeClr val="accent1"/>
+          </a:lnRef>
+          <a:fillRef idx="2">
+            <a:schemeClr val="accent1"/>
+          </a:fillRef>
+          <a:effectRef idx="1">
+            <a:schemeClr val="accent1"/>
+          </a:effectRef>
+          <a:fontRef idx="minor">
+            <a:schemeClr val="dk1"/>
+          </a:fontRef>
+        </p:style>
+        <p:txBody>
+          <a:bodyPr wrap="square" rtlCol="0">
+            <a:spAutoFit/>
+          </a:bodyPr>
+          <a:lstStyle/>
+          <a:p>
+            <a:r>
+              <a:rPr lang="en-US" dirty="0"/>
+              <a:t>A Predicate: GIVEN: any value, RETURNS: true </a:t>
+            </a:r>
+            <a:r>
+              <a:rPr lang="en-US" dirty="0" err="1"/>
+              <a:t>iff</a:t>
+            </a:r>
+            <a:r>
+              <a:rPr lang="en-US" dirty="0"/>
+              <a:t> it is a </a:t>
+            </a:r>
+            <a:r>
+              <a:rPr lang="en-US" b="1" dirty="0">
+                <a:latin typeface="Consolas" pitchFamily="49" charset="0"/>
+                <a:cs typeface="Consolas" pitchFamily="49" charset="0"/>
+              </a:rPr>
+              <a:t>book</a:t>
+            </a:r>
+          </a:p>
+        </p:txBody>
+      </p:sp>
+      <p:cxnSp>
+        <p:nvCxnSpPr>
+          <p:cNvPr id="23" name="Straight Arrow Connector 22"/>
+          <p:cNvCxnSpPr>
+            <a:stCxn id="21" idx="1"/>
+          </p:cNvCxnSpPr>
+          <p:nvPr/>
+        </p:nvCxnSpPr>
+        <p:spPr>
+          <a:xfrm flipH="1">
+            <a:off x="1828800" y="6114366"/>
+            <a:ext cx="2057400" cy="134034"/>
+          </a:xfrm>
+          <a:prstGeom prst="straightConnector1">
+            <a:avLst/>
+          </a:prstGeom>
+          <a:ln>
+            <a:solidFill>
               <a:schemeClr val="tx1"/>
-            </a:fontRef>
-          </p:style>
-        </p:cxnSp>
-      </p:grpSp>
-      <p:sp>
-        <p:nvSpPr>
-          <p:cNvPr id="8" name="Slide Number Placeholder 7"/>
+            </a:solidFill>
+            <a:tailEnd type="stealth" w="lg" len="lg"/>
+          </a:ln>
+        </p:spPr>
+        <p:style>
+          <a:lnRef idx="1">
+            <a:schemeClr val="accent1"/>
+          </a:lnRef>
+          <a:fillRef idx="0">
+            <a:schemeClr val="accent1"/>
+          </a:fillRef>
+          <a:effectRef idx="0">
+            <a:schemeClr val="accent1"/>
+          </a:effectRef>
+          <a:fontRef idx="minor">
+            <a:schemeClr val="tx1"/>
+          </a:fontRef>
+        </p:style>
+      </p:cxnSp>
+      <p:sp>
+        <p:nvSpPr>
+          <p:cNvPr id="3" name="Slide Number Placeholder 2"/>
           <p:cNvSpPr>
             <a:spLocks noGrp="1"/>
           </p:cNvSpPr>
@@ -5320,103 +5342,68 @@
               <a:pPr/>
               <a:t>12</a:t>
             </a:fld>
-            <a:endParaRPr lang="en-US" dirty="0"/>
+            <a:endParaRPr lang="en-US"/>
+          </a:p>
+        </p:txBody>
+      </p:sp>
+      <p:sp>
+        <p:nvSpPr>
+          <p:cNvPr id="22" name="Right Brace 21"/>
+          <p:cNvSpPr/>
+          <p:nvPr/>
+        </p:nvSpPr>
+        <p:spPr>
+          <a:xfrm>
+            <a:off x="2832333" y="4375664"/>
+            <a:ext cx="228600" cy="1263135"/>
+          </a:xfrm>
+          <a:prstGeom prst="rightBrace">
+            <a:avLst>
+              <a:gd name="adj1" fmla="val 45833"/>
+              <a:gd name="adj2" fmla="val 48810"/>
+            </a:avLst>
+          </a:prstGeom>
+          <a:ln w="12700">
+            <a:solidFill>
+              <a:schemeClr val="tx1"/>
+            </a:solidFill>
+            <a:headEnd type="none" w="med" len="med"/>
+            <a:tailEnd type="none" w="med" len="med"/>
+          </a:ln>
+        </p:spPr>
+        <p:style>
+          <a:lnRef idx="1">
+            <a:schemeClr val="accent1"/>
+          </a:lnRef>
+          <a:fillRef idx="0">
+            <a:schemeClr val="accent1"/>
+          </a:fillRef>
+          <a:effectRef idx="0">
+            <a:schemeClr val="accent1"/>
+          </a:effectRef>
+          <a:fontRef idx="minor">
+            <a:schemeClr val="tx1"/>
+          </a:fontRef>
+        </p:style>
+        <p:txBody>
+          <a:bodyPr rtlCol="0" anchor="ctr"/>
+          <a:lstStyle/>
+          <a:p>
+            <a:pPr algn="ctr"/>
+            <a:endParaRPr lang="en-US"/>
           </a:p>
         </p:txBody>
       </p:sp>
     </p:spTree>
     <p:extLst>
       <p:ext uri="{BB962C8B-B14F-4D97-AF65-F5344CB8AC3E}">
-        <p14:creationId xmlns:p14="http://schemas.microsoft.com/office/powerpoint/2010/main" val="916276591"/>
+        <p14:creationId xmlns:p14="http://schemas.microsoft.com/office/powerpoint/2010/main" val="2127721199"/>
       </p:ext>
     </p:extLst>
   </p:cSld>
   <p:clrMapOvr>
     <a:masterClrMapping/>
   </p:clrMapOvr>
-  <p:timing>
-    <p:tnLst>
-      <p:par>
-        <p:cTn id="1" dur="indefinite" restart="never" nodeType="tmRoot">
-          <p:childTnLst>
-            <p:seq concurrent="1" nextAc="seek">
-              <p:cTn id="2" dur="indefinite" nodeType="mainSeq">
-                <p:childTnLst>
-                  <p:par>
-                    <p:cTn id="3" fill="hold">
-                      <p:stCondLst>
-                        <p:cond delay="indefinite"/>
-                      </p:stCondLst>
-                      <p:childTnLst>
-                        <p:par>
-                          <p:cTn id="4" fill="hold">
-                            <p:stCondLst>
-                              <p:cond delay="0"/>
-                            </p:stCondLst>
-                            <p:childTnLst>
-                              <p:par>
-                                <p:cTn id="5" presetID="10" presetClass="entr" presetSubtype="0" fill="hold" nodeType="clickEffect">
-                                  <p:stCondLst>
-                                    <p:cond delay="0"/>
-                                  </p:stCondLst>
-                                  <p:childTnLst>
-                                    <p:set>
-                                      <p:cBhvr>
-                                        <p:cTn id="6" dur="1" fill="hold">
-                                          <p:stCondLst>
-                                            <p:cond delay="0"/>
-                                          </p:stCondLst>
-                                        </p:cTn>
-                                        <p:tgtEl>
-                                          <p:spTgt spid="5"/>
-                                        </p:tgtEl>
-                                        <p:attrNameLst>
-                                          <p:attrName>style.visibility</p:attrName>
-                                        </p:attrNameLst>
-                                      </p:cBhvr>
-                                      <p:to>
-                                        <p:strVal val="visible"/>
-                                      </p:to>
-                                    </p:set>
-                                    <p:animEffect transition="in" filter="fade">
-                                      <p:cBhvr>
-                                        <p:cTn id="7" dur="500"/>
-                                        <p:tgtEl>
-                                          <p:spTgt spid="5"/>
-                                        </p:tgtEl>
-                                      </p:cBhvr>
-                                    </p:animEffect>
-                                  </p:childTnLst>
-                                </p:cTn>
-                              </p:par>
-                            </p:childTnLst>
-                          </p:cTn>
-                        </p:par>
-                      </p:childTnLst>
-                    </p:cTn>
-                  </p:par>
-                </p:childTnLst>
-              </p:cTn>
-              <p:prevCondLst>
-                <p:cond evt="onPrev" delay="0">
-                  <p:tgtEl>
-                    <p:sldTgt/>
-                  </p:tgtEl>
-                </p:cond>
-              </p:prevCondLst>
-              <p:nextCondLst>
-                <p:cond evt="onNext" delay="0">
-                  <p:tgtEl>
-                    <p:sldTgt/>
-                  </p:tgtEl>
-                </p:cond>
-              </p:nextCondLst>
-            </p:seq>
-          </p:childTnLst>
-        </p:cTn>
-      </p:par>
-    </p:tnLst>
-  </p:timing>
 </p:sld>
 </file>
 
@@ -5449,14 +5436,12 @@
         </p:nvSpPr>
         <p:spPr/>
         <p:txBody>
-          <a:bodyPr>
-            <a:noAutofit/>
-          </a:bodyPr>
-          <a:lstStyle/>
-          <a:p>
-            <a:r>
-              <a:rPr lang="en-US" sz="4000" dirty="0"/>
-              <a:t>The constructor template in more detail</a:t>
+          <a:bodyPr/>
+          <a:lstStyle/>
+          <a:p>
+            <a:r>
+              <a:rPr lang="en-US" dirty="0"/>
+              <a:t>DDR Step 4. Constructor Template</a:t>
             </a:r>
           </a:p>
         </p:txBody>
@@ -5471,134 +5456,128 @@
             <p:ph idx="1"/>
           </p:nvPr>
         </p:nvSpPr>
-        <p:spPr/>
-        <p:txBody>
-          <a:bodyPr>
-            <a:noAutofit/>
-          </a:bodyPr>
-          <a:lstStyle/>
-          <a:p>
-            <a:pPr>
+        <p:spPr>
+          <a:xfrm>
+            <a:off x="457200" y="1600200"/>
+            <a:ext cx="8534400" cy="4525963"/>
+          </a:xfrm>
+        </p:spPr>
+        <p:txBody>
+          <a:bodyPr/>
+          <a:lstStyle/>
+          <a:p>
+            <a:r>
+              <a:rPr lang="en-US" dirty="0"/>
+              <a:t>Tells how to construct a value of this type.</a:t>
+            </a:r>
+          </a:p>
+          <a:p>
+            <a:r>
+              <a:rPr lang="en-US" dirty="0"/>
+              <a:t>Example:</a:t>
+            </a:r>
+          </a:p>
+          <a:p>
+            <a:endParaRPr lang="en-US" dirty="0"/>
+          </a:p>
+          <a:p>
+            <a:pPr marL="0" lvl="0" indent="0">
+              <a:buNone/>
+            </a:pPr>
+            <a:r>
+              <a:rPr lang="en-US" sz="2400" b="1" dirty="0">
+                <a:solidFill>
+                  <a:prstClr val="black"/>
+                </a:solidFill>
+                <a:latin typeface="Consolas" pitchFamily="49" charset="0"/>
+              </a:rPr>
+              <a:t>;; A Book is a </a:t>
+            </a:r>
+          </a:p>
+          <a:p>
+            <a:pPr marL="0" lvl="0" indent="0">
+              <a:buNone/>
+            </a:pPr>
+            <a:r>
+              <a:rPr lang="en-US" sz="2400" b="1" dirty="0">
+                <a:solidFill>
+                  <a:prstClr val="black"/>
+                </a:solidFill>
+                <a:latin typeface="Consolas" pitchFamily="49" charset="0"/>
+              </a:rPr>
+              <a:t>;;  (make-book String </a:t>
+            </a:r>
+            <a:r>
+              <a:rPr lang="en-US" sz="2400" b="1" dirty="0" err="1">
+                <a:solidFill>
+                  <a:prstClr val="black"/>
+                </a:solidFill>
+                <a:latin typeface="Consolas" pitchFamily="49" charset="0"/>
+              </a:rPr>
+              <a:t>String</a:t>
+            </a:r>
+            <a:r>
+              <a:rPr lang="en-US" sz="2400" b="1" dirty="0">
+                <a:solidFill>
+                  <a:prstClr val="black"/>
+                </a:solidFill>
+                <a:latin typeface="Consolas" pitchFamily="49" charset="0"/>
+              </a:rPr>
+              <a:t> </a:t>
+            </a:r>
+            <a:r>
+              <a:rPr lang="en-US" sz="2400" b="1" dirty="0" err="1">
+                <a:solidFill>
+                  <a:prstClr val="black"/>
+                </a:solidFill>
+                <a:latin typeface="Consolas" pitchFamily="49" charset="0"/>
+              </a:rPr>
+              <a:t>NonNegInt</a:t>
+            </a:r>
+            <a:r>
+              <a:rPr lang="en-US" sz="2400" b="1" dirty="0">
+                <a:solidFill>
+                  <a:prstClr val="black"/>
+                </a:solidFill>
+                <a:latin typeface="Consolas" pitchFamily="49" charset="0"/>
+              </a:rPr>
+              <a:t> </a:t>
+            </a:r>
+            <a:r>
+              <a:rPr lang="en-US" sz="2400" b="1" dirty="0" err="1">
+                <a:solidFill>
+                  <a:prstClr val="black"/>
+                </a:solidFill>
+                <a:latin typeface="Consolas" pitchFamily="49" charset="0"/>
+              </a:rPr>
+              <a:t>NonNegInt</a:t>
+            </a:r>
+            <a:r>
+              <a:rPr lang="en-US" sz="2400" b="1" dirty="0">
+                <a:solidFill>
+                  <a:prstClr val="black"/>
+                </a:solidFill>
+                <a:latin typeface="Consolas" pitchFamily="49" charset="0"/>
+              </a:rPr>
+              <a:t>)</a:t>
+            </a:r>
+          </a:p>
+          <a:p>
+            <a:pPr marL="0" lvl="0" indent="0">
               <a:buNone/>
             </a:pPr>
             <a:endParaRPr lang="en-US" sz="2400" b="1" dirty="0">
+              <a:solidFill>
+                <a:prstClr val="black"/>
+              </a:solidFill>
               <a:latin typeface="Consolas" pitchFamily="49" charset="0"/>
-              <a:cs typeface="Consolas" pitchFamily="49" charset="0"/>
             </a:endParaRPr>
           </a:p>
-          <a:p>
-            <a:pPr>
-              <a:buNone/>
-            </a:pPr>
-            <a:r>
-              <a:rPr lang="en-US" sz="2400" b="1" dirty="0">
-                <a:latin typeface="Consolas" pitchFamily="49" charset="0"/>
-                <a:cs typeface="Consolas" pitchFamily="49" charset="0"/>
-              </a:rPr>
-              <a:t>;; A </a:t>
-            </a:r>
-            <a:r>
-              <a:rPr lang="en-US" sz="2400" b="1" dirty="0" err="1">
-                <a:latin typeface="Consolas" pitchFamily="49" charset="0"/>
-                <a:cs typeface="Consolas" pitchFamily="49" charset="0"/>
-              </a:rPr>
-              <a:t>BarOrder</a:t>
-            </a:r>
-            <a:r>
-              <a:rPr lang="en-US" sz="2400" b="1" dirty="0">
-                <a:latin typeface="Consolas" pitchFamily="49" charset="0"/>
-                <a:cs typeface="Consolas" pitchFamily="49" charset="0"/>
-              </a:rPr>
-              <a:t> is one of</a:t>
-            </a:r>
-          </a:p>
-          <a:p>
-            <a:pPr>
-              <a:buNone/>
-            </a:pPr>
-            <a:r>
-              <a:rPr lang="en-US" sz="2400" b="1" dirty="0">
-                <a:latin typeface="Consolas" pitchFamily="49" charset="0"/>
-                <a:cs typeface="Consolas" pitchFamily="49" charset="0"/>
-              </a:rPr>
-              <a:t>;; -- (make-coffee Size Type Boolean)</a:t>
-            </a:r>
-          </a:p>
-          <a:p>
-            <a:pPr>
-              <a:buNone/>
-            </a:pPr>
-            <a:r>
-              <a:rPr lang="en-US" sz="2400" b="1" dirty="0">
-                <a:latin typeface="Consolas" pitchFamily="49" charset="0"/>
-                <a:cs typeface="Consolas" pitchFamily="49" charset="0"/>
-              </a:rPr>
-              <a:t>;; -- (make-wine Vineyard Year)</a:t>
-            </a:r>
-          </a:p>
-          <a:p>
-            <a:pPr>
-              <a:buNone/>
-            </a:pPr>
-            <a:r>
-              <a:rPr lang="en-US" sz="2400" b="1" dirty="0">
-                <a:latin typeface="Consolas" pitchFamily="49" charset="0"/>
-                <a:cs typeface="Consolas" pitchFamily="49" charset="0"/>
-              </a:rPr>
-              <a:t>;; -- (make-tea Size String)</a:t>
-            </a:r>
-          </a:p>
-        </p:txBody>
-      </p:sp>
-      <p:sp>
-        <p:nvSpPr>
-          <p:cNvPr id="10" name="Title 1"/>
-          <p:cNvSpPr txBox="1">
-            <a:spLocks/>
-          </p:cNvSpPr>
-          <p:nvPr/>
-        </p:nvSpPr>
-        <p:spPr>
-          <a:xfrm>
-            <a:off x="-1828800" y="5940723"/>
-            <a:ext cx="9144000" cy="1143000"/>
-          </a:xfrm>
-          <a:prstGeom prst="rect">
-            <a:avLst/>
-          </a:prstGeom>
-        </p:spPr>
-        <p:txBody>
-          <a:bodyPr vert="horz" lIns="91440" tIns="45720" rIns="91440" bIns="45720" rtlCol="0" anchor="ctr">
-            <a:normAutofit/>
-          </a:bodyPr>
-          <a:lstStyle>
-            <a:lvl1pPr algn="ctr" defTabSz="457200" rtl="0" eaLnBrk="1" latinLnBrk="0" hangingPunct="1">
-              <a:spcBef>
-                <a:spcPct val="0"/>
-              </a:spcBef>
-              <a:buNone/>
-              <a:defRPr sz="4400" kern="1200">
-                <a:solidFill>
-                  <a:schemeClr val="tx1"/>
-                </a:solidFill>
-                <a:latin typeface="+mj-lt"/>
-                <a:ea typeface="+mj-ea"/>
-                <a:cs typeface="+mj-cs"/>
-              </a:defRPr>
-            </a:lvl1pPr>
-          </a:lstStyle>
-          <a:p>
-            <a:pPr algn="l"/>
-            <a:r>
-              <a:rPr lang="en-US" dirty="0"/>
-              <a:t> </a:t>
-            </a:r>
-          </a:p>
-        </p:txBody>
-      </p:sp>
-      <p:sp>
-        <p:nvSpPr>
-          <p:cNvPr id="8" name="Slide Number Placeholder 7"/>
+        </p:txBody>
+      </p:sp>
+      <p:sp>
+        <p:nvSpPr>
+          <p:cNvPr id="4" name="Slide Number Placeholder 3"/>
           <p:cNvSpPr>
             <a:spLocks noGrp="1"/>
           </p:cNvSpPr>
@@ -5616,394 +5595,19 @@
               <a:pPr/>
               <a:t>13</a:t>
             </a:fld>
-            <a:endParaRPr lang="en-US" dirty="0"/>
-          </a:p>
-        </p:txBody>
-      </p:sp>
-      <p:sp>
-        <p:nvSpPr>
-          <p:cNvPr id="13" name="TextBox 12"/>
-          <p:cNvSpPr txBox="1"/>
-          <p:nvPr/>
-        </p:nvSpPr>
-        <p:spPr>
-          <a:xfrm>
-            <a:off x="5486400" y="4238663"/>
-            <a:ext cx="1666268" cy="923330"/>
-          </a:xfrm>
-          <a:prstGeom prst="rect">
-            <a:avLst/>
-          </a:prstGeom>
-          <a:ln/>
-        </p:spPr>
-        <p:style>
-          <a:lnRef idx="2">
-            <a:schemeClr val="accent1"/>
-          </a:lnRef>
-          <a:fillRef idx="1">
-            <a:schemeClr val="lt1"/>
-          </a:fillRef>
-          <a:effectRef idx="0">
-            <a:schemeClr val="accent1"/>
-          </a:effectRef>
-          <a:fontRef idx="minor">
-            <a:schemeClr val="dk1"/>
-          </a:fontRef>
-        </p:style>
-        <p:txBody>
-          <a:bodyPr wrap="square" rtlCol="0">
-            <a:spAutoFit/>
-          </a:bodyPr>
-          <a:lstStyle>
-            <a:defPPr>
-              <a:defRPr lang="en-US"/>
-            </a:defPPr>
-          </a:lstStyle>
-          <a:p>
-            <a:r>
-              <a:rPr lang="en-US" dirty="0"/>
-              <a:t>The kind of data in each field</a:t>
-            </a:r>
-          </a:p>
-        </p:txBody>
-      </p:sp>
-      <p:sp>
-        <p:nvSpPr>
-          <p:cNvPr id="14" name="Right Brace 13"/>
-          <p:cNvSpPr/>
-          <p:nvPr/>
-        </p:nvSpPr>
-        <p:spPr>
-          <a:xfrm rot="5400000" flipV="1">
-            <a:off x="5096044" y="1329624"/>
-            <a:ext cx="268976" cy="3167782"/>
-          </a:xfrm>
-          <a:prstGeom prst="rightBrace">
-            <a:avLst>
-              <a:gd name="adj1" fmla="val 32878"/>
-              <a:gd name="adj2" fmla="val 73897"/>
-            </a:avLst>
-          </a:prstGeom>
-          <a:ln w="28575">
-            <a:solidFill>
-              <a:schemeClr val="accent1"/>
-            </a:solidFill>
-          </a:ln>
-        </p:spPr>
-        <p:style>
-          <a:lnRef idx="1">
-            <a:schemeClr val="dk1"/>
-          </a:lnRef>
-          <a:fillRef idx="0">
-            <a:schemeClr val="dk1"/>
-          </a:fillRef>
-          <a:effectRef idx="0">
-            <a:schemeClr val="dk1"/>
-          </a:effectRef>
-          <a:fontRef idx="minor">
-            <a:schemeClr val="tx1"/>
-          </a:fontRef>
-        </p:style>
-        <p:txBody>
-          <a:bodyPr rtlCol="0" anchor="ctr"/>
-          <a:lstStyle/>
-          <a:p>
-            <a:pPr algn="ctr"/>
             <a:endParaRPr lang="en-US"/>
-          </a:p>
-        </p:txBody>
-      </p:sp>
-      <p:cxnSp>
-        <p:nvCxnSpPr>
-          <p:cNvPr id="15" name="Elbow Connector 24"/>
-          <p:cNvCxnSpPr>
-            <a:stCxn id="13" idx="0"/>
-          </p:cNvCxnSpPr>
-          <p:nvPr/>
-        </p:nvCxnSpPr>
-        <p:spPr>
-          <a:xfrm rot="16200000" flipV="1">
-            <a:off x="5612436" y="3531565"/>
-            <a:ext cx="1114463" cy="299734"/>
-          </a:xfrm>
-          <a:prstGeom prst="curvedConnector3">
-            <a:avLst>
-              <a:gd name="adj1" fmla="val 50000"/>
-            </a:avLst>
-          </a:prstGeom>
-          <a:ln w="19050">
-            <a:tailEnd type="arrow"/>
-          </a:ln>
-        </p:spPr>
-        <p:style>
-          <a:lnRef idx="1">
-            <a:schemeClr val="accent1"/>
-          </a:lnRef>
-          <a:fillRef idx="0">
-            <a:schemeClr val="accent1"/>
-          </a:fillRef>
-          <a:effectRef idx="0">
-            <a:schemeClr val="accent1"/>
-          </a:effectRef>
-          <a:fontRef idx="minor">
-            <a:schemeClr val="tx1"/>
-          </a:fontRef>
-        </p:style>
-      </p:cxnSp>
-      <p:sp>
-        <p:nvSpPr>
-          <p:cNvPr id="19" name="TextBox 18"/>
-          <p:cNvSpPr txBox="1"/>
-          <p:nvPr/>
-        </p:nvSpPr>
-        <p:spPr>
-          <a:xfrm>
-            <a:off x="1219200" y="4059833"/>
-            <a:ext cx="3124200" cy="923330"/>
-          </a:xfrm>
-          <a:prstGeom prst="rect">
-            <a:avLst/>
-          </a:prstGeom>
-          <a:solidFill>
-            <a:schemeClr val="accent3">
-              <a:lumMod val="40000"/>
-              <a:lumOff val="60000"/>
-            </a:schemeClr>
-          </a:solidFill>
-          <a:ln/>
-        </p:spPr>
-        <p:style>
-          <a:lnRef idx="2">
-            <a:schemeClr val="accent1"/>
-          </a:lnRef>
-          <a:fillRef idx="1">
-            <a:schemeClr val="lt1"/>
-          </a:fillRef>
-          <a:effectRef idx="0">
-            <a:schemeClr val="accent1"/>
-          </a:effectRef>
-          <a:fontRef idx="minor">
-            <a:schemeClr val="dk1"/>
-          </a:fontRef>
-        </p:style>
-        <p:txBody>
-          <a:bodyPr rot="0" spcFirstLastPara="0" vertOverflow="overflow" horzOverflow="overflow" vert="horz" wrap="square" lIns="91440" tIns="45720" rIns="91440" bIns="45720" numCol="1" spcCol="0" rtlCol="0" fromWordArt="0" anchor="ctr" anchorCtr="0" forceAA="0" compatLnSpc="1">
-            <a:prstTxWarp prst="textNoShape">
-              <a:avLst/>
-            </a:prstTxWarp>
-            <a:noAutofit/>
-          </a:bodyPr>
-          <a:lstStyle>
-            <a:defPPr>
-              <a:defRPr lang="en-US"/>
-            </a:defPPr>
-            <a:lvl1pPr>
-              <a:defRPr>
-                <a:solidFill>
-                  <a:schemeClr val="tx1"/>
-                </a:solidFill>
-              </a:defRPr>
-            </a:lvl1pPr>
-          </a:lstStyle>
-          <a:p>
-            <a:r>
-              <a:rPr lang="en-US" dirty="0"/>
-              <a:t>Presumably </a:t>
-            </a:r>
-            <a:r>
-              <a:rPr lang="en-US" b="1" dirty="0"/>
-              <a:t>Size</a:t>
-            </a:r>
-            <a:r>
-              <a:rPr lang="en-US" dirty="0"/>
-              <a:t>, </a:t>
-            </a:r>
-            <a:r>
-              <a:rPr lang="en-US" b="1" dirty="0"/>
-              <a:t>Type</a:t>
-            </a:r>
-            <a:r>
-              <a:rPr lang="en-US" dirty="0"/>
-              <a:t>, </a:t>
-            </a:r>
-            <a:r>
-              <a:rPr lang="en-US" b="1" dirty="0"/>
-              <a:t>Vineyard</a:t>
-            </a:r>
-            <a:r>
-              <a:rPr lang="en-US" dirty="0"/>
-              <a:t>, etc. are data types defined elsewhere</a:t>
-            </a:r>
-          </a:p>
-        </p:txBody>
-      </p:sp>
-    </p:spTree>
-    <p:extLst>
-      <p:ext uri="{BB962C8B-B14F-4D97-AF65-F5344CB8AC3E}">
-        <p14:creationId xmlns:p14="http://schemas.microsoft.com/office/powerpoint/2010/main" val="1447794702"/>
-      </p:ext>
-    </p:extLst>
-  </p:cSld>
-  <p:clrMapOvr>
-    <a:masterClrMapping/>
-  </p:clrMapOvr>
-</p:sld>
-</file>
-
-<file path=ppt/slides/slide14.xml><?xml version="1.0" encoding="utf-8"?>
-<p:sld xmlns:a="http://schemas.openxmlformats.org/drawingml/2006/main" xmlns:r="http://schemas.openxmlformats.org/officeDocument/2006/relationships" xmlns:p="http://schemas.openxmlformats.org/presentationml/2006/main">
-  <p:cSld>
-    <p:spTree>
-      <p:nvGrpSpPr>
-        <p:cNvPr id="1" name=""/>
-        <p:cNvGrpSpPr/>
-        <p:nvPr/>
-      </p:nvGrpSpPr>
-      <p:grpSpPr>
-        <a:xfrm>
-          <a:off x="0" y="0"/>
-          <a:ext cx="0" cy="0"/>
-          <a:chOff x="0" y="0"/>
-          <a:chExt cx="0" cy="0"/>
-        </a:xfrm>
-      </p:grpSpPr>
-      <p:sp>
-        <p:nvSpPr>
-          <p:cNvPr id="2" name="Title 1"/>
-          <p:cNvSpPr>
-            <a:spLocks noGrp="1"/>
-          </p:cNvSpPr>
-          <p:nvPr>
-            <p:ph type="title"/>
-          </p:nvPr>
-        </p:nvSpPr>
-        <p:spPr/>
-        <p:txBody>
-          <a:bodyPr>
-            <a:normAutofit fontScale="90000"/>
-          </a:bodyPr>
-          <a:lstStyle/>
-          <a:p>
-            <a:r>
-              <a:rPr lang="en-US" dirty="0"/>
-              <a:t>Example of a constructor template (compound data)</a:t>
-            </a:r>
-          </a:p>
-        </p:txBody>
-      </p:sp>
-      <p:sp>
-        <p:nvSpPr>
-          <p:cNvPr id="4" name="Content Placeholder 3"/>
-          <p:cNvSpPr>
-            <a:spLocks noGrp="1"/>
-          </p:cNvSpPr>
-          <p:nvPr>
-            <p:ph idx="1"/>
-          </p:nvPr>
-        </p:nvSpPr>
-        <p:spPr>
-          <a:xfrm>
-            <a:off x="457200" y="1600200"/>
-            <a:ext cx="8610600" cy="4525963"/>
-          </a:xfrm>
-        </p:spPr>
-        <p:txBody>
-          <a:bodyPr/>
-          <a:lstStyle/>
-          <a:p>
-            <a:pPr marL="342900" indent="-342900">
-              <a:buFont typeface="Arial" panose="020B0604020202020204" pitchFamily="34" charset="0"/>
-              <a:buChar char="•"/>
-            </a:pPr>
-            <a:r>
-              <a:rPr lang="en-US" sz="2400" b="0" dirty="0">
-                <a:latin typeface="+mn-lt"/>
-              </a:rPr>
-              <a:t>For compound data, there’s only one alternative, so you’d write one </a:t>
-            </a:r>
-            <a:r>
-              <a:rPr lang="en-US" sz="2400" b="0" dirty="0" err="1">
-                <a:latin typeface="+mn-lt"/>
-              </a:rPr>
-              <a:t>struct</a:t>
-            </a:r>
-            <a:r>
-              <a:rPr lang="en-US" sz="2400" b="0" dirty="0">
-                <a:latin typeface="+mn-lt"/>
-              </a:rPr>
-              <a:t> definition and have one line in the constructor template:</a:t>
-            </a:r>
-          </a:p>
-          <a:p>
-            <a:endParaRPr lang="en-US" sz="2400" dirty="0"/>
-          </a:p>
-          <a:p>
-            <a:r>
-              <a:rPr lang="en-US" sz="2400" dirty="0"/>
-              <a:t>(define-</a:t>
-            </a:r>
-            <a:r>
-              <a:rPr lang="en-US" sz="2400" dirty="0" err="1"/>
-              <a:t>struct</a:t>
-            </a:r>
-            <a:r>
-              <a:rPr lang="en-US" sz="2400" dirty="0"/>
-              <a:t> book (author title on-hand price))</a:t>
-            </a:r>
-          </a:p>
-          <a:p>
-            <a:endParaRPr lang="en-US" sz="2400" dirty="0"/>
-          </a:p>
-          <a:p>
-            <a:r>
-              <a:rPr lang="en-US" sz="2400" dirty="0"/>
-              <a:t>;; A Book is a </a:t>
-            </a:r>
-          </a:p>
-          <a:p>
-            <a:r>
-              <a:rPr lang="en-US" sz="2400" dirty="0"/>
-              <a:t>;;  (make-book String </a:t>
-            </a:r>
-            <a:r>
-              <a:rPr lang="en-US" sz="2400" dirty="0" err="1"/>
-              <a:t>String</a:t>
-            </a:r>
-            <a:r>
-              <a:rPr lang="en-US" sz="2400" dirty="0"/>
-              <a:t> </a:t>
-            </a:r>
-            <a:r>
-              <a:rPr lang="en-US" sz="2400" dirty="0" err="1"/>
-              <a:t>NonNegInt</a:t>
-            </a:r>
-            <a:r>
-              <a:rPr lang="en-US" sz="2400" dirty="0"/>
-              <a:t> </a:t>
-            </a:r>
-            <a:r>
-              <a:rPr lang="en-US" sz="2400" dirty="0" err="1"/>
-              <a:t>NonNegInt</a:t>
-            </a:r>
-            <a:r>
-              <a:rPr lang="en-US" sz="2400" dirty="0"/>
-              <a:t>)</a:t>
-            </a:r>
-          </a:p>
-          <a:p>
-            <a:endParaRPr lang="en-US" dirty="0"/>
           </a:p>
         </p:txBody>
       </p:sp>
       <p:grpSp>
         <p:nvGrpSpPr>
-          <p:cNvPr id="5" name="Group 4"/>
+          <p:cNvPr id="6" name="Group 5"/>
           <p:cNvGrpSpPr/>
           <p:nvPr/>
         </p:nvGrpSpPr>
         <p:grpSpPr>
           <a:xfrm>
-            <a:off x="3068995" y="4967316"/>
+            <a:off x="3037040" y="4267200"/>
             <a:ext cx="5649760" cy="1754159"/>
             <a:chOff x="3061621" y="3352801"/>
             <a:chExt cx="5649760" cy="1754159"/>
@@ -6011,7 +5615,7 @@
         </p:grpSpPr>
         <p:sp>
           <p:nvSpPr>
-            <p:cNvPr id="9" name="TextBox 8"/>
+            <p:cNvPr id="7" name="TextBox 6"/>
             <p:cNvSpPr txBox="1"/>
             <p:nvPr/>
           </p:nvSpPr>
@@ -6054,7 +5658,7 @@
         </p:sp>
         <p:sp>
           <p:nvSpPr>
-            <p:cNvPr id="10" name="Right Brace 9"/>
+            <p:cNvPr id="8" name="Right Brace 7"/>
             <p:cNvSpPr/>
             <p:nvPr/>
           </p:nvSpPr>
@@ -6100,7 +5704,7 @@
         </p:sp>
         <p:cxnSp>
           <p:nvCxnSpPr>
-            <p:cNvPr id="11" name="Elbow Connector 24"/>
+            <p:cNvPr id="9" name="Elbow Connector 24"/>
             <p:cNvCxnSpPr/>
             <p:nvPr/>
           </p:nvCxnSpPr>
@@ -6134,34 +5738,10 @@
           </p:style>
         </p:cxnSp>
       </p:grpSp>
-      <p:sp>
-        <p:nvSpPr>
-          <p:cNvPr id="3" name="Slide Number Placeholder 2"/>
-          <p:cNvSpPr>
-            <a:spLocks noGrp="1"/>
-          </p:cNvSpPr>
-          <p:nvPr>
-            <p:ph type="sldNum" sz="quarter" idx="12"/>
-          </p:nvPr>
-        </p:nvSpPr>
-        <p:spPr/>
-        <p:txBody>
-          <a:bodyPr/>
-          <a:lstStyle/>
-          <a:p>
-            <a:fld id="{8D704B19-8EED-495A-99FA-12E5518CCC54}" type="slidenum">
-              <a:rPr lang="en-US" smtClean="0"/>
-              <a:pPr/>
-              <a:t>14</a:t>
-            </a:fld>
-            <a:endParaRPr lang="en-US" dirty="0"/>
-          </a:p>
-        </p:txBody>
-      </p:sp>
     </p:spTree>
     <p:extLst>
       <p:ext uri="{BB962C8B-B14F-4D97-AF65-F5344CB8AC3E}">
-        <p14:creationId xmlns:p14="http://schemas.microsoft.com/office/powerpoint/2010/main" val="2555144159"/>
+        <p14:creationId xmlns:p14="http://schemas.microsoft.com/office/powerpoint/2010/main" val="1666278543"/>
       </p:ext>
     </p:extLst>
   </p:cSld>
@@ -6171,7 +5751,7 @@
 </p:sld>
 </file>
 
-<file path=ppt/slides/slide15.xml><?xml version="1.0" encoding="utf-8"?>
+<file path=ppt/slides/slide14.xml><?xml version="1.0" encoding="utf-8"?>
 <p:sld xmlns:a="http://schemas.openxmlformats.org/drawingml/2006/main" xmlns:r="http://schemas.openxmlformats.org/officeDocument/2006/relationships" xmlns:p="http://schemas.openxmlformats.org/presentationml/2006/main">
   <p:cSld>
     <p:spTree>
@@ -6190,6 +5770,34 @@
       </p:grpSpPr>
       <p:sp>
         <p:nvSpPr>
+          <p:cNvPr id="5" name="Content Placeholder 4"/>
+          <p:cNvSpPr>
+            <a:spLocks noGrp="1"/>
+          </p:cNvSpPr>
+          <p:nvPr>
+            <p:ph idx="1"/>
+          </p:nvPr>
+        </p:nvSpPr>
+        <p:spPr/>
+        <p:txBody>
+          <a:bodyPr/>
+          <a:lstStyle/>
+          <a:p>
+            <a:r>
+              <a:rPr lang="en-US" dirty="0"/>
+              <a:t>Example: a ring</a:t>
+            </a:r>
+          </a:p>
+          <a:p>
+            <a:pPr marL="0" indent="0">
+              <a:buNone/>
+            </a:pPr>
+            <a:endParaRPr lang="en-US" dirty="0"/>
+          </a:p>
+        </p:txBody>
+      </p:sp>
+      <p:sp>
+        <p:nvSpPr>
           <p:cNvPr id="4" name="Title 3"/>
           <p:cNvSpPr>
             <a:spLocks noGrp="1"/>
@@ -6208,28 +5816,6 @@
             <a:r>
               <a:rPr lang="en-US" dirty="0"/>
               <a:t>Sometimes this format isn't enough</a:t>
-            </a:r>
-          </a:p>
-        </p:txBody>
-      </p:sp>
-      <p:sp>
-        <p:nvSpPr>
-          <p:cNvPr id="5" name="Content Placeholder 4"/>
-          <p:cNvSpPr>
-            <a:spLocks noGrp="1"/>
-          </p:cNvSpPr>
-          <p:nvPr>
-            <p:ph idx="1"/>
-          </p:nvPr>
-        </p:nvSpPr>
-        <p:spPr/>
-        <p:txBody>
-          <a:bodyPr/>
-          <a:lstStyle/>
-          <a:p>
-            <a:r>
-              <a:rPr lang="en-US" dirty="0"/>
-              <a:t>Example: a ring</a:t>
             </a:r>
           </a:p>
         </p:txBody>
@@ -6501,8 +6087,229 @@
             <a:fld id="{8D704B19-8EED-495A-99FA-12E5518CCC54}" type="slidenum">
               <a:rPr lang="en-US" smtClean="0"/>
               <a:pPr/>
-              <a:t>15</a:t>
+              <a:t>14</a:t>
             </a:fld>
+            <a:endParaRPr lang="en-US"/>
+          </a:p>
+        </p:txBody>
+      </p:sp>
+      <p:sp>
+        <p:nvSpPr>
+          <p:cNvPr id="3" name="TextBox 2"/>
+          <p:cNvSpPr txBox="1"/>
+          <p:nvPr/>
+        </p:nvSpPr>
+        <p:spPr>
+          <a:xfrm>
+            <a:off x="609600" y="2438400"/>
+            <a:ext cx="2895600" cy="646331"/>
+          </a:xfrm>
+          <a:prstGeom prst="rect">
+            <a:avLst/>
+          </a:prstGeom>
+          <a:solidFill>
+            <a:schemeClr val="accent1">
+              <a:lumMod val="20000"/>
+              <a:lumOff val="80000"/>
+            </a:schemeClr>
+          </a:solidFill>
+        </p:spPr>
+        <p:txBody>
+          <a:bodyPr wrap="square" rtlCol="0">
+            <a:spAutoFit/>
+          </a:bodyPr>
+          <a:lstStyle/>
+          <a:p>
+            <a:r>
+              <a:rPr lang="en-US" dirty="0"/>
+              <a:t>This only makes sense if inner &lt; outer .</a:t>
+            </a:r>
+          </a:p>
+        </p:txBody>
+      </p:sp>
+      <p:sp>
+        <p:nvSpPr>
+          <p:cNvPr id="6" name="TextBox 5"/>
+          <p:cNvSpPr txBox="1"/>
+          <p:nvPr/>
+        </p:nvSpPr>
+        <p:spPr>
+          <a:xfrm>
+            <a:off x="609600" y="3312351"/>
+            <a:ext cx="2895600" cy="1200329"/>
+          </a:xfrm>
+          <a:prstGeom prst="rect">
+            <a:avLst/>
+          </a:prstGeom>
+          <a:solidFill>
+            <a:schemeClr val="accent1">
+              <a:lumMod val="20000"/>
+              <a:lumOff val="80000"/>
+            </a:schemeClr>
+          </a:solidFill>
+        </p:spPr>
+        <p:txBody>
+          <a:bodyPr wrap="square" rtlCol="0">
+            <a:spAutoFit/>
+          </a:bodyPr>
+          <a:lstStyle/>
+          <a:p>
+            <a:r>
+              <a:rPr lang="en-US" dirty="0"/>
+              <a:t>We need to document this, so anybody who builds a ring will know that he or she has to satisfy this condition</a:t>
+            </a:r>
+          </a:p>
+        </p:txBody>
+      </p:sp>
+      <p:sp>
+        <p:nvSpPr>
+          <p:cNvPr id="7" name="TextBox 6"/>
+          <p:cNvSpPr txBox="1"/>
+          <p:nvPr/>
+        </p:nvSpPr>
+        <p:spPr>
+          <a:xfrm>
+            <a:off x="752640" y="5069729"/>
+            <a:ext cx="3810000" cy="1200329"/>
+          </a:xfrm>
+          <a:prstGeom prst="rect">
+            <a:avLst/>
+          </a:prstGeom>
+          <a:solidFill>
+            <a:schemeClr val="accent2">
+              <a:lumMod val="20000"/>
+              <a:lumOff val="80000"/>
+            </a:schemeClr>
+          </a:solidFill>
+        </p:spPr>
+        <p:txBody>
+          <a:bodyPr wrap="square" rtlCol="0">
+            <a:spAutoFit/>
+          </a:bodyPr>
+          <a:lstStyle/>
+          <a:p>
+            <a:r>
+              <a:rPr lang="en-US" dirty="0"/>
+              <a:t>This condition is called a </a:t>
+            </a:r>
+            <a:r>
+              <a:rPr lang="en-US" i="1" dirty="0">
+                <a:solidFill>
+                  <a:srgbClr val="FF0000"/>
+                </a:solidFill>
+              </a:rPr>
+              <a:t>precondition</a:t>
+            </a:r>
+            <a:r>
+              <a:rPr lang="en-US" dirty="0"/>
+              <a:t> or an </a:t>
+            </a:r>
+            <a:r>
+              <a:rPr lang="en-US" i="1" dirty="0">
+                <a:solidFill>
+                  <a:srgbClr val="FF0000"/>
+                </a:solidFill>
+              </a:rPr>
+              <a:t>invariant</a:t>
+            </a:r>
+            <a:r>
+              <a:rPr lang="en-US" dirty="0"/>
+              <a:t>. Remember those words! Conditions like this will come up over and over again as we go along.</a:t>
+            </a:r>
+          </a:p>
+        </p:txBody>
+      </p:sp>
+      <p:sp>
+        <p:nvSpPr>
+          <p:cNvPr id="8" name="Freeform: Shape 7"/>
+          <p:cNvSpPr/>
+          <p:nvPr/>
+        </p:nvSpPr>
+        <p:spPr>
+          <a:xfrm>
+            <a:off x="2066464" y="3063240"/>
+            <a:ext cx="576152" cy="1984248"/>
+          </a:xfrm>
+          <a:custGeom>
+            <a:avLst/>
+            <a:gdLst>
+              <a:gd name="connsiteX0" fmla="*/ 576152 w 576152"/>
+              <a:gd name="connsiteY0" fmla="*/ 1984248 h 1984248"/>
+              <a:gd name="connsiteX1" fmla="*/ 80 w 576152"/>
+              <a:gd name="connsiteY1" fmla="*/ 1042416 h 1984248"/>
+              <a:gd name="connsiteX2" fmla="*/ 530432 w 576152"/>
+              <a:gd name="connsiteY2" fmla="*/ 493776 h 1984248"/>
+              <a:gd name="connsiteX3" fmla="*/ 9224 w 576152"/>
+              <a:gd name="connsiteY3" fmla="*/ 0 h 1984248"/>
+            </a:gdLst>
+            <a:ahLst/>
+            <a:cxnLst>
+              <a:cxn ang="0">
+                <a:pos x="connsiteX0" y="connsiteY0"/>
+              </a:cxn>
+              <a:cxn ang="0">
+                <a:pos x="connsiteX1" y="connsiteY1"/>
+              </a:cxn>
+              <a:cxn ang="0">
+                <a:pos x="connsiteX2" y="connsiteY2"/>
+              </a:cxn>
+              <a:cxn ang="0">
+                <a:pos x="connsiteX3" y="connsiteY3"/>
+              </a:cxn>
+            </a:cxnLst>
+            <a:rect l="l" t="t" r="r" b="b"/>
+            <a:pathLst>
+              <a:path w="576152" h="1984248">
+                <a:moveTo>
+                  <a:pt x="576152" y="1984248"/>
+                </a:moveTo>
+                <a:cubicBezTo>
+                  <a:pt x="291926" y="1637538"/>
+                  <a:pt x="7700" y="1290828"/>
+                  <a:pt x="80" y="1042416"/>
+                </a:cubicBezTo>
+                <a:cubicBezTo>
+                  <a:pt x="-7540" y="794004"/>
+                  <a:pt x="528908" y="667512"/>
+                  <a:pt x="530432" y="493776"/>
+                </a:cubicBezTo>
+                <a:cubicBezTo>
+                  <a:pt x="531956" y="320040"/>
+                  <a:pt x="270590" y="160020"/>
+                  <a:pt x="9224" y="0"/>
+                </a:cubicBezTo>
+              </a:path>
+            </a:pathLst>
+          </a:custGeom>
+          <a:noFill/>
+          <a:ln w="22225">
+            <a:solidFill>
+              <a:schemeClr val="accent2"/>
+            </a:solidFill>
+            <a:tailEnd type="triangle"/>
+          </a:ln>
+        </p:spPr>
+        <p:style>
+          <a:lnRef idx="2">
+            <a:schemeClr val="accent1">
+              <a:shade val="50000"/>
+            </a:schemeClr>
+          </a:lnRef>
+          <a:fillRef idx="1">
+            <a:schemeClr val="accent1"/>
+          </a:fillRef>
+          <a:effectRef idx="0">
+            <a:schemeClr val="accent1"/>
+          </a:effectRef>
+          <a:fontRef idx="minor">
+            <a:schemeClr val="lt1"/>
+          </a:fontRef>
+        </p:style>
+        <p:txBody>
+          <a:bodyPr rtlCol="0" anchor="ctr"/>
+          <a:lstStyle/>
+          <a:p>
+            <a:pPr algn="ctr"/>
             <a:endParaRPr lang="en-US"/>
           </a:p>
         </p:txBody>
@@ -6511,6 +6318,207 @@
     <p:extLst>
       <p:ext uri="{BB962C8B-B14F-4D97-AF65-F5344CB8AC3E}">
         <p14:creationId xmlns:p14="http://schemas.microsoft.com/office/powerpoint/2010/main" val="55492968"/>
+      </p:ext>
+    </p:extLst>
+  </p:cSld>
+  <p:clrMapOvr>
+    <a:masterClrMapping/>
+  </p:clrMapOvr>
+</p:sld>
+</file>
+
+<file path=ppt/slides/slide15.xml><?xml version="1.0" encoding="utf-8"?>
+<p:sld xmlns:a="http://schemas.openxmlformats.org/drawingml/2006/main" xmlns:r="http://schemas.openxmlformats.org/officeDocument/2006/relationships" xmlns:p="http://schemas.openxmlformats.org/presentationml/2006/main">
+  <p:cSld>
+    <p:spTree>
+      <p:nvGrpSpPr>
+        <p:cNvPr id="1" name=""/>
+        <p:cNvGrpSpPr/>
+        <p:nvPr/>
+      </p:nvGrpSpPr>
+      <p:grpSpPr>
+        <a:xfrm>
+          <a:off x="0" y="0"/>
+          <a:ext cx="0" cy="0"/>
+          <a:chOff x="0" y="0"/>
+          <a:chExt cx="0" cy="0"/>
+        </a:xfrm>
+      </p:grpSpPr>
+      <p:sp>
+        <p:nvSpPr>
+          <p:cNvPr id="2" name="Title 1"/>
+          <p:cNvSpPr>
+            <a:spLocks noGrp="1"/>
+          </p:cNvSpPr>
+          <p:nvPr>
+            <p:ph type="title"/>
+          </p:nvPr>
+        </p:nvSpPr>
+        <p:spPr/>
+        <p:txBody>
+          <a:bodyPr>
+            <a:normAutofit fontScale="90000"/>
+          </a:bodyPr>
+          <a:lstStyle/>
+          <a:p>
+            <a:r>
+              <a:rPr lang="en-US" dirty="0"/>
+              <a:t>We document this in the representation</a:t>
+            </a:r>
+          </a:p>
+        </p:txBody>
+      </p:sp>
+      <p:sp>
+        <p:nvSpPr>
+          <p:cNvPr id="3" name="Content Placeholder 2"/>
+          <p:cNvSpPr>
+            <a:spLocks noGrp="1"/>
+          </p:cNvSpPr>
+          <p:nvPr>
+            <p:ph idx="1"/>
+          </p:nvPr>
+        </p:nvSpPr>
+        <p:spPr/>
+        <p:txBody>
+          <a:bodyPr>
+            <a:normAutofit fontScale="70000" lnSpcReduction="20000"/>
+          </a:bodyPr>
+          <a:lstStyle/>
+          <a:p>
+            <a:r>
+              <a:rPr lang="en-US" dirty="0"/>
+              <a:t>;; REPRESENTATION</a:t>
+            </a:r>
+          </a:p>
+          <a:p>
+            <a:r>
+              <a:rPr lang="en-US" dirty="0"/>
+              <a:t>;; A Ring is represented as a struct</a:t>
+            </a:r>
+          </a:p>
+          <a:p>
+            <a:r>
+              <a:rPr lang="en-US" dirty="0"/>
+              <a:t>;;  (make-ring inner outer)</a:t>
+            </a:r>
+          </a:p>
+          <a:p>
+            <a:r>
+              <a:rPr lang="en-US" dirty="0"/>
+              <a:t>;; with the following fields:</a:t>
+            </a:r>
+          </a:p>
+          <a:p>
+            <a:r>
+              <a:rPr lang="en-US" dirty="0"/>
+              <a:t>;; inner : </a:t>
+            </a:r>
+            <a:r>
+              <a:rPr lang="en-US" dirty="0" err="1"/>
+              <a:t>PosReal</a:t>
+            </a:r>
+            <a:r>
+              <a:rPr lang="en-US" dirty="0"/>
+              <a:t>  is the ring's inner radius</a:t>
+            </a:r>
+          </a:p>
+          <a:p>
+            <a:r>
+              <a:rPr lang="en-US" dirty="0"/>
+              <a:t>;; outer : </a:t>
+            </a:r>
+            <a:r>
+              <a:rPr lang="en-US" dirty="0" err="1"/>
+              <a:t>PosReal</a:t>
+            </a:r>
+            <a:r>
+              <a:rPr lang="en-US" dirty="0"/>
+              <a:t>  is the ring's outer radius</a:t>
+            </a:r>
+          </a:p>
+          <a:p>
+            <a:r>
+              <a:rPr lang="en-US" dirty="0"/>
+              <a:t>;; WHERE (&lt; inner outer) is true</a:t>
+            </a:r>
+          </a:p>
+          <a:p>
+            <a:endParaRPr lang="en-US" dirty="0"/>
+          </a:p>
+          <a:p>
+            <a:r>
+              <a:rPr lang="en-US" dirty="0"/>
+              <a:t>;; IMPLEMENTATION</a:t>
+            </a:r>
+          </a:p>
+          <a:p>
+            <a:r>
+              <a:rPr lang="en-US" dirty="0"/>
+              <a:t>(define-struct ring (inner outer))</a:t>
+            </a:r>
+          </a:p>
+          <a:p>
+            <a:endParaRPr lang="en-US" dirty="0"/>
+          </a:p>
+          <a:p>
+            <a:r>
+              <a:rPr lang="en-US" dirty="0"/>
+              <a:t>;; CONSTRUCTOR TEMPLATE:</a:t>
+            </a:r>
+          </a:p>
+          <a:p>
+            <a:r>
+              <a:rPr lang="en-US" dirty="0"/>
+              <a:t>;; (make-ring </a:t>
+            </a:r>
+            <a:r>
+              <a:rPr lang="en-US" dirty="0" err="1"/>
+              <a:t>PosReal</a:t>
+            </a:r>
+            <a:r>
+              <a:rPr lang="en-US" dirty="0"/>
+              <a:t> </a:t>
+            </a:r>
+            <a:r>
+              <a:rPr lang="en-US" dirty="0" err="1"/>
+              <a:t>PosReal</a:t>
+            </a:r>
+            <a:r>
+              <a:rPr lang="en-US" dirty="0"/>
+              <a:t>)</a:t>
+            </a:r>
+            <a:endParaRPr lang="en-US" dirty="0"/>
+          </a:p>
+        </p:txBody>
+      </p:sp>
+      <p:sp>
+        <p:nvSpPr>
+          <p:cNvPr id="4" name="Slide Number Placeholder 3"/>
+          <p:cNvSpPr>
+            <a:spLocks noGrp="1"/>
+          </p:cNvSpPr>
+          <p:nvPr>
+            <p:ph type="sldNum" sz="quarter" idx="12"/>
+          </p:nvPr>
+        </p:nvSpPr>
+        <p:spPr/>
+        <p:txBody>
+          <a:bodyPr/>
+          <a:lstStyle/>
+          <a:p>
+            <a:fld id="{8D704B19-8EED-495A-99FA-12E5518CCC54}" type="slidenum">
+              <a:rPr lang="en-US" smtClean="0"/>
+              <a:pPr/>
+              <a:t>15</a:t>
+            </a:fld>
+            <a:endParaRPr lang="en-US" dirty="0"/>
+          </a:p>
+        </p:txBody>
+      </p:sp>
+    </p:spTree>
+    <p:extLst>
+      <p:ext uri="{BB962C8B-B14F-4D97-AF65-F5344CB8AC3E}">
+        <p14:creationId xmlns:p14="http://schemas.microsoft.com/office/powerpoint/2010/main" val="1913821650"/>
       </p:ext>
     </p:extLst>
   </p:cSld>
@@ -6549,21 +6557,19 @@
         </p:nvSpPr>
         <p:spPr/>
         <p:txBody>
-          <a:bodyPr>
-            <a:normAutofit/>
-          </a:bodyPr>
-          <a:lstStyle/>
-          <a:p>
-            <a:r>
-              <a:rPr lang="en-US" dirty="0"/>
-              <a:t>Constructor Template for a ring</a:t>
-            </a:r>
-          </a:p>
-        </p:txBody>
-      </p:sp>
-      <p:sp>
-        <p:nvSpPr>
-          <p:cNvPr id="3" name="Content Placeholder 2"/>
+          <a:bodyPr/>
+          <a:lstStyle/>
+          <a:p>
+            <a:r>
+              <a:rPr lang="en-US" dirty="0"/>
+              <a:t>DDR Step 5: Observer Template</a:t>
+            </a:r>
+          </a:p>
+        </p:txBody>
+      </p:sp>
+      <p:sp>
+        <p:nvSpPr>
+          <p:cNvPr id="4" name="Content Placeholder 3"/>
           <p:cNvSpPr>
             <a:spLocks noGrp="1"/>
           </p:cNvSpPr>
@@ -6573,150 +6579,25 @@
         </p:nvSpPr>
         <p:spPr/>
         <p:txBody>
-          <a:bodyPr>
-            <a:normAutofit/>
-          </a:bodyPr>
-          <a:lstStyle/>
-          <a:p>
-            <a:r>
-              <a:rPr lang="en-US" sz="2800" dirty="0"/>
-              <a:t>You could apply make-ring to any two numbers</a:t>
-            </a:r>
-          </a:p>
-          <a:p>
-            <a:r>
-              <a:rPr lang="en-US" sz="2800" dirty="0"/>
-              <a:t>But only some combinations of the arguments make sense.  We document this with the </a:t>
-            </a:r>
-            <a:r>
-              <a:rPr lang="en-US" sz="2800" dirty="0">
-                <a:solidFill>
-                  <a:srgbClr val="FF0000"/>
-                </a:solidFill>
-              </a:rPr>
-              <a:t>WHERE</a:t>
-            </a:r>
-            <a:r>
-              <a:rPr lang="en-US" sz="2800" dirty="0"/>
-              <a:t> clause.</a:t>
-            </a:r>
-          </a:p>
-          <a:p>
-            <a:endParaRPr lang="en-US" sz="2800" dirty="0"/>
-          </a:p>
-          <a:p>
-            <a:pPr lvl="0">
-              <a:buNone/>
-            </a:pPr>
-            <a:r>
-              <a:rPr lang="en-US" sz="2000" b="1" dirty="0">
-                <a:solidFill>
-                  <a:prstClr val="black"/>
-                </a:solidFill>
-                <a:latin typeface="Consolas" pitchFamily="49" charset="0"/>
-                <a:cs typeface="Consolas" pitchFamily="49" charset="0"/>
-              </a:rPr>
-              <a:t>(define-struct ring (inner outer))</a:t>
-            </a:r>
-          </a:p>
-          <a:p>
-            <a:pPr lvl="0">
-              <a:buNone/>
-            </a:pPr>
-            <a:r>
-              <a:rPr lang="en-US" sz="2000" b="1" dirty="0">
-                <a:solidFill>
-                  <a:prstClr val="black"/>
-                </a:solidFill>
-                <a:latin typeface="Consolas" pitchFamily="49" charset="0"/>
-                <a:cs typeface="Consolas" pitchFamily="49" charset="0"/>
-              </a:rPr>
-              <a:t>;; A Ring is a (make-ring </a:t>
-            </a:r>
-            <a:r>
-              <a:rPr lang="en-US" sz="2000" b="1" dirty="0" err="1">
-                <a:solidFill>
-                  <a:prstClr val="black"/>
-                </a:solidFill>
-                <a:latin typeface="Consolas" pitchFamily="49" charset="0"/>
-                <a:cs typeface="Consolas" pitchFamily="49" charset="0"/>
-              </a:rPr>
-              <a:t>PosNum</a:t>
-            </a:r>
-            <a:r>
-              <a:rPr lang="en-US" sz="2000" b="1" dirty="0">
-                <a:solidFill>
-                  <a:prstClr val="black"/>
-                </a:solidFill>
-                <a:latin typeface="Consolas" pitchFamily="49" charset="0"/>
-                <a:cs typeface="Consolas" pitchFamily="49" charset="0"/>
-              </a:rPr>
-              <a:t> </a:t>
-            </a:r>
-            <a:r>
-              <a:rPr lang="en-US" sz="2000" b="1" dirty="0" err="1">
-                <a:solidFill>
-                  <a:prstClr val="black"/>
-                </a:solidFill>
-                <a:latin typeface="Consolas" pitchFamily="49" charset="0"/>
-                <a:cs typeface="Consolas" pitchFamily="49" charset="0"/>
-              </a:rPr>
-              <a:t>PosNum</a:t>
-            </a:r>
-            <a:r>
-              <a:rPr lang="en-US" sz="2000" b="1" dirty="0">
-                <a:solidFill>
-                  <a:prstClr val="black"/>
-                </a:solidFill>
-                <a:latin typeface="Consolas" pitchFamily="49" charset="0"/>
-                <a:cs typeface="Consolas" pitchFamily="49" charset="0"/>
-              </a:rPr>
-              <a:t>)</a:t>
-            </a:r>
-          </a:p>
-          <a:p>
-            <a:pPr lvl="0">
-              <a:buNone/>
-            </a:pPr>
-            <a:r>
-              <a:rPr lang="en-US" sz="2000" b="1" dirty="0">
-                <a:solidFill>
-                  <a:prstClr val="black"/>
-                </a:solidFill>
-                <a:latin typeface="Consolas" pitchFamily="49" charset="0"/>
-                <a:cs typeface="Consolas" pitchFamily="49" charset="0"/>
-              </a:rPr>
-              <a:t>;; </a:t>
-            </a:r>
-            <a:r>
-              <a:rPr lang="en-US" sz="2000" b="1" dirty="0">
-                <a:solidFill>
-                  <a:srgbClr val="FF0000"/>
-                </a:solidFill>
-                <a:latin typeface="Consolas" pitchFamily="49" charset="0"/>
-                <a:cs typeface="Consolas" pitchFamily="49" charset="0"/>
-              </a:rPr>
-              <a:t>WHERE</a:t>
-            </a:r>
-            <a:r>
-              <a:rPr lang="en-US" sz="2000" b="1" dirty="0">
-                <a:solidFill>
-                  <a:prstClr val="black"/>
-                </a:solidFill>
-                <a:latin typeface="Consolas" pitchFamily="49" charset="0"/>
-                <a:cs typeface="Consolas" pitchFamily="49" charset="0"/>
-              </a:rPr>
-              <a:t>: (&lt; inner outer) is true.</a:t>
-            </a:r>
-          </a:p>
-          <a:p>
-            <a:endParaRPr lang="en-US" dirty="0"/>
-          </a:p>
-        </p:txBody>
-      </p:sp>
-      <p:sp>
-        <p:nvSpPr>
-          <p:cNvPr id="4" name="Slide Number Placeholder 3"/>
+          <a:bodyPr/>
+          <a:lstStyle/>
+          <a:p>
+            <a:r>
+              <a:rPr lang="en-US" dirty="0"/>
+              <a:t>The observer template (or just the template, for short) gives a skeleton for functions that examine or use the data.</a:t>
+            </a:r>
+          </a:p>
+          <a:p>
+            <a:r>
+              <a:rPr lang="en-US" dirty="0"/>
+              <a:t>For compound data, this is easy:</a:t>
+            </a:r>
+          </a:p>
+        </p:txBody>
+      </p:sp>
+      <p:sp>
+        <p:nvSpPr>
+          <p:cNvPr id="3" name="Slide Number Placeholder 2"/>
           <p:cNvSpPr>
             <a:spLocks noGrp="1"/>
           </p:cNvSpPr>
@@ -6741,7 +6622,7 @@
     </p:spTree>
     <p:extLst>
       <p:ext uri="{BB962C8B-B14F-4D97-AF65-F5344CB8AC3E}">
-        <p14:creationId xmlns:p14="http://schemas.microsoft.com/office/powerpoint/2010/main" val="2581517660"/>
+        <p14:creationId xmlns:p14="http://schemas.microsoft.com/office/powerpoint/2010/main" val="3495533718"/>
       </p:ext>
     </p:extLst>
   </p:cSld>
@@ -6787,14 +6668,14 @@
           <a:p>
             <a:r>
               <a:rPr lang="en-US" dirty="0"/>
-              <a:t>Example of a constructor template: itemization data</a:t>
-            </a:r>
-          </a:p>
-        </p:txBody>
-      </p:sp>
-      <p:sp>
-        <p:nvSpPr>
-          <p:cNvPr id="7" name="Content Placeholder 6"/>
+              <a:t>Observer template for compound data</a:t>
+            </a:r>
+          </a:p>
+        </p:txBody>
+      </p:sp>
+      <p:sp>
+        <p:nvSpPr>
+          <p:cNvPr id="3" name="Content Placeholder 2"/>
           <p:cNvSpPr>
             <a:spLocks noGrp="1"/>
           </p:cNvSpPr>
@@ -6804,27 +6685,82 @@
         </p:nvSpPr>
         <p:spPr/>
         <p:txBody>
-          <a:bodyPr/>
-          <a:lstStyle/>
-          <a:p>
-            <a:r>
-              <a:rPr lang="en-US" dirty="0"/>
-              <a:t>For itemization data, there are no </a:t>
-            </a:r>
-            <a:r>
-              <a:rPr lang="en-US" b="1" dirty="0" err="1"/>
-              <a:t>struct</a:t>
-            </a:r>
-            <a:r>
-              <a:rPr lang="en-US" dirty="0"/>
-              <a:t> definitions, and the constructor template just enumerates the possible values.</a:t>
-            </a:r>
-          </a:p>
-        </p:txBody>
-      </p:sp>
-      <p:sp>
-        <p:nvSpPr>
-          <p:cNvPr id="3" name="Slide Number Placeholder 2"/>
+          <a:bodyPr>
+            <a:normAutofit/>
+          </a:bodyPr>
+          <a:lstStyle/>
+          <a:p>
+            <a:r>
+              <a:rPr lang="en-US" sz="2000" dirty="0"/>
+              <a:t>;; OBSERVER TEMPLATE</a:t>
+            </a:r>
+          </a:p>
+          <a:p>
+            <a:r>
+              <a:rPr lang="en-US" sz="2000" dirty="0"/>
+              <a:t>;; book-</a:t>
+            </a:r>
+            <a:r>
+              <a:rPr lang="en-US" sz="2000" dirty="0" err="1"/>
+              <a:t>fn</a:t>
+            </a:r>
+            <a:r>
+              <a:rPr lang="en-US" sz="2000" dirty="0"/>
+              <a:t> : Book -&gt; ??</a:t>
+            </a:r>
+          </a:p>
+          <a:p>
+            <a:r>
+              <a:rPr lang="en-US" sz="2000" dirty="0"/>
+              <a:t>(define (book-</a:t>
+            </a:r>
+            <a:r>
+              <a:rPr lang="en-US" sz="2000" dirty="0" err="1"/>
+              <a:t>fn</a:t>
+            </a:r>
+            <a:r>
+              <a:rPr lang="en-US" sz="2000" dirty="0"/>
+              <a:t> b)</a:t>
+            </a:r>
+          </a:p>
+          <a:p>
+            <a:r>
+              <a:rPr lang="en-US" sz="2000" dirty="0"/>
+              <a:t>  (...</a:t>
+            </a:r>
+          </a:p>
+          <a:p>
+            <a:r>
+              <a:rPr lang="en-US" sz="2000" dirty="0"/>
+              <a:t>    (book-author b)</a:t>
+            </a:r>
+          </a:p>
+          <a:p>
+            <a:r>
+              <a:rPr lang="en-US" sz="2000" dirty="0"/>
+              <a:t>    (book-title b)</a:t>
+            </a:r>
+          </a:p>
+          <a:p>
+            <a:r>
+              <a:rPr lang="en-US" sz="2000" dirty="0"/>
+              <a:t>    (book-on-hand b)</a:t>
+            </a:r>
+          </a:p>
+          <a:p>
+            <a:r>
+              <a:rPr lang="en-US" sz="2000" dirty="0"/>
+              <a:t>    (book-price b)))</a:t>
+            </a:r>
+          </a:p>
+          <a:p>
+            <a:endParaRPr lang="en-US" sz="2000" dirty="0"/>
+          </a:p>
+        </p:txBody>
+      </p:sp>
+      <p:sp>
+        <p:nvSpPr>
+          <p:cNvPr id="4" name="Slide Number Placeholder 3"/>
           <p:cNvSpPr>
             <a:spLocks noGrp="1"/>
           </p:cNvSpPr>
@@ -6842,236 +6778,14 @@
               <a:pPr/>
               <a:t>17</a:t>
             </a:fld>
-            <a:endParaRPr lang="en-US"/>
-          </a:p>
-        </p:txBody>
-      </p:sp>
-      <p:grpSp>
-        <p:nvGrpSpPr>
-          <p:cNvPr id="9" name="Group 8"/>
-          <p:cNvGrpSpPr/>
-          <p:nvPr/>
-        </p:nvGrpSpPr>
-        <p:grpSpPr>
-          <a:xfrm>
-            <a:off x="1586681" y="3124200"/>
-            <a:ext cx="6057900" cy="2319756"/>
-            <a:chOff x="2628900" y="3279575"/>
-            <a:chExt cx="6057900" cy="2319756"/>
-          </a:xfrm>
-        </p:grpSpPr>
-        <p:sp>
-          <p:nvSpPr>
-            <p:cNvPr id="5" name="TextBox 4"/>
-            <p:cNvSpPr txBox="1"/>
-            <p:nvPr/>
-          </p:nvSpPr>
-          <p:spPr>
-            <a:xfrm>
-              <a:off x="2628900" y="3657600"/>
-              <a:ext cx="3886200" cy="1569660"/>
-            </a:xfrm>
-            <a:prstGeom prst="rect">
-              <a:avLst/>
-            </a:prstGeom>
-            <a:noFill/>
-          </p:spPr>
-          <p:txBody>
-            <a:bodyPr wrap="square" rtlCol="0">
-              <a:spAutoFit/>
-            </a:bodyPr>
-            <a:lstStyle/>
-            <a:p>
-              <a:r>
-                <a:rPr lang="en-US" sz="2400" b="1" dirty="0">
-                  <a:latin typeface="Consolas" pitchFamily="49" charset="0"/>
-                  <a:cs typeface="Consolas" pitchFamily="49" charset="0"/>
-                </a:rPr>
-                <a:t>A </a:t>
-              </a:r>
-              <a:r>
-                <a:rPr lang="en-US" sz="2400" b="1" dirty="0" err="1">
-                  <a:latin typeface="Consolas" pitchFamily="49" charset="0"/>
-                  <a:cs typeface="Consolas" pitchFamily="49" charset="0"/>
-                </a:rPr>
-                <a:t>TLState</a:t>
-              </a:r>
-              <a:r>
-                <a:rPr lang="en-US" sz="2400" b="1" dirty="0">
-                  <a:latin typeface="Consolas" pitchFamily="49" charset="0"/>
-                  <a:cs typeface="Consolas" pitchFamily="49" charset="0"/>
-                </a:rPr>
-                <a:t> is one of</a:t>
-              </a:r>
-            </a:p>
-            <a:p>
-              <a:r>
-                <a:rPr lang="en-US" sz="2400" b="1" dirty="0">
-                  <a:latin typeface="Consolas" pitchFamily="49" charset="0"/>
-                  <a:cs typeface="Consolas" pitchFamily="49" charset="0"/>
-                </a:rPr>
-                <a:t>-- "red"</a:t>
-              </a:r>
-            </a:p>
-            <a:p>
-              <a:r>
-                <a:rPr lang="en-US" sz="2400" b="1" dirty="0">
-                  <a:latin typeface="Consolas" pitchFamily="49" charset="0"/>
-                  <a:cs typeface="Consolas" pitchFamily="49" charset="0"/>
-                </a:rPr>
-                <a:t>-- "yellow"</a:t>
-              </a:r>
-            </a:p>
-            <a:p>
-              <a:r>
-                <a:rPr lang="en-US" sz="2400" b="1" dirty="0">
-                  <a:latin typeface="Consolas" pitchFamily="49" charset="0"/>
-                  <a:cs typeface="Consolas" pitchFamily="49" charset="0"/>
-                </a:rPr>
-                <a:t>-- "green"</a:t>
-              </a:r>
-            </a:p>
-          </p:txBody>
-        </p:sp>
-        <p:sp>
-          <p:nvSpPr>
-            <p:cNvPr id="6" name="TextBox 5"/>
-            <p:cNvSpPr txBox="1"/>
-            <p:nvPr/>
-          </p:nvSpPr>
-          <p:spPr>
-            <a:xfrm>
-              <a:off x="5562600" y="4953000"/>
-              <a:ext cx="3124200" cy="646331"/>
-            </a:xfrm>
-            <a:prstGeom prst="rect">
-              <a:avLst/>
-            </a:prstGeom>
-            <a:ln/>
-          </p:spPr>
-          <p:style>
-            <a:lnRef idx="1">
-              <a:schemeClr val="accent1"/>
-            </a:lnRef>
-            <a:fillRef idx="2">
-              <a:schemeClr val="accent1"/>
-            </a:fillRef>
-            <a:effectRef idx="1">
-              <a:schemeClr val="accent1"/>
-            </a:effectRef>
-            <a:fontRef idx="minor">
-              <a:schemeClr val="dk1"/>
-            </a:fontRef>
-          </p:style>
-          <p:txBody>
-            <a:bodyPr wrap="square" rtlCol="0">
-              <a:spAutoFit/>
-            </a:bodyPr>
-            <a:lstStyle/>
-            <a:p>
-              <a:r>
-                <a:rPr lang="en-US" dirty="0"/>
-                <a:t>We use </a:t>
-              </a:r>
-              <a:r>
-                <a:rPr lang="en-US" dirty="0" err="1"/>
-                <a:t>CamelCase</a:t>
-              </a:r>
-              <a:r>
-                <a:rPr lang="en-US" dirty="0"/>
-                <a:t> for names of kinds of data</a:t>
-              </a:r>
-            </a:p>
-          </p:txBody>
-        </p:sp>
-        <p:sp>
-          <p:nvSpPr>
-            <p:cNvPr id="4" name="Freeform 3"/>
-            <p:cNvSpPr/>
-            <p:nvPr/>
-          </p:nvSpPr>
-          <p:spPr>
-            <a:xfrm>
-              <a:off x="4271058" y="3279575"/>
-              <a:ext cx="2673752" cy="1662815"/>
-            </a:xfrm>
-            <a:custGeom>
-              <a:avLst/>
-              <a:gdLst>
-                <a:gd name="connsiteX0" fmla="*/ 2673752 w 2673752"/>
-                <a:gd name="connsiteY0" fmla="*/ 1662815 h 1662815"/>
-                <a:gd name="connsiteX1" fmla="*/ 2152891 w 2673752"/>
-                <a:gd name="connsiteY1" fmla="*/ 65509 h 1662815"/>
-                <a:gd name="connsiteX2" fmla="*/ 0 w 2673752"/>
-                <a:gd name="connsiteY2" fmla="*/ 459048 h 1662815"/>
-              </a:gdLst>
-              <a:ahLst/>
-              <a:cxnLst>
-                <a:cxn ang="0">
-                  <a:pos x="connsiteX0" y="connsiteY0"/>
-                </a:cxn>
-                <a:cxn ang="0">
-                  <a:pos x="connsiteX1" y="connsiteY1"/>
-                </a:cxn>
-                <a:cxn ang="0">
-                  <a:pos x="connsiteX2" y="connsiteY2"/>
-                </a:cxn>
-              </a:cxnLst>
-              <a:rect l="l" t="t" r="r" b="b"/>
-              <a:pathLst>
-                <a:path w="2673752" h="1662815">
-                  <a:moveTo>
-                    <a:pt x="2673752" y="1662815"/>
-                  </a:moveTo>
-                  <a:cubicBezTo>
-                    <a:pt x="2636134" y="964476"/>
-                    <a:pt x="2598516" y="266137"/>
-                    <a:pt x="2152891" y="65509"/>
-                  </a:cubicBezTo>
-                  <a:cubicBezTo>
-                    <a:pt x="1707266" y="-135119"/>
-                    <a:pt x="853633" y="161964"/>
-                    <a:pt x="0" y="459048"/>
-                  </a:cubicBezTo>
-                </a:path>
-              </a:pathLst>
-            </a:custGeom>
-            <a:noFill/>
-            <a:ln>
-              <a:solidFill>
-                <a:schemeClr val="tx1"/>
-              </a:solidFill>
-              <a:tailEnd type="stealth" w="lg" len="lg"/>
-            </a:ln>
-          </p:spPr>
-          <p:style>
-            <a:lnRef idx="1">
-              <a:schemeClr val="accent1"/>
-            </a:lnRef>
-            <a:fillRef idx="0">
-              <a:schemeClr val="accent1"/>
-            </a:fillRef>
-            <a:effectRef idx="0">
-              <a:schemeClr val="accent1"/>
-            </a:effectRef>
-            <a:fontRef idx="minor">
-              <a:schemeClr val="tx1"/>
-            </a:fontRef>
-          </p:style>
-          <p:txBody>
-            <a:bodyPr rtlCol="0" anchor="ctr"/>
-            <a:lstStyle/>
-            <a:p>
-              <a:pPr algn="ctr"/>
-              <a:endParaRPr lang="en-US"/>
-            </a:p>
-          </p:txBody>
-        </p:sp>
-      </p:grpSp>
+            <a:endParaRPr lang="en-US" dirty="0"/>
+          </a:p>
+        </p:txBody>
+      </p:sp>
     </p:spTree>
     <p:extLst>
       <p:ext uri="{BB962C8B-B14F-4D97-AF65-F5344CB8AC3E}">
-        <p14:creationId xmlns:p14="http://schemas.microsoft.com/office/powerpoint/2010/main" val="3775042946"/>
+        <p14:creationId xmlns:p14="http://schemas.microsoft.com/office/powerpoint/2010/main" val="2714384313"/>
       </p:ext>
     </p:extLst>
   </p:cSld>
@@ -7115,7 +6829,7 @@
           <a:p>
             <a:r>
               <a:rPr lang="en-US" dirty="0"/>
-              <a:t>DDR Step 4. Interpretation</a:t>
+              <a:t>Putting it all together</a:t>
             </a:r>
           </a:p>
         </p:txBody>
@@ -7133,26 +6847,205 @@
         <p:spPr/>
         <p:txBody>
           <a:bodyPr>
-            <a:normAutofit/>
+            <a:normAutofit fontScale="32500" lnSpcReduction="20000"/>
           </a:bodyPr>
           <a:lstStyle/>
           <a:p>
             <a:r>
               <a:rPr lang="en-US" dirty="0"/>
-              <a:t>Tells what piece of information each value of the data represents. </a:t>
-            </a:r>
-          </a:p>
-          <a:p>
-            <a:r>
-              <a:rPr lang="en-US" dirty="0"/>
-              <a:t>The interpretation must show the interpretation of each alternative and the interpretation of each field.</a:t>
-            </a:r>
-          </a:p>
-          <a:p>
-            <a:r>
-              <a:rPr lang="en-US" dirty="0"/>
-              <a:t>This usually refers to the structure definition and the constructor template, so these three pieces are written together.</a:t>
-            </a:r>
+              <a:t>;; A Book in a bookstore</a:t>
+            </a:r>
+          </a:p>
+          <a:p>
+            <a:endParaRPr lang="en-US" dirty="0"/>
+          </a:p>
+          <a:p>
+            <a:r>
+              <a:rPr lang="en-US" dirty="0"/>
+              <a:t>;; REPRESENTATION:</a:t>
+            </a:r>
+          </a:p>
+          <a:p>
+            <a:r>
+              <a:rPr lang="en-US" dirty="0"/>
+              <a:t>;; a Book is represented as a struct (make-book author title on-hand price)</a:t>
+            </a:r>
+          </a:p>
+          <a:p>
+            <a:r>
+              <a:rPr lang="en-US" dirty="0"/>
+              <a:t>;; with the following fields:</a:t>
+            </a:r>
+          </a:p>
+          <a:p>
+            <a:r>
+              <a:rPr lang="en-US" dirty="0"/>
+              <a:t>;; author : String     is the author's name</a:t>
+            </a:r>
+          </a:p>
+          <a:p>
+            <a:r>
+              <a:rPr lang="en-US" dirty="0"/>
+              <a:t>;; title  : String     is the title of the book</a:t>
+            </a:r>
+          </a:p>
+          <a:p>
+            <a:r>
+              <a:rPr lang="en-US" dirty="0"/>
+              <a:t>;; on-hand : </a:t>
+            </a:r>
+            <a:r>
+              <a:rPr lang="en-US" dirty="0" err="1"/>
+              <a:t>NonNegInt</a:t>
+            </a:r>
+            <a:r>
+              <a:rPr lang="en-US" dirty="0"/>
+              <a:t> is the number of copies on hand</a:t>
+            </a:r>
+          </a:p>
+          <a:p>
+            <a:r>
+              <a:rPr lang="en-US" dirty="0"/>
+              <a:t>;; price   : </a:t>
+            </a:r>
+            <a:r>
+              <a:rPr lang="en-US" dirty="0" err="1"/>
+              <a:t>NonNegInt</a:t>
+            </a:r>
+            <a:r>
+              <a:rPr lang="en-US" dirty="0"/>
+              <a:t> is the price of the book in USD*100</a:t>
+            </a:r>
+          </a:p>
+          <a:p>
+            <a:r>
+              <a:rPr lang="en-US" dirty="0"/>
+              <a:t>;;                            (e.g. $7.95 =&gt; 795)</a:t>
+            </a:r>
+          </a:p>
+          <a:p>
+            <a:endParaRPr lang="en-US" dirty="0"/>
+          </a:p>
+          <a:p>
+            <a:r>
+              <a:rPr lang="en-US" dirty="0"/>
+              <a:t>;; IMPLEMENTATION</a:t>
+            </a:r>
+          </a:p>
+          <a:p>
+            <a:r>
+              <a:rPr lang="en-US" dirty="0"/>
+              <a:t>(define-struct book (author title on-hand price))</a:t>
+            </a:r>
+          </a:p>
+          <a:p>
+            <a:endParaRPr lang="en-US" dirty="0"/>
+          </a:p>
+          <a:p>
+            <a:r>
+              <a:rPr lang="en-US" dirty="0"/>
+              <a:t>;; CONSTRUCTOR TEMPLATE</a:t>
+            </a:r>
+          </a:p>
+          <a:p>
+            <a:r>
+              <a:rPr lang="en-US" dirty="0"/>
+              <a:t>;; (make-book String </a:t>
+            </a:r>
+            <a:r>
+              <a:rPr lang="en-US" dirty="0" err="1"/>
+              <a:t>String</a:t>
+            </a:r>
+            <a:r>
+              <a:rPr lang="en-US" dirty="0"/>
+              <a:t> </a:t>
+            </a:r>
+            <a:r>
+              <a:rPr lang="en-US" dirty="0" err="1"/>
+              <a:t>NonNegInt</a:t>
+            </a:r>
+            <a:r>
+              <a:rPr lang="en-US" dirty="0"/>
+              <a:t> </a:t>
+            </a:r>
+            <a:r>
+              <a:rPr lang="en-US" dirty="0" err="1"/>
+              <a:t>NonNegInt</a:t>
+            </a:r>
+            <a:r>
+              <a:rPr lang="en-US" dirty="0"/>
+              <a:t>)</a:t>
+            </a:r>
+          </a:p>
+          <a:p>
+            <a:endParaRPr lang="en-US" dirty="0"/>
+          </a:p>
+          <a:p>
+            <a:r>
+              <a:rPr lang="en-US" dirty="0"/>
+              <a:t>;; OBSERVER TEMPLATE</a:t>
+            </a:r>
+          </a:p>
+          <a:p>
+            <a:r>
+              <a:rPr lang="en-US" dirty="0"/>
+              <a:t>;; book-</a:t>
+            </a:r>
+            <a:r>
+              <a:rPr lang="en-US" dirty="0" err="1"/>
+              <a:t>fn</a:t>
+            </a:r>
+            <a:r>
+              <a:rPr lang="en-US" dirty="0"/>
+              <a:t> : Book -&gt; ??</a:t>
+            </a:r>
+          </a:p>
+          <a:p>
+            <a:r>
+              <a:rPr lang="en-US" dirty="0"/>
+              <a:t>(define (book-</a:t>
+            </a:r>
+            <a:r>
+              <a:rPr lang="en-US" dirty="0" err="1"/>
+              <a:t>fn</a:t>
+            </a:r>
+            <a:r>
+              <a:rPr lang="en-US" dirty="0"/>
+              <a:t> b)</a:t>
+            </a:r>
+          </a:p>
+          <a:p>
+            <a:r>
+              <a:rPr lang="en-US" dirty="0"/>
+              <a:t>  (...</a:t>
+            </a:r>
+          </a:p>
+          <a:p>
+            <a:r>
+              <a:rPr lang="en-US" dirty="0"/>
+              <a:t>    (book-author b)</a:t>
+            </a:r>
+          </a:p>
+          <a:p>
+            <a:r>
+              <a:rPr lang="en-US" dirty="0"/>
+              <a:t>    (book-title b)</a:t>
+            </a:r>
+          </a:p>
+          <a:p>
+            <a:r>
+              <a:rPr lang="en-US" dirty="0"/>
+              <a:t>    (book-on-hand b)</a:t>
+            </a:r>
+          </a:p>
+          <a:p>
+            <a:r>
+              <a:rPr lang="en-US" dirty="0"/>
+              <a:t>    (book-price b)))</a:t>
+            </a:r>
+          </a:p>
+          <a:p>
+            <a:endParaRPr lang="en-US" dirty="0"/>
           </a:p>
         </p:txBody>
       </p:sp>
@@ -7176,14 +7069,14 @@
               <a:pPr/>
               <a:t>18</a:t>
             </a:fld>
-            <a:endParaRPr lang="en-US"/>
+            <a:endParaRPr lang="en-US" dirty="0"/>
           </a:p>
         </p:txBody>
       </p:sp>
     </p:spTree>
     <p:extLst>
       <p:ext uri="{BB962C8B-B14F-4D97-AF65-F5344CB8AC3E}">
-        <p14:creationId xmlns:p14="http://schemas.microsoft.com/office/powerpoint/2010/main" val="1345070388"/>
+        <p14:creationId xmlns:p14="http://schemas.microsoft.com/office/powerpoint/2010/main" val="2795843678"/>
       </p:ext>
     </p:extLst>
   </p:cSld>
@@ -7222,25 +7115,19 @@
         </p:nvSpPr>
         <p:spPr/>
         <p:txBody>
-          <a:bodyPr>
-            <a:noAutofit/>
-          </a:bodyPr>
-          <a:lstStyle/>
-          <a:p>
-            <a:r>
-              <a:rPr lang="en-US" sz="4000" b="1" dirty="0" err="1"/>
-              <a:t>struct</a:t>
-            </a:r>
-            <a:r>
-              <a:rPr lang="en-US" sz="4000" dirty="0"/>
-              <a:t> definitions and constructor template for mixed data: example</a:t>
-            </a:r>
-          </a:p>
-        </p:txBody>
-      </p:sp>
-      <p:sp>
-        <p:nvSpPr>
-          <p:cNvPr id="3" name="Content Placeholder 2"/>
+          <a:bodyPr/>
+          <a:lstStyle/>
+          <a:p>
+            <a:r>
+              <a:rPr lang="en-US" dirty="0"/>
+              <a:t>The DDR for scalar data</a:t>
+            </a:r>
+          </a:p>
+        </p:txBody>
+      </p:sp>
+      <p:sp>
+        <p:nvSpPr>
+          <p:cNvPr id="5" name="Content Placeholder 4"/>
           <p:cNvSpPr>
             <a:spLocks noGrp="1"/>
           </p:cNvSpPr>
@@ -7250,352 +7137,28 @@
         </p:nvSpPr>
         <p:spPr/>
         <p:txBody>
-          <a:bodyPr>
-            <a:noAutofit/>
-          </a:bodyPr>
-          <a:lstStyle/>
-          <a:p>
-            <a:pPr>
-              <a:buNone/>
-            </a:pPr>
-            <a:r>
-              <a:rPr lang="en-US" sz="2400" b="1" dirty="0">
-                <a:latin typeface="Consolas" pitchFamily="49" charset="0"/>
-                <a:cs typeface="Consolas" pitchFamily="49" charset="0"/>
-              </a:rPr>
-              <a:t>(define-struct coffee (size type milk?))</a:t>
-            </a:r>
-          </a:p>
-          <a:p>
-            <a:pPr>
-              <a:buNone/>
-            </a:pPr>
-            <a:r>
-              <a:rPr lang="en-US" sz="2400" b="1" dirty="0">
-                <a:latin typeface="Consolas" pitchFamily="49" charset="0"/>
-                <a:cs typeface="Consolas" pitchFamily="49" charset="0"/>
-              </a:rPr>
-              <a:t>(define-struct wine (vineyard year))</a:t>
-            </a:r>
-          </a:p>
-          <a:p>
-            <a:pPr>
-              <a:buNone/>
-            </a:pPr>
-            <a:r>
-              <a:rPr lang="en-US" sz="2400" b="1" dirty="0">
-                <a:latin typeface="Consolas" pitchFamily="49" charset="0"/>
-                <a:cs typeface="Consolas" pitchFamily="49" charset="0"/>
-              </a:rPr>
-              <a:t>(define-struct tea (size type))</a:t>
-            </a:r>
-          </a:p>
-          <a:p>
-            <a:pPr>
-              <a:buNone/>
-            </a:pPr>
-            <a:endParaRPr lang="en-US" sz="2400" b="1" dirty="0">
-              <a:latin typeface="Consolas" pitchFamily="49" charset="0"/>
-              <a:cs typeface="Consolas" pitchFamily="49" charset="0"/>
-            </a:endParaRPr>
-          </a:p>
-          <a:p>
-            <a:pPr>
-              <a:buNone/>
-            </a:pPr>
-            <a:r>
-              <a:rPr lang="en-US" sz="2400" b="1" dirty="0">
-                <a:latin typeface="Consolas" pitchFamily="49" charset="0"/>
-                <a:cs typeface="Consolas" pitchFamily="49" charset="0"/>
-              </a:rPr>
-              <a:t>;; A </a:t>
-            </a:r>
-            <a:r>
-              <a:rPr lang="en-US" sz="2400" b="1" dirty="0" err="1">
-                <a:latin typeface="Consolas" pitchFamily="49" charset="0"/>
-                <a:cs typeface="Consolas" pitchFamily="49" charset="0"/>
-              </a:rPr>
-              <a:t>BarOrder</a:t>
-            </a:r>
-            <a:r>
-              <a:rPr lang="en-US" sz="2400" b="1" dirty="0">
-                <a:latin typeface="Consolas" pitchFamily="49" charset="0"/>
-                <a:cs typeface="Consolas" pitchFamily="49" charset="0"/>
-              </a:rPr>
-              <a:t> is one of</a:t>
-            </a:r>
-          </a:p>
-          <a:p>
-            <a:pPr>
-              <a:buNone/>
-            </a:pPr>
-            <a:r>
-              <a:rPr lang="en-US" sz="2400" b="1" dirty="0">
-                <a:latin typeface="Consolas" pitchFamily="49" charset="0"/>
-                <a:cs typeface="Consolas" pitchFamily="49" charset="0"/>
-              </a:rPr>
-              <a:t>;; -- (make-coffee Size Type Boolean)</a:t>
-            </a:r>
-          </a:p>
-          <a:p>
-            <a:pPr>
-              <a:buNone/>
-            </a:pPr>
-            <a:r>
-              <a:rPr lang="en-US" sz="2400" b="1" dirty="0">
-                <a:latin typeface="Consolas" pitchFamily="49" charset="0"/>
-                <a:cs typeface="Consolas" pitchFamily="49" charset="0"/>
-              </a:rPr>
-              <a:t>;; -- (make-wine Vineyard Year)</a:t>
-            </a:r>
-          </a:p>
-          <a:p>
-            <a:pPr>
-              <a:buNone/>
-            </a:pPr>
-            <a:r>
-              <a:rPr lang="en-US" sz="2400" b="1" dirty="0">
-                <a:latin typeface="Consolas" pitchFamily="49" charset="0"/>
-                <a:cs typeface="Consolas" pitchFamily="49" charset="0"/>
-              </a:rPr>
-              <a:t>;; -- (make-tea Size String)</a:t>
-            </a:r>
-          </a:p>
-        </p:txBody>
-      </p:sp>
-      <p:sp>
-        <p:nvSpPr>
-          <p:cNvPr id="10" name="Title 1"/>
-          <p:cNvSpPr txBox="1">
-            <a:spLocks/>
-          </p:cNvSpPr>
-          <p:nvPr/>
-        </p:nvSpPr>
-        <p:spPr>
-          <a:xfrm>
-            <a:off x="-1828800" y="5940723"/>
-            <a:ext cx="9144000" cy="1143000"/>
-          </a:xfrm>
-          <a:prstGeom prst="rect">
-            <a:avLst/>
-          </a:prstGeom>
-        </p:spPr>
-        <p:txBody>
-          <a:bodyPr vert="horz" lIns="91440" tIns="45720" rIns="91440" bIns="45720" rtlCol="0" anchor="ctr">
-            <a:normAutofit/>
-          </a:bodyPr>
-          <a:lstStyle>
-            <a:lvl1pPr algn="ctr" defTabSz="457200" rtl="0" eaLnBrk="1" latinLnBrk="0" hangingPunct="1">
-              <a:spcBef>
-                <a:spcPct val="0"/>
-              </a:spcBef>
-              <a:buNone/>
-              <a:defRPr sz="4400" kern="1200">
-                <a:solidFill>
-                  <a:schemeClr val="tx1"/>
-                </a:solidFill>
-                <a:latin typeface="+mj-lt"/>
-                <a:ea typeface="+mj-ea"/>
-                <a:cs typeface="+mj-cs"/>
-              </a:defRPr>
-            </a:lvl1pPr>
-          </a:lstStyle>
-          <a:p>
-            <a:pPr algn="l"/>
-            <a:r>
-              <a:rPr lang="en-US" dirty="0"/>
-              <a:t> </a:t>
-            </a:r>
-          </a:p>
-        </p:txBody>
-      </p:sp>
-      <p:grpSp>
-        <p:nvGrpSpPr>
-          <p:cNvPr id="5" name="Group 4"/>
-          <p:cNvGrpSpPr/>
-          <p:nvPr/>
-        </p:nvGrpSpPr>
-        <p:grpSpPr>
-          <a:xfrm>
-            <a:off x="5867400" y="2590800"/>
-            <a:ext cx="3034515" cy="739180"/>
-            <a:chOff x="5858057" y="1230352"/>
-            <a:chExt cx="3034515" cy="739180"/>
-          </a:xfrm>
-        </p:grpSpPr>
-        <p:sp>
-          <p:nvSpPr>
-            <p:cNvPr id="6" name="TextBox 5"/>
-            <p:cNvSpPr txBox="1"/>
-            <p:nvPr/>
-          </p:nvSpPr>
-          <p:spPr>
-            <a:xfrm>
-              <a:off x="6400800" y="1600200"/>
-              <a:ext cx="2491772" cy="369332"/>
-            </a:xfrm>
-            <a:prstGeom prst="rect">
-              <a:avLst/>
-            </a:prstGeom>
-            <a:ln/>
-          </p:spPr>
-          <p:style>
-            <a:lnRef idx="2">
-              <a:schemeClr val="accent1"/>
-            </a:lnRef>
-            <a:fillRef idx="1">
-              <a:schemeClr val="lt1"/>
-            </a:fillRef>
-            <a:effectRef idx="0">
-              <a:schemeClr val="accent1"/>
-            </a:effectRef>
-            <a:fontRef idx="minor">
-              <a:schemeClr val="dk1"/>
-            </a:fontRef>
-          </p:style>
-          <p:txBody>
-            <a:bodyPr wrap="none" rtlCol="0">
-              <a:spAutoFit/>
-            </a:bodyPr>
-            <a:lstStyle/>
-            <a:p>
-              <a:r>
-                <a:rPr lang="en-US" dirty="0"/>
-                <a:t>The structure definitions</a:t>
-              </a:r>
-            </a:p>
-          </p:txBody>
-        </p:sp>
-        <p:cxnSp>
-          <p:nvCxnSpPr>
-            <p:cNvPr id="7" name="Straight Arrow Connector 6"/>
-            <p:cNvCxnSpPr>
-              <a:stCxn id="6" idx="1"/>
-            </p:cNvCxnSpPr>
-            <p:nvPr/>
-          </p:nvCxnSpPr>
-          <p:spPr>
-            <a:xfrm flipH="1" flipV="1">
-              <a:off x="5858057" y="1230352"/>
-              <a:ext cx="542743" cy="554514"/>
-            </a:xfrm>
-            <a:prstGeom prst="straightConnector1">
-              <a:avLst/>
-            </a:prstGeom>
-            <a:ln w="19050">
-              <a:tailEnd type="arrow"/>
-            </a:ln>
-          </p:spPr>
-          <p:style>
-            <a:lnRef idx="1">
-              <a:schemeClr val="accent1"/>
-            </a:lnRef>
-            <a:fillRef idx="0">
-              <a:schemeClr val="accent1"/>
-            </a:fillRef>
-            <a:effectRef idx="0">
-              <a:schemeClr val="accent1"/>
-            </a:effectRef>
-            <a:fontRef idx="minor">
-              <a:schemeClr val="tx1"/>
-            </a:fontRef>
-          </p:style>
-        </p:cxnSp>
-      </p:grpSp>
-      <p:grpSp>
-        <p:nvGrpSpPr>
-          <p:cNvPr id="4" name="Group 3"/>
-          <p:cNvGrpSpPr/>
-          <p:nvPr/>
-        </p:nvGrpSpPr>
-        <p:grpSpPr>
-          <a:xfrm>
-            <a:off x="5562600" y="4876800"/>
-            <a:ext cx="3124200" cy="764164"/>
-            <a:chOff x="5180934" y="3065055"/>
-            <a:chExt cx="3124200" cy="764164"/>
-          </a:xfrm>
-        </p:grpSpPr>
-        <p:sp>
-          <p:nvSpPr>
-            <p:cNvPr id="9" name="TextBox 8"/>
-            <p:cNvSpPr txBox="1"/>
-            <p:nvPr/>
-          </p:nvSpPr>
-          <p:spPr>
-            <a:xfrm>
-              <a:off x="5737828" y="3459887"/>
-              <a:ext cx="2567306" cy="369332"/>
-            </a:xfrm>
-            <a:prstGeom prst="rect">
-              <a:avLst/>
-            </a:prstGeom>
-            <a:ln/>
-          </p:spPr>
-          <p:style>
-            <a:lnRef idx="2">
-              <a:schemeClr val="accent1"/>
-            </a:lnRef>
-            <a:fillRef idx="1">
-              <a:schemeClr val="lt1"/>
-            </a:fillRef>
-            <a:effectRef idx="0">
-              <a:schemeClr val="accent1"/>
-            </a:effectRef>
-            <a:fontRef idx="minor">
-              <a:schemeClr val="dk1"/>
-            </a:fontRef>
-          </p:style>
-          <p:txBody>
-            <a:bodyPr wrap="none" rtlCol="0">
-              <a:spAutoFit/>
-            </a:bodyPr>
-            <a:lstStyle/>
-            <a:p>
-              <a:r>
-                <a:rPr lang="en-US" dirty="0"/>
-                <a:t>The constructor template</a:t>
-              </a:r>
-            </a:p>
-          </p:txBody>
-        </p:sp>
-        <p:cxnSp>
-          <p:nvCxnSpPr>
-            <p:cNvPr id="12" name="Straight Arrow Connector 11"/>
-            <p:cNvCxnSpPr/>
-            <p:nvPr/>
-          </p:nvCxnSpPr>
-          <p:spPr>
-            <a:xfrm flipH="1" flipV="1">
-              <a:off x="5180934" y="3065055"/>
-              <a:ext cx="556895" cy="592545"/>
-            </a:xfrm>
-            <a:prstGeom prst="straightConnector1">
-              <a:avLst/>
-            </a:prstGeom>
-            <a:ln w="19050">
-              <a:tailEnd type="arrow"/>
-            </a:ln>
-          </p:spPr>
-          <p:style>
-            <a:lnRef idx="1">
-              <a:schemeClr val="accent1"/>
-            </a:lnRef>
-            <a:fillRef idx="0">
-              <a:schemeClr val="accent1"/>
-            </a:fillRef>
-            <a:effectRef idx="0">
-              <a:schemeClr val="accent1"/>
-            </a:effectRef>
-            <a:fontRef idx="minor">
-              <a:schemeClr val="tx1"/>
-            </a:fontRef>
-          </p:style>
-        </p:cxnSp>
-      </p:grpSp>
-      <p:sp>
-        <p:nvSpPr>
-          <p:cNvPr id="8" name="Slide Number Placeholder 7"/>
+          <a:bodyPr/>
+          <a:lstStyle/>
+          <a:p>
+            <a:r>
+              <a:rPr lang="en-US" dirty="0"/>
+              <a:t>For scalar information, we need representation and interpretation</a:t>
+            </a:r>
+          </a:p>
+          <a:p>
+            <a:r>
+              <a:rPr lang="en-US" dirty="0"/>
+              <a:t>No need for implementation or constructor/observer templates</a:t>
+            </a:r>
+          </a:p>
+          <a:p>
+            <a:endParaRPr lang="en-US" dirty="0"/>
+          </a:p>
+        </p:txBody>
+      </p:sp>
+      <p:sp>
+        <p:nvSpPr>
+          <p:cNvPr id="4" name="Slide Number Placeholder 3"/>
           <p:cNvSpPr>
             <a:spLocks noGrp="1"/>
           </p:cNvSpPr>
@@ -7620,96 +7183,13 @@
     </p:spTree>
     <p:extLst>
       <p:ext uri="{BB962C8B-B14F-4D97-AF65-F5344CB8AC3E}">
-        <p14:creationId xmlns:p14="http://schemas.microsoft.com/office/powerpoint/2010/main" val="4109642761"/>
+        <p14:creationId xmlns:p14="http://schemas.microsoft.com/office/powerpoint/2010/main" val="1421254449"/>
       </p:ext>
     </p:extLst>
   </p:cSld>
   <p:clrMapOvr>
     <a:masterClrMapping/>
   </p:clrMapOvr>
-  <p:timing>
-    <p:tnLst>
-      <p:par>
-        <p:cTn id="1" dur="indefinite" restart="never" nodeType="tmRoot">
-          <p:childTnLst>
-            <p:seq concurrent="1" nextAc="seek">
-              <p:cTn id="2" dur="indefinite" nodeType="mainSeq">
-                <p:childTnLst>
-                  <p:par>
-                    <p:cTn id="3" fill="hold">
-                      <p:stCondLst>
-                        <p:cond delay="indefinite"/>
-                      </p:stCondLst>
-                      <p:childTnLst>
-                        <p:par>
-                          <p:cTn id="4" fill="hold">
-                            <p:stCondLst>
-                              <p:cond delay="0"/>
-                            </p:stCondLst>
-                            <p:childTnLst>
-                              <p:par>
-                                <p:cTn id="5" presetID="10" presetClass="entr" presetSubtype="0" fill="hold" nodeType="clickEffect">
-                                  <p:stCondLst>
-                                    <p:cond delay="0"/>
-                                  </p:stCondLst>
-                                  <p:childTnLst>
-                                    <p:set>
-                                      <p:cBhvr>
-                                        <p:cTn id="6" dur="1" fill="hold">
-                                          <p:stCondLst>
-                                            <p:cond delay="0"/>
-                                          </p:stCondLst>
-                                        </p:cTn>
-                                        <p:tgtEl>
-                                          <p:spTgt spid="5"/>
-                                        </p:tgtEl>
-                                        <p:attrNameLst>
-                                          <p:attrName>style.visibility</p:attrName>
-                                        </p:attrNameLst>
-                                      </p:cBhvr>
-                                      <p:to>
-                                        <p:strVal val="visible"/>
-                                      </p:to>
-                                    </p:set>
-                                    <p:animEffect transition="in" filter="fade">
-                                      <p:cBhvr>
-                                        <p:cTn id="7" dur="500"/>
-                                        <p:tgtEl>
-                                          <p:spTgt spid="5"/>
-                                        </p:tgtEl>
-                                      </p:cBhvr>
-                                    </p:animEffect>
-                                  </p:childTnLst>
-                                </p:cTn>
-                              </p:par>
-                            </p:childTnLst>
-                          </p:cTn>
-                        </p:par>
-                      </p:childTnLst>
-                    </p:cTn>
-                  </p:par>
-                </p:childTnLst>
-              </p:cTn>
-              <p:prevCondLst>
-                <p:cond evt="onPrev" delay="0">
-                  <p:tgtEl>
-                    <p:sldTgt/>
-                  </p:tgtEl>
-                </p:cond>
-              </p:prevCondLst>
-              <p:nextCondLst>
-                <p:cond evt="onNext" delay="0">
-                  <p:tgtEl>
-                    <p:sldTgt/>
-                  </p:tgtEl>
-                </p:cond>
-              </p:nextCondLst>
-            </p:seq>
-          </p:childTnLst>
-        </p:cTn>
-      </p:par>
-    </p:tnLst>
-  </p:timing>
 </p:sld>
 </file>
 
@@ -7868,607 +7348,28 @@
       </p:grpSpPr>
       <p:sp>
         <p:nvSpPr>
-          <p:cNvPr id="3" name="Content Placeholder 2"/>
-          <p:cNvSpPr>
-            <a:spLocks noGrp="1"/>
-          </p:cNvSpPr>
-          <p:nvPr>
-            <p:ph idx="1"/>
-          </p:nvPr>
+          <p:cNvPr id="9" name="Rectangle: Rounded Corners 8"/>
+          <p:cNvSpPr/>
+          <p:nvPr/>
         </p:nvSpPr>
         <p:spPr>
           <a:xfrm>
-            <a:off x="457200" y="1295400"/>
-            <a:ext cx="7772400" cy="5029200"/>
+            <a:off x="1524000" y="4904798"/>
+            <a:ext cx="3352800" cy="457200"/>
           </a:xfrm>
-        </p:spPr>
-        <p:txBody>
-          <a:bodyPr>
-            <a:noAutofit/>
-          </a:bodyPr>
-          <a:lstStyle/>
-          <a:p>
-            <a:pPr>
-              <a:buNone/>
-            </a:pPr>
-            <a:r>
-              <a:rPr lang="en-US" sz="1600" b="1" dirty="0">
-                <a:latin typeface="Consolas" pitchFamily="49" charset="0"/>
-                <a:cs typeface="Consolas" pitchFamily="49" charset="0"/>
-              </a:rPr>
-              <a:t>(define-struct coffee (size type milk?))</a:t>
-            </a:r>
-          </a:p>
-          <a:p>
-            <a:pPr>
-              <a:buNone/>
-            </a:pPr>
-            <a:r>
-              <a:rPr lang="en-US" sz="1600" b="1" dirty="0">
-                <a:latin typeface="Consolas" pitchFamily="49" charset="0"/>
-                <a:cs typeface="Consolas" pitchFamily="49" charset="0"/>
-              </a:rPr>
-              <a:t>(define-struct wine (vineyard year))</a:t>
-            </a:r>
-          </a:p>
-          <a:p>
-            <a:pPr>
-              <a:buNone/>
-            </a:pPr>
-            <a:r>
-              <a:rPr lang="en-US" sz="1600" b="1" dirty="0">
-                <a:latin typeface="Consolas" pitchFamily="49" charset="0"/>
-                <a:cs typeface="Consolas" pitchFamily="49" charset="0"/>
-              </a:rPr>
-              <a:t>(define-struct tea (size type))</a:t>
-            </a:r>
-          </a:p>
-          <a:p>
-            <a:pPr>
-              <a:buNone/>
-            </a:pPr>
-            <a:endParaRPr lang="en-US" sz="1600" b="1" dirty="0">
-              <a:latin typeface="Consolas" pitchFamily="49" charset="0"/>
-              <a:cs typeface="Consolas" pitchFamily="49" charset="0"/>
-            </a:endParaRPr>
-          </a:p>
-          <a:p>
-            <a:pPr>
-              <a:buNone/>
-            </a:pPr>
-            <a:r>
-              <a:rPr lang="en-US" sz="1600" b="1" dirty="0">
-                <a:latin typeface="Consolas" pitchFamily="49" charset="0"/>
-                <a:cs typeface="Consolas" pitchFamily="49" charset="0"/>
-              </a:rPr>
-              <a:t>;; A </a:t>
-            </a:r>
-            <a:r>
-              <a:rPr lang="en-US" sz="1600" b="1" dirty="0" err="1">
-                <a:latin typeface="Consolas" pitchFamily="49" charset="0"/>
-                <a:cs typeface="Consolas" pitchFamily="49" charset="0"/>
-              </a:rPr>
-              <a:t>BarOrder</a:t>
-            </a:r>
-            <a:r>
-              <a:rPr lang="en-US" sz="1600" b="1" dirty="0">
-                <a:latin typeface="Consolas" pitchFamily="49" charset="0"/>
-                <a:cs typeface="Consolas" pitchFamily="49" charset="0"/>
-              </a:rPr>
-              <a:t> is one of</a:t>
-            </a:r>
-          </a:p>
-          <a:p>
-            <a:pPr>
-              <a:buNone/>
-            </a:pPr>
-            <a:r>
-              <a:rPr lang="en-US" sz="1600" b="1" dirty="0">
-                <a:latin typeface="Consolas" pitchFamily="49" charset="0"/>
-                <a:cs typeface="Consolas" pitchFamily="49" charset="0"/>
-              </a:rPr>
-              <a:t>;; -- (make-coffee Size Type Boolean)</a:t>
-            </a:r>
-          </a:p>
-          <a:p>
-            <a:pPr>
-              <a:buNone/>
-            </a:pPr>
-            <a:r>
-              <a:rPr lang="en-US" sz="1600" b="1" dirty="0">
-                <a:solidFill>
-                  <a:srgbClr val="FF0000"/>
-                </a:solidFill>
-                <a:latin typeface="Consolas" pitchFamily="49" charset="0"/>
-                <a:cs typeface="Consolas" pitchFamily="49" charset="0"/>
-              </a:rPr>
-              <a:t>;;  INTERP: </a:t>
-            </a:r>
-          </a:p>
-          <a:p>
-            <a:pPr>
-              <a:buNone/>
-            </a:pPr>
-            <a:r>
-              <a:rPr lang="en-US" sz="1600" b="1" dirty="0">
-                <a:solidFill>
-                  <a:srgbClr val="FF0000"/>
-                </a:solidFill>
-                <a:latin typeface="Consolas" pitchFamily="49" charset="0"/>
-                <a:cs typeface="Consolas" pitchFamily="49" charset="0"/>
-              </a:rPr>
-              <a:t>;;   size is the size of cup desired</a:t>
-            </a:r>
-          </a:p>
-          <a:p>
-            <a:pPr>
-              <a:buNone/>
-            </a:pPr>
-            <a:r>
-              <a:rPr lang="en-US" sz="1600" b="1" dirty="0">
-                <a:solidFill>
-                  <a:srgbClr val="FF0000"/>
-                </a:solidFill>
-                <a:latin typeface="Consolas" pitchFamily="49" charset="0"/>
-                <a:cs typeface="Consolas" pitchFamily="49" charset="0"/>
-              </a:rPr>
-              <a:t>;;   type is the origin of the coffee </a:t>
-            </a:r>
-          </a:p>
-          <a:p>
-            <a:pPr>
-              <a:buNone/>
-            </a:pPr>
-            <a:r>
-              <a:rPr lang="en-US" sz="1600" b="1" dirty="0">
-                <a:solidFill>
-                  <a:srgbClr val="FF0000"/>
-                </a:solidFill>
-                <a:latin typeface="Consolas" pitchFamily="49" charset="0"/>
-                <a:cs typeface="Consolas" pitchFamily="49" charset="0"/>
-              </a:rPr>
-              <a:t>;;   milk? tells whether milk is desired.</a:t>
-            </a:r>
-          </a:p>
-          <a:p>
-            <a:pPr>
-              <a:buNone/>
-            </a:pPr>
-            <a:r>
-              <a:rPr lang="en-US" sz="1600" b="1" dirty="0">
-                <a:latin typeface="Consolas" pitchFamily="49" charset="0"/>
-                <a:cs typeface="Consolas" pitchFamily="49" charset="0"/>
-              </a:rPr>
-              <a:t>;; -- (make-wine Vineyard Year)</a:t>
-            </a:r>
-          </a:p>
-          <a:p>
-            <a:pPr>
-              <a:buNone/>
-            </a:pPr>
-            <a:r>
-              <a:rPr lang="en-US" sz="1600" b="1" dirty="0">
-                <a:solidFill>
-                  <a:srgbClr val="FF0000"/>
-                </a:solidFill>
-                <a:latin typeface="Consolas" pitchFamily="49" charset="0"/>
-                <a:cs typeface="Consolas" pitchFamily="49" charset="0"/>
-              </a:rPr>
-              <a:t>;;  INTERP:</a:t>
-            </a:r>
-          </a:p>
-          <a:p>
-            <a:pPr>
-              <a:buNone/>
-            </a:pPr>
-            <a:r>
-              <a:rPr lang="en-US" sz="1600" b="1" dirty="0">
-                <a:solidFill>
-                  <a:srgbClr val="FF0000"/>
-                </a:solidFill>
-                <a:latin typeface="Consolas" pitchFamily="49" charset="0"/>
-                <a:cs typeface="Consolas" pitchFamily="49" charset="0"/>
-              </a:rPr>
-              <a:t>;;   vineyard is the origin of the grapes</a:t>
-            </a:r>
-          </a:p>
-          <a:p>
-            <a:pPr>
-              <a:buNone/>
-            </a:pPr>
-            <a:r>
-              <a:rPr lang="en-US" sz="1600" b="1" dirty="0">
-                <a:solidFill>
-                  <a:srgbClr val="FF0000"/>
-                </a:solidFill>
-                <a:latin typeface="Consolas" pitchFamily="49" charset="0"/>
-                <a:cs typeface="Consolas" pitchFamily="49" charset="0"/>
-              </a:rPr>
-              <a:t>;;   year is the year of harvest</a:t>
-            </a:r>
-          </a:p>
-          <a:p>
-            <a:pPr>
-              <a:buNone/>
-            </a:pPr>
-            <a:r>
-              <a:rPr lang="en-US" sz="1600" b="1" dirty="0">
-                <a:latin typeface="Consolas" pitchFamily="49" charset="0"/>
-                <a:cs typeface="Consolas" pitchFamily="49" charset="0"/>
-              </a:rPr>
-              <a:t>;; -- (make-tea Size String)</a:t>
-            </a:r>
-          </a:p>
-          <a:p>
-            <a:pPr>
-              <a:buNone/>
-            </a:pPr>
-            <a:r>
-              <a:rPr lang="en-US" sz="1600" b="1" dirty="0">
-                <a:latin typeface="Consolas" pitchFamily="49" charset="0"/>
-                <a:cs typeface="Consolas" pitchFamily="49" charset="0"/>
-              </a:rPr>
-              <a:t>;;  INTERP: </a:t>
-            </a:r>
-          </a:p>
-          <a:p>
-            <a:pPr>
-              <a:buNone/>
-            </a:pPr>
-            <a:r>
-              <a:rPr lang="en-US" sz="1600" b="1" dirty="0">
-                <a:solidFill>
-                  <a:srgbClr val="FF0000"/>
-                </a:solidFill>
-                <a:latin typeface="Consolas" pitchFamily="49" charset="0"/>
-                <a:cs typeface="Consolas" pitchFamily="49" charset="0"/>
-              </a:rPr>
-              <a:t>;;   size is the size of cup desired</a:t>
-            </a:r>
-          </a:p>
-          <a:p>
-            <a:pPr>
-              <a:buNone/>
-            </a:pPr>
-            <a:r>
-              <a:rPr lang="en-US" sz="1600" b="1" dirty="0">
-                <a:solidFill>
-                  <a:srgbClr val="FF0000"/>
-                </a:solidFill>
-                <a:latin typeface="Consolas" pitchFamily="49" charset="0"/>
-                <a:cs typeface="Consolas" pitchFamily="49" charset="0"/>
-              </a:rPr>
-              <a:t>;;   type is the type of tea (as a string)</a:t>
-            </a:r>
-          </a:p>
-        </p:txBody>
-      </p:sp>
-      <p:sp>
-        <p:nvSpPr>
-          <p:cNvPr id="10" name="Title 1"/>
-          <p:cNvSpPr txBox="1">
-            <a:spLocks/>
-          </p:cNvSpPr>
-          <p:nvPr/>
-        </p:nvSpPr>
-        <p:spPr>
-          <a:xfrm>
-            <a:off x="304800" y="199044"/>
-            <a:ext cx="8534400" cy="887958"/>
-          </a:xfrm>
-          <a:prstGeom prst="rect">
-            <a:avLst/>
-          </a:prstGeom>
-        </p:spPr>
-        <p:style>
-          <a:lnRef idx="2">
-            <a:schemeClr val="accent1"/>
-          </a:lnRef>
-          <a:fillRef idx="1">
-            <a:schemeClr val="lt1"/>
-          </a:fillRef>
-          <a:effectRef idx="0">
-            <a:schemeClr val="accent1"/>
-          </a:effectRef>
-          <a:fontRef idx="minor">
-            <a:schemeClr val="dk1"/>
-          </a:fontRef>
-        </p:style>
-        <p:txBody>
-          <a:bodyPr vert="horz" lIns="91440" tIns="45720" rIns="91440" bIns="45720" rtlCol="0" anchor="ctr">
-            <a:normAutofit fontScale="25000" lnSpcReduction="20000"/>
-          </a:bodyPr>
-          <a:lstStyle>
-            <a:lvl1pPr algn="ctr" defTabSz="457200" rtl="0" eaLnBrk="1" latinLnBrk="0" hangingPunct="1">
-              <a:spcBef>
-                <a:spcPct val="0"/>
-              </a:spcBef>
-              <a:buNone/>
-              <a:defRPr sz="4400" kern="1200">
-                <a:solidFill>
-                  <a:schemeClr val="tx1"/>
-                </a:solidFill>
-                <a:latin typeface="+mj-lt"/>
-                <a:ea typeface="+mj-ea"/>
-                <a:cs typeface="+mj-cs"/>
-              </a:defRPr>
-            </a:lvl1pPr>
-          </a:lstStyle>
-          <a:p>
-            <a:pPr algn="l"/>
-            <a:r>
-              <a:rPr lang="en-US" sz="16000" dirty="0"/>
-              <a:t>Data Definition for mixed data: example</a:t>
-            </a:r>
-            <a:endParaRPr lang="en-US" dirty="0"/>
-          </a:p>
-        </p:txBody>
-      </p:sp>
-      <p:grpSp>
-        <p:nvGrpSpPr>
-          <p:cNvPr id="5" name="Group 4"/>
-          <p:cNvGrpSpPr/>
-          <p:nvPr/>
-        </p:nvGrpSpPr>
-        <p:grpSpPr>
-          <a:xfrm>
-            <a:off x="5029200" y="1699511"/>
-            <a:ext cx="3173431" cy="369332"/>
-            <a:chOff x="5719141" y="1600200"/>
-            <a:chExt cx="3173431" cy="369332"/>
-          </a:xfrm>
-        </p:grpSpPr>
-        <p:sp>
-          <p:nvSpPr>
-            <p:cNvPr id="6" name="TextBox 5"/>
-            <p:cNvSpPr txBox="1"/>
-            <p:nvPr/>
-          </p:nvSpPr>
-          <p:spPr>
-            <a:xfrm>
-              <a:off x="6400800" y="1600200"/>
-              <a:ext cx="2491772" cy="369332"/>
-            </a:xfrm>
-            <a:prstGeom prst="rect">
-              <a:avLst/>
-            </a:prstGeom>
-            <a:ln/>
-          </p:spPr>
-          <p:style>
-            <a:lnRef idx="2">
-              <a:schemeClr val="accent1"/>
-            </a:lnRef>
-            <a:fillRef idx="1">
-              <a:schemeClr val="lt1"/>
-            </a:fillRef>
-            <a:effectRef idx="0">
-              <a:schemeClr val="accent1"/>
-            </a:effectRef>
-            <a:fontRef idx="minor">
-              <a:schemeClr val="dk1"/>
-            </a:fontRef>
-          </p:style>
-          <p:txBody>
-            <a:bodyPr wrap="none" rtlCol="0">
-              <a:spAutoFit/>
-            </a:bodyPr>
-            <a:lstStyle/>
-            <a:p>
-              <a:r>
-                <a:rPr lang="en-US" dirty="0"/>
-                <a:t>The structure definitions</a:t>
-              </a:r>
-            </a:p>
-          </p:txBody>
-        </p:sp>
-        <p:cxnSp>
-          <p:nvCxnSpPr>
-            <p:cNvPr id="7" name="Straight Arrow Connector 6"/>
-            <p:cNvCxnSpPr>
-              <a:stCxn id="6" idx="1"/>
-            </p:cNvCxnSpPr>
-            <p:nvPr/>
-          </p:nvCxnSpPr>
-          <p:spPr>
-            <a:xfrm flipH="1">
-              <a:off x="5719141" y="1784866"/>
-              <a:ext cx="681659" cy="0"/>
-            </a:xfrm>
-            <a:prstGeom prst="straightConnector1">
-              <a:avLst/>
-            </a:prstGeom>
-            <a:ln w="19050">
-              <a:tailEnd type="arrow"/>
-            </a:ln>
-          </p:spPr>
-          <p:style>
-            <a:lnRef idx="1">
-              <a:schemeClr val="accent1"/>
-            </a:lnRef>
-            <a:fillRef idx="0">
-              <a:schemeClr val="accent1"/>
-            </a:fillRef>
-            <a:effectRef idx="0">
-              <a:schemeClr val="accent1"/>
-            </a:effectRef>
-            <a:fontRef idx="minor">
-              <a:schemeClr val="tx1"/>
-            </a:fontRef>
-          </p:style>
-        </p:cxnSp>
-      </p:grpSp>
-      <p:sp>
-        <p:nvSpPr>
-          <p:cNvPr id="14" name="Rectangle 13"/>
-          <p:cNvSpPr/>
-          <p:nvPr/>
-        </p:nvSpPr>
-        <p:spPr>
-          <a:xfrm>
-            <a:off x="6400800" y="3276600"/>
-            <a:ext cx="2438400" cy="2220310"/>
-          </a:xfrm>
-          <a:prstGeom prst="rect">
+          <a:prstGeom prst="roundRect">
             <a:avLst/>
           </a:prstGeom>
           <a:solidFill>
-            <a:schemeClr val="accent3">
-              <a:lumMod val="40000"/>
-              <a:lumOff val="60000"/>
+            <a:schemeClr val="accent2">
+              <a:lumMod val="20000"/>
+              <a:lumOff val="80000"/>
             </a:schemeClr>
           </a:solidFill>
-          <a:ln/>
-        </p:spPr>
-        <p:style>
-          <a:lnRef idx="2">
-            <a:schemeClr val="accent1"/>
-          </a:lnRef>
-          <a:fillRef idx="1">
-            <a:schemeClr val="lt1"/>
-          </a:fillRef>
-          <a:effectRef idx="0">
-            <a:schemeClr val="accent1"/>
-          </a:effectRef>
-          <a:fontRef idx="minor">
-            <a:schemeClr val="dk1"/>
-          </a:fontRef>
-        </p:style>
-        <p:txBody>
-          <a:bodyPr rot="0" spcFirstLastPara="0" vertOverflow="overflow" horzOverflow="overflow" vert="horz" wrap="square" lIns="91440" tIns="45720" rIns="91440" bIns="45720" numCol="1" spcCol="0" rtlCol="0" fromWordArt="0" anchor="ctr" anchorCtr="0" forceAA="0" compatLnSpc="1">
-            <a:prstTxWarp prst="textNoShape">
-              <a:avLst/>
-            </a:prstTxWarp>
-            <a:noAutofit/>
-          </a:bodyPr>
-          <a:lstStyle/>
-          <a:p>
-            <a:pPr>
-              <a:defRPr/>
-            </a:pPr>
-            <a:r>
-              <a:rPr lang="en-US" dirty="0">
-                <a:solidFill>
-                  <a:schemeClr val="tx1"/>
-                </a:solidFill>
-              </a:rPr>
-              <a:t>Here it's clear what the alternatives mean, so all we need to provide is the interpretation of each field in each alternative.</a:t>
-            </a:r>
-          </a:p>
-        </p:txBody>
-      </p:sp>
-      <p:sp>
-        <p:nvSpPr>
-          <p:cNvPr id="2" name="Slide Number Placeholder 1"/>
-          <p:cNvSpPr>
-            <a:spLocks noGrp="1"/>
-          </p:cNvSpPr>
-          <p:nvPr>
-            <p:ph type="sldNum" sz="quarter" idx="12"/>
-          </p:nvPr>
-        </p:nvSpPr>
-        <p:spPr/>
-        <p:txBody>
-          <a:bodyPr/>
-          <a:lstStyle/>
-          <a:p>
-            <a:fld id="{8D704B19-8EED-495A-99FA-12E5518CCC54}" type="slidenum">
-              <a:rPr lang="en-US" smtClean="0"/>
-              <a:pPr/>
-              <a:t>20</a:t>
-            </a:fld>
-            <a:endParaRPr lang="en-US"/>
-          </a:p>
-        </p:txBody>
-      </p:sp>
-      <p:sp>
-        <p:nvSpPr>
-          <p:cNvPr id="4" name="TextBox 3"/>
-          <p:cNvSpPr txBox="1"/>
-          <p:nvPr/>
-        </p:nvSpPr>
-        <p:spPr>
-          <a:xfrm>
-            <a:off x="5680208" y="2356483"/>
-            <a:ext cx="3048000" cy="646331"/>
-          </a:xfrm>
-          <a:prstGeom prst="rect">
-            <a:avLst/>
-          </a:prstGeom>
-          <a:noFill/>
           <a:ln>
             <a:solidFill>
-              <a:schemeClr val="accent1"/>
+              <a:schemeClr val="accent2"/>
             </a:solidFill>
-          </a:ln>
-        </p:spPr>
-        <p:txBody>
-          <a:bodyPr wrap="square" rtlCol="0">
-            <a:spAutoFit/>
-          </a:bodyPr>
-          <a:lstStyle/>
-          <a:p>
-            <a:r>
-              <a:rPr lang="en-US" dirty="0"/>
-              <a:t>Presumably Size and Type are data types defined elsewhere.</a:t>
-            </a:r>
-          </a:p>
-        </p:txBody>
-      </p:sp>
-      <p:sp>
-        <p:nvSpPr>
-          <p:cNvPr id="17" name="Freeform 16"/>
-          <p:cNvSpPr/>
-          <p:nvPr/>
-        </p:nvSpPr>
-        <p:spPr>
-          <a:xfrm>
-            <a:off x="3210113" y="2238355"/>
-            <a:ext cx="2479964" cy="499400"/>
-          </a:xfrm>
-          <a:custGeom>
-            <a:avLst/>
-            <a:gdLst>
-              <a:gd name="connsiteX0" fmla="*/ 2479964 w 2479964"/>
-              <a:gd name="connsiteY0" fmla="*/ 416273 h 499400"/>
-              <a:gd name="connsiteX1" fmla="*/ 1648691 w 2479964"/>
-              <a:gd name="connsiteY1" fmla="*/ 636 h 499400"/>
-              <a:gd name="connsiteX2" fmla="*/ 0 w 2479964"/>
-              <a:gd name="connsiteY2" fmla="*/ 499400 h 499400"/>
-            </a:gdLst>
-            <a:ahLst/>
-            <a:cxnLst>
-              <a:cxn ang="0">
-                <a:pos x="connsiteX0" y="connsiteY0"/>
-              </a:cxn>
-              <a:cxn ang="0">
-                <a:pos x="connsiteX1" y="connsiteY1"/>
-              </a:cxn>
-              <a:cxn ang="0">
-                <a:pos x="connsiteX2" y="connsiteY2"/>
-              </a:cxn>
-            </a:cxnLst>
-            <a:rect l="l" t="t" r="r" b="b"/>
-            <a:pathLst>
-              <a:path w="2479964" h="499400">
-                <a:moveTo>
-                  <a:pt x="2479964" y="416273"/>
-                </a:moveTo>
-                <a:cubicBezTo>
-                  <a:pt x="2270991" y="201527"/>
-                  <a:pt x="2062018" y="-13218"/>
-                  <a:pt x="1648691" y="636"/>
-                </a:cubicBezTo>
-                <a:cubicBezTo>
-                  <a:pt x="1235364" y="14490"/>
-                  <a:pt x="617682" y="256945"/>
-                  <a:pt x="0" y="499400"/>
-                </a:cubicBezTo>
-              </a:path>
-            </a:pathLst>
-          </a:custGeom>
-          <a:noFill/>
-          <a:ln w="12700">
-            <a:tailEnd type="arrow"/>
           </a:ln>
         </p:spPr>
         <p:style>
@@ -8498,24 +7399,285 @@
       </p:sp>
       <p:sp>
         <p:nvSpPr>
-          <p:cNvPr id="11" name="TextBox 10"/>
+          <p:cNvPr id="2" name="Title 1"/>
+          <p:cNvSpPr>
+            <a:spLocks noGrp="1"/>
+          </p:cNvSpPr>
+          <p:nvPr>
+            <p:ph type="title"/>
+          </p:nvPr>
+        </p:nvSpPr>
+        <p:spPr/>
+        <p:txBody>
+          <a:bodyPr>
+            <a:normAutofit fontScale="90000"/>
+          </a:bodyPr>
+          <a:lstStyle/>
+          <a:p>
+            <a:r>
+              <a:rPr lang="en-US" dirty="0"/>
+              <a:t>Examples of data definitions for scalar information</a:t>
+            </a:r>
+          </a:p>
+        </p:txBody>
+      </p:sp>
+      <p:sp>
+        <p:nvSpPr>
+          <p:cNvPr id="3" name="Content Placeholder 2"/>
+          <p:cNvSpPr>
+            <a:spLocks noGrp="1"/>
+          </p:cNvSpPr>
+          <p:nvPr>
+            <p:ph idx="1"/>
+          </p:nvPr>
+        </p:nvSpPr>
+        <p:spPr>
+          <a:xfrm>
+            <a:off x="304800" y="1600200"/>
+            <a:ext cx="8686800" cy="4525963"/>
+          </a:xfrm>
+        </p:spPr>
+        <p:txBody>
+          <a:bodyPr>
+            <a:normAutofit fontScale="70000" lnSpcReduction="20000"/>
+          </a:bodyPr>
+          <a:lstStyle/>
+          <a:p>
+            <a:r>
+              <a:rPr lang="en-US" dirty="0"/>
+              <a:t>;; An Altitude is represented as a Real, </a:t>
+            </a:r>
+          </a:p>
+          <a:p>
+            <a:r>
+              <a:rPr lang="en-US" dirty="0"/>
+              <a:t>;;    measured in meters</a:t>
+            </a:r>
+          </a:p>
+          <a:p>
+            <a:endParaRPr lang="en-US" dirty="0"/>
+          </a:p>
+          <a:p>
+            <a:r>
+              <a:rPr lang="en-US" dirty="0"/>
+              <a:t>;; A Velocity is represented as a Real, measured in</a:t>
+            </a:r>
+          </a:p>
+          <a:p>
+            <a:r>
+              <a:rPr lang="en-US" dirty="0"/>
+              <a:t>;;   meters/sec upward</a:t>
+            </a:r>
+          </a:p>
+          <a:p>
+            <a:endParaRPr lang="en-US" dirty="0"/>
+          </a:p>
+          <a:p>
+            <a:r>
+              <a:rPr lang="en-US" dirty="0"/>
+              <a:t>;; A </a:t>
+            </a:r>
+            <a:r>
+              <a:rPr lang="en-US" dirty="0" err="1"/>
+              <a:t>BookPrice</a:t>
+            </a:r>
+            <a:r>
+              <a:rPr lang="en-US" dirty="0"/>
+              <a:t> is represented as a </a:t>
+            </a:r>
+            <a:r>
+              <a:rPr lang="en-US" dirty="0" err="1"/>
+              <a:t>NonNegInt</a:t>
+            </a:r>
+            <a:r>
+              <a:rPr lang="en-US" dirty="0"/>
+              <a:t>,</a:t>
+            </a:r>
+          </a:p>
+          <a:p>
+            <a:r>
+              <a:rPr lang="en-US" dirty="0"/>
+              <a:t>;;   in USD*100 (e.g. $7.95 =&gt; 795)</a:t>
+            </a:r>
+          </a:p>
+          <a:p>
+            <a:endParaRPr lang="en-US" dirty="0"/>
+          </a:p>
+          <a:p>
+            <a:r>
+              <a:rPr lang="en-US" dirty="0"/>
+              <a:t>;; A Vineyard is represented as a String </a:t>
+            </a:r>
+          </a:p>
+          <a:p>
+            <a:r>
+              <a:rPr lang="en-US" dirty="0"/>
+              <a:t>;;      (any string will do)</a:t>
+            </a:r>
+          </a:p>
+          <a:p>
+            <a:r>
+              <a:rPr lang="en-US" dirty="0"/>
+              <a:t>;; A Vintage  is represented as a </a:t>
+            </a:r>
+            <a:r>
+              <a:rPr lang="en-US" dirty="0" err="1"/>
+              <a:t>PosInt</a:t>
+            </a:r>
+            <a:r>
+              <a:rPr lang="en-US" dirty="0"/>
+              <a:t> in [1800,2100]</a:t>
+            </a:r>
+            <a:endParaRPr lang="en-US" dirty="0"/>
+          </a:p>
+        </p:txBody>
+      </p:sp>
+      <p:sp>
+        <p:nvSpPr>
+          <p:cNvPr id="4" name="Slide Number Placeholder 3"/>
+          <p:cNvSpPr>
+            <a:spLocks noGrp="1"/>
+          </p:cNvSpPr>
+          <p:nvPr>
+            <p:ph type="sldNum" sz="quarter" idx="12"/>
+          </p:nvPr>
+        </p:nvSpPr>
+        <p:spPr/>
+        <p:txBody>
+          <a:bodyPr/>
+          <a:lstStyle/>
+          <a:p>
+            <a:fld id="{8D704B19-8EED-495A-99FA-12E5518CCC54}" type="slidenum">
+              <a:rPr lang="en-US" smtClean="0"/>
+              <a:pPr/>
+              <a:t>20</a:t>
+            </a:fld>
+            <a:endParaRPr lang="en-US" dirty="0"/>
+          </a:p>
+        </p:txBody>
+      </p:sp>
+      <p:sp>
+        <p:nvSpPr>
+          <p:cNvPr id="5" name="TextBox 4"/>
           <p:cNvSpPr txBox="1"/>
           <p:nvPr/>
         </p:nvSpPr>
         <p:spPr>
           <a:xfrm>
-            <a:off x="5430904" y="5705308"/>
-            <a:ext cx="3048000" cy="646331"/>
+            <a:off x="5257800" y="1981200"/>
+            <a:ext cx="2871940" cy="369332"/>
           </a:xfrm>
           <a:prstGeom prst="rect">
             <a:avLst/>
           </a:prstGeom>
-          <a:noFill/>
-          <a:ln>
-            <a:solidFill>
-              <a:schemeClr val="accent1"/>
-            </a:solidFill>
-          </a:ln>
+          <a:solidFill>
+            <a:schemeClr val="accent1">
+              <a:lumMod val="20000"/>
+              <a:lumOff val="80000"/>
+            </a:schemeClr>
+          </a:solidFill>
+        </p:spPr>
+        <p:txBody>
+          <a:bodyPr wrap="none" rtlCol="0">
+            <a:spAutoFit/>
+          </a:bodyPr>
+          <a:lstStyle/>
+          <a:p>
+            <a:r>
+              <a:rPr lang="en-US" dirty="0"/>
+              <a:t>interpretation specifies units</a:t>
+            </a:r>
+          </a:p>
+        </p:txBody>
+      </p:sp>
+      <p:sp>
+        <p:nvSpPr>
+          <p:cNvPr id="6" name="TextBox 5"/>
+          <p:cNvSpPr txBox="1"/>
+          <p:nvPr/>
+        </p:nvSpPr>
+        <p:spPr>
+          <a:xfrm>
+            <a:off x="4191000" y="2936121"/>
+            <a:ext cx="4378122" cy="369332"/>
+          </a:xfrm>
+          <a:prstGeom prst="rect">
+            <a:avLst/>
+          </a:prstGeom>
+          <a:solidFill>
+            <a:schemeClr val="accent1">
+              <a:lumMod val="20000"/>
+              <a:lumOff val="80000"/>
+            </a:schemeClr>
+          </a:solidFill>
+        </p:spPr>
+        <p:txBody>
+          <a:bodyPr wrap="none" rtlCol="0">
+            <a:spAutoFit/>
+          </a:bodyPr>
+          <a:lstStyle/>
+          <a:p>
+            <a:r>
+              <a:rPr lang="en-US" dirty="0"/>
+              <a:t>interpretation specifies units and orientation</a:t>
+            </a:r>
+          </a:p>
+        </p:txBody>
+      </p:sp>
+      <p:sp>
+        <p:nvSpPr>
+          <p:cNvPr id="7" name="TextBox 6"/>
+          <p:cNvSpPr txBox="1"/>
+          <p:nvPr/>
+        </p:nvSpPr>
+        <p:spPr>
+          <a:xfrm>
+            <a:off x="6019800" y="4038600"/>
+            <a:ext cx="2871940" cy="369332"/>
+          </a:xfrm>
+          <a:prstGeom prst="rect">
+            <a:avLst/>
+          </a:prstGeom>
+          <a:solidFill>
+            <a:schemeClr val="accent1">
+              <a:lumMod val="20000"/>
+              <a:lumOff val="80000"/>
+            </a:schemeClr>
+          </a:solidFill>
+        </p:spPr>
+        <p:txBody>
+          <a:bodyPr wrap="none" rtlCol="0">
+            <a:spAutoFit/>
+          </a:bodyPr>
+          <a:lstStyle/>
+          <a:p>
+            <a:r>
+              <a:rPr lang="en-US" dirty="0"/>
+              <a:t>interpretation specifies units</a:t>
+            </a:r>
+          </a:p>
+        </p:txBody>
+      </p:sp>
+      <p:sp>
+        <p:nvSpPr>
+          <p:cNvPr id="8" name="TextBox 7"/>
+          <p:cNvSpPr txBox="1"/>
+          <p:nvPr/>
+        </p:nvSpPr>
+        <p:spPr>
+          <a:xfrm>
+            <a:off x="454152" y="5864959"/>
+            <a:ext cx="7089648" cy="923330"/>
+          </a:xfrm>
+          <a:prstGeom prst="rect">
+            <a:avLst/>
+          </a:prstGeom>
+          <a:solidFill>
+            <a:schemeClr val="accent2">
+              <a:lumMod val="20000"/>
+              <a:lumOff val="80000"/>
+            </a:schemeClr>
+          </a:solidFill>
         </p:spPr>
         <p:txBody>
           <a:bodyPr wrap="square" rtlCol="0">
@@ -8525,30 +7687,38 @@
           <a:p>
             <a:r>
               <a:rPr lang="en-US" dirty="0"/>
-              <a:t>Presumably Vineyard is also a data type defined elsewhere.</a:t>
+              <a:t>When you say “String”, that always means that any string is a legal value!!</a:t>
+            </a:r>
+          </a:p>
+          <a:p>
+            <a:r>
+              <a:rPr lang="en-US" dirty="0"/>
+              <a:t>Any time your data definition says “String”, you should always write “Any string will do”.</a:t>
             </a:r>
           </a:p>
         </p:txBody>
       </p:sp>
       <p:cxnSp>
         <p:nvCxnSpPr>
-          <p:cNvPr id="9" name="Curved Connector 8"/>
-          <p:cNvCxnSpPr/>
+          <p:cNvPr id="11" name="Straight Arrow Connector 10"/>
+          <p:cNvCxnSpPr>
+            <a:stCxn id="8" idx="0"/>
+          </p:cNvCxnSpPr>
           <p:nvPr/>
         </p:nvCxnSpPr>
         <p:spPr>
-          <a:xfrm rot="10800000">
-            <a:off x="3048000" y="4586672"/>
-            <a:ext cx="2382904" cy="1108934"/>
+          <a:xfrm flipH="1" flipV="1">
+            <a:off x="3276600" y="5410200"/>
+            <a:ext cx="722376" cy="454759"/>
           </a:xfrm>
-          <a:prstGeom prst="curvedConnector3">
-            <a:avLst>
-              <a:gd name="adj1" fmla="val 101990"/>
-            </a:avLst>
+          <a:prstGeom prst="straightConnector1">
+            <a:avLst/>
           </a:prstGeom>
-          <a:ln>
-            <a:headEnd type="none" w="med" len="med"/>
-            <a:tailEnd type="triangle" w="med" len="med"/>
+          <a:ln w="25400">
+            <a:solidFill>
+              <a:schemeClr val="accent2"/>
+            </a:solidFill>
+            <a:tailEnd type="triangle"/>
           </a:ln>
         </p:spPr>
         <p:style>
@@ -8569,96 +7739,13 @@
     </p:spTree>
     <p:extLst>
       <p:ext uri="{BB962C8B-B14F-4D97-AF65-F5344CB8AC3E}">
-        <p14:creationId xmlns:p14="http://schemas.microsoft.com/office/powerpoint/2010/main" val="3002992385"/>
+        <p14:creationId xmlns:p14="http://schemas.microsoft.com/office/powerpoint/2010/main" val="2463231679"/>
       </p:ext>
     </p:extLst>
   </p:cSld>
   <p:clrMapOvr>
     <a:masterClrMapping/>
   </p:clrMapOvr>
-  <p:timing>
-    <p:tnLst>
-      <p:par>
-        <p:cTn id="1" dur="indefinite" restart="never" nodeType="tmRoot">
-          <p:childTnLst>
-            <p:seq concurrent="1" nextAc="seek">
-              <p:cTn id="2" dur="indefinite" nodeType="mainSeq">
-                <p:childTnLst>
-                  <p:par>
-                    <p:cTn id="3" fill="hold">
-                      <p:stCondLst>
-                        <p:cond delay="indefinite"/>
-                      </p:stCondLst>
-                      <p:childTnLst>
-                        <p:par>
-                          <p:cTn id="4" fill="hold">
-                            <p:stCondLst>
-                              <p:cond delay="0"/>
-                            </p:stCondLst>
-                            <p:childTnLst>
-                              <p:par>
-                                <p:cTn id="5" presetID="10" presetClass="entr" presetSubtype="0" fill="hold" nodeType="clickEffect">
-                                  <p:stCondLst>
-                                    <p:cond delay="0"/>
-                                  </p:stCondLst>
-                                  <p:childTnLst>
-                                    <p:set>
-                                      <p:cBhvr>
-                                        <p:cTn id="6" dur="1" fill="hold">
-                                          <p:stCondLst>
-                                            <p:cond delay="0"/>
-                                          </p:stCondLst>
-                                        </p:cTn>
-                                        <p:tgtEl>
-                                          <p:spTgt spid="5"/>
-                                        </p:tgtEl>
-                                        <p:attrNameLst>
-                                          <p:attrName>style.visibility</p:attrName>
-                                        </p:attrNameLst>
-                                      </p:cBhvr>
-                                      <p:to>
-                                        <p:strVal val="visible"/>
-                                      </p:to>
-                                    </p:set>
-                                    <p:animEffect transition="in" filter="fade">
-                                      <p:cBhvr>
-                                        <p:cTn id="7" dur="500"/>
-                                        <p:tgtEl>
-                                          <p:spTgt spid="5"/>
-                                        </p:tgtEl>
-                                      </p:cBhvr>
-                                    </p:animEffect>
-                                  </p:childTnLst>
-                                </p:cTn>
-                              </p:par>
-                            </p:childTnLst>
-                          </p:cTn>
-                        </p:par>
-                      </p:childTnLst>
-                    </p:cTn>
-                  </p:par>
-                </p:childTnLst>
-              </p:cTn>
-              <p:prevCondLst>
-                <p:cond evt="onPrev" delay="0">
-                  <p:tgtEl>
-                    <p:sldTgt/>
-                  </p:tgtEl>
-                </p:cond>
-              </p:prevCondLst>
-              <p:nextCondLst>
-                <p:cond evt="onNext" delay="0">
-                  <p:tgtEl>
-                    <p:sldTgt/>
-                  </p:tgtEl>
-                </p:cond>
-              </p:nextCondLst>
-            </p:seq>
-          </p:childTnLst>
-        </p:cTn>
-      </p:par>
-    </p:tnLst>
-  </p:timing>
 </p:sld>
 </file>
 
@@ -8681,7 +7768,29 @@
       </p:grpSpPr>
       <p:sp>
         <p:nvSpPr>
-          <p:cNvPr id="4" name="Content Placeholder 3"/>
+          <p:cNvPr id="2" name="Title 1"/>
+          <p:cNvSpPr>
+            <a:spLocks noGrp="1"/>
+          </p:cNvSpPr>
+          <p:nvPr>
+            <p:ph type="title"/>
+          </p:nvPr>
+        </p:nvSpPr>
+        <p:spPr/>
+        <p:txBody>
+          <a:bodyPr/>
+          <a:lstStyle/>
+          <a:p>
+            <a:r>
+              <a:rPr lang="en-US" dirty="0"/>
+              <a:t>The DDR for itemization data</a:t>
+            </a:r>
+          </a:p>
+        </p:txBody>
+      </p:sp>
+      <p:sp>
+        <p:nvSpPr>
+          <p:cNvPr id="5" name="Content Placeholder 4"/>
           <p:cNvSpPr>
             <a:spLocks noGrp="1"/>
           </p:cNvSpPr>
@@ -8689,504 +7798,144 @@
             <p:ph idx="1"/>
           </p:nvPr>
         </p:nvSpPr>
-        <p:spPr>
-          <a:xfrm>
-            <a:off x="458755" y="1830387"/>
-            <a:ext cx="8229600" cy="4525963"/>
-          </a:xfrm>
-        </p:spPr>
+        <p:spPr/>
         <p:txBody>
           <a:bodyPr>
-            <a:noAutofit/>
+            <a:normAutofit fontScale="47500" lnSpcReduction="20000"/>
           </a:bodyPr>
           <a:lstStyle/>
           <a:p>
             <a:r>
-              <a:rPr lang="en-US" sz="2000" dirty="0"/>
-              <a:t>(define-</a:t>
-            </a:r>
-            <a:r>
-              <a:rPr lang="en-US" sz="2000" dirty="0" err="1"/>
-              <a:t>struct</a:t>
-            </a:r>
-            <a:r>
-              <a:rPr lang="en-US" sz="2000" dirty="0"/>
-              <a:t> book (author title on-hand price))</a:t>
-            </a:r>
-          </a:p>
-          <a:p>
-            <a:endParaRPr lang="en-US" sz="2000" dirty="0"/>
-          </a:p>
-          <a:p>
-            <a:r>
-              <a:rPr lang="en-US" sz="2000" dirty="0"/>
-              <a:t>;; A Book is a </a:t>
-            </a:r>
-          </a:p>
-          <a:p>
-            <a:r>
-              <a:rPr lang="en-US" sz="2000" dirty="0"/>
-              <a:t>;;  (make-book String </a:t>
-            </a:r>
-            <a:r>
-              <a:rPr lang="en-US" sz="2000" dirty="0" err="1"/>
-              <a:t>String</a:t>
-            </a:r>
-            <a:r>
-              <a:rPr lang="en-US" sz="2000" dirty="0"/>
-              <a:t> </a:t>
-            </a:r>
-            <a:r>
-              <a:rPr lang="en-US" sz="2000" dirty="0" err="1"/>
-              <a:t>NonNegInt</a:t>
-            </a:r>
-            <a:r>
-              <a:rPr lang="en-US" sz="2000" dirty="0"/>
-              <a:t> </a:t>
-            </a:r>
-            <a:r>
-              <a:rPr lang="en-US" sz="2000" dirty="0" err="1"/>
-              <a:t>NonNegInt</a:t>
-            </a:r>
-            <a:r>
-              <a:rPr lang="en-US" sz="2000" dirty="0"/>
-              <a:t>)</a:t>
-            </a:r>
-          </a:p>
-          <a:p>
-            <a:r>
-              <a:rPr lang="en-US" sz="2000" dirty="0"/>
-              <a:t>;; Interpretation:</a:t>
-            </a:r>
-          </a:p>
-          <a:p>
-            <a:r>
-              <a:rPr lang="en-US" sz="2000" dirty="0"/>
-              <a:t>;;   author is the author’s name</a:t>
-            </a:r>
-          </a:p>
-          <a:p>
-            <a:r>
-              <a:rPr lang="en-US" sz="2000" dirty="0"/>
-              <a:t>;;   title is the title</a:t>
-            </a:r>
-          </a:p>
-          <a:p>
-            <a:r>
-              <a:rPr lang="en-US" sz="2000" dirty="0"/>
-              <a:t>;;   on-hand is the number of copies on hand</a:t>
-            </a:r>
-          </a:p>
-          <a:p>
-            <a:r>
-              <a:rPr lang="en-US" sz="2000" dirty="0"/>
-              <a:t>;;   price is the price in USD*100 </a:t>
-            </a:r>
-          </a:p>
-          <a:p>
-            <a:r>
-              <a:rPr lang="en-US" sz="2000" dirty="0"/>
-              <a:t>;;    e.g. US$7.95 =&gt; 795</a:t>
-            </a:r>
-          </a:p>
-          <a:p>
-            <a:endParaRPr lang="en-US" sz="1600" dirty="0"/>
-          </a:p>
-        </p:txBody>
-      </p:sp>
-      <p:sp>
-        <p:nvSpPr>
-          <p:cNvPr id="2" name="Title 1"/>
-          <p:cNvSpPr>
-            <a:spLocks noGrp="1"/>
-          </p:cNvSpPr>
-          <p:nvPr>
-            <p:ph type="title"/>
-          </p:nvPr>
-        </p:nvSpPr>
-        <p:spPr/>
-        <p:txBody>
-          <a:bodyPr>
-            <a:normAutofit/>
-          </a:bodyPr>
-          <a:lstStyle/>
-          <a:p>
-            <a:r>
-              <a:rPr lang="en-US" dirty="0"/>
-              <a:t>Another example</a:t>
-            </a:r>
-          </a:p>
-        </p:txBody>
-      </p:sp>
-      <p:sp>
-        <p:nvSpPr>
-          <p:cNvPr id="17" name="Rectangle 16"/>
-          <p:cNvSpPr/>
-          <p:nvPr/>
-        </p:nvSpPr>
-        <p:spPr>
-          <a:xfrm>
-            <a:off x="4953000" y="5647060"/>
-            <a:ext cx="3429004" cy="914400"/>
-          </a:xfrm>
-          <a:prstGeom prst="rect">
-            <a:avLst/>
-          </a:prstGeom>
-        </p:spPr>
-        <p:style>
-          <a:lnRef idx="2">
-            <a:schemeClr val="accent1"/>
-          </a:lnRef>
-          <a:fillRef idx="1">
-            <a:schemeClr val="lt1"/>
-          </a:fillRef>
-          <a:effectRef idx="0">
-            <a:schemeClr val="accent1"/>
-          </a:effectRef>
-          <a:fontRef idx="minor">
-            <a:schemeClr val="dk1"/>
-          </a:fontRef>
-        </p:style>
-        <p:txBody>
-          <a:bodyPr rtlCol="0" anchor="ctr"/>
-          <a:lstStyle/>
-          <a:p>
-            <a:pPr algn="ctr"/>
-            <a:r>
-              <a:rPr lang="en-US" dirty="0"/>
-              <a:t>Question: Are these interpretations sufficiently detailed to be useful? </a:t>
-            </a:r>
-          </a:p>
-        </p:txBody>
-      </p:sp>
-      <p:grpSp>
-        <p:nvGrpSpPr>
-          <p:cNvPr id="33" name="Group 32"/>
-          <p:cNvGrpSpPr/>
-          <p:nvPr/>
-        </p:nvGrpSpPr>
-        <p:grpSpPr>
-          <a:xfrm>
-            <a:off x="5529798" y="3427936"/>
-            <a:ext cx="3429004" cy="1923552"/>
-            <a:chOff x="4449400" y="3533313"/>
-            <a:chExt cx="3429004" cy="1923552"/>
-          </a:xfrm>
-        </p:grpSpPr>
-        <p:sp>
-          <p:nvSpPr>
-            <p:cNvPr id="6" name="TextBox 5"/>
-            <p:cNvSpPr txBox="1"/>
-            <p:nvPr/>
-          </p:nvSpPr>
-          <p:spPr>
-            <a:xfrm>
-              <a:off x="5440004" y="4691331"/>
-              <a:ext cx="2438400" cy="646331"/>
-            </a:xfrm>
-            <a:prstGeom prst="rect">
-              <a:avLst/>
-            </a:prstGeom>
-            <a:ln/>
-          </p:spPr>
-          <p:style>
-            <a:lnRef idx="2">
-              <a:schemeClr val="accent1"/>
-            </a:lnRef>
-            <a:fillRef idx="1">
-              <a:schemeClr val="lt1"/>
-            </a:fillRef>
-            <a:effectRef idx="0">
-              <a:schemeClr val="accent1"/>
-            </a:effectRef>
-            <a:fontRef idx="minor">
-              <a:schemeClr val="dk1"/>
-            </a:fontRef>
-          </p:style>
-          <p:txBody>
-            <a:bodyPr wrap="square" rtlCol="0">
-              <a:spAutoFit/>
-            </a:bodyPr>
-            <a:lstStyle/>
-            <a:p>
-              <a:r>
-                <a:rPr lang="en-US" dirty="0"/>
-                <a:t>The interpretation of each field</a:t>
-              </a:r>
-            </a:p>
-          </p:txBody>
-        </p:sp>
-        <p:sp>
-          <p:nvSpPr>
-            <p:cNvPr id="18" name="Right Brace 17"/>
-            <p:cNvSpPr/>
-            <p:nvPr/>
-          </p:nvSpPr>
-          <p:spPr>
-            <a:xfrm>
-              <a:off x="4449400" y="3533313"/>
-              <a:ext cx="422146" cy="1923552"/>
-            </a:xfrm>
-            <a:prstGeom prst="rightBrace">
-              <a:avLst>
-                <a:gd name="adj1" fmla="val 30896"/>
-                <a:gd name="adj2" fmla="val 50000"/>
-              </a:avLst>
-            </a:prstGeom>
-            <a:ln w="28575">
-              <a:solidFill>
-                <a:schemeClr val="accent1"/>
-              </a:solidFill>
-            </a:ln>
-          </p:spPr>
-          <p:style>
-            <a:lnRef idx="1">
-              <a:schemeClr val="accent1"/>
-            </a:lnRef>
-            <a:fillRef idx="0">
-              <a:schemeClr val="accent1"/>
-            </a:fillRef>
-            <a:effectRef idx="0">
-              <a:schemeClr val="accent1"/>
-            </a:effectRef>
-            <a:fontRef idx="minor">
-              <a:schemeClr val="tx1"/>
-            </a:fontRef>
-          </p:style>
-          <p:txBody>
-            <a:bodyPr rtlCol="0" anchor="ctr"/>
-            <a:lstStyle/>
-            <a:p>
-              <a:pPr algn="ctr"/>
-              <a:endParaRPr lang="en-US"/>
-            </a:p>
-          </p:txBody>
-        </p:sp>
-        <p:cxnSp>
-          <p:nvCxnSpPr>
-            <p:cNvPr id="20" name="Straight Arrow Connector 19"/>
-            <p:cNvCxnSpPr>
-              <a:stCxn id="6" idx="1"/>
-            </p:cNvCxnSpPr>
-            <p:nvPr/>
-          </p:nvCxnSpPr>
-          <p:spPr>
-            <a:xfrm flipH="1" flipV="1">
-              <a:off x="4871546" y="4517755"/>
-              <a:ext cx="568458" cy="496742"/>
-            </a:xfrm>
-            <a:prstGeom prst="straightConnector1">
-              <a:avLst/>
-            </a:prstGeom>
-            <a:ln w="19050">
-              <a:tailEnd type="arrow"/>
-            </a:ln>
-          </p:spPr>
-          <p:style>
-            <a:lnRef idx="1">
-              <a:schemeClr val="accent1"/>
-            </a:lnRef>
-            <a:fillRef idx="0">
-              <a:schemeClr val="accent1"/>
-            </a:fillRef>
-            <a:effectRef idx="0">
-              <a:schemeClr val="accent1"/>
-            </a:effectRef>
-            <a:fontRef idx="minor">
-              <a:schemeClr val="tx1"/>
-            </a:fontRef>
-          </p:style>
-        </p:cxnSp>
-      </p:grpSp>
-      <p:grpSp>
-        <p:nvGrpSpPr>
-          <p:cNvPr id="31" name="Group 30"/>
-          <p:cNvGrpSpPr/>
-          <p:nvPr/>
-        </p:nvGrpSpPr>
-        <p:grpSpPr>
-          <a:xfrm>
-            <a:off x="5369861" y="2196776"/>
-            <a:ext cx="3276600" cy="416204"/>
-            <a:chOff x="5526204" y="1553328"/>
-            <a:chExt cx="3276600" cy="416204"/>
-          </a:xfrm>
-        </p:grpSpPr>
-        <p:sp>
-          <p:nvSpPr>
-            <p:cNvPr id="5" name="TextBox 4"/>
-            <p:cNvSpPr txBox="1"/>
-            <p:nvPr/>
-          </p:nvSpPr>
-          <p:spPr>
-            <a:xfrm>
-              <a:off x="6400800" y="1600200"/>
-              <a:ext cx="2402004" cy="369332"/>
-            </a:xfrm>
-            <a:prstGeom prst="rect">
-              <a:avLst/>
-            </a:prstGeom>
-            <a:ln/>
-          </p:spPr>
-          <p:style>
-            <a:lnRef idx="2">
-              <a:schemeClr val="accent1"/>
-            </a:lnRef>
-            <a:fillRef idx="1">
-              <a:schemeClr val="lt1"/>
-            </a:fillRef>
-            <a:effectRef idx="0">
-              <a:schemeClr val="accent1"/>
-            </a:effectRef>
-            <a:fontRef idx="minor">
-              <a:schemeClr val="dk1"/>
-            </a:fontRef>
-          </p:style>
-          <p:txBody>
-            <a:bodyPr wrap="none" rtlCol="0">
-              <a:spAutoFit/>
-            </a:bodyPr>
-            <a:lstStyle/>
-            <a:p>
-              <a:r>
-                <a:rPr lang="en-US" dirty="0"/>
-                <a:t>The structure definition</a:t>
-              </a:r>
-            </a:p>
-          </p:txBody>
-        </p:sp>
-        <p:cxnSp>
-          <p:nvCxnSpPr>
-            <p:cNvPr id="30" name="Straight Arrow Connector 29"/>
-            <p:cNvCxnSpPr>
-              <a:stCxn id="5" idx="1"/>
-            </p:cNvCxnSpPr>
-            <p:nvPr/>
-          </p:nvCxnSpPr>
-          <p:spPr>
-            <a:xfrm flipH="1" flipV="1">
-              <a:off x="5526204" y="1553328"/>
-              <a:ext cx="874596" cy="231538"/>
-            </a:xfrm>
-            <a:prstGeom prst="straightConnector1">
-              <a:avLst/>
-            </a:prstGeom>
-            <a:ln w="19050">
-              <a:tailEnd type="arrow"/>
-            </a:ln>
-          </p:spPr>
-          <p:style>
-            <a:lnRef idx="1">
-              <a:schemeClr val="accent1"/>
-            </a:lnRef>
-            <a:fillRef idx="0">
-              <a:schemeClr val="accent1"/>
-            </a:fillRef>
-            <a:effectRef idx="0">
-              <a:schemeClr val="accent1"/>
-            </a:effectRef>
-            <a:fontRef idx="minor">
-              <a:schemeClr val="tx1"/>
-            </a:fontRef>
-          </p:style>
-        </p:cxnSp>
-      </p:grpSp>
-      <p:grpSp>
-        <p:nvGrpSpPr>
-          <p:cNvPr id="7" name="Group 6"/>
-          <p:cNvGrpSpPr/>
-          <p:nvPr/>
-        </p:nvGrpSpPr>
-        <p:grpSpPr>
-          <a:xfrm>
-            <a:off x="6512767" y="3104084"/>
-            <a:ext cx="2446035" cy="923330"/>
-            <a:chOff x="6512767" y="3104084"/>
-            <a:chExt cx="2446035" cy="923330"/>
-          </a:xfrm>
-        </p:grpSpPr>
-        <p:sp>
-          <p:nvSpPr>
-            <p:cNvPr id="11" name="TextBox 10"/>
-            <p:cNvSpPr txBox="1"/>
-            <p:nvPr/>
-          </p:nvSpPr>
-          <p:spPr>
-            <a:xfrm>
-              <a:off x="7422689" y="3104084"/>
-              <a:ext cx="1536113" cy="923330"/>
-            </a:xfrm>
-            <a:prstGeom prst="rect">
-              <a:avLst/>
-            </a:prstGeom>
-            <a:ln/>
-          </p:spPr>
-          <p:style>
-            <a:lnRef idx="2">
-              <a:schemeClr val="accent1"/>
-            </a:lnRef>
-            <a:fillRef idx="1">
-              <a:schemeClr val="lt1"/>
-            </a:fillRef>
-            <a:effectRef idx="0">
-              <a:schemeClr val="accent1"/>
-            </a:effectRef>
-            <a:fontRef idx="minor">
-              <a:schemeClr val="dk1"/>
-            </a:fontRef>
-          </p:style>
-          <p:txBody>
-            <a:bodyPr wrap="square" rtlCol="0">
-              <a:spAutoFit/>
-            </a:bodyPr>
-            <a:lstStyle/>
-            <a:p>
-              <a:r>
-                <a:rPr lang="en-US" dirty="0"/>
-                <a:t>The constructor template</a:t>
-              </a:r>
-            </a:p>
-          </p:txBody>
-        </p:sp>
-        <p:cxnSp>
-          <p:nvCxnSpPr>
-            <p:cNvPr id="19" name="Straight Arrow Connector 18"/>
-            <p:cNvCxnSpPr>
-              <a:stCxn id="11" idx="1"/>
-            </p:cNvCxnSpPr>
-            <p:nvPr/>
-          </p:nvCxnSpPr>
-          <p:spPr>
-            <a:xfrm flipH="1" flipV="1">
-              <a:off x="6512767" y="3290124"/>
-              <a:ext cx="909922" cy="275625"/>
-            </a:xfrm>
-            <a:prstGeom prst="straightConnector1">
-              <a:avLst/>
-            </a:prstGeom>
-            <a:ln w="19050">
-              <a:tailEnd type="arrow"/>
-            </a:ln>
-          </p:spPr>
-          <p:style>
-            <a:lnRef idx="1">
-              <a:schemeClr val="accent1"/>
-            </a:lnRef>
-            <a:fillRef idx="0">
-              <a:schemeClr val="accent1"/>
-            </a:fillRef>
-            <a:effectRef idx="0">
-              <a:schemeClr val="accent1"/>
-            </a:effectRef>
-            <a:fontRef idx="minor">
-              <a:schemeClr val="tx1"/>
-            </a:fontRef>
-          </p:style>
-        </p:cxnSp>
-      </p:grpSp>
-      <p:sp>
-        <p:nvSpPr>
-          <p:cNvPr id="3" name="Slide Number Placeholder 2"/>
+              <a:rPr lang="en-US" dirty="0"/>
+              <a:t>;; A Size is represented as one of the following integers:</a:t>
+            </a:r>
+          </a:p>
+          <a:p>
+            <a:r>
+              <a:rPr lang="en-US" dirty="0"/>
+              <a:t>;; -- 8, 12, 16, 20, 30</a:t>
+            </a:r>
+          </a:p>
+          <a:p>
+            <a:r>
+              <a:rPr lang="en-US" dirty="0"/>
+              <a:t>;; INTERP: a cup size, in fluid ounces</a:t>
+            </a:r>
+          </a:p>
+          <a:p>
+            <a:endParaRPr lang="en-US" dirty="0"/>
+          </a:p>
+          <a:p>
+            <a:r>
+              <a:rPr lang="en-US" dirty="0"/>
+              <a:t>;; NOTE: it would be wrong to say "the cup", since there is no cup</a:t>
+            </a:r>
+          </a:p>
+          <a:p>
+            <a:r>
+              <a:rPr lang="en-US" dirty="0"/>
+              <a:t>;; here.  Look at the definition of </a:t>
+            </a:r>
+            <a:r>
+              <a:rPr lang="en-US" dirty="0" err="1"/>
+              <a:t>CoffeeOrder</a:t>
+            </a:r>
+            <a:r>
+              <a:rPr lang="en-US" dirty="0"/>
+              <a:t> below</a:t>
+            </a:r>
+          </a:p>
+          <a:p>
+            <a:endParaRPr lang="en-US" dirty="0"/>
+          </a:p>
+          <a:p>
+            <a:r>
+              <a:rPr lang="en-US" dirty="0"/>
+              <a:t>;; NOTE: Constructor template is not necessary for itemization data</a:t>
+            </a:r>
+          </a:p>
+          <a:p>
+            <a:endParaRPr lang="en-US" dirty="0"/>
+          </a:p>
+          <a:p>
+            <a:r>
+              <a:rPr lang="en-US" dirty="0"/>
+              <a:t>;; OBSERVER TEMPLATE:</a:t>
+            </a:r>
+          </a:p>
+          <a:p>
+            <a:endParaRPr lang="en-US" dirty="0"/>
+          </a:p>
+          <a:p>
+            <a:r>
+              <a:rPr lang="en-US" dirty="0"/>
+              <a:t>;; size-</a:t>
+            </a:r>
+            <a:r>
+              <a:rPr lang="en-US" dirty="0" err="1"/>
+              <a:t>fn</a:t>
+            </a:r>
+            <a:r>
+              <a:rPr lang="en-US" dirty="0"/>
+              <a:t> : Size -&gt; ?</a:t>
+            </a:r>
+          </a:p>
+          <a:p>
+            <a:r>
+              <a:rPr lang="en-US" dirty="0"/>
+              <a:t>(define (size-</a:t>
+            </a:r>
+            <a:r>
+              <a:rPr lang="en-US" dirty="0" err="1"/>
+              <a:t>fn</a:t>
+            </a:r>
+            <a:r>
+              <a:rPr lang="en-US" dirty="0"/>
+              <a:t> s)</a:t>
+            </a:r>
+          </a:p>
+          <a:p>
+            <a:r>
+              <a:rPr lang="en-US" dirty="0"/>
+              <a:t>  (cond</a:t>
+            </a:r>
+          </a:p>
+          <a:p>
+            <a:r>
+              <a:rPr lang="en-US" dirty="0"/>
+              <a:t>    [(= s 8)  ...]</a:t>
+            </a:r>
+          </a:p>
+          <a:p>
+            <a:r>
+              <a:rPr lang="en-US" dirty="0"/>
+              <a:t>    [(= s 12) ...]</a:t>
+            </a:r>
+          </a:p>
+          <a:p>
+            <a:r>
+              <a:rPr lang="en-US" dirty="0"/>
+              <a:t>    [(= s 16) ...]</a:t>
+            </a:r>
+          </a:p>
+          <a:p>
+            <a:r>
+              <a:rPr lang="en-US" dirty="0"/>
+              <a:t>    [(= s 20) ...]</a:t>
+            </a:r>
+          </a:p>
+          <a:p>
+            <a:r>
+              <a:rPr lang="en-US" dirty="0"/>
+              <a:t>    [(= s 30) ...]))</a:t>
+            </a:r>
+            <a:endParaRPr lang="en-US" dirty="0"/>
+          </a:p>
+        </p:txBody>
+      </p:sp>
+      <p:sp>
+        <p:nvSpPr>
+          <p:cNvPr id="4" name="Slide Number Placeholder 3"/>
           <p:cNvSpPr>
             <a:spLocks noGrp="1"/>
           </p:cNvSpPr>
@@ -9208,253 +7957,50 @@
           </a:p>
         </p:txBody>
       </p:sp>
+      <p:sp>
+        <p:nvSpPr>
+          <p:cNvPr id="6" name="TextBox 5"/>
+          <p:cNvSpPr txBox="1"/>
+          <p:nvPr/>
+        </p:nvSpPr>
+        <p:spPr>
+          <a:xfrm>
+            <a:off x="3200400" y="4343400"/>
+            <a:ext cx="4953000" cy="923330"/>
+          </a:xfrm>
+          <a:prstGeom prst="rect">
+            <a:avLst/>
+          </a:prstGeom>
+          <a:solidFill>
+            <a:schemeClr val="accent1">
+              <a:lumMod val="20000"/>
+              <a:lumOff val="80000"/>
+            </a:schemeClr>
+          </a:solidFill>
+        </p:spPr>
+        <p:txBody>
+          <a:bodyPr wrap="square" rtlCol="0">
+            <a:spAutoFit/>
+          </a:bodyPr>
+          <a:lstStyle/>
+          <a:p>
+            <a:r>
+              <a:rPr lang="en-US" dirty="0"/>
+              <a:t>The observer template consists of a cond with as many clauses as there are cases.  The predicates in the cond select each case.</a:t>
+            </a:r>
+          </a:p>
+        </p:txBody>
+      </p:sp>
     </p:spTree>
     <p:extLst>
       <p:ext uri="{BB962C8B-B14F-4D97-AF65-F5344CB8AC3E}">
-        <p14:creationId xmlns:p14="http://schemas.microsoft.com/office/powerpoint/2010/main" val="82041643"/>
+        <p14:creationId xmlns:p14="http://schemas.microsoft.com/office/powerpoint/2010/main" val="3524206184"/>
       </p:ext>
     </p:extLst>
   </p:cSld>
   <p:clrMapOvr>
     <a:masterClrMapping/>
   </p:clrMapOvr>
-  <p:timing>
-    <p:tnLst>
-      <p:par>
-        <p:cTn id="1" dur="indefinite" restart="never" nodeType="tmRoot">
-          <p:childTnLst>
-            <p:seq concurrent="1" nextAc="seek">
-              <p:cTn id="2" dur="indefinite" nodeType="mainSeq">
-                <p:childTnLst>
-                  <p:par>
-                    <p:cTn id="3" fill="hold">
-                      <p:stCondLst>
-                        <p:cond delay="indefinite"/>
-                      </p:stCondLst>
-                      <p:childTnLst>
-                        <p:par>
-                          <p:cTn id="4" fill="hold">
-                            <p:stCondLst>
-                              <p:cond delay="0"/>
-                            </p:stCondLst>
-                            <p:childTnLst>
-                              <p:par>
-                                <p:cTn id="5" presetID="10" presetClass="entr" presetSubtype="0" fill="hold" nodeType="clickEffect">
-                                  <p:stCondLst>
-                                    <p:cond delay="0"/>
-                                  </p:stCondLst>
-                                  <p:childTnLst>
-                                    <p:set>
-                                      <p:cBhvr>
-                                        <p:cTn id="6" dur="1" fill="hold">
-                                          <p:stCondLst>
-                                            <p:cond delay="0"/>
-                                          </p:stCondLst>
-                                        </p:cTn>
-                                        <p:tgtEl>
-                                          <p:spTgt spid="31"/>
-                                        </p:tgtEl>
-                                        <p:attrNameLst>
-                                          <p:attrName>style.visibility</p:attrName>
-                                        </p:attrNameLst>
-                                      </p:cBhvr>
-                                      <p:to>
-                                        <p:strVal val="visible"/>
-                                      </p:to>
-                                    </p:set>
-                                    <p:animEffect transition="in" filter="fade">
-                                      <p:cBhvr>
-                                        <p:cTn id="7" dur="500"/>
-                                        <p:tgtEl>
-                                          <p:spTgt spid="31"/>
-                                        </p:tgtEl>
-                                      </p:cBhvr>
-                                    </p:animEffect>
-                                  </p:childTnLst>
-                                </p:cTn>
-                              </p:par>
-                            </p:childTnLst>
-                          </p:cTn>
-                        </p:par>
-                      </p:childTnLst>
-                    </p:cTn>
-                  </p:par>
-                  <p:par>
-                    <p:cTn id="8" fill="hold">
-                      <p:stCondLst>
-                        <p:cond delay="indefinite"/>
-                      </p:stCondLst>
-                      <p:childTnLst>
-                        <p:par>
-                          <p:cTn id="9" fill="hold">
-                            <p:stCondLst>
-                              <p:cond delay="0"/>
-                            </p:stCondLst>
-                            <p:childTnLst>
-                              <p:par>
-                                <p:cTn id="10" presetID="10" presetClass="entr" presetSubtype="0" fill="hold" nodeType="clickEffect">
-                                  <p:stCondLst>
-                                    <p:cond delay="0"/>
-                                  </p:stCondLst>
-                                  <p:childTnLst>
-                                    <p:set>
-                                      <p:cBhvr>
-                                        <p:cTn id="11" dur="1" fill="hold">
-                                          <p:stCondLst>
-                                            <p:cond delay="0"/>
-                                          </p:stCondLst>
-                                        </p:cTn>
-                                        <p:tgtEl>
-                                          <p:spTgt spid="7"/>
-                                        </p:tgtEl>
-                                        <p:attrNameLst>
-                                          <p:attrName>style.visibility</p:attrName>
-                                        </p:attrNameLst>
-                                      </p:cBhvr>
-                                      <p:to>
-                                        <p:strVal val="visible"/>
-                                      </p:to>
-                                    </p:set>
-                                    <p:animEffect transition="in" filter="fade">
-                                      <p:cBhvr>
-                                        <p:cTn id="12" dur="500"/>
-                                        <p:tgtEl>
-                                          <p:spTgt spid="7"/>
-                                        </p:tgtEl>
-                                      </p:cBhvr>
-                                    </p:animEffect>
-                                  </p:childTnLst>
-                                </p:cTn>
-                              </p:par>
-                            </p:childTnLst>
-                          </p:cTn>
-                        </p:par>
-                      </p:childTnLst>
-                    </p:cTn>
-                  </p:par>
-                  <p:par>
-                    <p:cTn id="13" fill="hold">
-                      <p:stCondLst>
-                        <p:cond delay="indefinite"/>
-                      </p:stCondLst>
-                      <p:childTnLst>
-                        <p:par>
-                          <p:cTn id="14" fill="hold">
-                            <p:stCondLst>
-                              <p:cond delay="0"/>
-                            </p:stCondLst>
-                            <p:childTnLst>
-                              <p:par>
-                                <p:cTn id="15" presetID="10" presetClass="entr" presetSubtype="0" fill="hold" nodeType="clickEffect">
-                                  <p:stCondLst>
-                                    <p:cond delay="0"/>
-                                  </p:stCondLst>
-                                  <p:childTnLst>
-                                    <p:set>
-                                      <p:cBhvr>
-                                        <p:cTn id="16" dur="1" fill="hold">
-                                          <p:stCondLst>
-                                            <p:cond delay="0"/>
-                                          </p:stCondLst>
-                                        </p:cTn>
-                                        <p:tgtEl>
-                                          <p:spTgt spid="33"/>
-                                        </p:tgtEl>
-                                        <p:attrNameLst>
-                                          <p:attrName>style.visibility</p:attrName>
-                                        </p:attrNameLst>
-                                      </p:cBhvr>
-                                      <p:to>
-                                        <p:strVal val="visible"/>
-                                      </p:to>
-                                    </p:set>
-                                    <p:animEffect transition="in" filter="fade">
-                                      <p:cBhvr>
-                                        <p:cTn id="17" dur="500"/>
-                                        <p:tgtEl>
-                                          <p:spTgt spid="33"/>
-                                        </p:tgtEl>
-                                      </p:cBhvr>
-                                    </p:animEffect>
-                                  </p:childTnLst>
-                                </p:cTn>
-                              </p:par>
-                            </p:childTnLst>
-                          </p:cTn>
-                        </p:par>
-                      </p:childTnLst>
-                    </p:cTn>
-                  </p:par>
-                  <p:par>
-                    <p:cTn id="18" fill="hold">
-                      <p:stCondLst>
-                        <p:cond delay="indefinite"/>
-                      </p:stCondLst>
-                      <p:childTnLst>
-                        <p:par>
-                          <p:cTn id="19" fill="hold">
-                            <p:stCondLst>
-                              <p:cond delay="0"/>
-                            </p:stCondLst>
-                            <p:childTnLst>
-                              <p:par>
-                                <p:cTn id="20" presetID="1" presetClass="entr" presetSubtype="0" fill="hold" grpId="0" nodeType="clickEffect">
-                                  <p:stCondLst>
-                                    <p:cond delay="0"/>
-                                  </p:stCondLst>
-                                  <p:childTnLst>
-                                    <p:set>
-                                      <p:cBhvr>
-                                        <p:cTn id="21" dur="1" fill="hold">
-                                          <p:stCondLst>
-                                            <p:cond delay="0"/>
-                                          </p:stCondLst>
-                                        </p:cTn>
-                                        <p:tgtEl>
-                                          <p:spTgt spid="17"/>
-                                        </p:tgtEl>
-                                        <p:attrNameLst>
-                                          <p:attrName>style.visibility</p:attrName>
-                                        </p:attrNameLst>
-                                      </p:cBhvr>
-                                      <p:to>
-                                        <p:strVal val="visible"/>
-                                      </p:to>
-                                    </p:set>
-                                  </p:childTnLst>
-                                </p:cTn>
-                              </p:par>
-                            </p:childTnLst>
-                          </p:cTn>
-                        </p:par>
-                      </p:childTnLst>
-                    </p:cTn>
-                  </p:par>
-                </p:childTnLst>
-              </p:cTn>
-              <p:prevCondLst>
-                <p:cond evt="onPrev" delay="0">
-                  <p:tgtEl>
-                    <p:sldTgt/>
-                  </p:tgtEl>
-                </p:cond>
-              </p:prevCondLst>
-              <p:nextCondLst>
-                <p:cond evt="onNext" delay="0">
-                  <p:tgtEl>
-                    <p:sldTgt/>
-                  </p:tgtEl>
-                </p:cond>
-              </p:nextCondLst>
-            </p:seq>
-          </p:childTnLst>
-        </p:cTn>
-      </p:par>
-    </p:tnLst>
-    <p:bldLst>
-      <p:bldP spid="17" grpId="0" animBg="1"/>
-    </p:bldLst>
-  </p:timing>
 </p:sld>
 </file>
 
@@ -9634,7 +8180,7 @@
     </p:spTree>
     <p:extLst>
       <p:ext uri="{BB962C8B-B14F-4D97-AF65-F5344CB8AC3E}">
-        <p14:creationId xmlns:p14="http://schemas.microsoft.com/office/powerpoint/2010/main" val="3224559841"/>
+        <p14:creationId xmlns:p14="http://schemas.microsoft.com/office/powerpoint/2010/main" val="2111270675"/>
       </p:ext>
     </p:extLst>
   </p:cSld>
@@ -9820,7 +8366,7 @@
     </p:spTree>
     <p:extLst>
       <p:ext uri="{BB962C8B-B14F-4D97-AF65-F5344CB8AC3E}">
-        <p14:creationId xmlns:p14="http://schemas.microsoft.com/office/powerpoint/2010/main" val="3432151799"/>
+        <p14:creationId xmlns:p14="http://schemas.microsoft.com/office/powerpoint/2010/main" val="3719087432"/>
       </p:ext>
     </p:extLst>
   </p:cSld>
@@ -9859,12 +8405,14 @@
         </p:nvSpPr>
         <p:spPr/>
         <p:txBody>
-          <a:bodyPr/>
-          <a:lstStyle/>
-          <a:p>
-            <a:r>
-              <a:rPr lang="en-US" dirty="0"/>
-              <a:t> Not all integers are created equal</a:t>
+          <a:bodyPr>
+            <a:normAutofit fontScale="90000"/>
+          </a:bodyPr>
+          <a:lstStyle/>
+          <a:p>
+            <a:r>
+              <a:rPr lang="en-US" dirty="0"/>
+              <a:t> Remember: Not all integers are created equal</a:t>
             </a:r>
           </a:p>
         </p:txBody>
@@ -10003,7 +8551,7 @@
     </p:spTree>
     <p:extLst>
       <p:ext uri="{BB962C8B-B14F-4D97-AF65-F5344CB8AC3E}">
-        <p14:creationId xmlns:p14="http://schemas.microsoft.com/office/powerpoint/2010/main" val="2867457576"/>
+        <p14:creationId xmlns:p14="http://schemas.microsoft.com/office/powerpoint/2010/main" val="912145568"/>
       </p:ext>
     </p:extLst>
   </p:cSld>
@@ -10032,7 +8580,7 @@
       </p:grpSpPr>
       <p:sp>
         <p:nvSpPr>
-          <p:cNvPr id="2" name="Title 1"/>
+          <p:cNvPr id="5" name="Title 4"/>
           <p:cNvSpPr>
             <a:spLocks noGrp="1"/>
           </p:cNvSpPr>
@@ -10047,14 +8595,14 @@
           <a:p>
             <a:r>
               <a:rPr lang="en-US" dirty="0"/>
-              <a:t>Summary</a:t>
-            </a:r>
-          </a:p>
-        </p:txBody>
-      </p:sp>
-      <p:sp>
-        <p:nvSpPr>
-          <p:cNvPr id="3" name="Content Placeholder 2"/>
+              <a:t>The DDR for mixed data</a:t>
+            </a:r>
+          </a:p>
+        </p:txBody>
+      </p:sp>
+      <p:sp>
+        <p:nvSpPr>
+          <p:cNvPr id="6" name="Content Placeholder 5"/>
           <p:cNvSpPr>
             <a:spLocks noGrp="1"/>
           </p:cNvSpPr>
@@ -10069,15 +8617,33 @@
           <a:p>
             <a:r>
               <a:rPr lang="en-US" dirty="0"/>
-              <a:t>You should now be able to write </a:t>
-            </a:r>
-            <a:r>
-              <a:rPr lang="en-US" dirty="0" err="1"/>
-              <a:t>struct</a:t>
-            </a:r>
-            <a:r>
-              <a:rPr lang="en-US" dirty="0"/>
-              <a:t> definitions, constructor templates, and interpretations for mixed, compound, and itemization data.</a:t>
+              <a:t>Mixed data can be:</a:t>
+            </a:r>
+          </a:p>
+          <a:p>
+            <a:pPr lvl="1"/>
+            <a:r>
+              <a:rPr lang="en-US" dirty="0"/>
+              <a:t>compound data where one or more fields are themselves compound or itemization data</a:t>
+            </a:r>
+          </a:p>
+          <a:p>
+            <a:pPr lvl="1"/>
+            <a:r>
+              <a:rPr lang="en-US" dirty="0"/>
+              <a:t>itemization data where one of more fields are themselves compound or itemization data</a:t>
+            </a:r>
+          </a:p>
+          <a:p>
+            <a:r>
+              <a:rPr lang="en-US" dirty="0"/>
+              <a:t>We build the data definition for mixed data out of the definitions of the pieces.</a:t>
+            </a:r>
+          </a:p>
+          <a:p>
+            <a:r>
+              <a:rPr lang="en-US" dirty="0"/>
+              <a:t>Let’s do some examples</a:t>
             </a:r>
           </a:p>
         </p:txBody>
@@ -10097,18 +8663,19 @@
           <a:bodyPr/>
           <a:lstStyle/>
           <a:p>
-            <a:fld id="{2AF3B5EA-18B6-4040-9F78-6052AF49C681}" type="slidenum">
+            <a:fld id="{8D704B19-8EED-495A-99FA-12E5518CCC54}" type="slidenum">
               <a:rPr lang="en-US" smtClean="0"/>
+              <a:pPr/>
               <a:t>25</a:t>
             </a:fld>
-            <a:endParaRPr lang="en-US"/>
+            <a:endParaRPr lang="en-US" dirty="0"/>
           </a:p>
         </p:txBody>
       </p:sp>
     </p:spTree>
     <p:extLst>
       <p:ext uri="{BB962C8B-B14F-4D97-AF65-F5344CB8AC3E}">
-        <p14:creationId xmlns:p14="http://schemas.microsoft.com/office/powerpoint/2010/main" val="4042963535"/>
+        <p14:creationId xmlns:p14="http://schemas.microsoft.com/office/powerpoint/2010/main" val="4173213131"/>
       </p:ext>
     </p:extLst>
   </p:cSld>
@@ -10147,12 +8714,14 @@
         </p:nvSpPr>
         <p:spPr/>
         <p:txBody>
-          <a:bodyPr/>
-          <a:lstStyle/>
-          <a:p>
-            <a:r>
-              <a:rPr lang="en-US" dirty="0"/>
-              <a:t>Next Steps</a:t>
+          <a:bodyPr>
+            <a:normAutofit fontScale="90000"/>
+          </a:bodyPr>
+          <a:lstStyle/>
+          <a:p>
+            <a:r>
+              <a:rPr lang="en-US" dirty="0"/>
+              <a:t>Remember our example of mixed data</a:t>
             </a:r>
           </a:p>
         </p:txBody>
@@ -10169,19 +8738,45 @@
         </p:nvSpPr>
         <p:spPr/>
         <p:txBody>
-          <a:bodyPr/>
-          <a:lstStyle/>
-          <a:p>
-            <a:r>
-              <a:rPr lang="en-US" dirty="0"/>
-              <a:t>If you have questions about this lesson, ask them on the Discussion Board</a:t>
-            </a:r>
-          </a:p>
-          <a:p>
-            <a:r>
-              <a:rPr lang="en-US" dirty="0"/>
-              <a:t>Go on to the next lesson</a:t>
-            </a:r>
+          <a:bodyPr>
+            <a:normAutofit fontScale="92500"/>
+          </a:bodyPr>
+          <a:lstStyle/>
+          <a:p>
+            <a:pPr marL="0" indent="0">
+              <a:buNone/>
+            </a:pPr>
+            <a:r>
+              <a:rPr lang="en-US" dirty="0"/>
+              <a:t>In a wine bar, an order may be one of three things: a cup of coffee, a glass of wine, or a cup of tea. </a:t>
+            </a:r>
+          </a:p>
+          <a:p>
+            <a:pPr lvl="1"/>
+            <a:r>
+              <a:rPr lang="en-US" dirty="0"/>
+              <a:t>For the coffee, we need to specify the size (small, medium, or large) and type (this is a fancy bar, so it carries many types of coffee).  Also whether or not it should be served with milk.</a:t>
+            </a:r>
+          </a:p>
+          <a:p>
+            <a:pPr lvl="1"/>
+            <a:r>
+              <a:rPr lang="en-US" dirty="0"/>
+              <a:t>For the wine, we need to specify which vineyard and which year.  </a:t>
+            </a:r>
+          </a:p>
+          <a:p>
+            <a:pPr lvl="1"/>
+            <a:r>
+              <a:rPr lang="en-US" dirty="0"/>
+              <a:t>For tea, we need the size of the cup and the type of tea (this is a fancy bar, so it carries many types of tea).</a:t>
+            </a:r>
+          </a:p>
+          <a:p>
+            <a:endParaRPr lang="en-US" dirty="0"/>
+          </a:p>
+          <a:p>
+            <a:endParaRPr lang="en-US" dirty="0"/>
           </a:p>
         </p:txBody>
       </p:sp>
@@ -10200,8 +8795,9 @@
           <a:bodyPr/>
           <a:lstStyle/>
           <a:p>
-            <a:fld id="{2AF3B5EA-18B6-4040-9F78-6052AF49C681}" type="slidenum">
+            <a:fld id="{8D704B19-8EED-495A-99FA-12E5518CCC54}" type="slidenum">
               <a:rPr lang="en-US" smtClean="0"/>
+              <a:pPr/>
               <a:t>26</a:t>
             </a:fld>
             <a:endParaRPr lang="en-US"/>
@@ -10211,7 +8807,997 @@
     </p:spTree>
     <p:extLst>
       <p:ext uri="{BB962C8B-B14F-4D97-AF65-F5344CB8AC3E}">
-        <p14:creationId xmlns:p14="http://schemas.microsoft.com/office/powerpoint/2010/main" val="1138390204"/>
+        <p14:creationId xmlns:p14="http://schemas.microsoft.com/office/powerpoint/2010/main" val="2976238781"/>
+      </p:ext>
+    </p:extLst>
+  </p:cSld>
+  <p:clrMapOvr>
+    <a:masterClrMapping/>
+  </p:clrMapOvr>
+</p:sld>
+</file>
+
+<file path=ppt/slides/slide27.xml><?xml version="1.0" encoding="utf-8"?>
+<p:sld xmlns:a="http://schemas.openxmlformats.org/drawingml/2006/main" xmlns:r="http://schemas.openxmlformats.org/officeDocument/2006/relationships" xmlns:p="http://schemas.openxmlformats.org/presentationml/2006/main">
+  <p:cSld>
+    <p:spTree>
+      <p:nvGrpSpPr>
+        <p:cNvPr id="1" name=""/>
+        <p:cNvGrpSpPr/>
+        <p:nvPr/>
+      </p:nvGrpSpPr>
+      <p:grpSpPr>
+        <a:xfrm>
+          <a:off x="0" y="0"/>
+          <a:ext cx="0" cy="0"/>
+          <a:chOff x="0" y="0"/>
+          <a:chExt cx="0" cy="0"/>
+        </a:xfrm>
+      </p:grpSpPr>
+      <p:sp>
+        <p:nvSpPr>
+          <p:cNvPr id="5" name="Content Placeholder 4"/>
+          <p:cNvSpPr>
+            <a:spLocks noGrp="1"/>
+          </p:cNvSpPr>
+          <p:nvPr>
+            <p:ph idx="1"/>
+          </p:nvPr>
+        </p:nvSpPr>
+        <p:spPr/>
+        <p:txBody>
+          <a:bodyPr>
+            <a:normAutofit/>
+          </a:bodyPr>
+          <a:lstStyle/>
+          <a:p>
+            <a:r>
+              <a:rPr lang="en-US" sz="1800" dirty="0"/>
+              <a:t>;; Preliminaries:</a:t>
+            </a:r>
+          </a:p>
+          <a:p>
+            <a:endParaRPr lang="en-US" sz="1800" dirty="0"/>
+          </a:p>
+          <a:p>
+            <a:r>
+              <a:rPr lang="en-US" sz="1800" dirty="0"/>
+              <a:t>;; A Size is represented as ...</a:t>
+            </a:r>
+          </a:p>
+          <a:p>
+            <a:endParaRPr lang="en-US" sz="1800" dirty="0"/>
+          </a:p>
+          <a:p>
+            <a:r>
+              <a:rPr lang="en-US" sz="1800" dirty="0"/>
+              <a:t>;; A </a:t>
+            </a:r>
+            <a:r>
+              <a:rPr lang="en-US" sz="1800" dirty="0" err="1"/>
+              <a:t>CoffeeType</a:t>
+            </a:r>
+            <a:r>
+              <a:rPr lang="en-US" sz="1800" dirty="0"/>
+              <a:t> is represented as a string </a:t>
+            </a:r>
+          </a:p>
+          <a:p>
+            <a:r>
+              <a:rPr lang="en-US" sz="1800" dirty="0"/>
+              <a:t>;;    (any string will do)</a:t>
+            </a:r>
+          </a:p>
+          <a:p>
+            <a:endParaRPr lang="en-US" dirty="0"/>
+          </a:p>
+        </p:txBody>
+      </p:sp>
+      <p:sp>
+        <p:nvSpPr>
+          <p:cNvPr id="2" name="Title 1"/>
+          <p:cNvSpPr>
+            <a:spLocks noGrp="1"/>
+          </p:cNvSpPr>
+          <p:nvPr>
+            <p:ph type="title"/>
+          </p:nvPr>
+        </p:nvSpPr>
+        <p:spPr/>
+        <p:txBody>
+          <a:bodyPr>
+            <a:normAutofit fontScale="90000"/>
+          </a:bodyPr>
+          <a:lstStyle/>
+          <a:p>
+            <a:r>
+              <a:rPr lang="en-US" dirty="0"/>
+              <a:t>Mixed Data Example #1: </a:t>
+            </a:r>
+            <a:r>
+              <a:rPr lang="en-US" dirty="0" err="1"/>
+              <a:t>CoffeeOrder</a:t>
+            </a:r>
+            <a:r>
+              <a:rPr lang="en-US" dirty="0"/>
+              <a:t> (1)</a:t>
+            </a:r>
+          </a:p>
+        </p:txBody>
+      </p:sp>
+      <p:sp>
+        <p:nvSpPr>
+          <p:cNvPr id="4" name="Slide Number Placeholder 3"/>
+          <p:cNvSpPr>
+            <a:spLocks noGrp="1"/>
+          </p:cNvSpPr>
+          <p:nvPr>
+            <p:ph type="sldNum" sz="quarter" idx="12"/>
+          </p:nvPr>
+        </p:nvSpPr>
+        <p:spPr/>
+        <p:txBody>
+          <a:bodyPr/>
+          <a:lstStyle/>
+          <a:p>
+            <a:fld id="{8D704B19-8EED-495A-99FA-12E5518CCC54}" type="slidenum">
+              <a:rPr lang="en-US" smtClean="0"/>
+              <a:pPr/>
+              <a:t>27</a:t>
+            </a:fld>
+            <a:endParaRPr lang="en-US"/>
+          </a:p>
+        </p:txBody>
+      </p:sp>
+      <p:sp>
+        <p:nvSpPr>
+          <p:cNvPr id="6" name="TextBox 5"/>
+          <p:cNvSpPr txBox="1"/>
+          <p:nvPr/>
+        </p:nvSpPr>
+        <p:spPr>
+          <a:xfrm>
+            <a:off x="5943600" y="2784900"/>
+            <a:ext cx="3112008" cy="923330"/>
+          </a:xfrm>
+          <a:prstGeom prst="rect">
+            <a:avLst/>
+          </a:prstGeom>
+          <a:solidFill>
+            <a:schemeClr val="accent2">
+              <a:lumMod val="20000"/>
+              <a:lumOff val="80000"/>
+            </a:schemeClr>
+          </a:solidFill>
+        </p:spPr>
+        <p:txBody>
+          <a:bodyPr wrap="square" rtlCol="0">
+            <a:spAutoFit/>
+          </a:bodyPr>
+          <a:lstStyle/>
+          <a:p>
+            <a:r>
+              <a:rPr lang="en-US" dirty="0"/>
+              <a:t>Any time you write </a:t>
+            </a:r>
+            <a:r>
+              <a:rPr lang="en-US" b="1" dirty="0"/>
+              <a:t>String</a:t>
+            </a:r>
+            <a:r>
+              <a:rPr lang="en-US" dirty="0"/>
+              <a:t>, you MUST write "any string will do".</a:t>
+            </a:r>
+            <a:endParaRPr lang="en-US" dirty="0"/>
+          </a:p>
+        </p:txBody>
+      </p:sp>
+      <p:sp>
+        <p:nvSpPr>
+          <p:cNvPr id="7" name="TextBox 6"/>
+          <p:cNvSpPr txBox="1"/>
+          <p:nvPr/>
+        </p:nvSpPr>
+        <p:spPr>
+          <a:xfrm>
+            <a:off x="838200" y="4105364"/>
+            <a:ext cx="5105400" cy="646331"/>
+          </a:xfrm>
+          <a:prstGeom prst="rect">
+            <a:avLst/>
+          </a:prstGeom>
+          <a:solidFill>
+            <a:schemeClr val="accent1">
+              <a:lumMod val="20000"/>
+              <a:lumOff val="80000"/>
+            </a:schemeClr>
+          </a:solidFill>
+        </p:spPr>
+        <p:txBody>
+          <a:bodyPr wrap="square" rtlCol="0">
+            <a:spAutoFit/>
+          </a:bodyPr>
+          <a:lstStyle/>
+          <a:p>
+            <a:r>
+              <a:rPr lang="en-US" dirty="0"/>
+              <a:t>In a more detailed representation, we might specify </a:t>
+            </a:r>
+            <a:r>
+              <a:rPr lang="en-US" b="1" dirty="0" err="1"/>
+              <a:t>CoffeeType</a:t>
+            </a:r>
+            <a:r>
+              <a:rPr lang="en-US" dirty="0"/>
+              <a:t> further.	</a:t>
+            </a:r>
+            <a:endParaRPr lang="en-US" dirty="0"/>
+          </a:p>
+        </p:txBody>
+      </p:sp>
+      <p:cxnSp>
+        <p:nvCxnSpPr>
+          <p:cNvPr id="9" name="Straight Arrow Connector 8"/>
+          <p:cNvCxnSpPr/>
+          <p:nvPr/>
+        </p:nvCxnSpPr>
+        <p:spPr>
+          <a:xfrm flipH="1">
+            <a:off x="3886200" y="3505200"/>
+            <a:ext cx="2057400" cy="0"/>
+          </a:xfrm>
+          <a:prstGeom prst="straightConnector1">
+            <a:avLst/>
+          </a:prstGeom>
+          <a:ln w="15875">
+            <a:solidFill>
+              <a:schemeClr val="accent2"/>
+            </a:solidFill>
+            <a:tailEnd type="triangle"/>
+          </a:ln>
+        </p:spPr>
+        <p:style>
+          <a:lnRef idx="1">
+            <a:schemeClr val="accent1"/>
+          </a:lnRef>
+          <a:fillRef idx="0">
+            <a:schemeClr val="accent1"/>
+          </a:fillRef>
+          <a:effectRef idx="0">
+            <a:schemeClr val="accent1"/>
+          </a:effectRef>
+          <a:fontRef idx="minor">
+            <a:schemeClr val="tx1"/>
+          </a:fontRef>
+        </p:style>
+      </p:cxnSp>
+    </p:spTree>
+    <p:extLst>
+      <p:ext uri="{BB962C8B-B14F-4D97-AF65-F5344CB8AC3E}">
+        <p14:creationId xmlns:p14="http://schemas.microsoft.com/office/powerpoint/2010/main" val="1788272000"/>
+      </p:ext>
+    </p:extLst>
+  </p:cSld>
+  <p:clrMapOvr>
+    <a:masterClrMapping/>
+  </p:clrMapOvr>
+</p:sld>
+</file>
+
+<file path=ppt/slides/slide28.xml><?xml version="1.0" encoding="utf-8"?>
+<p:sld xmlns:a="http://schemas.openxmlformats.org/drawingml/2006/main" xmlns:r="http://schemas.openxmlformats.org/officeDocument/2006/relationships" xmlns:p="http://schemas.openxmlformats.org/presentationml/2006/main">
+  <p:cSld>
+    <p:spTree>
+      <p:nvGrpSpPr>
+        <p:cNvPr id="1" name=""/>
+        <p:cNvGrpSpPr/>
+        <p:nvPr/>
+      </p:nvGrpSpPr>
+      <p:grpSpPr>
+        <a:xfrm>
+          <a:off x="0" y="0"/>
+          <a:ext cx="0" cy="0"/>
+          <a:chOff x="0" y="0"/>
+          <a:chExt cx="0" cy="0"/>
+        </a:xfrm>
+      </p:grpSpPr>
+      <p:sp>
+        <p:nvSpPr>
+          <p:cNvPr id="2" name="Title 1"/>
+          <p:cNvSpPr>
+            <a:spLocks noGrp="1"/>
+          </p:cNvSpPr>
+          <p:nvPr>
+            <p:ph type="title"/>
+          </p:nvPr>
+        </p:nvSpPr>
+        <p:spPr/>
+        <p:txBody>
+          <a:bodyPr/>
+          <a:lstStyle/>
+          <a:p>
+            <a:r>
+              <a:rPr lang="en-US" dirty="0" err="1"/>
+              <a:t>CoffeeOrder</a:t>
+            </a:r>
+            <a:r>
+              <a:rPr lang="en-US" dirty="0"/>
+              <a:t> (2)</a:t>
+            </a:r>
+          </a:p>
+        </p:txBody>
+      </p:sp>
+      <p:sp>
+        <p:nvSpPr>
+          <p:cNvPr id="3" name="Content Placeholder 2"/>
+          <p:cNvSpPr>
+            <a:spLocks noGrp="1"/>
+          </p:cNvSpPr>
+          <p:nvPr>
+            <p:ph idx="1"/>
+          </p:nvPr>
+        </p:nvSpPr>
+        <p:spPr/>
+        <p:txBody>
+          <a:bodyPr>
+            <a:noAutofit/>
+          </a:bodyPr>
+          <a:lstStyle/>
+          <a:p>
+            <a:pPr>
+              <a:spcBef>
+                <a:spcPts val="0"/>
+              </a:spcBef>
+            </a:pPr>
+            <a:r>
+              <a:rPr lang="en-US" sz="1200" dirty="0"/>
+              <a:t>;; Definition of </a:t>
+            </a:r>
+            <a:r>
+              <a:rPr lang="en-US" sz="1200" dirty="0" err="1"/>
+              <a:t>CoffeeOrder</a:t>
+            </a:r>
+            <a:r>
+              <a:rPr lang="en-US" sz="1200" dirty="0"/>
+              <a:t>:</a:t>
+            </a:r>
+          </a:p>
+          <a:p>
+            <a:pPr>
+              <a:spcBef>
+                <a:spcPts val="0"/>
+              </a:spcBef>
+            </a:pPr>
+            <a:endParaRPr lang="en-US" sz="1200" dirty="0"/>
+          </a:p>
+          <a:p>
+            <a:pPr>
+              <a:spcBef>
+                <a:spcPts val="0"/>
+              </a:spcBef>
+            </a:pPr>
+            <a:r>
+              <a:rPr lang="en-US" sz="1200" dirty="0"/>
+              <a:t>;; REPRESENTATION:</a:t>
+            </a:r>
+          </a:p>
+          <a:p>
+            <a:pPr>
+              <a:spcBef>
+                <a:spcPts val="0"/>
+              </a:spcBef>
+            </a:pPr>
+            <a:r>
+              <a:rPr lang="en-US" sz="1200" dirty="0"/>
+              <a:t>;; A </a:t>
+            </a:r>
+            <a:r>
+              <a:rPr lang="en-US" sz="1200" dirty="0" err="1"/>
+              <a:t>CoffeeOrder</a:t>
+            </a:r>
+            <a:r>
+              <a:rPr lang="en-US" sz="1200" dirty="0"/>
+              <a:t> is represented as a struct</a:t>
+            </a:r>
+          </a:p>
+          <a:p>
+            <a:pPr>
+              <a:spcBef>
+                <a:spcPts val="0"/>
+              </a:spcBef>
+            </a:pPr>
+            <a:r>
+              <a:rPr lang="en-US" sz="1200" dirty="0"/>
+              <a:t>;;  (make-coffee-order size type milk)</a:t>
+            </a:r>
+          </a:p>
+          <a:p>
+            <a:pPr>
+              <a:spcBef>
+                <a:spcPts val="0"/>
+              </a:spcBef>
+            </a:pPr>
+            <a:r>
+              <a:rPr lang="en-US" sz="1200" dirty="0"/>
+              <a:t>;; with the following fields:</a:t>
+            </a:r>
+          </a:p>
+          <a:p>
+            <a:pPr>
+              <a:spcBef>
+                <a:spcPts val="0"/>
+              </a:spcBef>
+            </a:pPr>
+            <a:r>
+              <a:rPr lang="en-US" sz="1200" dirty="0"/>
+              <a:t>;; INTERP:</a:t>
+            </a:r>
+          </a:p>
+          <a:p>
+            <a:pPr>
+              <a:spcBef>
+                <a:spcPts val="0"/>
+              </a:spcBef>
+            </a:pPr>
+            <a:r>
+              <a:rPr lang="en-US" sz="1200" dirty="0"/>
+              <a:t>;;   size : Size           is the size of cup desired</a:t>
+            </a:r>
+          </a:p>
+          <a:p>
+            <a:pPr>
+              <a:spcBef>
+                <a:spcPts val="0"/>
+              </a:spcBef>
+            </a:pPr>
+            <a:r>
+              <a:rPr lang="en-US" sz="1200" dirty="0"/>
+              <a:t>;;   type : </a:t>
+            </a:r>
+            <a:r>
+              <a:rPr lang="en-US" sz="1200" dirty="0" err="1"/>
+              <a:t>CoffeeType</a:t>
+            </a:r>
+            <a:r>
+              <a:rPr lang="en-US" sz="1200" dirty="0"/>
+              <a:t>     is the kind of coffee order</a:t>
+            </a:r>
+          </a:p>
+          <a:p>
+            <a:pPr>
+              <a:spcBef>
+                <a:spcPts val="0"/>
+              </a:spcBef>
+            </a:pPr>
+            <a:r>
+              <a:rPr lang="en-US" sz="1200" dirty="0"/>
+              <a:t>;;   milk : </a:t>
+            </a:r>
+            <a:r>
+              <a:rPr lang="en-US" sz="1200" dirty="0" err="1"/>
+              <a:t>MilkType</a:t>
+            </a:r>
+            <a:r>
+              <a:rPr lang="en-US" sz="1200" dirty="0"/>
+              <a:t>       is the kind of milk ordered</a:t>
+            </a:r>
+          </a:p>
+          <a:p>
+            <a:pPr>
+              <a:spcBef>
+                <a:spcPts val="0"/>
+              </a:spcBef>
+            </a:pPr>
+            <a:endParaRPr lang="en-US" sz="1200" dirty="0"/>
+          </a:p>
+          <a:p>
+            <a:pPr>
+              <a:spcBef>
+                <a:spcPts val="0"/>
+              </a:spcBef>
+            </a:pPr>
+            <a:r>
+              <a:rPr lang="en-US" sz="1200" dirty="0"/>
+              <a:t>;; IMPLEMENTATION:</a:t>
+            </a:r>
+          </a:p>
+          <a:p>
+            <a:pPr>
+              <a:spcBef>
+                <a:spcPts val="0"/>
+              </a:spcBef>
+            </a:pPr>
+            <a:r>
+              <a:rPr lang="en-US" sz="1200" dirty="0"/>
+              <a:t>(define-struct coffee-order (size type milk))</a:t>
+            </a:r>
+          </a:p>
+          <a:p>
+            <a:pPr>
+              <a:spcBef>
+                <a:spcPts val="0"/>
+              </a:spcBef>
+            </a:pPr>
+            <a:endParaRPr lang="en-US" sz="1200" dirty="0"/>
+          </a:p>
+          <a:p>
+            <a:pPr>
+              <a:spcBef>
+                <a:spcPts val="0"/>
+              </a:spcBef>
+            </a:pPr>
+            <a:r>
+              <a:rPr lang="en-US" sz="1200" dirty="0"/>
+              <a:t>;; CONSTRUCTOR TEMPLATE</a:t>
+            </a:r>
+          </a:p>
+          <a:p>
+            <a:pPr>
+              <a:spcBef>
+                <a:spcPts val="0"/>
+              </a:spcBef>
+            </a:pPr>
+            <a:r>
+              <a:rPr lang="en-US" sz="1200" dirty="0"/>
+              <a:t>;; (make-coffee-order Size </a:t>
+            </a:r>
+            <a:r>
+              <a:rPr lang="en-US" sz="1200" dirty="0" err="1"/>
+              <a:t>CoffeeType</a:t>
+            </a:r>
+            <a:r>
+              <a:rPr lang="en-US" sz="1200" dirty="0"/>
+              <a:t> </a:t>
+            </a:r>
+            <a:r>
+              <a:rPr lang="en-US" sz="1200" dirty="0" err="1"/>
+              <a:t>MilkType</a:t>
+            </a:r>
+            <a:r>
+              <a:rPr lang="en-US" sz="1200" dirty="0"/>
+              <a:t>)</a:t>
+            </a:r>
+          </a:p>
+          <a:p>
+            <a:pPr>
+              <a:spcBef>
+                <a:spcPts val="0"/>
+              </a:spcBef>
+            </a:pPr>
+            <a:endParaRPr lang="en-US" sz="1200" dirty="0"/>
+          </a:p>
+          <a:p>
+            <a:pPr>
+              <a:spcBef>
+                <a:spcPts val="0"/>
+              </a:spcBef>
+            </a:pPr>
+            <a:r>
+              <a:rPr lang="en-US" sz="1200" dirty="0"/>
+              <a:t>;; OBSERVER TEMPLATE</a:t>
+            </a:r>
+          </a:p>
+          <a:p>
+            <a:pPr>
+              <a:spcBef>
+                <a:spcPts val="0"/>
+              </a:spcBef>
+            </a:pPr>
+            <a:r>
+              <a:rPr lang="en-US" sz="1200" dirty="0"/>
+              <a:t>;; coffee-order-</a:t>
+            </a:r>
+            <a:r>
+              <a:rPr lang="en-US" sz="1200" dirty="0" err="1"/>
+              <a:t>fn</a:t>
+            </a:r>
+            <a:r>
+              <a:rPr lang="en-US" sz="1200" dirty="0"/>
+              <a:t> : </a:t>
+            </a:r>
+            <a:r>
+              <a:rPr lang="en-US" sz="1200" dirty="0" err="1"/>
+              <a:t>CoffeeOrder</a:t>
+            </a:r>
+            <a:r>
+              <a:rPr lang="en-US" sz="1200" dirty="0"/>
+              <a:t> -&gt; ??</a:t>
+            </a:r>
+          </a:p>
+          <a:p>
+            <a:pPr>
+              <a:spcBef>
+                <a:spcPts val="0"/>
+              </a:spcBef>
+            </a:pPr>
+            <a:r>
+              <a:rPr lang="en-US" sz="1200" dirty="0"/>
+              <a:t>(define (coffee-order-</a:t>
+            </a:r>
+            <a:r>
+              <a:rPr lang="en-US" sz="1200" dirty="0" err="1"/>
+              <a:t>fn</a:t>
+            </a:r>
+            <a:r>
+              <a:rPr lang="en-US" sz="1200" dirty="0"/>
+              <a:t> co)</a:t>
+            </a:r>
+          </a:p>
+          <a:p>
+            <a:pPr>
+              <a:spcBef>
+                <a:spcPts val="0"/>
+              </a:spcBef>
+            </a:pPr>
+            <a:r>
+              <a:rPr lang="en-US" sz="1200" dirty="0"/>
+              <a:t>  (...</a:t>
+            </a:r>
+          </a:p>
+          <a:p>
+            <a:pPr>
+              <a:spcBef>
+                <a:spcPts val="0"/>
+              </a:spcBef>
+            </a:pPr>
+            <a:r>
+              <a:rPr lang="en-US" sz="1200" dirty="0"/>
+              <a:t>   (coffee-order-size co)</a:t>
+            </a:r>
+          </a:p>
+          <a:p>
+            <a:pPr>
+              <a:spcBef>
+                <a:spcPts val="0"/>
+              </a:spcBef>
+            </a:pPr>
+            <a:r>
+              <a:rPr lang="en-US" sz="1200" dirty="0"/>
+              <a:t>   (coffee-order-type co)</a:t>
+            </a:r>
+          </a:p>
+          <a:p>
+            <a:pPr>
+              <a:spcBef>
+                <a:spcPts val="0"/>
+              </a:spcBef>
+            </a:pPr>
+            <a:r>
+              <a:rPr lang="en-US" sz="1200" dirty="0"/>
+              <a:t>   (coffee-order-milk co)))</a:t>
+            </a:r>
+          </a:p>
+          <a:p>
+            <a:pPr>
+              <a:spcBef>
+                <a:spcPts val="0"/>
+              </a:spcBef>
+            </a:pPr>
+            <a:endParaRPr lang="en-US" sz="1200" dirty="0"/>
+          </a:p>
+        </p:txBody>
+      </p:sp>
+      <p:sp>
+        <p:nvSpPr>
+          <p:cNvPr id="4" name="Slide Number Placeholder 3"/>
+          <p:cNvSpPr>
+            <a:spLocks noGrp="1"/>
+          </p:cNvSpPr>
+          <p:nvPr>
+            <p:ph type="sldNum" sz="quarter" idx="12"/>
+          </p:nvPr>
+        </p:nvSpPr>
+        <p:spPr/>
+        <p:txBody>
+          <a:bodyPr/>
+          <a:lstStyle/>
+          <a:p>
+            <a:fld id="{8D704B19-8EED-495A-99FA-12E5518CCC54}" type="slidenum">
+              <a:rPr lang="en-US" smtClean="0"/>
+              <a:pPr/>
+              <a:t>28</a:t>
+            </a:fld>
+            <a:endParaRPr lang="en-US" dirty="0"/>
+          </a:p>
+        </p:txBody>
+      </p:sp>
+    </p:spTree>
+    <p:extLst>
+      <p:ext uri="{BB962C8B-B14F-4D97-AF65-F5344CB8AC3E}">
+        <p14:creationId xmlns:p14="http://schemas.microsoft.com/office/powerpoint/2010/main" val="2777460879"/>
+      </p:ext>
+    </p:extLst>
+  </p:cSld>
+  <p:clrMapOvr>
+    <a:masterClrMapping/>
+  </p:clrMapOvr>
+</p:sld>
+</file>
+
+<file path=ppt/slides/slide29.xml><?xml version="1.0" encoding="utf-8"?>
+<p:sld xmlns:a="http://schemas.openxmlformats.org/drawingml/2006/main" xmlns:r="http://schemas.openxmlformats.org/officeDocument/2006/relationships" xmlns:p="http://schemas.openxmlformats.org/presentationml/2006/main">
+  <p:cSld>
+    <p:spTree>
+      <p:nvGrpSpPr>
+        <p:cNvPr id="1" name=""/>
+        <p:cNvGrpSpPr/>
+        <p:nvPr/>
+      </p:nvGrpSpPr>
+      <p:grpSpPr>
+        <a:xfrm>
+          <a:off x="0" y="0"/>
+          <a:ext cx="0" cy="0"/>
+          <a:chOff x="0" y="0"/>
+          <a:chExt cx="0" cy="0"/>
+        </a:xfrm>
+      </p:grpSpPr>
+      <p:sp>
+        <p:nvSpPr>
+          <p:cNvPr id="2" name="Title 1"/>
+          <p:cNvSpPr>
+            <a:spLocks noGrp="1"/>
+          </p:cNvSpPr>
+          <p:nvPr>
+            <p:ph type="title"/>
+          </p:nvPr>
+        </p:nvSpPr>
+        <p:spPr/>
+        <p:txBody>
+          <a:bodyPr/>
+          <a:lstStyle/>
+          <a:p>
+            <a:r>
+              <a:rPr lang="en-US" dirty="0" err="1"/>
+              <a:t>BarOrder</a:t>
+            </a:r>
+            <a:endParaRPr lang="en-US" dirty="0"/>
+          </a:p>
+        </p:txBody>
+      </p:sp>
+      <p:sp>
+        <p:nvSpPr>
+          <p:cNvPr id="3" name="Content Placeholder 2"/>
+          <p:cNvSpPr>
+            <a:spLocks noGrp="1"/>
+          </p:cNvSpPr>
+          <p:nvPr>
+            <p:ph idx="1"/>
+          </p:nvPr>
+        </p:nvSpPr>
+        <p:spPr/>
+        <p:txBody>
+          <a:bodyPr>
+            <a:normAutofit/>
+          </a:bodyPr>
+          <a:lstStyle/>
+          <a:p>
+            <a:r>
+              <a:rPr lang="en-US" sz="1200" dirty="0"/>
+              <a:t>;; A </a:t>
+            </a:r>
+            <a:r>
+              <a:rPr lang="en-US" sz="1200" dirty="0" err="1"/>
+              <a:t>WineOrder</a:t>
+            </a:r>
+            <a:r>
+              <a:rPr lang="en-US" sz="1200" dirty="0"/>
+              <a:t> is represented as a ...</a:t>
+            </a:r>
+          </a:p>
+          <a:p>
+            <a:r>
+              <a:rPr lang="en-US" sz="1200" dirty="0"/>
+              <a:t>;; A </a:t>
+            </a:r>
+            <a:r>
+              <a:rPr lang="en-US" sz="1200" dirty="0" err="1"/>
+              <a:t>TeaOrder</a:t>
+            </a:r>
+            <a:r>
+              <a:rPr lang="en-US" sz="1200" dirty="0"/>
+              <a:t> is represented as a ...</a:t>
+            </a:r>
+          </a:p>
+          <a:p>
+            <a:endParaRPr lang="en-US" sz="1200" dirty="0"/>
+          </a:p>
+          <a:p>
+            <a:r>
+              <a:rPr lang="en-US" sz="1200" dirty="0"/>
+              <a:t>;; A </a:t>
+            </a:r>
+            <a:r>
+              <a:rPr lang="en-US" sz="1200" dirty="0" err="1"/>
+              <a:t>BarOrder</a:t>
+            </a:r>
+            <a:r>
+              <a:rPr lang="en-US" sz="1200" dirty="0"/>
+              <a:t> is represented as one of</a:t>
+            </a:r>
+          </a:p>
+          <a:p>
+            <a:r>
+              <a:rPr lang="en-US" sz="1200" dirty="0"/>
+              <a:t>;; -- a </a:t>
+            </a:r>
+            <a:r>
+              <a:rPr lang="en-US" sz="1200" dirty="0" err="1"/>
+              <a:t>CoffeeOrder</a:t>
+            </a:r>
+            <a:endParaRPr lang="en-US" sz="1200" dirty="0"/>
+          </a:p>
+          <a:p>
+            <a:r>
+              <a:rPr lang="en-US" sz="1200" dirty="0"/>
+              <a:t>;; -- a </a:t>
+            </a:r>
+            <a:r>
+              <a:rPr lang="en-US" sz="1200" dirty="0" err="1"/>
+              <a:t>WineOrder</a:t>
+            </a:r>
+            <a:endParaRPr lang="en-US" sz="1200" dirty="0"/>
+          </a:p>
+          <a:p>
+            <a:r>
+              <a:rPr lang="en-US" sz="1200" dirty="0"/>
+              <a:t>;; -- a </a:t>
+            </a:r>
+            <a:r>
+              <a:rPr lang="en-US" sz="1200" dirty="0" err="1"/>
+              <a:t>TeaOrder</a:t>
+            </a:r>
+            <a:endParaRPr lang="en-US" sz="1200" dirty="0"/>
+          </a:p>
+          <a:p>
+            <a:endParaRPr lang="en-US" sz="1200" dirty="0"/>
+          </a:p>
+          <a:p>
+            <a:r>
+              <a:rPr lang="en-US" sz="1200" dirty="0"/>
+              <a:t>;; CONSTRUCTOR TEMPLATE:</a:t>
+            </a:r>
+          </a:p>
+          <a:p>
+            <a:r>
+              <a:rPr lang="en-US" sz="1200" dirty="0"/>
+              <a:t>;; use the constructor templates for </a:t>
+            </a:r>
+            <a:r>
+              <a:rPr lang="en-US" sz="1200" dirty="0" err="1"/>
+              <a:t>CoffeeOrder</a:t>
+            </a:r>
+            <a:r>
+              <a:rPr lang="en-US" sz="1200" dirty="0"/>
+              <a:t>, </a:t>
+            </a:r>
+            <a:r>
+              <a:rPr lang="en-US" sz="1200" dirty="0" err="1"/>
+              <a:t>WineOrder</a:t>
+            </a:r>
+            <a:r>
+              <a:rPr lang="en-US" sz="1200" dirty="0"/>
+              <a:t>, or </a:t>
+            </a:r>
+            <a:r>
+              <a:rPr lang="en-US" sz="1200" dirty="0" err="1"/>
+              <a:t>TeaOrder</a:t>
+            </a:r>
+            <a:r>
+              <a:rPr lang="en-US" sz="1200" dirty="0"/>
+              <a:t>.</a:t>
+            </a:r>
+          </a:p>
+          <a:p>
+            <a:endParaRPr lang="en-US" sz="1200" dirty="0"/>
+          </a:p>
+          <a:p>
+            <a:r>
+              <a:rPr lang="en-US" sz="1200" dirty="0"/>
+              <a:t>;; OBSERVER TEMPLATE:</a:t>
+            </a:r>
+          </a:p>
+          <a:p>
+            <a:r>
+              <a:rPr lang="en-US" sz="1200" dirty="0"/>
+              <a:t>;; </a:t>
+            </a:r>
+            <a:r>
+              <a:rPr lang="en-US" sz="1200" dirty="0" err="1"/>
+              <a:t>bo-fn</a:t>
+            </a:r>
+            <a:r>
+              <a:rPr lang="en-US" sz="1200" dirty="0"/>
+              <a:t> : </a:t>
+            </a:r>
+            <a:r>
+              <a:rPr lang="en-US" sz="1200" dirty="0" err="1"/>
+              <a:t>BarOrder</a:t>
+            </a:r>
+            <a:r>
+              <a:rPr lang="en-US" sz="1200" dirty="0"/>
+              <a:t> -&gt; ??</a:t>
+            </a:r>
+          </a:p>
+          <a:p>
+            <a:r>
+              <a:rPr lang="en-US" sz="1200" dirty="0"/>
+              <a:t>;; STRATEGY: Cases on order : </a:t>
+            </a:r>
+            <a:r>
+              <a:rPr lang="en-US" sz="1200" dirty="0" err="1"/>
+              <a:t>BarOrder</a:t>
+            </a:r>
+            <a:endParaRPr lang="en-US" sz="1200" dirty="0"/>
+          </a:p>
+          <a:p>
+            <a:r>
+              <a:rPr lang="en-US" sz="1200" dirty="0"/>
+              <a:t>(define (</a:t>
+            </a:r>
+            <a:r>
+              <a:rPr lang="en-US" sz="1200" dirty="0" err="1"/>
+              <a:t>bo-fn</a:t>
+            </a:r>
+            <a:r>
+              <a:rPr lang="en-US" sz="1200" dirty="0"/>
+              <a:t> order)</a:t>
+            </a:r>
+          </a:p>
+          <a:p>
+            <a:r>
+              <a:rPr lang="en-US" sz="1200" dirty="0"/>
+              <a:t>  (cond</a:t>
+            </a:r>
+          </a:p>
+          <a:p>
+            <a:r>
+              <a:rPr lang="en-US" sz="1200" dirty="0"/>
+              <a:t>    [(coffee-order? order) ...]</a:t>
+            </a:r>
+          </a:p>
+          <a:p>
+            <a:r>
+              <a:rPr lang="en-US" sz="1200" dirty="0"/>
+              <a:t>    [(wine-order?   order) ...]</a:t>
+            </a:r>
+          </a:p>
+          <a:p>
+            <a:r>
+              <a:rPr lang="en-US" sz="1200" dirty="0"/>
+              <a:t>    [(tea-order?    order) ...]))</a:t>
+            </a:r>
+            <a:endParaRPr lang="en-US" sz="1200" dirty="0"/>
+          </a:p>
+        </p:txBody>
+      </p:sp>
+      <p:sp>
+        <p:nvSpPr>
+          <p:cNvPr id="4" name="Slide Number Placeholder 3"/>
+          <p:cNvSpPr>
+            <a:spLocks noGrp="1"/>
+          </p:cNvSpPr>
+          <p:nvPr>
+            <p:ph type="sldNum" sz="quarter" idx="12"/>
+          </p:nvPr>
+        </p:nvSpPr>
+        <p:spPr/>
+        <p:txBody>
+          <a:bodyPr/>
+          <a:lstStyle/>
+          <a:p>
+            <a:fld id="{8D704B19-8EED-495A-99FA-12E5518CCC54}" type="slidenum">
+              <a:rPr lang="en-US" smtClean="0"/>
+              <a:pPr/>
+              <a:t>29</a:t>
+            </a:fld>
+            <a:endParaRPr lang="en-US" dirty="0"/>
+          </a:p>
+        </p:txBody>
+      </p:sp>
+    </p:spTree>
+    <p:extLst>
+      <p:ext uri="{BB962C8B-B14F-4D97-AF65-F5344CB8AC3E}">
+        <p14:creationId xmlns:p14="http://schemas.microsoft.com/office/powerpoint/2010/main" val="615671982"/>
       </p:ext>
     </p:extLst>
   </p:cSld>
@@ -10248,14 +9834,14 @@
             <p:ph idx="1"/>
             <p:extLst>
               <p:ext uri="{D42A27DB-BD31-4B8C-83A1-F6EECF244321}">
-                <p14:modId xmlns:p14="http://schemas.microsoft.com/office/powerpoint/2010/main" val="789784387"/>
+                <p14:modId xmlns:p14="http://schemas.microsoft.com/office/powerpoint/2010/main" val="406702892"/>
               </p:ext>
             </p:extLst>
           </p:nvPr>
         </p:nvGraphicFramePr>
         <p:xfrm>
           <a:off x="486032" y="624840"/>
-          <a:ext cx="8229600" cy="5608320"/>
+          <a:ext cx="8229600" cy="4632960"/>
         </p:xfrm>
         <a:graphic>
           <a:graphicData uri="http://schemas.openxmlformats.org/drawingml/2006/table">
@@ -10326,21 +9912,8 @@
                       </a:pPr>
                       <a:r>
                         <a:rPr lang="en-US" sz="3200" dirty="0"/>
-                        <a:t>1. What</a:t>
+                        <a:t>1. Information Analysis</a:t>
                       </a:r>
-                      <a:r>
-                        <a:rPr lang="en-US" sz="3200" baseline="0" dirty="0"/>
-                        <a:t> information needs to be represented in your program? </a:t>
-                      </a:r>
-                      <a:r>
-                        <a:rPr lang="en-US" sz="3200" dirty="0"/>
-                        <a:t>What</a:t>
-                      </a:r>
-                      <a:r>
-                        <a:rPr lang="en-US" sz="3200" baseline="0" dirty="0"/>
-                        <a:t> kind of information is each piece?</a:t>
-                      </a:r>
-                      <a:endParaRPr lang="en-US" sz="3200" dirty="0"/>
                     </a:p>
                   </a:txBody>
                   <a:tcPr/>
@@ -10359,11 +9932,11 @@
                     <a:p>
                       <a:r>
                         <a:rPr lang="en-US" sz="3200" dirty="0"/>
-                        <a:t>2. Structure</a:t>
+                        <a:t>2.</a:t>
                       </a:r>
                       <a:r>
                         <a:rPr lang="en-US" sz="3200" baseline="0" dirty="0"/>
-                        <a:t> Definitions</a:t>
+                        <a:t> Representation and Interpretation</a:t>
                       </a:r>
                       <a:endParaRPr lang="en-US" sz="3200" dirty="0"/>
                     </a:p>
@@ -10384,13 +9957,8 @@
                     <a:p>
                       <a:r>
                         <a:rPr lang="en-US" sz="3200" dirty="0"/>
-                        <a:t>3.</a:t>
+                        <a:t>3. Implementation</a:t>
                       </a:r>
-                      <a:r>
-                        <a:rPr lang="en-US" sz="3200" baseline="0" dirty="0"/>
-                        <a:t> Constructor Template</a:t>
-                      </a:r>
-                      <a:endParaRPr lang="en-US" sz="3200" dirty="0"/>
                     </a:p>
                   </a:txBody>
                   <a:tcPr/>
@@ -10409,7 +9977,7 @@
                     <a:p>
                       <a:r>
                         <a:rPr lang="en-US" sz="3200" dirty="0"/>
-                        <a:t>4. Interpretation</a:t>
+                        <a:t>4. Constructor Template</a:t>
                       </a:r>
                     </a:p>
                   </a:txBody>
@@ -10527,6 +10095,649 @@
 </p:sld>
 </file>
 
+<file path=ppt/slides/slide30.xml><?xml version="1.0" encoding="utf-8"?>
+<p:sld xmlns:a="http://schemas.openxmlformats.org/drawingml/2006/main" xmlns:r="http://schemas.openxmlformats.org/officeDocument/2006/relationships" xmlns:p="http://schemas.openxmlformats.org/presentationml/2006/main">
+  <p:cSld>
+    <p:spTree>
+      <p:nvGrpSpPr>
+        <p:cNvPr id="1" name=""/>
+        <p:cNvGrpSpPr/>
+        <p:nvPr/>
+      </p:nvGrpSpPr>
+      <p:grpSpPr>
+        <a:xfrm>
+          <a:off x="0" y="0"/>
+          <a:ext cx="0" cy="0"/>
+          <a:chOff x="0" y="0"/>
+          <a:chExt cx="0" cy="0"/>
+        </a:xfrm>
+      </p:grpSpPr>
+      <p:sp>
+        <p:nvSpPr>
+          <p:cNvPr id="2" name="Title 1"/>
+          <p:cNvSpPr>
+            <a:spLocks noGrp="1"/>
+          </p:cNvSpPr>
+          <p:nvPr>
+            <p:ph type="title"/>
+          </p:nvPr>
+        </p:nvSpPr>
+        <p:spPr/>
+        <p:txBody>
+          <a:bodyPr>
+            <a:normAutofit fontScale="90000"/>
+          </a:bodyPr>
+          <a:lstStyle/>
+          <a:p>
+            <a:r>
+              <a:rPr lang="en-US" dirty="0"/>
+              <a:t>Using the </a:t>
+            </a:r>
+            <a:r>
+              <a:rPr lang="en-US" dirty="0" err="1"/>
+              <a:t>BarOrder</a:t>
+            </a:r>
+            <a:r>
+              <a:rPr lang="en-US" dirty="0"/>
+              <a:t> Observer Template</a:t>
+            </a:r>
+          </a:p>
+        </p:txBody>
+      </p:sp>
+      <p:sp>
+        <p:nvSpPr>
+          <p:cNvPr id="3" name="Content Placeholder 2"/>
+          <p:cNvSpPr>
+            <a:spLocks noGrp="1"/>
+          </p:cNvSpPr>
+          <p:nvPr>
+            <p:ph idx="1"/>
+          </p:nvPr>
+        </p:nvSpPr>
+        <p:spPr>
+          <a:xfrm>
+            <a:off x="457200" y="1600200"/>
+            <a:ext cx="8458200" cy="4525963"/>
+          </a:xfrm>
+        </p:spPr>
+        <p:txBody>
+          <a:bodyPr>
+            <a:normAutofit fontScale="62500" lnSpcReduction="20000"/>
+          </a:bodyPr>
+          <a:lstStyle/>
+          <a:p>
+            <a:r>
+              <a:rPr lang="en-US" dirty="0"/>
+              <a:t>;; In the ... you can put a function on the order, or you</a:t>
+            </a:r>
+          </a:p>
+          <a:p>
+            <a:r>
+              <a:rPr lang="en-US" dirty="0"/>
+              <a:t>;; can expand the observer template for the compound</a:t>
+            </a:r>
+          </a:p>
+          <a:p>
+            <a:r>
+              <a:rPr lang="en-US" dirty="0"/>
+              <a:t>;; data, </a:t>
+            </a:r>
+            <a:r>
+              <a:rPr lang="en-US" dirty="0" err="1"/>
+              <a:t>eg</a:t>
+            </a:r>
+            <a:r>
+              <a:rPr lang="en-US" dirty="0"/>
+              <a:t>:</a:t>
+            </a:r>
+          </a:p>
+          <a:p>
+            <a:endParaRPr lang="en-US" dirty="0"/>
+          </a:p>
+          <a:p>
+            <a:r>
+              <a:rPr lang="en-US" dirty="0"/>
+              <a:t>(define (my-</a:t>
+            </a:r>
+            <a:r>
+              <a:rPr lang="en-US" dirty="0" err="1"/>
+              <a:t>bo</a:t>
+            </a:r>
+            <a:r>
+              <a:rPr lang="en-US" dirty="0"/>
+              <a:t>-</a:t>
+            </a:r>
+            <a:r>
+              <a:rPr lang="en-US" dirty="0" err="1"/>
+              <a:t>fn</a:t>
+            </a:r>
+            <a:r>
+              <a:rPr lang="en-US" dirty="0"/>
+              <a:t> order)</a:t>
+            </a:r>
+          </a:p>
+          <a:p>
+            <a:r>
+              <a:rPr lang="en-US" dirty="0"/>
+              <a:t>  (cond</a:t>
+            </a:r>
+          </a:p>
+          <a:p>
+            <a:r>
+              <a:rPr lang="en-US" dirty="0"/>
+              <a:t>    [(coffee-order? order) (some-function</a:t>
+            </a:r>
+          </a:p>
+          <a:p>
+            <a:r>
+              <a:rPr lang="en-US" dirty="0"/>
+              <a:t>                             (coffee-order-size order)</a:t>
+            </a:r>
+          </a:p>
+          <a:p>
+            <a:r>
+              <a:rPr lang="en-US" dirty="0"/>
+              <a:t>                             (coffee-order-type order)</a:t>
+            </a:r>
+          </a:p>
+          <a:p>
+            <a:r>
+              <a:rPr lang="en-US" dirty="0"/>
+              <a:t>                             (coffee-order-milk order))]</a:t>
+            </a:r>
+          </a:p>
+          <a:p>
+            <a:r>
+              <a:rPr lang="en-US" dirty="0"/>
+              <a:t>    [(wine-order?   order) (some-other-function order)]</a:t>
+            </a:r>
+          </a:p>
+          <a:p>
+            <a:r>
+              <a:rPr lang="en-US" dirty="0"/>
+              <a:t>    [(tea-order?    order) (yet-another-function order)]))</a:t>
+            </a:r>
+            <a:endParaRPr lang="en-US" dirty="0"/>
+          </a:p>
+        </p:txBody>
+      </p:sp>
+      <p:sp>
+        <p:nvSpPr>
+          <p:cNvPr id="4" name="Slide Number Placeholder 3"/>
+          <p:cNvSpPr>
+            <a:spLocks noGrp="1"/>
+          </p:cNvSpPr>
+          <p:nvPr>
+            <p:ph type="sldNum" sz="quarter" idx="12"/>
+          </p:nvPr>
+        </p:nvSpPr>
+        <p:spPr/>
+        <p:txBody>
+          <a:bodyPr/>
+          <a:lstStyle/>
+          <a:p>
+            <a:fld id="{8D704B19-8EED-495A-99FA-12E5518CCC54}" type="slidenum">
+              <a:rPr lang="en-US" smtClean="0"/>
+              <a:pPr/>
+              <a:t>30</a:t>
+            </a:fld>
+            <a:endParaRPr lang="en-US" dirty="0"/>
+          </a:p>
+        </p:txBody>
+      </p:sp>
+    </p:spTree>
+    <p:extLst>
+      <p:ext uri="{BB962C8B-B14F-4D97-AF65-F5344CB8AC3E}">
+        <p14:creationId xmlns:p14="http://schemas.microsoft.com/office/powerpoint/2010/main" val="902991161"/>
+      </p:ext>
+    </p:extLst>
+  </p:cSld>
+  <p:clrMapOvr>
+    <a:masterClrMapping/>
+  </p:clrMapOvr>
+</p:sld>
+</file>
+
+<file path=ppt/slides/slide31.xml><?xml version="1.0" encoding="utf-8"?>
+<p:sld xmlns:a="http://schemas.openxmlformats.org/drawingml/2006/main" xmlns:r="http://schemas.openxmlformats.org/officeDocument/2006/relationships" xmlns:p="http://schemas.openxmlformats.org/presentationml/2006/main">
+  <p:cSld>
+    <p:spTree>
+      <p:nvGrpSpPr>
+        <p:cNvPr id="1" name=""/>
+        <p:cNvGrpSpPr/>
+        <p:nvPr/>
+      </p:nvGrpSpPr>
+      <p:grpSpPr>
+        <a:xfrm>
+          <a:off x="0" y="0"/>
+          <a:ext cx="0" cy="0"/>
+          <a:chOff x="0" y="0"/>
+          <a:chExt cx="0" cy="0"/>
+        </a:xfrm>
+      </p:grpSpPr>
+      <p:sp>
+        <p:nvSpPr>
+          <p:cNvPr id="2" name="Title 1"/>
+          <p:cNvSpPr>
+            <a:spLocks noGrp="1"/>
+          </p:cNvSpPr>
+          <p:nvPr>
+            <p:ph type="title"/>
+          </p:nvPr>
+        </p:nvSpPr>
+        <p:spPr/>
+        <p:txBody>
+          <a:bodyPr/>
+          <a:lstStyle/>
+          <a:p>
+            <a:r>
+              <a:rPr lang="en-US" dirty="0"/>
+              <a:t>DDR Step 7: Review</a:t>
+            </a:r>
+          </a:p>
+        </p:txBody>
+      </p:sp>
+      <p:sp>
+        <p:nvSpPr>
+          <p:cNvPr id="4" name="Content Placeholder 3"/>
+          <p:cNvSpPr>
+            <a:spLocks noGrp="1"/>
+          </p:cNvSpPr>
+          <p:nvPr>
+            <p:ph idx="1"/>
+          </p:nvPr>
+        </p:nvSpPr>
+        <p:spPr/>
+        <p:txBody>
+          <a:bodyPr/>
+          <a:lstStyle/>
+          <a:p>
+            <a:r>
+              <a:rPr lang="en-US" dirty="0"/>
+              <a:t>Nothing is done until you review it!</a:t>
+            </a:r>
+          </a:p>
+          <a:p>
+            <a:r>
+              <a:rPr lang="en-US" dirty="0"/>
+              <a:t>Before you move on, look at your data definition and ask the following questions</a:t>
+            </a:r>
+          </a:p>
+        </p:txBody>
+      </p:sp>
+      <p:sp>
+        <p:nvSpPr>
+          <p:cNvPr id="5" name="Slide Number Placeholder 4"/>
+          <p:cNvSpPr>
+            <a:spLocks noGrp="1"/>
+          </p:cNvSpPr>
+          <p:nvPr>
+            <p:ph type="sldNum" sz="quarter" idx="12"/>
+          </p:nvPr>
+        </p:nvSpPr>
+        <p:spPr/>
+        <p:txBody>
+          <a:bodyPr/>
+          <a:lstStyle/>
+          <a:p>
+            <a:fld id="{8D704B19-8EED-495A-99FA-12E5518CCC54}" type="slidenum">
+              <a:rPr lang="en-US" smtClean="0"/>
+              <a:pPr/>
+              <a:t>31</a:t>
+            </a:fld>
+            <a:endParaRPr lang="en-US"/>
+          </a:p>
+        </p:txBody>
+      </p:sp>
+    </p:spTree>
+    <p:extLst>
+      <p:ext uri="{BB962C8B-B14F-4D97-AF65-F5344CB8AC3E}">
+        <p14:creationId xmlns:p14="http://schemas.microsoft.com/office/powerpoint/2010/main" val="1617566791"/>
+      </p:ext>
+    </p:extLst>
+  </p:cSld>
+  <p:clrMapOvr>
+    <a:masterClrMapping/>
+  </p:clrMapOvr>
+</p:sld>
+</file>
+
+<file path=ppt/slides/slide32.xml><?xml version="1.0" encoding="utf-8"?>
+<p:sld xmlns:a="http://schemas.openxmlformats.org/drawingml/2006/main" xmlns:r="http://schemas.openxmlformats.org/officeDocument/2006/relationships" xmlns:p="http://schemas.openxmlformats.org/presentationml/2006/main">
+  <p:cSld>
+    <p:spTree>
+      <p:nvGrpSpPr>
+        <p:cNvPr id="1" name=""/>
+        <p:cNvGrpSpPr/>
+        <p:nvPr/>
+      </p:nvGrpSpPr>
+      <p:grpSpPr>
+        <a:xfrm>
+          <a:off x="0" y="0"/>
+          <a:ext cx="0" cy="0"/>
+          <a:chOff x="0" y="0"/>
+          <a:chExt cx="0" cy="0"/>
+        </a:xfrm>
+      </p:grpSpPr>
+      <p:sp>
+        <p:nvSpPr>
+          <p:cNvPr id="2" name="Title 1"/>
+          <p:cNvSpPr>
+            <a:spLocks noGrp="1"/>
+          </p:cNvSpPr>
+          <p:nvPr>
+            <p:ph type="title"/>
+          </p:nvPr>
+        </p:nvSpPr>
+        <p:spPr/>
+        <p:txBody>
+          <a:bodyPr/>
+          <a:lstStyle/>
+          <a:p>
+            <a:r>
+              <a:rPr lang="en-US" dirty="0"/>
+              <a:t>Reviewing a Data Design</a:t>
+            </a:r>
+          </a:p>
+        </p:txBody>
+      </p:sp>
+      <p:graphicFrame>
+        <p:nvGraphicFramePr>
+          <p:cNvPr id="4" name="Content Placeholder 3"/>
+          <p:cNvGraphicFramePr>
+            <a:graphicFrameLocks noGrp="1"/>
+          </p:cNvGraphicFramePr>
+          <p:nvPr>
+            <p:ph idx="1"/>
+            <p:extLst/>
+          </p:nvPr>
+        </p:nvGraphicFramePr>
+        <p:xfrm>
+          <a:off x="457200" y="1600200"/>
+          <a:ext cx="8229600" cy="4846320"/>
+        </p:xfrm>
+        <a:graphic>
+          <a:graphicData uri="http://schemas.openxmlformats.org/drawingml/2006/table">
+            <a:tbl>
+              <a:tblPr firstRow="1" bandRow="1">
+                <a:tableStyleId>{5C22544A-7EE6-4342-B048-85BDC9FD1C3A}</a:tableStyleId>
+              </a:tblPr>
+              <a:tblGrid>
+                <a:gridCol w="8229600">
+                  <a:extLst>
+                    <a:ext uri="{9D8B030D-6E8A-4147-A177-3AD203B41FA5}">
+                      <a16:colId xmlns:a16="http://schemas.microsoft.com/office/drawing/2014/main" val="20000"/>
+                    </a:ext>
+                  </a:extLst>
+                </a:gridCol>
+              </a:tblGrid>
+              <a:tr h="370840">
+                <a:tc>
+                  <a:txBody>
+                    <a:bodyPr/>
+                    <a:lstStyle/>
+                    <a:p>
+                      <a:pPr algn="ctr"/>
+                      <a:r>
+                        <a:rPr lang="en-US" sz="3200" dirty="0"/>
+                        <a:t>Reviewing a Data Design</a:t>
+                      </a:r>
+                    </a:p>
+                  </a:txBody>
+                  <a:tcPr/>
+                </a:tc>
+                <a:extLst>
+                  <a:ext uri="{0D108BD9-81ED-4DB2-BD59-A6C34878D82A}">
+                    <a16:rowId xmlns:a16="http://schemas.microsoft.com/office/drawing/2014/main" val="10000"/>
+                  </a:ext>
+                </a:extLst>
+              </a:tr>
+              <a:tr h="370840">
+                <a:tc>
+                  <a:txBody>
+                    <a:bodyPr/>
+                    <a:lstStyle/>
+                    <a:p>
+                      <a:r>
+                        <a:rPr lang="en-US" sz="3200" dirty="0"/>
+                        <a:t>1. Is the interpretation clear and unambiguous?</a:t>
+                      </a:r>
+                    </a:p>
+                  </a:txBody>
+                  <a:tcPr/>
+                </a:tc>
+                <a:extLst>
+                  <a:ext uri="{0D108BD9-81ED-4DB2-BD59-A6C34878D82A}">
+                    <a16:rowId xmlns:a16="http://schemas.microsoft.com/office/drawing/2014/main" val="10001"/>
+                  </a:ext>
+                </a:extLst>
+              </a:tr>
+              <a:tr h="370840">
+                <a:tc>
+                  <a:txBody>
+                    <a:bodyPr/>
+                    <a:lstStyle/>
+                    <a:p>
+                      <a:r>
+                        <a:rPr lang="en-US" sz="3200" dirty="0"/>
+                        <a:t>2. Can you represent all the information you need for your program?</a:t>
+                      </a:r>
+                    </a:p>
+                  </a:txBody>
+                  <a:tcPr/>
+                </a:tc>
+                <a:extLst>
+                  <a:ext uri="{0D108BD9-81ED-4DB2-BD59-A6C34878D82A}">
+                    <a16:rowId xmlns:a16="http://schemas.microsoft.com/office/drawing/2014/main" val="10002"/>
+                  </a:ext>
+                </a:extLst>
+              </a:tr>
+              <a:tr h="370840">
+                <a:tc>
+                  <a:txBody>
+                    <a:bodyPr/>
+                    <a:lstStyle/>
+                    <a:p>
+                      <a:r>
+                        <a:rPr lang="en-US" sz="3200" dirty="0"/>
+                        <a:t>3. Do</a:t>
+                      </a:r>
+                      <a:r>
+                        <a:rPr lang="en-US" sz="3200" baseline="0" dirty="0"/>
+                        <a:t> you </a:t>
+                      </a:r>
+                      <a:r>
+                        <a:rPr lang="en-US" sz="3200" i="1" baseline="0" dirty="0"/>
+                        <a:t>need</a:t>
+                      </a:r>
+                      <a:r>
+                        <a:rPr lang="en-US" sz="3200" baseline="0" dirty="0"/>
+                        <a:t> all of the data in your representation?</a:t>
+                      </a:r>
+                      <a:endParaRPr lang="en-US" sz="3200" dirty="0"/>
+                    </a:p>
+                  </a:txBody>
+                  <a:tcPr/>
+                </a:tc>
+                <a:extLst>
+                  <a:ext uri="{0D108BD9-81ED-4DB2-BD59-A6C34878D82A}">
+                    <a16:rowId xmlns:a16="http://schemas.microsoft.com/office/drawing/2014/main" val="10003"/>
+                  </a:ext>
+                </a:extLst>
+              </a:tr>
+              <a:tr h="370840">
+                <a:tc>
+                  <a:txBody>
+                    <a:bodyPr/>
+                    <a:lstStyle/>
+                    <a:p>
+                      <a:r>
+                        <a:rPr lang="en-US" sz="3200" dirty="0"/>
+                        <a:t>4.</a:t>
+                      </a:r>
+                      <a:r>
+                        <a:rPr lang="en-US" sz="3200" baseline="0" dirty="0"/>
+                        <a:t> Does every combination of values make sense? If not, document the meaningful combinations with a WHERE clause.</a:t>
+                      </a:r>
+                      <a:endParaRPr lang="en-US" sz="3200" dirty="0"/>
+                    </a:p>
+                  </a:txBody>
+                  <a:tcPr/>
+                </a:tc>
+                <a:extLst>
+                  <a:ext uri="{0D108BD9-81ED-4DB2-BD59-A6C34878D82A}">
+                    <a16:rowId xmlns:a16="http://schemas.microsoft.com/office/drawing/2014/main" val="10004"/>
+                  </a:ext>
+                </a:extLst>
+              </a:tr>
+            </a:tbl>
+          </a:graphicData>
+        </a:graphic>
+      </p:graphicFrame>
+      <p:sp>
+        <p:nvSpPr>
+          <p:cNvPr id="3" name="Slide Number Placeholder 2"/>
+          <p:cNvSpPr>
+            <a:spLocks noGrp="1"/>
+          </p:cNvSpPr>
+          <p:nvPr>
+            <p:ph type="sldNum" sz="quarter" idx="12"/>
+          </p:nvPr>
+        </p:nvSpPr>
+        <p:spPr/>
+        <p:txBody>
+          <a:bodyPr/>
+          <a:lstStyle/>
+          <a:p>
+            <a:fld id="{8D704B19-8EED-495A-99FA-12E5518CCC54}" type="slidenum">
+              <a:rPr lang="en-US" smtClean="0"/>
+              <a:pPr/>
+              <a:t>32</a:t>
+            </a:fld>
+            <a:endParaRPr lang="en-US"/>
+          </a:p>
+        </p:txBody>
+      </p:sp>
+    </p:spTree>
+    <p:extLst>
+      <p:ext uri="{BB962C8B-B14F-4D97-AF65-F5344CB8AC3E}">
+        <p14:creationId xmlns:p14="http://schemas.microsoft.com/office/powerpoint/2010/main" val="1140780645"/>
+      </p:ext>
+    </p:extLst>
+  </p:cSld>
+  <p:clrMapOvr>
+    <a:masterClrMapping/>
+  </p:clrMapOvr>
+</p:sld>
+</file>
+
+<file path=ppt/slides/slide33.xml><?xml version="1.0" encoding="utf-8"?>
+<p:sld xmlns:a="http://schemas.openxmlformats.org/drawingml/2006/main" xmlns:r="http://schemas.openxmlformats.org/officeDocument/2006/relationships" xmlns:p="http://schemas.openxmlformats.org/presentationml/2006/main">
+  <p:cSld>
+    <p:spTree>
+      <p:nvGrpSpPr>
+        <p:cNvPr id="1" name=""/>
+        <p:cNvGrpSpPr/>
+        <p:nvPr/>
+      </p:nvGrpSpPr>
+      <p:grpSpPr>
+        <a:xfrm>
+          <a:off x="0" y="0"/>
+          <a:ext cx="0" cy="0"/>
+          <a:chOff x="0" y="0"/>
+          <a:chExt cx="0" cy="0"/>
+        </a:xfrm>
+      </p:grpSpPr>
+      <p:sp>
+        <p:nvSpPr>
+          <p:cNvPr id="2" name="Title 1"/>
+          <p:cNvSpPr>
+            <a:spLocks noGrp="1"/>
+          </p:cNvSpPr>
+          <p:nvPr>
+            <p:ph type="title"/>
+          </p:nvPr>
+        </p:nvSpPr>
+        <p:spPr/>
+        <p:txBody>
+          <a:bodyPr/>
+          <a:lstStyle/>
+          <a:p>
+            <a:r>
+              <a:rPr lang="en-US" dirty="0"/>
+              <a:t>Next Steps</a:t>
+            </a:r>
+          </a:p>
+        </p:txBody>
+      </p:sp>
+      <p:sp>
+        <p:nvSpPr>
+          <p:cNvPr id="3" name="Content Placeholder 2"/>
+          <p:cNvSpPr>
+            <a:spLocks noGrp="1"/>
+          </p:cNvSpPr>
+          <p:nvPr>
+            <p:ph idx="1"/>
+          </p:nvPr>
+        </p:nvSpPr>
+        <p:spPr/>
+        <p:txBody>
+          <a:bodyPr/>
+          <a:lstStyle/>
+          <a:p>
+            <a:r>
+              <a:rPr lang="en-US"/>
+              <a:t>If </a:t>
+            </a:r>
+            <a:r>
+              <a:rPr lang="en-US" dirty="0"/>
+              <a:t>you have questions about this lesson, ask them on the Discussion Board</a:t>
+            </a:r>
+          </a:p>
+          <a:p>
+            <a:r>
+              <a:rPr lang="en-US" dirty="0"/>
+              <a:t>Go on to the next lesson</a:t>
+            </a:r>
+          </a:p>
+        </p:txBody>
+      </p:sp>
+      <p:sp>
+        <p:nvSpPr>
+          <p:cNvPr id="4" name="Slide Number Placeholder 3"/>
+          <p:cNvSpPr>
+            <a:spLocks noGrp="1"/>
+          </p:cNvSpPr>
+          <p:nvPr>
+            <p:ph type="sldNum" sz="quarter" idx="12"/>
+          </p:nvPr>
+        </p:nvSpPr>
+        <p:spPr/>
+        <p:txBody>
+          <a:bodyPr/>
+          <a:lstStyle/>
+          <a:p>
+            <a:fld id="{2AF3B5EA-18B6-4040-9F78-6052AF49C681}" type="slidenum">
+              <a:rPr lang="en-US" smtClean="0"/>
+              <a:t>33</a:t>
+            </a:fld>
+            <a:endParaRPr lang="en-US"/>
+          </a:p>
+        </p:txBody>
+      </p:sp>
+    </p:spTree>
+    <p:extLst>
+      <p:ext uri="{BB962C8B-B14F-4D97-AF65-F5344CB8AC3E}">
+        <p14:creationId xmlns:p14="http://schemas.microsoft.com/office/powerpoint/2010/main" val="2984835351"/>
+      </p:ext>
+    </p:extLst>
+  </p:cSld>
+  <p:clrMapOvr>
+    <a:masterClrMapping/>
+  </p:clrMapOvr>
+</p:sld>
+</file>
+
 <file path=ppt/slides/slide4.xml><?xml version="1.0" encoding="utf-8"?>
 <p:sld xmlns:a="http://schemas.openxmlformats.org/drawingml/2006/main" xmlns:r="http://schemas.openxmlformats.org/officeDocument/2006/relationships" xmlns:p="http://schemas.openxmlformats.org/presentationml/2006/main">
   <p:cSld>
@@ -10563,7 +10774,7 @@
           <a:p>
             <a:r>
               <a:rPr lang="en-US" dirty="0"/>
-              <a:t>DDR Step 1. What information needs to be represented?</a:t>
+              <a:t>Brief Explanation of the Data Design Recipe</a:t>
             </a:r>
           </a:p>
         </p:txBody>
@@ -10578,20 +10789,121 @@
             <p:ph idx="1"/>
           </p:nvPr>
         </p:nvSpPr>
-        <p:spPr/>
-        <p:txBody>
-          <a:bodyPr/>
-          <a:lstStyle/>
-          <a:p>
-            <a:r>
-              <a:rPr lang="en-US" dirty="0"/>
-              <a:t>This is usually pretty clear; depends on the application.</a:t>
-            </a:r>
-          </a:p>
-          <a:p>
-            <a:r>
-              <a:rPr lang="en-US" dirty="0"/>
-              <a:t>In general, information needs to be represented when it might take many values, and your program needs to know which one is right.</a:t>
+        <p:spPr>
+          <a:xfrm>
+            <a:off x="457200" y="1600201"/>
+            <a:ext cx="8229600" cy="4495800"/>
+          </a:xfrm>
+        </p:spPr>
+        <p:txBody>
+          <a:bodyPr>
+            <a:noAutofit/>
+          </a:bodyPr>
+          <a:lstStyle/>
+          <a:p>
+            <a:pPr marL="514350" indent="-514350">
+              <a:buFont typeface="+mj-lt"/>
+              <a:buAutoNum type="arabicPeriod"/>
+            </a:pPr>
+            <a:r>
+              <a:rPr lang="en-US" sz="2200" b="1" dirty="0"/>
+              <a:t>Information Analysis</a:t>
+            </a:r>
+            <a:r>
+              <a:rPr lang="en-US" sz="2200" dirty="0"/>
+              <a:t>: What kind of information needs to be represented in your program?  What kind of information is it?</a:t>
+            </a:r>
+          </a:p>
+          <a:p>
+            <a:pPr marL="514350" indent="-514350">
+              <a:buFont typeface="+mj-lt"/>
+              <a:buAutoNum type="arabicPeriod"/>
+            </a:pPr>
+            <a:r>
+              <a:rPr lang="en-US" sz="2200" b="1" dirty="0"/>
+              <a:t>Representation and Interpretation</a:t>
+            </a:r>
+            <a:r>
+              <a:rPr lang="en-US" sz="2200" dirty="0"/>
+              <a:t>: how is the information represented as data?  What is the meaning of each possible value of the data?</a:t>
+            </a:r>
+          </a:p>
+          <a:p>
+            <a:pPr marL="514350" indent="-514350">
+              <a:buFont typeface="+mj-lt"/>
+              <a:buAutoNum type="arabicPeriod"/>
+            </a:pPr>
+            <a:r>
+              <a:rPr lang="en-US" sz="2200" b="1" dirty="0"/>
+              <a:t>Implementation</a:t>
+            </a:r>
+            <a:r>
+              <a:rPr lang="en-US" sz="2200" dirty="0"/>
+              <a:t>: definitions of needed structs.</a:t>
+            </a:r>
+          </a:p>
+          <a:p>
+            <a:pPr marL="514350" indent="-514350">
+              <a:buFont typeface="+mj-lt"/>
+              <a:buAutoNum type="arabicPeriod"/>
+            </a:pPr>
+            <a:r>
+              <a:rPr lang="en-US" sz="2200" b="1" dirty="0"/>
+              <a:t>Constructor</a:t>
+            </a:r>
+            <a:r>
+              <a:rPr lang="en-US" sz="2200" dirty="0"/>
+              <a:t> </a:t>
+            </a:r>
+            <a:r>
+              <a:rPr lang="en-US" sz="2200" b="1" dirty="0"/>
+              <a:t>template</a:t>
+            </a:r>
+            <a:r>
+              <a:rPr lang="en-US" sz="2200" dirty="0"/>
+              <a:t>: tells how to construct a value of this type</a:t>
+            </a:r>
+          </a:p>
+          <a:p>
+            <a:pPr marL="514350" indent="-514350">
+              <a:buFont typeface="+mj-lt"/>
+              <a:buAutoNum type="arabicPeriod"/>
+            </a:pPr>
+            <a:r>
+              <a:rPr lang="en-US" sz="2200" b="1" dirty="0"/>
+              <a:t>Observer template</a:t>
+            </a:r>
+            <a:r>
+              <a:rPr lang="en-US" sz="2200" dirty="0"/>
+              <a:t>: tells how to inspect a value of this type</a:t>
+            </a:r>
+          </a:p>
+          <a:p>
+            <a:pPr marL="514350" indent="-514350">
+              <a:buFont typeface="+mj-lt"/>
+              <a:buAutoNum type="arabicPeriod"/>
+            </a:pPr>
+            <a:r>
+              <a:rPr lang="en-US" sz="2200" b="1" dirty="0"/>
+              <a:t>Examples</a:t>
+            </a:r>
+            <a:r>
+              <a:rPr lang="en-US" sz="2200" dirty="0"/>
+              <a:t>: samples to make clear to the reader what is intended</a:t>
+            </a:r>
+          </a:p>
+          <a:p>
+            <a:pPr marL="514350" indent="-514350">
+              <a:buFont typeface="+mj-lt"/>
+              <a:buAutoNum type="arabicPeriod"/>
+            </a:pPr>
+            <a:r>
+              <a:rPr lang="en-US" sz="2200" b="1" dirty="0"/>
+              <a:t>Review</a:t>
+            </a:r>
+            <a:r>
+              <a:rPr lang="en-US" sz="2200" dirty="0"/>
+              <a:t>: How can your design be improved?</a:t>
             </a:r>
           </a:p>
         </p:txBody>
@@ -10623,7 +10935,7 @@
     </p:spTree>
     <p:extLst>
       <p:ext uri="{BB962C8B-B14F-4D97-AF65-F5344CB8AC3E}">
-        <p14:creationId xmlns:p14="http://schemas.microsoft.com/office/powerpoint/2010/main" val="2972835717"/>
+        <p14:creationId xmlns:p14="http://schemas.microsoft.com/office/powerpoint/2010/main" val="3162594274"/>
       </p:ext>
     </p:extLst>
   </p:cSld>
@@ -10662,12 +10974,14 @@
         </p:nvSpPr>
         <p:spPr/>
         <p:txBody>
-          <a:bodyPr/>
-          <a:lstStyle/>
-          <a:p>
-            <a:r>
-              <a:rPr lang="en-US" dirty="0"/>
-              <a:t>Example: representing a car</a:t>
+          <a:bodyPr>
+            <a:normAutofit fontScale="90000"/>
+          </a:bodyPr>
+          <a:lstStyle/>
+          <a:p>
+            <a:r>
+              <a:rPr lang="en-US" dirty="0"/>
+              <a:t>DDR Step 1. What information needs to be represented?</a:t>
             </a:r>
           </a:p>
         </p:txBody>
@@ -10685,31 +10999,25 @@
         <p:spPr/>
         <p:txBody>
           <a:bodyPr>
-            <a:normAutofit lnSpcReduction="10000"/>
+            <a:normAutofit/>
           </a:bodyPr>
           <a:lstStyle/>
           <a:p>
             <a:r>
               <a:rPr lang="en-US" dirty="0"/>
-              <a:t>How does one car differ from another?</a:t>
-            </a:r>
-          </a:p>
-          <a:p>
-            <a:r>
-              <a:rPr lang="en-US" dirty="0"/>
-              <a:t>In a traffic simulation, I might only need to keep track of each car's position and velocity</a:t>
-            </a:r>
-          </a:p>
-          <a:p>
-            <a:r>
-              <a:rPr lang="en-US" dirty="0"/>
-              <a:t>For TV coverage of an auto race, I might need to keep track of enough information to distinguish it from all the others in the race.</a:t>
-            </a:r>
-          </a:p>
-          <a:p>
-            <a:r>
-              <a:rPr lang="en-US" dirty="0"/>
-              <a:t>For an auto dealer, I might need to keep track of enough information to distinguish this car from all the others in the world.</a:t>
+              <a:t>In general, you are representing information about one of many objects in the world</a:t>
+            </a:r>
+          </a:p>
+          <a:p>
+            <a:r>
+              <a:rPr lang="en-US" dirty="0"/>
+              <a:t>Your goal is represent enough information about that object to distinguish it from all the other similar objects</a:t>
+            </a:r>
+          </a:p>
+          <a:p>
+            <a:r>
+              <a:rPr lang="en-US" dirty="0"/>
+              <a:t>You may need to represent more information as well, depending on the application.</a:t>
             </a:r>
           </a:p>
         </p:txBody>
@@ -10741,7 +11049,7 @@
     </p:spTree>
     <p:extLst>
       <p:ext uri="{BB962C8B-B14F-4D97-AF65-F5344CB8AC3E}">
-        <p14:creationId xmlns:p14="http://schemas.microsoft.com/office/powerpoint/2010/main" val="1107039949"/>
+        <p14:creationId xmlns:p14="http://schemas.microsoft.com/office/powerpoint/2010/main" val="2972835717"/>
       </p:ext>
     </p:extLst>
   </p:cSld>
@@ -10802,12 +11110,46 @@
         </p:nvSpPr>
         <p:spPr/>
         <p:txBody>
-          <a:bodyPr/>
-          <a:lstStyle/>
-          <a:p>
-            <a:r>
-              <a:rPr lang="en-US" dirty="0"/>
-              <a:t>Also need to keep track of other information that is needed by the application, of course.</a:t>
+          <a:bodyPr>
+            <a:normAutofit fontScale="70000" lnSpcReduction="20000"/>
+          </a:bodyPr>
+          <a:lstStyle/>
+          <a:p>
+            <a:r>
+              <a:rPr lang="en-US" dirty="0"/>
+              <a:t>What cars are we trying to represent? How does one car in the set differ from the others? What information about that car do I need to know?</a:t>
+            </a:r>
+          </a:p>
+          <a:p>
+            <a:r>
+              <a:rPr lang="en-US" dirty="0"/>
+              <a:t>In a traffic simulation, I might only need to keep track of each car's position and velocity.</a:t>
+            </a:r>
+          </a:p>
+          <a:p>
+            <a:r>
+              <a:rPr lang="en-US" dirty="0"/>
+              <a:t>For TV coverage of an auto race, I might need to keep track of enough information to distinguish it from all the others in the race.  </a:t>
+            </a:r>
+          </a:p>
+          <a:p>
+            <a:pPr lvl="1"/>
+            <a:r>
+              <a:rPr lang="en-US" dirty="0"/>
+              <a:t>The car’s number would be enough, but I might want to display the name of the driver as well.</a:t>
+            </a:r>
+          </a:p>
+          <a:p>
+            <a:r>
+              <a:rPr lang="en-US" dirty="0"/>
+              <a:t>For an auto dealer, I might need to keep track of enough information to distinguish this car from all the others in the world.</a:t>
+            </a:r>
+          </a:p>
+          <a:p>
+            <a:pPr lvl="1"/>
+            <a:r>
+              <a:rPr lang="en-US" dirty="0"/>
+              <a:t>The VIN (“Vehicle Identification Number”) would be enough, but I might want to have its model, color, etc. available for display.</a:t>
             </a:r>
           </a:p>
         </p:txBody>
@@ -10839,7 +11181,7 @@
     </p:spTree>
     <p:extLst>
       <p:ext uri="{BB962C8B-B14F-4D97-AF65-F5344CB8AC3E}">
-        <p14:creationId xmlns:p14="http://schemas.microsoft.com/office/powerpoint/2010/main" val="3048718801"/>
+        <p14:creationId xmlns:p14="http://schemas.microsoft.com/office/powerpoint/2010/main" val="1107039949"/>
       </p:ext>
     </p:extLst>
   </p:cSld>
@@ -10878,14 +11220,12 @@
         </p:nvSpPr>
         <p:spPr/>
         <p:txBody>
-          <a:bodyPr>
-            <a:normAutofit/>
-          </a:bodyPr>
-          <a:lstStyle/>
-          <a:p>
-            <a:r>
-              <a:rPr lang="en-US" dirty="0"/>
-              <a:t>DDR Step 2. Structure definitions</a:t>
+          <a:bodyPr/>
+          <a:lstStyle/>
+          <a:p>
+            <a:r>
+              <a:rPr lang="en-US" dirty="0"/>
+              <a:t>Output of DDR Step 1</a:t>
             </a:r>
           </a:p>
         </p:txBody>
@@ -10909,100 +11249,26 @@
           <a:p>
             <a:r>
               <a:rPr lang="en-US" dirty="0"/>
-              <a:t>In Racket, we represent compound data as a </a:t>
-            </a:r>
-            <a:r>
-              <a:rPr lang="en-US" b="1" dirty="0">
-                <a:latin typeface="Consolas" pitchFamily="49" charset="0"/>
-                <a:cs typeface="Consolas" pitchFamily="49" charset="0"/>
-              </a:rPr>
-              <a:t>struct</a:t>
-            </a:r>
-          </a:p>
-          <a:p>
-            <a:r>
-              <a:rPr lang="en-US" dirty="0">
-                <a:cs typeface="Consolas" pitchFamily="49" charset="0"/>
-              </a:rPr>
-              <a:t>This is like a struct or record in other languages.</a:t>
-            </a:r>
-          </a:p>
-          <a:p>
-            <a:r>
-              <a:rPr lang="en-US" dirty="0">
-                <a:cs typeface="Consolas" pitchFamily="49" charset="0"/>
-              </a:rPr>
-              <a:t>For mixed data, we may need several </a:t>
-            </a:r>
-            <a:r>
-              <a:rPr lang="en-US" dirty="0" err="1">
-                <a:cs typeface="Consolas" pitchFamily="49" charset="0"/>
-              </a:rPr>
-              <a:t>structs</a:t>
-            </a:r>
-            <a:endParaRPr lang="en-US" dirty="0">
-              <a:cs typeface="Consolas" pitchFamily="49" charset="0"/>
-            </a:endParaRPr>
-          </a:p>
-          <a:p>
-            <a:pPr lvl="1"/>
-            <a:r>
-              <a:rPr lang="en-US" dirty="0">
-                <a:cs typeface="Consolas" pitchFamily="49" charset="0"/>
-              </a:rPr>
-              <a:t>we'll see an example later</a:t>
-            </a:r>
-          </a:p>
-          <a:p>
-            <a:r>
-              <a:rPr lang="en-US" dirty="0">
-                <a:cs typeface="Consolas" pitchFamily="49" charset="0"/>
-              </a:rPr>
-              <a:t>In Racket, we define new kinds of </a:t>
-            </a:r>
-            <a:r>
-              <a:rPr lang="en-US" dirty="0" err="1">
-                <a:cs typeface="Consolas" pitchFamily="49" charset="0"/>
-              </a:rPr>
-              <a:t>structs</a:t>
-            </a:r>
-            <a:r>
-              <a:rPr lang="en-US" dirty="0">
-                <a:cs typeface="Consolas" pitchFamily="49" charset="0"/>
-              </a:rPr>
-              <a:t> or records with </a:t>
-            </a:r>
-            <a:r>
-              <a:rPr lang="en-US" b="1" dirty="0">
-                <a:latin typeface="Consolas" pitchFamily="49" charset="0"/>
-                <a:cs typeface="Consolas" pitchFamily="49" charset="0"/>
-              </a:rPr>
-              <a:t>define-</a:t>
-            </a:r>
-            <a:r>
-              <a:rPr lang="en-US" b="1" dirty="0" err="1">
-                <a:latin typeface="Consolas" pitchFamily="49" charset="0"/>
-                <a:cs typeface="Consolas" pitchFamily="49" charset="0"/>
-              </a:rPr>
-              <a:t>struct</a:t>
-            </a:r>
-            <a:r>
-              <a:rPr lang="en-US" dirty="0">
-                <a:cs typeface="Consolas" pitchFamily="49" charset="0"/>
-              </a:rPr>
-              <a:t>.</a:t>
-            </a:r>
-          </a:p>
-          <a:p>
-            <a:r>
-              <a:rPr lang="en-US" dirty="0">
-                <a:cs typeface="Consolas" pitchFamily="49" charset="0"/>
-              </a:rPr>
-              <a:t>We saw these in Lesson 0.4.  Here’s a review:</a:t>
-            </a:r>
-            <a:endParaRPr lang="en-US" dirty="0">
-              <a:cs typeface="Courier New" pitchFamily="49" charset="0"/>
-            </a:endParaRPr>
+              <a:t>At the end of step 1, you should know what kind of data you need (scalar, compound, mixed, etc.)</a:t>
+            </a:r>
+          </a:p>
+          <a:p>
+            <a:r>
+              <a:rPr lang="en-US" dirty="0"/>
+              <a:t>Where you go from here depends on the kind of data.</a:t>
+            </a:r>
+          </a:p>
+          <a:p>
+            <a:r>
+              <a:rPr lang="en-US" dirty="0"/>
+              <a:t>In the lesson, we’ll see how to execute the Data Design Recipe for compound data.</a:t>
+            </a:r>
+          </a:p>
+          <a:p>
+            <a:r>
+              <a:rPr lang="en-US" dirty="0"/>
+              <a:t>Then we’ll go back and see how it works for the other kinds of data.</a:t>
+            </a:r>
           </a:p>
           <a:p>
             <a:endParaRPr lang="en-US" dirty="0"/>
@@ -11036,7 +11302,7 @@
     </p:spTree>
     <p:extLst>
       <p:ext uri="{BB962C8B-B14F-4D97-AF65-F5344CB8AC3E}">
-        <p14:creationId xmlns:p14="http://schemas.microsoft.com/office/powerpoint/2010/main" val="1319152124"/>
+        <p14:creationId xmlns:p14="http://schemas.microsoft.com/office/powerpoint/2010/main" val="3742166532"/>
       </p:ext>
     </p:extLst>
   </p:cSld>
@@ -11081,486 +11347,66 @@
           <a:lstStyle/>
           <a:p>
             <a:r>
-              <a:rPr lang="en-US" dirty="0">
-                <a:cs typeface="Consolas" pitchFamily="49" charset="0"/>
-              </a:rPr>
-              <a:t>Example of a structure definition in Racket</a:t>
-            </a:r>
-          </a:p>
-        </p:txBody>
-      </p:sp>
-      <p:sp>
-        <p:nvSpPr>
-          <p:cNvPr id="4" name="TextBox 3"/>
-          <p:cNvSpPr txBox="1"/>
-          <p:nvPr/>
-        </p:nvSpPr>
-        <p:spPr>
-          <a:xfrm>
-            <a:off x="304800" y="1752600"/>
-            <a:ext cx="8839200" cy="461665"/>
-          </a:xfrm>
-          <a:prstGeom prst="rect">
-            <a:avLst/>
-          </a:prstGeom>
-          <a:noFill/>
-          <a:ln>
-            <a:noFill/>
-            <a:tailEnd type="stealth" w="lg" len="lg"/>
-          </a:ln>
-        </p:spPr>
-        <p:txBody>
-          <a:bodyPr wrap="square" rtlCol="0">
-            <a:spAutoFit/>
+              <a:rPr lang="en-US" dirty="0"/>
+              <a:t>DDR Step 2. Representation and </a:t>
+            </a:r>
+            <a:r>
+              <a:rPr lang="en-US" dirty="0" err="1"/>
+              <a:t>Interpetation</a:t>
+            </a:r>
+            <a:endParaRPr lang="en-US" dirty="0"/>
+          </a:p>
+        </p:txBody>
+      </p:sp>
+      <p:sp>
+        <p:nvSpPr>
+          <p:cNvPr id="3" name="Content Placeholder 2"/>
+          <p:cNvSpPr>
+            <a:spLocks noGrp="1"/>
+          </p:cNvSpPr>
+          <p:nvPr>
+            <p:ph idx="1"/>
+          </p:nvPr>
+        </p:nvSpPr>
+        <p:spPr/>
+        <p:txBody>
+          <a:bodyPr>
+            <a:normAutofit/>
           </a:bodyPr>
           <a:lstStyle/>
           <a:p>
             <a:r>
-              <a:rPr lang="en-US" sz="2400" b="1" dirty="0">
-                <a:latin typeface="Consolas" pitchFamily="49" charset="0"/>
-                <a:cs typeface="Consolas" pitchFamily="49" charset="0"/>
-              </a:rPr>
-              <a:t>(define-</a:t>
-            </a:r>
-            <a:r>
-              <a:rPr lang="en-US" sz="2400" b="1" dirty="0" err="1">
+              <a:rPr lang="en-US" dirty="0"/>
+              <a:t>In Racket, we represent compound data as a </a:t>
+            </a:r>
+            <a:r>
+              <a:rPr lang="en-US" b="1" dirty="0">
                 <a:latin typeface="Consolas" pitchFamily="49" charset="0"/>
                 <a:cs typeface="Consolas" pitchFamily="49" charset="0"/>
               </a:rPr>
               <a:t>struct</a:t>
             </a:r>
-            <a:r>
-              <a:rPr lang="en-US" sz="2400" b="1" dirty="0">
-                <a:latin typeface="Consolas" pitchFamily="49" charset="0"/>
+          </a:p>
+          <a:p>
+            <a:pPr lvl="1"/>
+            <a:r>
+              <a:rPr lang="en-US" dirty="0">
                 <a:cs typeface="Consolas" pitchFamily="49" charset="0"/>
               </a:rPr>
-              <a:t> book (author title on-hand price))</a:t>
-            </a:r>
-          </a:p>
-        </p:txBody>
-      </p:sp>
-      <p:sp>
-        <p:nvSpPr>
-          <p:cNvPr id="5" name="TextBox 4"/>
-          <p:cNvSpPr txBox="1"/>
-          <p:nvPr/>
-        </p:nvSpPr>
-        <p:spPr>
-          <a:xfrm>
-            <a:off x="685800" y="2743200"/>
-            <a:ext cx="8229600" cy="4154984"/>
-          </a:xfrm>
-          <a:prstGeom prst="rect">
-            <a:avLst/>
-          </a:prstGeom>
-          <a:noFill/>
-        </p:spPr>
-        <p:txBody>
-          <a:bodyPr wrap="square" rtlCol="0">
-            <a:spAutoFit/>
-          </a:bodyPr>
-          <a:lstStyle/>
-          <a:p>
-            <a:r>
-              <a:rPr lang="en-US" sz="2400" dirty="0"/>
-              <a:t>Executing this </a:t>
-            </a:r>
-            <a:r>
-              <a:rPr lang="en-US" sz="2400" b="1" dirty="0">
-                <a:latin typeface="Consolas" pitchFamily="49" charset="0"/>
-                <a:cs typeface="Consolas" pitchFamily="49" charset="0"/>
-              </a:rPr>
-              <a:t>define-struct</a:t>
-            </a:r>
-            <a:r>
-              <a:rPr lang="en-US" sz="2400" dirty="0"/>
-              <a:t> defines the following functions:</a:t>
-            </a:r>
-          </a:p>
-          <a:p>
-            <a:endParaRPr lang="en-US" sz="2400" dirty="0"/>
-          </a:p>
-          <a:p>
-            <a:r>
-              <a:rPr lang="en-US" sz="2400" b="1" dirty="0">
-                <a:latin typeface="Consolas" pitchFamily="49" charset="0"/>
-                <a:cs typeface="Consolas" pitchFamily="49" charset="0"/>
-              </a:rPr>
-              <a:t>make-book</a:t>
-            </a:r>
-          </a:p>
-          <a:p>
-            <a:endParaRPr lang="en-US" sz="2400" dirty="0"/>
-          </a:p>
-          <a:p>
-            <a:r>
-              <a:rPr lang="en-US" sz="2400" b="1" dirty="0">
-                <a:latin typeface="Consolas" pitchFamily="49" charset="0"/>
-                <a:cs typeface="Consolas" pitchFamily="49" charset="0"/>
-              </a:rPr>
-              <a:t>book-author</a:t>
-            </a:r>
-          </a:p>
-          <a:p>
-            <a:r>
-              <a:rPr lang="en-US" sz="2400" b="1" dirty="0">
-                <a:latin typeface="Consolas" pitchFamily="49" charset="0"/>
-                <a:cs typeface="Consolas" pitchFamily="49" charset="0"/>
-              </a:rPr>
-              <a:t>book-title</a:t>
-            </a:r>
-          </a:p>
-          <a:p>
-            <a:r>
-              <a:rPr lang="en-US" sz="2400" b="1" dirty="0">
-                <a:latin typeface="Consolas" pitchFamily="49" charset="0"/>
-                <a:cs typeface="Consolas" pitchFamily="49" charset="0"/>
-              </a:rPr>
-              <a:t>book-on-hand</a:t>
-            </a:r>
-          </a:p>
-          <a:p>
-            <a:r>
-              <a:rPr lang="en-US" sz="2400" b="1" dirty="0">
-                <a:latin typeface="Consolas" pitchFamily="49" charset="0"/>
-                <a:cs typeface="Consolas" pitchFamily="49" charset="0"/>
-              </a:rPr>
-              <a:t>book-price</a:t>
-            </a:r>
-          </a:p>
-          <a:p>
-            <a:endParaRPr lang="en-US" sz="2400" b="1" dirty="0">
-              <a:latin typeface="Consolas" pitchFamily="49" charset="0"/>
-              <a:cs typeface="Consolas" pitchFamily="49" charset="0"/>
-            </a:endParaRPr>
-          </a:p>
-          <a:p>
-            <a:r>
-              <a:rPr lang="en-US" sz="2400" b="1" dirty="0">
-                <a:latin typeface="Consolas" pitchFamily="49" charset="0"/>
-                <a:cs typeface="Consolas" pitchFamily="49" charset="0"/>
-              </a:rPr>
-              <a:t>book?</a:t>
-            </a:r>
-          </a:p>
-          <a:p>
-            <a:pPr>
-              <a:buFont typeface="Arial" pitchFamily="34" charset="0"/>
-              <a:buChar char="•"/>
-            </a:pPr>
-            <a:endParaRPr lang="en-US" sz="2400" dirty="0"/>
-          </a:p>
-        </p:txBody>
-      </p:sp>
-      <p:sp>
-        <p:nvSpPr>
-          <p:cNvPr id="6" name="TextBox 5"/>
-          <p:cNvSpPr txBox="1"/>
-          <p:nvPr/>
-        </p:nvSpPr>
-        <p:spPr>
-          <a:xfrm>
-            <a:off x="3884406" y="3683576"/>
-            <a:ext cx="5029200" cy="646331"/>
-          </a:xfrm>
-          <a:prstGeom prst="rect">
-            <a:avLst/>
-          </a:prstGeom>
-          <a:ln/>
-        </p:spPr>
-        <p:style>
-          <a:lnRef idx="1">
-            <a:schemeClr val="accent1"/>
-          </a:lnRef>
-          <a:fillRef idx="2">
-            <a:schemeClr val="accent1"/>
-          </a:fillRef>
-          <a:effectRef idx="1">
-            <a:schemeClr val="accent1"/>
-          </a:effectRef>
-          <a:fontRef idx="minor">
-            <a:schemeClr val="dk1"/>
-          </a:fontRef>
-        </p:style>
-        <p:txBody>
-          <a:bodyPr wrap="square" rtlCol="0">
-            <a:spAutoFit/>
-          </a:bodyPr>
-          <a:lstStyle/>
-          <a:p>
-            <a:r>
-              <a:rPr lang="en-US" dirty="0"/>
-              <a:t>A constructor– GIVEN 4 arguments, </a:t>
-            </a:r>
-            <a:r>
-              <a:rPr lang="en-US" dirty="0">
-                <a:solidFill>
-                  <a:schemeClr val="tx1"/>
-                </a:solidFill>
-              </a:rPr>
-              <a:t>RETURNS</a:t>
-            </a:r>
-            <a:r>
-              <a:rPr lang="en-US" dirty="0"/>
-              <a:t> a </a:t>
-            </a:r>
-            <a:r>
-              <a:rPr lang="en-US" b="1" dirty="0">
-                <a:latin typeface="Consolas" pitchFamily="49" charset="0"/>
-                <a:cs typeface="Consolas" pitchFamily="49" charset="0"/>
-              </a:rPr>
-              <a:t>book</a:t>
-            </a:r>
-            <a:r>
-              <a:rPr lang="en-US" b="1" dirty="0">
-                <a:latin typeface="Courier New" pitchFamily="49" charset="0"/>
-                <a:cs typeface="Courier New" pitchFamily="49" charset="0"/>
-              </a:rPr>
-              <a:t> </a:t>
-            </a:r>
-            <a:r>
-              <a:rPr lang="en-US" dirty="0">
-                <a:cs typeface="Courier New" pitchFamily="49" charset="0"/>
-              </a:rPr>
-              <a:t>with the given fields</a:t>
-            </a:r>
-          </a:p>
-        </p:txBody>
-      </p:sp>
-      <p:cxnSp>
-        <p:nvCxnSpPr>
-          <p:cNvPr id="8" name="Straight Arrow Connector 7"/>
-          <p:cNvCxnSpPr>
-            <a:stCxn id="6" idx="1"/>
-          </p:cNvCxnSpPr>
-          <p:nvPr/>
-        </p:nvCxnSpPr>
-        <p:spPr>
-          <a:xfrm flipH="1" flipV="1">
-            <a:off x="2362200" y="3733801"/>
-            <a:ext cx="1522206" cy="272941"/>
-          </a:xfrm>
-          <a:prstGeom prst="straightConnector1">
-            <a:avLst/>
-          </a:prstGeom>
-          <a:ln>
-            <a:solidFill>
-              <a:schemeClr val="tx1"/>
-            </a:solidFill>
-            <a:tailEnd type="stealth" w="lg" len="lg"/>
-          </a:ln>
-        </p:spPr>
-        <p:style>
-          <a:lnRef idx="1">
-            <a:schemeClr val="accent1"/>
-          </a:lnRef>
-          <a:fillRef idx="0">
-            <a:schemeClr val="accent1"/>
-          </a:fillRef>
-          <a:effectRef idx="0">
-            <a:schemeClr val="accent1"/>
-          </a:effectRef>
-          <a:fontRef idx="minor">
-            <a:schemeClr val="tx1"/>
-          </a:fontRef>
-        </p:style>
-      </p:cxnSp>
-      <p:sp>
-        <p:nvSpPr>
-          <p:cNvPr id="9" name="TextBox 8"/>
-          <p:cNvSpPr txBox="1"/>
-          <p:nvPr/>
-        </p:nvSpPr>
-        <p:spPr>
-          <a:xfrm>
-            <a:off x="3886200" y="4875888"/>
-            <a:ext cx="5029200" cy="646331"/>
-          </a:xfrm>
-          <a:prstGeom prst="rect">
-            <a:avLst/>
-          </a:prstGeom>
-          <a:ln/>
-        </p:spPr>
-        <p:style>
-          <a:lnRef idx="1">
-            <a:schemeClr val="accent1"/>
-          </a:lnRef>
-          <a:fillRef idx="2">
-            <a:schemeClr val="accent1"/>
-          </a:fillRef>
-          <a:effectRef idx="1">
-            <a:schemeClr val="accent1"/>
-          </a:effectRef>
-          <a:fontRef idx="minor">
-            <a:schemeClr val="dk1"/>
-          </a:fontRef>
-        </p:style>
-        <p:txBody>
-          <a:bodyPr wrap="square" rtlCol="0">
-            <a:spAutoFit/>
-          </a:bodyPr>
-          <a:lstStyle/>
-          <a:p>
-            <a:r>
-              <a:rPr lang="en-US"/>
-              <a:t>Selectors: </a:t>
-            </a:r>
-            <a:r>
-              <a:rPr lang="en-US" dirty="0"/>
-              <a:t>GIVEN: a </a:t>
-            </a:r>
-            <a:r>
-              <a:rPr lang="en-US" b="1" dirty="0">
-                <a:latin typeface="Consolas" pitchFamily="49" charset="0"/>
-                <a:cs typeface="Consolas" pitchFamily="49" charset="0"/>
-              </a:rPr>
-              <a:t>book</a:t>
-            </a:r>
-            <a:r>
-              <a:rPr lang="en-US" dirty="0"/>
-              <a:t>, RETURNS: the value of the indicated field.</a:t>
-            </a:r>
-          </a:p>
-        </p:txBody>
-      </p:sp>
-      <p:cxnSp>
-        <p:nvCxnSpPr>
-          <p:cNvPr id="12" name="Straight Arrow Connector 11"/>
-          <p:cNvCxnSpPr>
-            <a:stCxn id="9" idx="1"/>
-            <a:endCxn id="22" idx="1"/>
-          </p:cNvCxnSpPr>
-          <p:nvPr/>
-        </p:nvCxnSpPr>
-        <p:spPr>
-          <a:xfrm flipH="1" flipV="1">
-            <a:off x="3060933" y="4992200"/>
-            <a:ext cx="825267" cy="206854"/>
-          </a:xfrm>
-          <a:prstGeom prst="straightConnector1">
-            <a:avLst/>
-          </a:prstGeom>
-          <a:ln>
-            <a:solidFill>
-              <a:schemeClr val="tx1"/>
-            </a:solidFill>
-            <a:tailEnd type="stealth" w="lg" len="lg"/>
-          </a:ln>
-        </p:spPr>
-        <p:style>
-          <a:lnRef idx="1">
-            <a:schemeClr val="accent1"/>
-          </a:lnRef>
-          <a:fillRef idx="0">
-            <a:schemeClr val="accent1"/>
-          </a:fillRef>
-          <a:effectRef idx="0">
-            <a:schemeClr val="accent1"/>
-          </a:effectRef>
-          <a:fontRef idx="minor">
-            <a:schemeClr val="tx1"/>
-          </a:fontRef>
-        </p:style>
-      </p:cxnSp>
-      <p:sp>
-        <p:nvSpPr>
-          <p:cNvPr id="21" name="TextBox 20"/>
-          <p:cNvSpPr txBox="1"/>
-          <p:nvPr/>
-        </p:nvSpPr>
-        <p:spPr>
-          <a:xfrm>
-            <a:off x="3886200" y="5791200"/>
-            <a:ext cx="5029200" cy="646331"/>
-          </a:xfrm>
-          <a:prstGeom prst="rect">
-            <a:avLst/>
-          </a:prstGeom>
-          <a:ln/>
-        </p:spPr>
-        <p:style>
-          <a:lnRef idx="1">
-            <a:schemeClr val="accent1"/>
-          </a:lnRef>
-          <a:fillRef idx="2">
-            <a:schemeClr val="accent1"/>
-          </a:fillRef>
-          <a:effectRef idx="1">
-            <a:schemeClr val="accent1"/>
-          </a:effectRef>
-          <a:fontRef idx="minor">
-            <a:schemeClr val="dk1"/>
-          </a:fontRef>
-        </p:style>
-        <p:txBody>
-          <a:bodyPr wrap="square" rtlCol="0">
-            <a:spAutoFit/>
-          </a:bodyPr>
-          <a:lstStyle/>
-          <a:p>
-            <a:r>
-              <a:rPr lang="en-US" dirty="0"/>
-              <a:t>A Predicate: GIVEN: any value, RETURNS: true </a:t>
-            </a:r>
-            <a:r>
-              <a:rPr lang="en-US" dirty="0" err="1"/>
-              <a:t>iff</a:t>
-            </a:r>
-            <a:r>
-              <a:rPr lang="en-US" dirty="0"/>
-              <a:t> it is a </a:t>
-            </a:r>
-            <a:r>
-              <a:rPr lang="en-US" b="1" dirty="0">
-                <a:latin typeface="Consolas" pitchFamily="49" charset="0"/>
-                <a:cs typeface="Consolas" pitchFamily="49" charset="0"/>
-              </a:rPr>
-              <a:t>book</a:t>
-            </a:r>
-          </a:p>
-        </p:txBody>
-      </p:sp>
-      <p:cxnSp>
-        <p:nvCxnSpPr>
-          <p:cNvPr id="23" name="Straight Arrow Connector 22"/>
-          <p:cNvCxnSpPr>
-            <a:stCxn id="21" idx="1"/>
-          </p:cNvCxnSpPr>
-          <p:nvPr/>
-        </p:nvCxnSpPr>
-        <p:spPr>
-          <a:xfrm flipH="1">
-            <a:off x="1828800" y="6114366"/>
-            <a:ext cx="2057400" cy="134034"/>
-          </a:xfrm>
-          <a:prstGeom prst="straightConnector1">
-            <a:avLst/>
-          </a:prstGeom>
-          <a:ln>
-            <a:solidFill>
-              <a:schemeClr val="tx1"/>
-            </a:solidFill>
-            <a:tailEnd type="stealth" w="lg" len="lg"/>
-          </a:ln>
-        </p:spPr>
-        <p:style>
-          <a:lnRef idx="1">
-            <a:schemeClr val="accent1"/>
-          </a:lnRef>
-          <a:fillRef idx="0">
-            <a:schemeClr val="accent1"/>
-          </a:fillRef>
-          <a:effectRef idx="0">
-            <a:schemeClr val="accent1"/>
-          </a:effectRef>
-          <a:fontRef idx="minor">
-            <a:schemeClr val="tx1"/>
-          </a:fontRef>
-        </p:style>
-      </p:cxnSp>
-      <p:sp>
-        <p:nvSpPr>
-          <p:cNvPr id="3" name="Slide Number Placeholder 2"/>
+              <a:t>This is like a struct or record in other languages.</a:t>
+            </a:r>
+          </a:p>
+          <a:p>
+            <a:r>
+              <a:rPr lang="en-US" dirty="0"/>
+              <a:t>For the interpretation, we need to give an interpretation to each of the fields.</a:t>
+            </a:r>
+          </a:p>
+        </p:txBody>
+      </p:sp>
+      <p:sp>
+        <p:nvSpPr>
+          <p:cNvPr id="4" name="Slide Number Placeholder 3"/>
           <p:cNvSpPr>
             <a:spLocks noGrp="1"/>
           </p:cNvSpPr>
@@ -11582,58 +11428,10 @@
           </a:p>
         </p:txBody>
       </p:sp>
-      <p:sp>
-        <p:nvSpPr>
-          <p:cNvPr id="22" name="Right Brace 21"/>
-          <p:cNvSpPr/>
-          <p:nvPr/>
-        </p:nvSpPr>
-        <p:spPr>
-          <a:xfrm>
-            <a:off x="2832333" y="4375664"/>
-            <a:ext cx="228600" cy="1263135"/>
-          </a:xfrm>
-          <a:prstGeom prst="rightBrace">
-            <a:avLst>
-              <a:gd name="adj1" fmla="val 45833"/>
-              <a:gd name="adj2" fmla="val 48810"/>
-            </a:avLst>
-          </a:prstGeom>
-          <a:ln w="12700">
-            <a:solidFill>
-              <a:schemeClr val="tx1"/>
-            </a:solidFill>
-            <a:headEnd type="none" w="med" len="med"/>
-            <a:tailEnd type="none" w="med" len="med"/>
-          </a:ln>
-        </p:spPr>
-        <p:style>
-          <a:lnRef idx="1">
-            <a:schemeClr val="accent1"/>
-          </a:lnRef>
-          <a:fillRef idx="0">
-            <a:schemeClr val="accent1"/>
-          </a:fillRef>
-          <a:effectRef idx="0">
-            <a:schemeClr val="accent1"/>
-          </a:effectRef>
-          <a:fontRef idx="minor">
-            <a:schemeClr val="tx1"/>
-          </a:fontRef>
-        </p:style>
-        <p:txBody>
-          <a:bodyPr rtlCol="0" anchor="ctr"/>
-          <a:lstStyle/>
-          <a:p>
-            <a:pPr algn="ctr"/>
-            <a:endParaRPr lang="en-US"/>
-          </a:p>
-        </p:txBody>
-      </p:sp>
     </p:spTree>
     <p:extLst>
       <p:ext uri="{BB962C8B-B14F-4D97-AF65-F5344CB8AC3E}">
-        <p14:creationId xmlns:p14="http://schemas.microsoft.com/office/powerpoint/2010/main" val="2127721199"/>
+        <p14:creationId xmlns:p14="http://schemas.microsoft.com/office/powerpoint/2010/main" val="1319152124"/>
       </p:ext>
     </p:extLst>
   </p:cSld>
@@ -11677,7 +11475,7 @@
           <a:p>
             <a:r>
               <a:rPr lang="en-US" dirty="0"/>
-              <a:t>DDR Step 3. Constructor Template</a:t>
+              <a:t>Example:</a:t>
             </a:r>
           </a:p>
         </p:txBody>
@@ -11692,23 +11490,172 @@
             <p:ph idx="1"/>
           </p:nvPr>
         </p:nvSpPr>
-        <p:spPr/>
-        <p:txBody>
-          <a:bodyPr/>
-          <a:lstStyle/>
-          <a:p>
-            <a:r>
-              <a:rPr lang="en-US" dirty="0"/>
-              <a:t>Tells how to construct a value of this type.</a:t>
-            </a:r>
-          </a:p>
-          <a:p>
-            <a:r>
-              <a:rPr lang="en-US" dirty="0"/>
-              <a:t>We’ll start with the most general case– mixed data– and then see how the others are special cases.</a:t>
-            </a:r>
-          </a:p>
-          <a:p>
+        <p:spPr>
+          <a:xfrm>
+            <a:off x="457200" y="1600200"/>
+            <a:ext cx="8458200" cy="4525963"/>
+          </a:xfrm>
+        </p:spPr>
+        <p:txBody>
+          <a:bodyPr>
+            <a:normAutofit fontScale="77500" lnSpcReduction="20000"/>
+          </a:bodyPr>
+          <a:lstStyle/>
+          <a:p>
+            <a:pPr>
+              <a:spcBef>
+                <a:spcPts val="0"/>
+              </a:spcBef>
+            </a:pPr>
+            <a:r>
+              <a:rPr lang="en-US" dirty="0"/>
+              <a:t>;; A Book in a bookstore</a:t>
+            </a:r>
+          </a:p>
+          <a:p>
+            <a:pPr>
+              <a:spcBef>
+                <a:spcPts val="0"/>
+              </a:spcBef>
+            </a:pPr>
+            <a:endParaRPr lang="en-US" dirty="0"/>
+          </a:p>
+          <a:p>
+            <a:pPr>
+              <a:spcBef>
+                <a:spcPts val="0"/>
+              </a:spcBef>
+            </a:pPr>
+            <a:r>
+              <a:rPr lang="en-US" dirty="0"/>
+              <a:t>;; REPRESENTATION:</a:t>
+            </a:r>
+          </a:p>
+          <a:p>
+            <a:pPr>
+              <a:spcBef>
+                <a:spcPts val="0"/>
+              </a:spcBef>
+            </a:pPr>
+            <a:r>
+              <a:rPr lang="en-US" dirty="0"/>
+              <a:t>;; a Book is represented as a struct </a:t>
+            </a:r>
+          </a:p>
+          <a:p>
+            <a:pPr>
+              <a:spcBef>
+                <a:spcPts val="0"/>
+              </a:spcBef>
+            </a:pPr>
+            <a:r>
+              <a:rPr lang="en-US" dirty="0"/>
+              <a:t>;;    (make-book author title on-hand price)</a:t>
+            </a:r>
+          </a:p>
+          <a:p>
+            <a:pPr>
+              <a:spcBef>
+                <a:spcPts val="0"/>
+              </a:spcBef>
+            </a:pPr>
+            <a:r>
+              <a:rPr lang="en-US" dirty="0"/>
+              <a:t>;; with the following fields:</a:t>
+            </a:r>
+          </a:p>
+          <a:p>
+            <a:pPr>
+              <a:spcBef>
+                <a:spcPts val="0"/>
+              </a:spcBef>
+            </a:pPr>
+            <a:r>
+              <a:rPr lang="en-US" dirty="0"/>
+              <a:t>;; author : String     is the author's name</a:t>
+            </a:r>
+          </a:p>
+          <a:p>
+            <a:pPr>
+              <a:spcBef>
+                <a:spcPts val="0"/>
+              </a:spcBef>
+            </a:pPr>
+            <a:r>
+              <a:rPr lang="en-US" dirty="0"/>
+              <a:t>;; title  : String     is the title of the book</a:t>
+            </a:r>
+          </a:p>
+          <a:p>
+            <a:pPr>
+              <a:spcBef>
+                <a:spcPts val="0"/>
+              </a:spcBef>
+            </a:pPr>
+            <a:r>
+              <a:rPr lang="en-US" dirty="0"/>
+              <a:t>;; on-hand : </a:t>
+            </a:r>
+            <a:r>
+              <a:rPr lang="en-US" dirty="0" err="1"/>
+              <a:t>NonNegInt</a:t>
+            </a:r>
+            <a:r>
+              <a:rPr lang="en-US" dirty="0"/>
+              <a:t> is the number of copies</a:t>
+            </a:r>
+          </a:p>
+          <a:p>
+            <a:pPr>
+              <a:spcBef>
+                <a:spcPts val="0"/>
+              </a:spcBef>
+            </a:pPr>
+            <a:r>
+              <a:rPr lang="en-US" dirty="0"/>
+              <a:t>;;                     on hand</a:t>
+            </a:r>
+          </a:p>
+          <a:p>
+            <a:pPr>
+              <a:spcBef>
+                <a:spcPts val="0"/>
+              </a:spcBef>
+            </a:pPr>
+            <a:r>
+              <a:rPr lang="en-US" dirty="0"/>
+              <a:t>;; price   : </a:t>
+            </a:r>
+            <a:r>
+              <a:rPr lang="en-US" dirty="0" err="1"/>
+              <a:t>NonNegInt</a:t>
+            </a:r>
+            <a:r>
+              <a:rPr lang="en-US" dirty="0"/>
+              <a:t> is the price of the book</a:t>
+            </a:r>
+          </a:p>
+          <a:p>
+            <a:pPr>
+              <a:spcBef>
+                <a:spcPts val="0"/>
+              </a:spcBef>
+            </a:pPr>
+            <a:r>
+              <a:rPr lang="en-US" dirty="0"/>
+              <a:t>;;                     in USD*100</a:t>
+            </a:r>
+          </a:p>
+          <a:p>
+            <a:pPr>
+              <a:spcBef>
+                <a:spcPts val="0"/>
+              </a:spcBef>
+            </a:pPr>
+            <a:r>
+              <a:rPr lang="en-US" dirty="0"/>
+              <a:t>;;                     (e.g. $7.95 =&gt; 795)</a:t>
+            </a:r>
             <a:endParaRPr lang="en-US" dirty="0"/>
           </a:p>
         </p:txBody>
@@ -11733,14 +11680,14 @@
               <a:pPr/>
               <a:t>9</a:t>
             </a:fld>
-            <a:endParaRPr lang="en-US"/>
+            <a:endParaRPr lang="en-US" dirty="0"/>
           </a:p>
         </p:txBody>
       </p:sp>
     </p:spTree>
     <p:extLst>
       <p:ext uri="{BB962C8B-B14F-4D97-AF65-F5344CB8AC3E}">
-        <p14:creationId xmlns:p14="http://schemas.microsoft.com/office/powerpoint/2010/main" val="1666278543"/>
+        <p14:creationId xmlns:p14="http://schemas.microsoft.com/office/powerpoint/2010/main" val="4225104848"/>
       </p:ext>
     </p:extLst>
   </p:cSld>
@@ -12030,7 +11977,26 @@
       </a:bgFillStyleLst>
     </a:fmtScheme>
   </a:themeElements>
-  <a:objectDefaults/>
+  <a:objectDefaults>
+    <a:txDef>
+      <a:spPr>
+        <a:solidFill>
+          <a:schemeClr val="accent1">
+            <a:lumMod val="20000"/>
+            <a:lumOff val="80000"/>
+          </a:schemeClr>
+        </a:solidFill>
+      </a:spPr>
+      <a:bodyPr wrap="square" rtlCol="0">
+        <a:spAutoFit/>
+      </a:bodyPr>
+      <a:lstStyle>
+        <a:defPPr>
+          <a:defRPr dirty="0" err="1" smtClean="0"/>
+        </a:defPPr>
+      </a:lstStyle>
+    </a:txDef>
+  </a:objectDefaults>
   <a:extraClrSchemeLst/>
 </a:theme>
 </file>

--- a/Slides/Lesson 1.3 The Data Design Recipe.pptx
+++ b/Slides/Lesson 1.3 The Data Design Recipe.pptx
@@ -4597,7 +4597,17 @@
           <a:p>
             <a:r>
               <a:rPr lang="en-US" dirty="0"/>
-              <a:t>;; A Rocket is represented as a struct (make-rocket altitude velocity)</a:t>
+              <a:t>;; A Rocket is represented as a struct </a:t>
+            </a:r>
+          </a:p>
+          <a:p>
+            <a:r>
+              <a:rPr lang="en-US"/>
+              <a:t>;;   (</a:t>
+            </a:r>
+            <a:r>
+              <a:rPr lang="en-US" dirty="0"/>
+              <a:t>make-rocket altitude velocity)</a:t>
             </a:r>
           </a:p>
           <a:p>
@@ -4617,7 +4627,6 @@
               <a:rPr lang="en-US" dirty="0"/>
               <a:t>;; velocity : Velocity  is the rocket's velocity</a:t>
             </a:r>
-            <a:endParaRPr lang="en-US" dirty="0"/>
           </a:p>
         </p:txBody>
       </p:sp>
@@ -6487,7 +6496,6 @@
               <a:rPr lang="en-US" dirty="0"/>
               <a:t>)</a:t>
             </a:r>
-            <a:endParaRPr lang="en-US" dirty="0"/>
           </a:p>
         </p:txBody>
       </p:sp>
@@ -7528,7 +7536,6 @@
               <a:rPr lang="en-US" dirty="0"/>
               <a:t> in [1800,2100]</a:t>
             </a:r>
-            <a:endParaRPr lang="en-US" dirty="0"/>
           </a:p>
         </p:txBody>
       </p:sp>
@@ -7929,7 +7936,6 @@
               <a:rPr lang="en-US" dirty="0"/>
               <a:t>    [(= s 30) ...]))</a:t>
             </a:r>
-            <a:endParaRPr lang="en-US" dirty="0"/>
           </a:p>
         </p:txBody>
       </p:sp>
@@ -8988,7 +8994,6 @@
               <a:rPr lang="en-US" dirty="0"/>
               <a:t>, you MUST write "any string will do".</a:t>
             </a:r>
-            <a:endParaRPr lang="en-US" dirty="0"/>
           </a:p>
         </p:txBody>
       </p:sp>
@@ -9031,7 +9036,6 @@
               <a:rPr lang="en-US" dirty="0"/>
               <a:t> further.	</a:t>
             </a:r>
-            <a:endParaRPr lang="en-US" dirty="0"/>
           </a:p>
         </p:txBody>
       </p:sp>
@@ -9766,7 +9770,6 @@
               <a:rPr lang="en-US" sz="1200" dirty="0"/>
               <a:t>    [(tea-order?    order) ...]))</a:t>
             </a:r>
-            <a:endParaRPr lang="en-US" sz="1200" dirty="0"/>
           </a:p>
         </p:txBody>
       </p:sp>
@@ -10257,7 +10260,6 @@
               <a:rPr lang="en-US" dirty="0"/>
               <a:t>    [(tea-order?    order) (yet-another-function order)]))</a:t>
             </a:r>
-            <a:endParaRPr lang="en-US" dirty="0"/>
           </a:p>
         </p:txBody>
       </p:sp>
@@ -11656,7 +11658,6 @@
               <a:rPr lang="en-US" dirty="0"/>
               <a:t>;;                     (e.g. $7.95 =&gt; 795)</a:t>
             </a:r>
-            <a:endParaRPr lang="en-US" dirty="0"/>
           </a:p>
         </p:txBody>
       </p:sp>

--- a/Slides/Lesson 1.3 The Data Design Recipe.pptx
+++ b/Slides/Lesson 1.3 The Data Design Recipe.pptx
@@ -4602,12 +4602,8 @@
           </a:p>
           <a:p>
             <a:r>
-              <a:rPr lang="en-US"/>
-              <a:t>;;   (</a:t>
-            </a:r>
-            <a:r>
-              <a:rPr lang="en-US" dirty="0"/>
-              <a:t>make-rocket altitude velocity)</a:t>
+              <a:rPr lang="en-US" dirty="0"/>
+              <a:t>;;   (make-rocket altitude velocity)</a:t>
             </a:r>
           </a:p>
           <a:p>
@@ -6787,6 +6783,115 @@
               <a:t>17</a:t>
             </a:fld>
             <a:endParaRPr lang="en-US" dirty="0"/>
+          </a:p>
+        </p:txBody>
+      </p:sp>
+      <p:sp>
+        <p:nvSpPr>
+          <p:cNvPr id="5" name="TextBox 4"/>
+          <p:cNvSpPr txBox="1"/>
+          <p:nvPr/>
+        </p:nvSpPr>
+        <p:spPr>
+          <a:xfrm>
+            <a:off x="3962400" y="4672718"/>
+            <a:ext cx="3276600" cy="923330"/>
+          </a:xfrm>
+          <a:prstGeom prst="rect">
+            <a:avLst/>
+          </a:prstGeom>
+          <a:solidFill>
+            <a:schemeClr val="accent1">
+              <a:lumMod val="20000"/>
+              <a:lumOff val="80000"/>
+            </a:schemeClr>
+          </a:solidFill>
+        </p:spPr>
+        <p:txBody>
+          <a:bodyPr wrap="square" rtlCol="0">
+            <a:spAutoFit/>
+          </a:bodyPr>
+          <a:lstStyle/>
+          <a:p>
+            <a:r>
+              <a:rPr lang="en-US" dirty="0"/>
+              <a:t>We can fill in the ... with any expression, using any or all of the expressions in the inventory.</a:t>
+            </a:r>
+          </a:p>
+        </p:txBody>
+      </p:sp>
+      <p:sp>
+        <p:nvSpPr>
+          <p:cNvPr id="6" name="Right Brace 5"/>
+          <p:cNvSpPr/>
+          <p:nvPr/>
+        </p:nvSpPr>
+        <p:spPr>
+          <a:xfrm>
+            <a:off x="3733800" y="3124200"/>
+            <a:ext cx="228600" cy="1371600"/>
+          </a:xfrm>
+          <a:prstGeom prst="rightBrace">
+            <a:avLst>
+              <a:gd name="adj1" fmla="val 33333"/>
+              <a:gd name="adj2" fmla="val 50000"/>
+            </a:avLst>
+          </a:prstGeom>
+        </p:spPr>
+        <p:style>
+          <a:lnRef idx="1">
+            <a:schemeClr val="accent1"/>
+          </a:lnRef>
+          <a:fillRef idx="0">
+            <a:schemeClr val="accent1"/>
+          </a:fillRef>
+          <a:effectRef idx="0">
+            <a:schemeClr val="accent1"/>
+          </a:effectRef>
+          <a:fontRef idx="minor">
+            <a:schemeClr val="tx1"/>
+          </a:fontRef>
+        </p:style>
+        <p:txBody>
+          <a:bodyPr rtlCol="0" anchor="ctr"/>
+          <a:lstStyle/>
+          <a:p>
+            <a:pPr algn="ctr"/>
+            <a:endParaRPr lang="en-US"/>
+          </a:p>
+        </p:txBody>
+      </p:sp>
+      <p:sp>
+        <p:nvSpPr>
+          <p:cNvPr id="7" name="TextBox 6"/>
+          <p:cNvSpPr txBox="1"/>
+          <p:nvPr/>
+        </p:nvSpPr>
+        <p:spPr>
+          <a:xfrm>
+            <a:off x="3973689" y="3348335"/>
+            <a:ext cx="2590800" cy="923330"/>
+          </a:xfrm>
+          <a:prstGeom prst="rect">
+            <a:avLst/>
+          </a:prstGeom>
+          <a:solidFill>
+            <a:schemeClr val="accent1">
+              <a:lumMod val="20000"/>
+              <a:lumOff val="80000"/>
+            </a:schemeClr>
+          </a:solidFill>
+        </p:spPr>
+        <p:txBody>
+          <a:bodyPr wrap="square" rtlCol="0">
+            <a:spAutoFit/>
+          </a:bodyPr>
+          <a:lstStyle/>
+          <a:p>
+            <a:r>
+              <a:rPr lang="en-US" dirty="0"/>
+              <a:t>This is an inventory of the quantities we can use to construct the answer.</a:t>
+            </a:r>
           </a:p>
         </p:txBody>
       </p:sp>

--- a/Slides/Lesson 1.3 The Data Design Recipe.pptx
+++ b/Slides/Lesson 1.3 The Data Design Recipe.pptx
@@ -5,7 +5,7 @@
     <p:sldMasterId id="2147483648" r:id="rId1"/>
   </p:sldMasterIdLst>
   <p:notesMasterIdLst>
-    <p:notesMasterId r:id="rId35"/>
+    <p:notesMasterId r:id="rId37"/>
   </p:notesMasterIdLst>
   <p:sldIdLst>
     <p:sldId id="378" r:id="rId2"/>
@@ -38,9 +38,11 @@
     <p:sldId id="437" r:id="rId29"/>
     <p:sldId id="441" r:id="rId30"/>
     <p:sldId id="442" r:id="rId31"/>
-    <p:sldId id="415" r:id="rId32"/>
-    <p:sldId id="416" r:id="rId33"/>
-    <p:sldId id="417" r:id="rId34"/>
+    <p:sldId id="443" r:id="rId32"/>
+    <p:sldId id="444" r:id="rId33"/>
+    <p:sldId id="415" r:id="rId34"/>
+    <p:sldId id="416" r:id="rId35"/>
+    <p:sldId id="417" r:id="rId36"/>
   </p:sldIdLst>
   <p:sldSz cx="9144000" cy="6858000" type="screen4x3"/>
   <p:notesSz cx="6858000" cy="9144000"/>
@@ -174,6 +176,8 @@
             <p14:sldId id="437"/>
             <p14:sldId id="441"/>
             <p14:sldId id="442"/>
+            <p14:sldId id="443"/>
+            <p14:sldId id="444"/>
             <p14:sldId id="415"/>
             <p14:sldId id="416"/>
             <p14:sldId id="417"/>
@@ -199,6 +203,3875 @@
 </p:presentation>
 </file>
 
+<file path=ppt/diagrams/colors1.xml><?xml version="1.0" encoding="utf-8"?>
+<dgm:colorsDef xmlns:dgm="http://schemas.openxmlformats.org/drawingml/2006/diagram" xmlns:a="http://schemas.openxmlformats.org/drawingml/2006/main" uniqueId="urn:microsoft.com/office/officeart/2005/8/colors/accent0_1">
+  <dgm:title val=""/>
+  <dgm:desc val=""/>
+  <dgm:catLst>
+    <dgm:cat type="mainScheme" pri="10100"/>
+  </dgm:catLst>
+  <dgm:styleLbl name="node0">
+    <dgm:fillClrLst meth="repeat">
+      <a:schemeClr val="lt1"/>
+    </dgm:fillClrLst>
+    <dgm:linClrLst meth="repeat">
+      <a:schemeClr val="dk1">
+        <a:shade val="80000"/>
+      </a:schemeClr>
+    </dgm:linClrLst>
+    <dgm:effectClrLst/>
+    <dgm:txLinClrLst/>
+    <dgm:txFillClrLst meth="repeat">
+      <a:schemeClr val="dk1"/>
+    </dgm:txFillClrLst>
+    <dgm:txEffectClrLst/>
+  </dgm:styleLbl>
+  <dgm:styleLbl name="node1">
+    <dgm:fillClrLst meth="repeat">
+      <a:schemeClr val="lt1"/>
+    </dgm:fillClrLst>
+    <dgm:linClrLst meth="repeat">
+      <a:schemeClr val="dk1">
+        <a:shade val="80000"/>
+      </a:schemeClr>
+    </dgm:linClrLst>
+    <dgm:effectClrLst/>
+    <dgm:txLinClrLst/>
+    <dgm:txFillClrLst meth="repeat">
+      <a:schemeClr val="dk1"/>
+    </dgm:txFillClrLst>
+    <dgm:txEffectClrLst/>
+  </dgm:styleLbl>
+  <dgm:styleLbl name="alignNode1">
+    <dgm:fillClrLst meth="repeat">
+      <a:schemeClr val="lt1"/>
+    </dgm:fillClrLst>
+    <dgm:linClrLst meth="repeat">
+      <a:schemeClr val="dk1">
+        <a:shade val="80000"/>
+      </a:schemeClr>
+    </dgm:linClrLst>
+    <dgm:effectClrLst/>
+    <dgm:txLinClrLst/>
+    <dgm:txFillClrLst meth="repeat">
+      <a:schemeClr val="dk1"/>
+    </dgm:txFillClrLst>
+    <dgm:txEffectClrLst/>
+  </dgm:styleLbl>
+  <dgm:styleLbl name="lnNode1">
+    <dgm:fillClrLst meth="repeat">
+      <a:schemeClr val="lt1"/>
+    </dgm:fillClrLst>
+    <dgm:linClrLst meth="repeat">
+      <a:schemeClr val="dk1">
+        <a:shade val="80000"/>
+      </a:schemeClr>
+    </dgm:linClrLst>
+    <dgm:effectClrLst/>
+    <dgm:txLinClrLst/>
+    <dgm:txFillClrLst meth="repeat">
+      <a:schemeClr val="dk1"/>
+    </dgm:txFillClrLst>
+    <dgm:txEffectClrLst/>
+  </dgm:styleLbl>
+  <dgm:styleLbl name="vennNode1">
+    <dgm:fillClrLst meth="repeat">
+      <a:schemeClr val="lt1">
+        <a:alpha val="50000"/>
+      </a:schemeClr>
+    </dgm:fillClrLst>
+    <dgm:linClrLst meth="repeat">
+      <a:schemeClr val="dk1">
+        <a:shade val="80000"/>
+      </a:schemeClr>
+    </dgm:linClrLst>
+    <dgm:effectClrLst/>
+    <dgm:txLinClrLst/>
+    <dgm:txFillClrLst/>
+    <dgm:txEffectClrLst/>
+  </dgm:styleLbl>
+  <dgm:styleLbl name="node2">
+    <dgm:fillClrLst meth="repeat">
+      <a:schemeClr val="lt1"/>
+    </dgm:fillClrLst>
+    <dgm:linClrLst meth="repeat">
+      <a:schemeClr val="dk1">
+        <a:shade val="80000"/>
+      </a:schemeClr>
+    </dgm:linClrLst>
+    <dgm:effectClrLst/>
+    <dgm:txLinClrLst/>
+    <dgm:txFillClrLst meth="repeat">
+      <a:schemeClr val="dk1"/>
+    </dgm:txFillClrLst>
+    <dgm:txEffectClrLst/>
+  </dgm:styleLbl>
+  <dgm:styleLbl name="node3">
+    <dgm:fillClrLst meth="repeat">
+      <a:schemeClr val="lt1"/>
+    </dgm:fillClrLst>
+    <dgm:linClrLst meth="repeat">
+      <a:schemeClr val="dk1">
+        <a:shade val="80000"/>
+      </a:schemeClr>
+    </dgm:linClrLst>
+    <dgm:effectClrLst/>
+    <dgm:txLinClrLst/>
+    <dgm:txFillClrLst meth="repeat">
+      <a:schemeClr val="dk1"/>
+    </dgm:txFillClrLst>
+    <dgm:txEffectClrLst/>
+  </dgm:styleLbl>
+  <dgm:styleLbl name="node4">
+    <dgm:fillClrLst meth="repeat">
+      <a:schemeClr val="lt1"/>
+    </dgm:fillClrLst>
+    <dgm:linClrLst meth="repeat">
+      <a:schemeClr val="dk1">
+        <a:shade val="80000"/>
+      </a:schemeClr>
+    </dgm:linClrLst>
+    <dgm:effectClrLst/>
+    <dgm:txLinClrLst/>
+    <dgm:txFillClrLst meth="repeat">
+      <a:schemeClr val="dk1"/>
+    </dgm:txFillClrLst>
+    <dgm:txEffectClrLst/>
+  </dgm:styleLbl>
+  <dgm:styleLbl name="fgImgPlace1">
+    <dgm:fillClrLst meth="repeat">
+      <a:schemeClr val="dk1">
+        <a:tint val="40000"/>
+      </a:schemeClr>
+    </dgm:fillClrLst>
+    <dgm:linClrLst meth="repeat">
+      <a:schemeClr val="dk1">
+        <a:shade val="80000"/>
+      </a:schemeClr>
+    </dgm:linClrLst>
+    <dgm:effectClrLst/>
+    <dgm:txLinClrLst/>
+    <dgm:txFillClrLst meth="repeat">
+      <a:schemeClr val="lt1"/>
+    </dgm:txFillClrLst>
+    <dgm:txEffectClrLst/>
+  </dgm:styleLbl>
+  <dgm:styleLbl name="alignImgPlace1">
+    <dgm:fillClrLst meth="repeat">
+      <a:schemeClr val="dk1">
+        <a:tint val="40000"/>
+      </a:schemeClr>
+    </dgm:fillClrLst>
+    <dgm:linClrLst meth="repeat">
+      <a:schemeClr val="dk1">
+        <a:shade val="80000"/>
+      </a:schemeClr>
+    </dgm:linClrLst>
+    <dgm:effectClrLst/>
+    <dgm:txLinClrLst/>
+    <dgm:txFillClrLst meth="repeat">
+      <a:schemeClr val="lt1"/>
+    </dgm:txFillClrLst>
+    <dgm:txEffectClrLst/>
+  </dgm:styleLbl>
+  <dgm:styleLbl name="bgImgPlace1">
+    <dgm:fillClrLst meth="repeat">
+      <a:schemeClr val="dk1">
+        <a:tint val="40000"/>
+      </a:schemeClr>
+    </dgm:fillClrLst>
+    <dgm:linClrLst meth="repeat">
+      <a:schemeClr val="dk1">
+        <a:shade val="80000"/>
+      </a:schemeClr>
+    </dgm:linClrLst>
+    <dgm:effectClrLst/>
+    <dgm:txLinClrLst/>
+    <dgm:txFillClrLst meth="repeat">
+      <a:schemeClr val="lt1"/>
+    </dgm:txFillClrLst>
+    <dgm:txEffectClrLst/>
+  </dgm:styleLbl>
+  <dgm:styleLbl name="sibTrans2D1">
+    <dgm:fillClrLst meth="repeat">
+      <a:schemeClr val="dk1">
+        <a:tint val="60000"/>
+      </a:schemeClr>
+    </dgm:fillClrLst>
+    <dgm:linClrLst meth="repeat">
+      <a:schemeClr val="dk1">
+        <a:tint val="60000"/>
+      </a:schemeClr>
+    </dgm:linClrLst>
+    <dgm:effectClrLst/>
+    <dgm:txLinClrLst/>
+    <dgm:txFillClrLst meth="repeat">
+      <a:schemeClr val="dk1"/>
+    </dgm:txFillClrLst>
+    <dgm:txEffectClrLst/>
+  </dgm:styleLbl>
+  <dgm:styleLbl name="fgSibTrans2D1">
+    <dgm:fillClrLst meth="repeat">
+      <a:schemeClr val="dk1">
+        <a:tint val="60000"/>
+      </a:schemeClr>
+    </dgm:fillClrLst>
+    <dgm:linClrLst meth="repeat">
+      <a:schemeClr val="dk1">
+        <a:tint val="60000"/>
+      </a:schemeClr>
+    </dgm:linClrLst>
+    <dgm:effectClrLst/>
+    <dgm:txLinClrLst/>
+    <dgm:txFillClrLst meth="repeat">
+      <a:schemeClr val="dk1"/>
+    </dgm:txFillClrLst>
+    <dgm:txEffectClrLst/>
+  </dgm:styleLbl>
+  <dgm:styleLbl name="bgSibTrans2D1">
+    <dgm:fillClrLst meth="repeat">
+      <a:schemeClr val="dk1">
+        <a:tint val="60000"/>
+      </a:schemeClr>
+    </dgm:fillClrLst>
+    <dgm:linClrLst meth="repeat">
+      <a:schemeClr val="dk1">
+        <a:tint val="60000"/>
+      </a:schemeClr>
+    </dgm:linClrLst>
+    <dgm:effectClrLst/>
+    <dgm:txLinClrLst/>
+    <dgm:txFillClrLst meth="repeat">
+      <a:schemeClr val="dk1"/>
+    </dgm:txFillClrLst>
+    <dgm:txEffectClrLst/>
+  </dgm:styleLbl>
+  <dgm:styleLbl name="sibTrans1D1">
+    <dgm:fillClrLst meth="repeat">
+      <a:schemeClr val="dk1"/>
+    </dgm:fillClrLst>
+    <dgm:linClrLst meth="repeat">
+      <a:schemeClr val="dk1"/>
+    </dgm:linClrLst>
+    <dgm:effectClrLst/>
+    <dgm:txLinClrLst/>
+    <dgm:txFillClrLst meth="repeat">
+      <a:schemeClr val="tx1"/>
+    </dgm:txFillClrLst>
+    <dgm:txEffectClrLst/>
+  </dgm:styleLbl>
+  <dgm:styleLbl name="callout">
+    <dgm:fillClrLst meth="repeat">
+      <a:schemeClr val="dk1"/>
+    </dgm:fillClrLst>
+    <dgm:linClrLst meth="repeat">
+      <a:schemeClr val="dk1"/>
+    </dgm:linClrLst>
+    <dgm:effectClrLst/>
+    <dgm:txLinClrLst/>
+    <dgm:txFillClrLst meth="repeat">
+      <a:schemeClr val="tx1"/>
+    </dgm:txFillClrLst>
+    <dgm:txEffectClrLst/>
+  </dgm:styleLbl>
+  <dgm:styleLbl name="asst0">
+    <dgm:fillClrLst meth="repeat">
+      <a:schemeClr val="lt1"/>
+    </dgm:fillClrLst>
+    <dgm:linClrLst meth="repeat">
+      <a:schemeClr val="dk1">
+        <a:shade val="80000"/>
+      </a:schemeClr>
+    </dgm:linClrLst>
+    <dgm:effectClrLst/>
+    <dgm:txLinClrLst/>
+    <dgm:txFillClrLst meth="repeat">
+      <a:schemeClr val="dk1"/>
+    </dgm:txFillClrLst>
+    <dgm:txEffectClrLst/>
+  </dgm:styleLbl>
+  <dgm:styleLbl name="asst1">
+    <dgm:fillClrLst meth="repeat">
+      <a:schemeClr val="lt1"/>
+    </dgm:fillClrLst>
+    <dgm:linClrLst meth="repeat">
+      <a:schemeClr val="dk1">
+        <a:shade val="80000"/>
+      </a:schemeClr>
+    </dgm:linClrLst>
+    <dgm:effectClrLst/>
+    <dgm:txLinClrLst/>
+    <dgm:txFillClrLst meth="repeat">
+      <a:schemeClr val="dk1"/>
+    </dgm:txFillClrLst>
+    <dgm:txEffectClrLst/>
+  </dgm:styleLbl>
+  <dgm:styleLbl name="asst2">
+    <dgm:fillClrLst meth="repeat">
+      <a:schemeClr val="lt1"/>
+    </dgm:fillClrLst>
+    <dgm:linClrLst meth="repeat">
+      <a:schemeClr val="dk1">
+        <a:shade val="80000"/>
+      </a:schemeClr>
+    </dgm:linClrLst>
+    <dgm:effectClrLst/>
+    <dgm:txLinClrLst/>
+    <dgm:txFillClrLst meth="repeat">
+      <a:schemeClr val="dk1"/>
+    </dgm:txFillClrLst>
+    <dgm:txEffectClrLst/>
+  </dgm:styleLbl>
+  <dgm:styleLbl name="asst3">
+    <dgm:fillClrLst meth="repeat">
+      <a:schemeClr val="lt1"/>
+    </dgm:fillClrLst>
+    <dgm:linClrLst meth="repeat">
+      <a:schemeClr val="dk1">
+        <a:shade val="80000"/>
+      </a:schemeClr>
+    </dgm:linClrLst>
+    <dgm:effectClrLst/>
+    <dgm:txLinClrLst/>
+    <dgm:txFillClrLst meth="repeat">
+      <a:schemeClr val="dk1"/>
+    </dgm:txFillClrLst>
+    <dgm:txEffectClrLst/>
+  </dgm:styleLbl>
+  <dgm:styleLbl name="asst4">
+    <dgm:fillClrLst meth="repeat">
+      <a:schemeClr val="lt1"/>
+    </dgm:fillClrLst>
+    <dgm:linClrLst meth="repeat">
+      <a:schemeClr val="dk1">
+        <a:shade val="80000"/>
+      </a:schemeClr>
+    </dgm:linClrLst>
+    <dgm:effectClrLst/>
+    <dgm:txLinClrLst/>
+    <dgm:txFillClrLst meth="repeat">
+      <a:schemeClr val="dk1"/>
+    </dgm:txFillClrLst>
+    <dgm:txEffectClrLst/>
+  </dgm:styleLbl>
+  <dgm:styleLbl name="parChTrans2D1">
+    <dgm:fillClrLst meth="repeat">
+      <a:schemeClr val="dk1">
+        <a:tint val="60000"/>
+      </a:schemeClr>
+    </dgm:fillClrLst>
+    <dgm:linClrLst meth="repeat">
+      <a:schemeClr val="dk1">
+        <a:tint val="60000"/>
+      </a:schemeClr>
+    </dgm:linClrLst>
+    <dgm:effectClrLst/>
+    <dgm:txLinClrLst/>
+    <dgm:txFillClrLst/>
+    <dgm:txEffectClrLst/>
+  </dgm:styleLbl>
+  <dgm:styleLbl name="parChTrans2D2">
+    <dgm:fillClrLst meth="repeat">
+      <a:schemeClr val="dk1"/>
+    </dgm:fillClrLst>
+    <dgm:linClrLst meth="repeat">
+      <a:schemeClr val="dk1"/>
+    </dgm:linClrLst>
+    <dgm:effectClrLst/>
+    <dgm:txLinClrLst/>
+    <dgm:txFillClrLst/>
+    <dgm:txEffectClrLst/>
+  </dgm:styleLbl>
+  <dgm:styleLbl name="parChTrans2D3">
+    <dgm:fillClrLst meth="repeat">
+      <a:schemeClr val="dk1"/>
+    </dgm:fillClrLst>
+    <dgm:linClrLst meth="repeat">
+      <a:schemeClr val="dk1"/>
+    </dgm:linClrLst>
+    <dgm:effectClrLst/>
+    <dgm:txLinClrLst/>
+    <dgm:txFillClrLst/>
+    <dgm:txEffectClrLst/>
+  </dgm:styleLbl>
+  <dgm:styleLbl name="parChTrans2D4">
+    <dgm:fillClrLst meth="repeat">
+      <a:schemeClr val="dk1"/>
+    </dgm:fillClrLst>
+    <dgm:linClrLst meth="repeat">
+      <a:schemeClr val="dk1"/>
+    </dgm:linClrLst>
+    <dgm:effectClrLst/>
+    <dgm:txLinClrLst/>
+    <dgm:txFillClrLst meth="repeat">
+      <a:schemeClr val="lt1"/>
+    </dgm:txFillClrLst>
+    <dgm:txEffectClrLst/>
+  </dgm:styleLbl>
+  <dgm:styleLbl name="parChTrans1D1">
+    <dgm:fillClrLst meth="repeat">
+      <a:schemeClr val="dk1"/>
+    </dgm:fillClrLst>
+    <dgm:linClrLst meth="repeat">
+      <a:schemeClr val="dk1">
+        <a:shade val="60000"/>
+      </a:schemeClr>
+    </dgm:linClrLst>
+    <dgm:effectClrLst/>
+    <dgm:txLinClrLst/>
+    <dgm:txFillClrLst meth="repeat">
+      <a:schemeClr val="tx1"/>
+    </dgm:txFillClrLst>
+    <dgm:txEffectClrLst/>
+  </dgm:styleLbl>
+  <dgm:styleLbl name="parChTrans1D2">
+    <dgm:fillClrLst meth="repeat">
+      <a:schemeClr val="dk1"/>
+    </dgm:fillClrLst>
+    <dgm:linClrLst meth="repeat">
+      <a:schemeClr val="dk1">
+        <a:shade val="60000"/>
+      </a:schemeClr>
+    </dgm:linClrLst>
+    <dgm:effectClrLst/>
+    <dgm:txLinClrLst/>
+    <dgm:txFillClrLst meth="repeat">
+      <a:schemeClr val="tx1"/>
+    </dgm:txFillClrLst>
+    <dgm:txEffectClrLst/>
+  </dgm:styleLbl>
+  <dgm:styleLbl name="parChTrans1D3">
+    <dgm:fillClrLst meth="repeat">
+      <a:schemeClr val="dk1"/>
+    </dgm:fillClrLst>
+    <dgm:linClrLst meth="repeat">
+      <a:schemeClr val="dk1">
+        <a:shade val="80000"/>
+      </a:schemeClr>
+    </dgm:linClrLst>
+    <dgm:effectClrLst/>
+    <dgm:txLinClrLst/>
+    <dgm:txFillClrLst meth="repeat">
+      <a:schemeClr val="tx1"/>
+    </dgm:txFillClrLst>
+    <dgm:txEffectClrLst/>
+  </dgm:styleLbl>
+  <dgm:styleLbl name="parChTrans1D4">
+    <dgm:fillClrLst meth="repeat">
+      <a:schemeClr val="dk1"/>
+    </dgm:fillClrLst>
+    <dgm:linClrLst meth="repeat">
+      <a:schemeClr val="dk1">
+        <a:shade val="80000"/>
+      </a:schemeClr>
+    </dgm:linClrLst>
+    <dgm:effectClrLst/>
+    <dgm:txLinClrLst/>
+    <dgm:txFillClrLst meth="repeat">
+      <a:schemeClr val="tx1"/>
+    </dgm:txFillClrLst>
+    <dgm:txEffectClrLst/>
+  </dgm:styleLbl>
+  <dgm:styleLbl name="fgAcc1">
+    <dgm:fillClrLst meth="repeat">
+      <a:schemeClr val="dk1">
+        <a:alpha val="90000"/>
+        <a:tint val="40000"/>
+      </a:schemeClr>
+    </dgm:fillClrLst>
+    <dgm:linClrLst meth="repeat">
+      <a:schemeClr val="dk1"/>
+    </dgm:linClrLst>
+    <dgm:effectClrLst/>
+    <dgm:txLinClrLst/>
+    <dgm:txFillClrLst meth="repeat">
+      <a:schemeClr val="dk1"/>
+    </dgm:txFillClrLst>
+    <dgm:txEffectClrLst/>
+  </dgm:styleLbl>
+  <dgm:styleLbl name="conFgAcc1">
+    <dgm:fillClrLst meth="repeat">
+      <a:schemeClr val="dk1">
+        <a:alpha val="90000"/>
+        <a:tint val="40000"/>
+      </a:schemeClr>
+    </dgm:fillClrLst>
+    <dgm:linClrLst meth="repeat">
+      <a:schemeClr val="dk1"/>
+    </dgm:linClrLst>
+    <dgm:effectClrLst/>
+    <dgm:txLinClrLst/>
+    <dgm:txFillClrLst meth="repeat">
+      <a:schemeClr val="dk1"/>
+    </dgm:txFillClrLst>
+    <dgm:txEffectClrLst/>
+  </dgm:styleLbl>
+  <dgm:styleLbl name="alignAcc1">
+    <dgm:fillClrLst meth="repeat">
+      <a:schemeClr val="dk1">
+        <a:alpha val="90000"/>
+        <a:tint val="40000"/>
+      </a:schemeClr>
+    </dgm:fillClrLst>
+    <dgm:linClrLst meth="repeat">
+      <a:schemeClr val="dk1"/>
+    </dgm:linClrLst>
+    <dgm:effectClrLst/>
+    <dgm:txLinClrLst/>
+    <dgm:txFillClrLst meth="repeat">
+      <a:schemeClr val="dk1"/>
+    </dgm:txFillClrLst>
+    <dgm:txEffectClrLst/>
+  </dgm:styleLbl>
+  <dgm:styleLbl name="trAlignAcc1">
+    <dgm:fillClrLst meth="repeat">
+      <a:schemeClr val="dk1">
+        <a:alpha val="40000"/>
+        <a:tint val="40000"/>
+      </a:schemeClr>
+    </dgm:fillClrLst>
+    <dgm:linClrLst meth="repeat">
+      <a:schemeClr val="dk1"/>
+    </dgm:linClrLst>
+    <dgm:effectClrLst/>
+    <dgm:txLinClrLst/>
+    <dgm:txFillClrLst meth="repeat">
+      <a:schemeClr val="dk1"/>
+    </dgm:txFillClrLst>
+    <dgm:txEffectClrLst/>
+  </dgm:styleLbl>
+  <dgm:styleLbl name="bgAcc1">
+    <dgm:fillClrLst meth="repeat">
+      <a:schemeClr val="dk1">
+        <a:alpha val="90000"/>
+        <a:tint val="40000"/>
+      </a:schemeClr>
+    </dgm:fillClrLst>
+    <dgm:linClrLst meth="repeat">
+      <a:schemeClr val="dk1"/>
+    </dgm:linClrLst>
+    <dgm:effectClrLst/>
+    <dgm:txLinClrLst/>
+    <dgm:txFillClrLst meth="repeat">
+      <a:schemeClr val="dk1"/>
+    </dgm:txFillClrLst>
+    <dgm:txEffectClrLst/>
+  </dgm:styleLbl>
+  <dgm:styleLbl name="solidFgAcc1">
+    <dgm:fillClrLst meth="repeat">
+      <a:schemeClr val="lt1"/>
+    </dgm:fillClrLst>
+    <dgm:linClrLst meth="repeat">
+      <a:schemeClr val="dk1"/>
+    </dgm:linClrLst>
+    <dgm:effectClrLst/>
+    <dgm:txLinClrLst/>
+    <dgm:txFillClrLst meth="repeat">
+      <a:schemeClr val="dk1"/>
+    </dgm:txFillClrLst>
+    <dgm:txEffectClrLst/>
+  </dgm:styleLbl>
+  <dgm:styleLbl name="solidAlignAcc1">
+    <dgm:fillClrLst meth="repeat">
+      <a:schemeClr val="lt1"/>
+    </dgm:fillClrLst>
+    <dgm:linClrLst meth="repeat">
+      <a:schemeClr val="dk1"/>
+    </dgm:linClrLst>
+    <dgm:effectClrLst/>
+    <dgm:txLinClrLst/>
+    <dgm:txFillClrLst meth="repeat">
+      <a:schemeClr val="dk1"/>
+    </dgm:txFillClrLst>
+    <dgm:txEffectClrLst/>
+  </dgm:styleLbl>
+  <dgm:styleLbl name="solidBgAcc1">
+    <dgm:fillClrLst meth="repeat">
+      <a:schemeClr val="lt1"/>
+    </dgm:fillClrLst>
+    <dgm:linClrLst meth="repeat">
+      <a:schemeClr val="dk1"/>
+    </dgm:linClrLst>
+    <dgm:effectClrLst/>
+    <dgm:txLinClrLst/>
+    <dgm:txFillClrLst meth="repeat">
+      <a:schemeClr val="dk1"/>
+    </dgm:txFillClrLst>
+    <dgm:txEffectClrLst/>
+  </dgm:styleLbl>
+  <dgm:styleLbl name="fgAccFollowNode1">
+    <dgm:fillClrLst meth="repeat">
+      <a:schemeClr val="lt1">
+        <a:alpha val="90000"/>
+        <a:tint val="40000"/>
+      </a:schemeClr>
+    </dgm:fillClrLst>
+    <dgm:linClrLst meth="repeat">
+      <a:schemeClr val="dk1">
+        <a:alpha val="90000"/>
+      </a:schemeClr>
+    </dgm:linClrLst>
+    <dgm:effectClrLst/>
+    <dgm:txLinClrLst/>
+    <dgm:txFillClrLst meth="repeat">
+      <a:schemeClr val="dk1"/>
+    </dgm:txFillClrLst>
+    <dgm:txEffectClrLst/>
+  </dgm:styleLbl>
+  <dgm:styleLbl name="alignAccFollowNode1">
+    <dgm:fillClrLst meth="repeat">
+      <a:schemeClr val="lt1">
+        <a:alpha val="90000"/>
+        <a:tint val="40000"/>
+      </a:schemeClr>
+    </dgm:fillClrLst>
+    <dgm:linClrLst meth="repeat">
+      <a:schemeClr val="dk1">
+        <a:alpha val="90000"/>
+      </a:schemeClr>
+    </dgm:linClrLst>
+    <dgm:effectClrLst/>
+    <dgm:txLinClrLst/>
+    <dgm:txFillClrLst meth="repeat">
+      <a:schemeClr val="dk1"/>
+    </dgm:txFillClrLst>
+    <dgm:txEffectClrLst/>
+  </dgm:styleLbl>
+  <dgm:styleLbl name="bgAccFollowNode1">
+    <dgm:fillClrLst meth="repeat">
+      <a:schemeClr val="lt1">
+        <a:alpha val="90000"/>
+        <a:tint val="40000"/>
+      </a:schemeClr>
+    </dgm:fillClrLst>
+    <dgm:linClrLst meth="repeat">
+      <a:schemeClr val="dk1">
+        <a:alpha val="90000"/>
+      </a:schemeClr>
+    </dgm:linClrLst>
+    <dgm:effectClrLst/>
+    <dgm:txLinClrLst/>
+    <dgm:txFillClrLst meth="repeat">
+      <a:schemeClr val="dk1"/>
+    </dgm:txFillClrLst>
+    <dgm:txEffectClrLst/>
+  </dgm:styleLbl>
+  <dgm:styleLbl name="fgAcc0">
+    <dgm:fillClrLst meth="repeat">
+      <a:schemeClr val="dk1">
+        <a:alpha val="90000"/>
+        <a:tint val="40000"/>
+      </a:schemeClr>
+    </dgm:fillClrLst>
+    <dgm:linClrLst meth="repeat">
+      <a:schemeClr val="dk1"/>
+    </dgm:linClrLst>
+    <dgm:effectClrLst/>
+    <dgm:txLinClrLst/>
+    <dgm:txFillClrLst meth="repeat">
+      <a:schemeClr val="dk1"/>
+    </dgm:txFillClrLst>
+    <dgm:txEffectClrLst/>
+  </dgm:styleLbl>
+  <dgm:styleLbl name="fgAcc2">
+    <dgm:fillClrLst meth="repeat">
+      <a:schemeClr val="dk1">
+        <a:alpha val="90000"/>
+        <a:tint val="40000"/>
+      </a:schemeClr>
+    </dgm:fillClrLst>
+    <dgm:linClrLst meth="repeat">
+      <a:schemeClr val="dk1"/>
+    </dgm:linClrLst>
+    <dgm:effectClrLst/>
+    <dgm:txLinClrLst/>
+    <dgm:txFillClrLst meth="repeat">
+      <a:schemeClr val="dk1"/>
+    </dgm:txFillClrLst>
+    <dgm:txEffectClrLst/>
+  </dgm:styleLbl>
+  <dgm:styleLbl name="fgAcc3">
+    <dgm:fillClrLst meth="repeat">
+      <a:schemeClr val="dk1">
+        <a:alpha val="90000"/>
+        <a:tint val="40000"/>
+      </a:schemeClr>
+    </dgm:fillClrLst>
+    <dgm:linClrLst meth="repeat">
+      <a:schemeClr val="dk1"/>
+    </dgm:linClrLst>
+    <dgm:effectClrLst/>
+    <dgm:txLinClrLst/>
+    <dgm:txFillClrLst meth="repeat">
+      <a:schemeClr val="dk1"/>
+    </dgm:txFillClrLst>
+    <dgm:txEffectClrLst/>
+  </dgm:styleLbl>
+  <dgm:styleLbl name="fgAcc4">
+    <dgm:fillClrLst meth="repeat">
+      <a:schemeClr val="dk1">
+        <a:alpha val="90000"/>
+        <a:tint val="40000"/>
+      </a:schemeClr>
+    </dgm:fillClrLst>
+    <dgm:linClrLst meth="repeat">
+      <a:schemeClr val="dk1"/>
+    </dgm:linClrLst>
+    <dgm:effectClrLst/>
+    <dgm:txLinClrLst/>
+    <dgm:txFillClrLst meth="repeat">
+      <a:schemeClr val="dk1"/>
+    </dgm:txFillClrLst>
+    <dgm:txEffectClrLst/>
+  </dgm:styleLbl>
+  <dgm:styleLbl name="bgShp">
+    <dgm:fillClrLst meth="repeat">
+      <a:schemeClr val="dk1">
+        <a:tint val="40000"/>
+      </a:schemeClr>
+    </dgm:fillClrLst>
+    <dgm:linClrLst meth="repeat">
+      <a:schemeClr val="dk1"/>
+    </dgm:linClrLst>
+    <dgm:effectClrLst/>
+    <dgm:txLinClrLst/>
+    <dgm:txFillClrLst meth="repeat">
+      <a:schemeClr val="dk1"/>
+    </dgm:txFillClrLst>
+    <dgm:txEffectClrLst/>
+  </dgm:styleLbl>
+  <dgm:styleLbl name="dkBgShp">
+    <dgm:fillClrLst meth="repeat">
+      <a:schemeClr val="dk1">
+        <a:shade val="80000"/>
+      </a:schemeClr>
+    </dgm:fillClrLst>
+    <dgm:linClrLst meth="repeat">
+      <a:schemeClr val="dk1"/>
+    </dgm:linClrLst>
+    <dgm:effectClrLst/>
+    <dgm:txLinClrLst/>
+    <dgm:txFillClrLst meth="repeat">
+      <a:schemeClr val="lt1"/>
+    </dgm:txFillClrLst>
+    <dgm:txEffectClrLst/>
+  </dgm:styleLbl>
+  <dgm:styleLbl name="trBgShp">
+    <dgm:fillClrLst meth="repeat">
+      <a:schemeClr val="dk1">
+        <a:tint val="50000"/>
+        <a:alpha val="40000"/>
+      </a:schemeClr>
+    </dgm:fillClrLst>
+    <dgm:linClrLst meth="repeat">
+      <a:schemeClr val="dk1"/>
+    </dgm:linClrLst>
+    <dgm:effectClrLst/>
+    <dgm:txLinClrLst/>
+    <dgm:txFillClrLst meth="repeat">
+      <a:schemeClr val="lt1"/>
+    </dgm:txFillClrLst>
+    <dgm:txEffectClrLst/>
+  </dgm:styleLbl>
+  <dgm:styleLbl name="fgShp">
+    <dgm:fillClrLst meth="repeat">
+      <a:schemeClr val="dk1">
+        <a:tint val="60000"/>
+      </a:schemeClr>
+    </dgm:fillClrLst>
+    <dgm:linClrLst meth="repeat">
+      <a:schemeClr val="lt1"/>
+    </dgm:linClrLst>
+    <dgm:effectClrLst/>
+    <dgm:txLinClrLst/>
+    <dgm:txFillClrLst meth="repeat">
+      <a:schemeClr val="dk1"/>
+    </dgm:txFillClrLst>
+    <dgm:txEffectClrLst/>
+  </dgm:styleLbl>
+  <dgm:styleLbl name="revTx">
+    <dgm:fillClrLst meth="repeat">
+      <a:schemeClr val="lt1">
+        <a:alpha val="0"/>
+      </a:schemeClr>
+    </dgm:fillClrLst>
+    <dgm:linClrLst meth="repeat">
+      <a:schemeClr val="dk1">
+        <a:alpha val="0"/>
+      </a:schemeClr>
+    </dgm:linClrLst>
+    <dgm:effectClrLst/>
+    <dgm:txLinClrLst/>
+    <dgm:txFillClrLst meth="repeat">
+      <a:schemeClr val="tx1"/>
+    </dgm:txFillClrLst>
+    <dgm:txEffectClrLst/>
+  </dgm:styleLbl>
+</dgm:colorsDef>
+</file>
+
+<file path=ppt/diagrams/data1.xml><?xml version="1.0" encoding="utf-8"?>
+<dgm:dataModel xmlns:dgm="http://schemas.openxmlformats.org/drawingml/2006/diagram" xmlns:a="http://schemas.openxmlformats.org/drawingml/2006/main">
+  <dgm:ptLst>
+    <dgm:pt modelId="{D2BFA37B-2C85-4733-BFCF-C98EBA882E6F}" type="doc">
+      <dgm:prSet loTypeId="urn:microsoft.com/office/officeart/2005/8/layout/orgChart1" loCatId="hierarchy" qsTypeId="urn:microsoft.com/office/officeart/2005/8/quickstyle/simple1" qsCatId="simple" csTypeId="urn:microsoft.com/office/officeart/2005/8/colors/accent0_1" csCatId="mainScheme" phldr="1"/>
+      <dgm:spPr/>
+      <dgm:t>
+        <a:bodyPr/>
+        <a:lstStyle/>
+        <a:p>
+          <a:endParaRPr lang="en-US"/>
+        </a:p>
+      </dgm:t>
+    </dgm:pt>
+    <dgm:pt modelId="{AD04AEDF-86C3-4001-A59C-3947C25BBF81}">
+      <dgm:prSet phldrT="[Text]"/>
+      <dgm:spPr/>
+      <dgm:t>
+        <a:bodyPr/>
+        <a:lstStyle/>
+        <a:p>
+          <a:r>
+            <a:rPr lang="en-US" dirty="0" err="1"/>
+            <a:t>BarOrder</a:t>
+          </a:r>
+          <a:endParaRPr lang="en-US" dirty="0"/>
+        </a:p>
+      </dgm:t>
+    </dgm:pt>
+    <dgm:pt modelId="{A9043AF0-941B-4D44-81C7-273519E3F8D7}" type="parTrans" cxnId="{0CF51E36-3EFC-4FEB-893A-FD79C46DBCBB}">
+      <dgm:prSet/>
+      <dgm:spPr/>
+      <dgm:t>
+        <a:bodyPr/>
+        <a:lstStyle/>
+        <a:p>
+          <a:endParaRPr lang="en-US"/>
+        </a:p>
+      </dgm:t>
+    </dgm:pt>
+    <dgm:pt modelId="{8678A4D2-A5A0-4DD3-98CA-52458C7CE02F}" type="sibTrans" cxnId="{0CF51E36-3EFC-4FEB-893A-FD79C46DBCBB}">
+      <dgm:prSet/>
+      <dgm:spPr/>
+      <dgm:t>
+        <a:bodyPr/>
+        <a:lstStyle/>
+        <a:p>
+          <a:endParaRPr lang="en-US"/>
+        </a:p>
+      </dgm:t>
+    </dgm:pt>
+    <dgm:pt modelId="{3868AD62-E3EF-499D-80F4-727D4D5639AE}">
+      <dgm:prSet phldrT="[Text]"/>
+      <dgm:spPr/>
+      <dgm:t>
+        <a:bodyPr/>
+        <a:lstStyle/>
+        <a:p>
+          <a:r>
+            <a:rPr lang="en-US" dirty="0" err="1"/>
+            <a:t>CoffeeOrder</a:t>
+          </a:r>
+          <a:endParaRPr lang="en-US" dirty="0"/>
+        </a:p>
+      </dgm:t>
+    </dgm:pt>
+    <dgm:pt modelId="{F61AB162-95F3-4A26-9867-0BE62CEF0B9D}" type="parTrans" cxnId="{7CF034E4-6E16-44A2-9BE5-B43E105AC85B}">
+      <dgm:prSet/>
+      <dgm:spPr/>
+      <dgm:t>
+        <a:bodyPr/>
+        <a:lstStyle/>
+        <a:p>
+          <a:endParaRPr lang="en-US"/>
+        </a:p>
+      </dgm:t>
+    </dgm:pt>
+    <dgm:pt modelId="{04F78014-F8CF-4BBE-9BE4-234C4E8CDA9B}" type="sibTrans" cxnId="{7CF034E4-6E16-44A2-9BE5-B43E105AC85B}">
+      <dgm:prSet/>
+      <dgm:spPr/>
+      <dgm:t>
+        <a:bodyPr/>
+        <a:lstStyle/>
+        <a:p>
+          <a:endParaRPr lang="en-US"/>
+        </a:p>
+      </dgm:t>
+    </dgm:pt>
+    <dgm:pt modelId="{58E20756-A961-44CA-99B3-3F332D7ABAA5}">
+      <dgm:prSet phldrT="[Text]"/>
+      <dgm:spPr/>
+      <dgm:t>
+        <a:bodyPr/>
+        <a:lstStyle/>
+        <a:p>
+          <a:r>
+            <a:rPr lang="en-US" dirty="0" err="1"/>
+            <a:t>TeaOrder</a:t>
+          </a:r>
+          <a:endParaRPr lang="en-US" dirty="0"/>
+        </a:p>
+      </dgm:t>
+    </dgm:pt>
+    <dgm:pt modelId="{8CB0BB80-7C52-4F36-AA42-715895658453}" type="parTrans" cxnId="{C90F3121-B98C-41E7-9910-508B2DB97482}">
+      <dgm:prSet/>
+      <dgm:spPr/>
+      <dgm:t>
+        <a:bodyPr/>
+        <a:lstStyle/>
+        <a:p>
+          <a:endParaRPr lang="en-US"/>
+        </a:p>
+      </dgm:t>
+    </dgm:pt>
+    <dgm:pt modelId="{4588ABC3-17B0-4337-98BB-002E527A43CA}" type="sibTrans" cxnId="{C90F3121-B98C-41E7-9910-508B2DB97482}">
+      <dgm:prSet/>
+      <dgm:spPr/>
+      <dgm:t>
+        <a:bodyPr/>
+        <a:lstStyle/>
+        <a:p>
+          <a:endParaRPr lang="en-US"/>
+        </a:p>
+      </dgm:t>
+    </dgm:pt>
+    <dgm:pt modelId="{6746C29A-59AA-47BC-A6D2-3AF1EAAE9AEE}">
+      <dgm:prSet phldrT="[Text]"/>
+      <dgm:spPr/>
+      <dgm:t>
+        <a:bodyPr/>
+        <a:lstStyle/>
+        <a:p>
+          <a:r>
+            <a:rPr lang="en-US" dirty="0" err="1"/>
+            <a:t>WineOrder</a:t>
+          </a:r>
+          <a:endParaRPr lang="en-US" dirty="0"/>
+        </a:p>
+      </dgm:t>
+    </dgm:pt>
+    <dgm:pt modelId="{1F49C3F3-20B9-49B0-B530-7742F239446B}" type="parTrans" cxnId="{265515E8-7DEF-4D57-A60E-D51BDA5C79DE}">
+      <dgm:prSet/>
+      <dgm:spPr/>
+      <dgm:t>
+        <a:bodyPr/>
+        <a:lstStyle/>
+        <a:p>
+          <a:endParaRPr lang="en-US"/>
+        </a:p>
+      </dgm:t>
+    </dgm:pt>
+    <dgm:pt modelId="{C992AF83-35C7-496F-97D5-44D1A0D0517C}" type="sibTrans" cxnId="{265515E8-7DEF-4D57-A60E-D51BDA5C79DE}">
+      <dgm:prSet/>
+      <dgm:spPr/>
+      <dgm:t>
+        <a:bodyPr/>
+        <a:lstStyle/>
+        <a:p>
+          <a:endParaRPr lang="en-US"/>
+        </a:p>
+      </dgm:t>
+    </dgm:pt>
+    <dgm:pt modelId="{7B23797D-3764-4E21-94F1-A049C771E25F}" type="pres">
+      <dgm:prSet presAssocID="{D2BFA37B-2C85-4733-BFCF-C98EBA882E6F}" presName="hierChild1" presStyleCnt="0">
+        <dgm:presLayoutVars>
+          <dgm:orgChart val="1"/>
+          <dgm:chPref val="1"/>
+          <dgm:dir/>
+          <dgm:animOne val="branch"/>
+          <dgm:animLvl val="lvl"/>
+          <dgm:resizeHandles/>
+        </dgm:presLayoutVars>
+      </dgm:prSet>
+      <dgm:spPr/>
+    </dgm:pt>
+    <dgm:pt modelId="{74F19F48-2F81-4FD9-8A68-13F6129AF79D}" type="pres">
+      <dgm:prSet presAssocID="{AD04AEDF-86C3-4001-A59C-3947C25BBF81}" presName="hierRoot1" presStyleCnt="0">
+        <dgm:presLayoutVars>
+          <dgm:hierBranch val="init"/>
+        </dgm:presLayoutVars>
+      </dgm:prSet>
+      <dgm:spPr/>
+    </dgm:pt>
+    <dgm:pt modelId="{89ED2F58-81D2-4BB9-8A3E-4BC667439C56}" type="pres">
+      <dgm:prSet presAssocID="{AD04AEDF-86C3-4001-A59C-3947C25BBF81}" presName="rootComposite1" presStyleCnt="0"/>
+      <dgm:spPr/>
+    </dgm:pt>
+    <dgm:pt modelId="{A0A617C9-40DD-411E-954D-70440C863D28}" type="pres">
+      <dgm:prSet presAssocID="{AD04AEDF-86C3-4001-A59C-3947C25BBF81}" presName="rootText1" presStyleLbl="node0" presStyleIdx="0" presStyleCnt="1" custLinFactNeighborX="1597" custLinFactNeighborY="-91440">
+        <dgm:presLayoutVars>
+          <dgm:chPref val="3"/>
+        </dgm:presLayoutVars>
+      </dgm:prSet>
+      <dgm:spPr/>
+    </dgm:pt>
+    <dgm:pt modelId="{0359433B-4424-4EB8-8499-7E58B5C76316}" type="pres">
+      <dgm:prSet presAssocID="{AD04AEDF-86C3-4001-A59C-3947C25BBF81}" presName="rootConnector1" presStyleLbl="node1" presStyleIdx="0" presStyleCnt="0"/>
+      <dgm:spPr/>
+    </dgm:pt>
+    <dgm:pt modelId="{731C87CA-0505-46E3-9EC0-EA9DC83B77E9}" type="pres">
+      <dgm:prSet presAssocID="{AD04AEDF-86C3-4001-A59C-3947C25BBF81}" presName="hierChild2" presStyleCnt="0"/>
+      <dgm:spPr/>
+    </dgm:pt>
+    <dgm:pt modelId="{E120C2BC-9971-4C06-B959-15F48257F503}" type="pres">
+      <dgm:prSet presAssocID="{F61AB162-95F3-4A26-9867-0BE62CEF0B9D}" presName="Name37" presStyleLbl="parChTrans1D2" presStyleIdx="0" presStyleCnt="3"/>
+      <dgm:spPr/>
+    </dgm:pt>
+    <dgm:pt modelId="{0BEAE8EF-0A4F-41EF-9058-1717CDAA8477}" type="pres">
+      <dgm:prSet presAssocID="{3868AD62-E3EF-499D-80F4-727D4D5639AE}" presName="hierRoot2" presStyleCnt="0">
+        <dgm:presLayoutVars>
+          <dgm:hierBranch val="init"/>
+        </dgm:presLayoutVars>
+      </dgm:prSet>
+      <dgm:spPr/>
+    </dgm:pt>
+    <dgm:pt modelId="{003AC5B9-9EB1-419E-8899-02136F40D59C}" type="pres">
+      <dgm:prSet presAssocID="{3868AD62-E3EF-499D-80F4-727D4D5639AE}" presName="rootComposite" presStyleCnt="0"/>
+      <dgm:spPr/>
+    </dgm:pt>
+    <dgm:pt modelId="{68DF29B4-CB2F-4E47-931F-1D0F60589E9F}" type="pres">
+      <dgm:prSet presAssocID="{3868AD62-E3EF-499D-80F4-727D4D5639AE}" presName="rootText" presStyleLbl="node2" presStyleIdx="0" presStyleCnt="3">
+        <dgm:presLayoutVars>
+          <dgm:chPref val="3"/>
+        </dgm:presLayoutVars>
+      </dgm:prSet>
+      <dgm:spPr/>
+    </dgm:pt>
+    <dgm:pt modelId="{7BD3C06E-8C7A-43FF-8DC4-E8D03131804B}" type="pres">
+      <dgm:prSet presAssocID="{3868AD62-E3EF-499D-80F4-727D4D5639AE}" presName="rootConnector" presStyleLbl="node2" presStyleIdx="0" presStyleCnt="3"/>
+      <dgm:spPr/>
+    </dgm:pt>
+    <dgm:pt modelId="{F3CA407E-7986-4870-96DC-EA6D3DDA8783}" type="pres">
+      <dgm:prSet presAssocID="{3868AD62-E3EF-499D-80F4-727D4D5639AE}" presName="hierChild4" presStyleCnt="0"/>
+      <dgm:spPr/>
+    </dgm:pt>
+    <dgm:pt modelId="{C13AEB80-B2E5-4F27-9873-7A1667E6AFBE}" type="pres">
+      <dgm:prSet presAssocID="{3868AD62-E3EF-499D-80F4-727D4D5639AE}" presName="hierChild5" presStyleCnt="0"/>
+      <dgm:spPr/>
+    </dgm:pt>
+    <dgm:pt modelId="{E884EC6A-6E63-4601-86D4-169559201A0F}" type="pres">
+      <dgm:prSet presAssocID="{1F49C3F3-20B9-49B0-B530-7742F239446B}" presName="Name37" presStyleLbl="parChTrans1D2" presStyleIdx="1" presStyleCnt="3"/>
+      <dgm:spPr/>
+    </dgm:pt>
+    <dgm:pt modelId="{680D4883-267C-4972-B2F3-3264BE800EF4}" type="pres">
+      <dgm:prSet presAssocID="{6746C29A-59AA-47BC-A6D2-3AF1EAAE9AEE}" presName="hierRoot2" presStyleCnt="0">
+        <dgm:presLayoutVars>
+          <dgm:hierBranch val="init"/>
+        </dgm:presLayoutVars>
+      </dgm:prSet>
+      <dgm:spPr/>
+    </dgm:pt>
+    <dgm:pt modelId="{6A213DE7-6DB1-4851-B9AD-A230F8E8EEC6}" type="pres">
+      <dgm:prSet presAssocID="{6746C29A-59AA-47BC-A6D2-3AF1EAAE9AEE}" presName="rootComposite" presStyleCnt="0"/>
+      <dgm:spPr/>
+    </dgm:pt>
+    <dgm:pt modelId="{7218482D-B1C4-4299-820E-061FE8B5CFC5}" type="pres">
+      <dgm:prSet presAssocID="{6746C29A-59AA-47BC-A6D2-3AF1EAAE9AEE}" presName="rootText" presStyleLbl="node2" presStyleIdx="1" presStyleCnt="3">
+        <dgm:presLayoutVars>
+          <dgm:chPref val="3"/>
+        </dgm:presLayoutVars>
+      </dgm:prSet>
+      <dgm:spPr/>
+    </dgm:pt>
+    <dgm:pt modelId="{2E5839CE-AE1D-45D5-BE6B-9CBEE7737158}" type="pres">
+      <dgm:prSet presAssocID="{6746C29A-59AA-47BC-A6D2-3AF1EAAE9AEE}" presName="rootConnector" presStyleLbl="node2" presStyleIdx="1" presStyleCnt="3"/>
+      <dgm:spPr/>
+    </dgm:pt>
+    <dgm:pt modelId="{BC856362-D0B0-4261-830B-2A747B4E3F1C}" type="pres">
+      <dgm:prSet presAssocID="{6746C29A-59AA-47BC-A6D2-3AF1EAAE9AEE}" presName="hierChild4" presStyleCnt="0"/>
+      <dgm:spPr/>
+    </dgm:pt>
+    <dgm:pt modelId="{AF90669B-30AA-4CDF-9D03-6139928EEDF0}" type="pres">
+      <dgm:prSet presAssocID="{6746C29A-59AA-47BC-A6D2-3AF1EAAE9AEE}" presName="hierChild5" presStyleCnt="0"/>
+      <dgm:spPr/>
+    </dgm:pt>
+    <dgm:pt modelId="{32A7B4C7-B9D4-4CF3-A551-D1417CC141AD}" type="pres">
+      <dgm:prSet presAssocID="{8CB0BB80-7C52-4F36-AA42-715895658453}" presName="Name37" presStyleLbl="parChTrans1D2" presStyleIdx="2" presStyleCnt="3"/>
+      <dgm:spPr/>
+    </dgm:pt>
+    <dgm:pt modelId="{CF2961F1-D647-409A-A791-34C62CD68AB1}" type="pres">
+      <dgm:prSet presAssocID="{58E20756-A961-44CA-99B3-3F332D7ABAA5}" presName="hierRoot2" presStyleCnt="0">
+        <dgm:presLayoutVars>
+          <dgm:hierBranch val="init"/>
+        </dgm:presLayoutVars>
+      </dgm:prSet>
+      <dgm:spPr/>
+    </dgm:pt>
+    <dgm:pt modelId="{B01C8EA2-76FF-4F00-B96E-342EDBA9C829}" type="pres">
+      <dgm:prSet presAssocID="{58E20756-A961-44CA-99B3-3F332D7ABAA5}" presName="rootComposite" presStyleCnt="0"/>
+      <dgm:spPr/>
+    </dgm:pt>
+    <dgm:pt modelId="{50F6EAD8-A2DB-4CCD-A1EE-4FBF8D3D8880}" type="pres">
+      <dgm:prSet presAssocID="{58E20756-A961-44CA-99B3-3F332D7ABAA5}" presName="rootText" presStyleLbl="node2" presStyleIdx="2" presStyleCnt="3">
+        <dgm:presLayoutVars>
+          <dgm:chPref val="3"/>
+        </dgm:presLayoutVars>
+      </dgm:prSet>
+      <dgm:spPr/>
+    </dgm:pt>
+    <dgm:pt modelId="{31473C47-94BC-4B4A-80C8-FD8B81289AEB}" type="pres">
+      <dgm:prSet presAssocID="{58E20756-A961-44CA-99B3-3F332D7ABAA5}" presName="rootConnector" presStyleLbl="node2" presStyleIdx="2" presStyleCnt="3"/>
+      <dgm:spPr/>
+    </dgm:pt>
+    <dgm:pt modelId="{D60E8639-A6DC-4E7A-A74E-B9586C743B38}" type="pres">
+      <dgm:prSet presAssocID="{58E20756-A961-44CA-99B3-3F332D7ABAA5}" presName="hierChild4" presStyleCnt="0"/>
+      <dgm:spPr/>
+    </dgm:pt>
+    <dgm:pt modelId="{9FCFFB9E-B20F-446C-90D1-ABE010F7A370}" type="pres">
+      <dgm:prSet presAssocID="{58E20756-A961-44CA-99B3-3F332D7ABAA5}" presName="hierChild5" presStyleCnt="0"/>
+      <dgm:spPr/>
+    </dgm:pt>
+    <dgm:pt modelId="{0EF66310-0034-4B50-AEF0-9877E6CCB46B}" type="pres">
+      <dgm:prSet presAssocID="{AD04AEDF-86C3-4001-A59C-3947C25BBF81}" presName="hierChild3" presStyleCnt="0"/>
+      <dgm:spPr/>
+    </dgm:pt>
+  </dgm:ptLst>
+  <dgm:cxnLst>
+    <dgm:cxn modelId="{6B06D103-62B7-4D40-BA24-8CDA7E0ECC06}" type="presOf" srcId="{6746C29A-59AA-47BC-A6D2-3AF1EAAE9AEE}" destId="{2E5839CE-AE1D-45D5-BE6B-9CBEE7737158}" srcOrd="1" destOrd="0" presId="urn:microsoft.com/office/officeart/2005/8/layout/orgChart1"/>
+    <dgm:cxn modelId="{C90F3121-B98C-41E7-9910-508B2DB97482}" srcId="{AD04AEDF-86C3-4001-A59C-3947C25BBF81}" destId="{58E20756-A961-44CA-99B3-3F332D7ABAA5}" srcOrd="2" destOrd="0" parTransId="{8CB0BB80-7C52-4F36-AA42-715895658453}" sibTransId="{4588ABC3-17B0-4337-98BB-002E527A43CA}"/>
+    <dgm:cxn modelId="{0CF51E36-3EFC-4FEB-893A-FD79C46DBCBB}" srcId="{D2BFA37B-2C85-4733-BFCF-C98EBA882E6F}" destId="{AD04AEDF-86C3-4001-A59C-3947C25BBF81}" srcOrd="0" destOrd="0" parTransId="{A9043AF0-941B-4D44-81C7-273519E3F8D7}" sibTransId="{8678A4D2-A5A0-4DD3-98CA-52458C7CE02F}"/>
+    <dgm:cxn modelId="{1ED8766E-E5F0-492D-B8F3-9542BF2C0D92}" type="presOf" srcId="{1F49C3F3-20B9-49B0-B530-7742F239446B}" destId="{E884EC6A-6E63-4601-86D4-169559201A0F}" srcOrd="0" destOrd="0" presId="urn:microsoft.com/office/officeart/2005/8/layout/orgChart1"/>
+    <dgm:cxn modelId="{B7132B79-C2C0-4E2F-B6D9-97FE63A10D89}" type="presOf" srcId="{3868AD62-E3EF-499D-80F4-727D4D5639AE}" destId="{7BD3C06E-8C7A-43FF-8DC4-E8D03131804B}" srcOrd="1" destOrd="0" presId="urn:microsoft.com/office/officeart/2005/8/layout/orgChart1"/>
+    <dgm:cxn modelId="{DBFC147A-EDCF-4E38-B262-8496A8ABF7B0}" type="presOf" srcId="{AD04AEDF-86C3-4001-A59C-3947C25BBF81}" destId="{A0A617C9-40DD-411E-954D-70440C863D28}" srcOrd="0" destOrd="0" presId="urn:microsoft.com/office/officeart/2005/8/layout/orgChart1"/>
+    <dgm:cxn modelId="{0F16B77F-2ED6-414D-8699-705FA25435FB}" type="presOf" srcId="{8CB0BB80-7C52-4F36-AA42-715895658453}" destId="{32A7B4C7-B9D4-4CF3-A551-D1417CC141AD}" srcOrd="0" destOrd="0" presId="urn:microsoft.com/office/officeart/2005/8/layout/orgChart1"/>
+    <dgm:cxn modelId="{56B96E88-C38E-4582-A789-19C5269D5643}" type="presOf" srcId="{F61AB162-95F3-4A26-9867-0BE62CEF0B9D}" destId="{E120C2BC-9971-4C06-B959-15F48257F503}" srcOrd="0" destOrd="0" presId="urn:microsoft.com/office/officeart/2005/8/layout/orgChart1"/>
+    <dgm:cxn modelId="{83B550AC-ACD6-4C97-95CF-86743A35DE3B}" type="presOf" srcId="{6746C29A-59AA-47BC-A6D2-3AF1EAAE9AEE}" destId="{7218482D-B1C4-4299-820E-061FE8B5CFC5}" srcOrd="0" destOrd="0" presId="urn:microsoft.com/office/officeart/2005/8/layout/orgChart1"/>
+    <dgm:cxn modelId="{09EAFEB3-096A-402D-A75D-95E99162AD39}" type="presOf" srcId="{3868AD62-E3EF-499D-80F4-727D4D5639AE}" destId="{68DF29B4-CB2F-4E47-931F-1D0F60589E9F}" srcOrd="0" destOrd="0" presId="urn:microsoft.com/office/officeart/2005/8/layout/orgChart1"/>
+    <dgm:cxn modelId="{5997AFB7-9C38-42EB-B5ED-C5F04A0308E1}" type="presOf" srcId="{AD04AEDF-86C3-4001-A59C-3947C25BBF81}" destId="{0359433B-4424-4EB8-8499-7E58B5C76316}" srcOrd="1" destOrd="0" presId="urn:microsoft.com/office/officeart/2005/8/layout/orgChart1"/>
+    <dgm:cxn modelId="{F9D178BE-9960-4194-86CC-FFAAA152051C}" type="presOf" srcId="{58E20756-A961-44CA-99B3-3F332D7ABAA5}" destId="{50F6EAD8-A2DB-4CCD-A1EE-4FBF8D3D8880}" srcOrd="0" destOrd="0" presId="urn:microsoft.com/office/officeart/2005/8/layout/orgChart1"/>
+    <dgm:cxn modelId="{B57D78DD-166C-41AA-ADF4-1F78A0ED291E}" type="presOf" srcId="{D2BFA37B-2C85-4733-BFCF-C98EBA882E6F}" destId="{7B23797D-3764-4E21-94F1-A049C771E25F}" srcOrd="0" destOrd="0" presId="urn:microsoft.com/office/officeart/2005/8/layout/orgChart1"/>
+    <dgm:cxn modelId="{7CF034E4-6E16-44A2-9BE5-B43E105AC85B}" srcId="{AD04AEDF-86C3-4001-A59C-3947C25BBF81}" destId="{3868AD62-E3EF-499D-80F4-727D4D5639AE}" srcOrd="0" destOrd="0" parTransId="{F61AB162-95F3-4A26-9867-0BE62CEF0B9D}" sibTransId="{04F78014-F8CF-4BBE-9BE4-234C4E8CDA9B}"/>
+    <dgm:cxn modelId="{265515E8-7DEF-4D57-A60E-D51BDA5C79DE}" srcId="{AD04AEDF-86C3-4001-A59C-3947C25BBF81}" destId="{6746C29A-59AA-47BC-A6D2-3AF1EAAE9AEE}" srcOrd="1" destOrd="0" parTransId="{1F49C3F3-20B9-49B0-B530-7742F239446B}" sibTransId="{C992AF83-35C7-496F-97D5-44D1A0D0517C}"/>
+    <dgm:cxn modelId="{97B191F2-B9B9-44E6-8163-E1550B9D37E9}" type="presOf" srcId="{58E20756-A961-44CA-99B3-3F332D7ABAA5}" destId="{31473C47-94BC-4B4A-80C8-FD8B81289AEB}" srcOrd="1" destOrd="0" presId="urn:microsoft.com/office/officeart/2005/8/layout/orgChart1"/>
+    <dgm:cxn modelId="{D609A4C5-EEBC-48C5-B7A7-B805407FCD45}" type="presParOf" srcId="{7B23797D-3764-4E21-94F1-A049C771E25F}" destId="{74F19F48-2F81-4FD9-8A68-13F6129AF79D}" srcOrd="0" destOrd="0" presId="urn:microsoft.com/office/officeart/2005/8/layout/orgChart1"/>
+    <dgm:cxn modelId="{5A163055-944A-4B18-9A04-95F181FA6800}" type="presParOf" srcId="{74F19F48-2F81-4FD9-8A68-13F6129AF79D}" destId="{89ED2F58-81D2-4BB9-8A3E-4BC667439C56}" srcOrd="0" destOrd="0" presId="urn:microsoft.com/office/officeart/2005/8/layout/orgChart1"/>
+    <dgm:cxn modelId="{2DA5107E-53AC-460E-81CD-E6E28A91D0A0}" type="presParOf" srcId="{89ED2F58-81D2-4BB9-8A3E-4BC667439C56}" destId="{A0A617C9-40DD-411E-954D-70440C863D28}" srcOrd="0" destOrd="0" presId="urn:microsoft.com/office/officeart/2005/8/layout/orgChart1"/>
+    <dgm:cxn modelId="{90CC9E16-BF4C-4D38-A5C4-639703EE7FFA}" type="presParOf" srcId="{89ED2F58-81D2-4BB9-8A3E-4BC667439C56}" destId="{0359433B-4424-4EB8-8499-7E58B5C76316}" srcOrd="1" destOrd="0" presId="urn:microsoft.com/office/officeart/2005/8/layout/orgChart1"/>
+    <dgm:cxn modelId="{1310925A-22AE-47D9-856E-21451662982B}" type="presParOf" srcId="{74F19F48-2F81-4FD9-8A68-13F6129AF79D}" destId="{731C87CA-0505-46E3-9EC0-EA9DC83B77E9}" srcOrd="1" destOrd="0" presId="urn:microsoft.com/office/officeart/2005/8/layout/orgChart1"/>
+    <dgm:cxn modelId="{BF6EB739-5F3C-418D-8F4A-A667D5373277}" type="presParOf" srcId="{731C87CA-0505-46E3-9EC0-EA9DC83B77E9}" destId="{E120C2BC-9971-4C06-B959-15F48257F503}" srcOrd="0" destOrd="0" presId="urn:microsoft.com/office/officeart/2005/8/layout/orgChart1"/>
+    <dgm:cxn modelId="{3D53195F-827D-4576-8794-0160145677C6}" type="presParOf" srcId="{731C87CA-0505-46E3-9EC0-EA9DC83B77E9}" destId="{0BEAE8EF-0A4F-41EF-9058-1717CDAA8477}" srcOrd="1" destOrd="0" presId="urn:microsoft.com/office/officeart/2005/8/layout/orgChart1"/>
+    <dgm:cxn modelId="{43D8EE34-5DA7-4850-B388-04E8AB6ECBAB}" type="presParOf" srcId="{0BEAE8EF-0A4F-41EF-9058-1717CDAA8477}" destId="{003AC5B9-9EB1-419E-8899-02136F40D59C}" srcOrd="0" destOrd="0" presId="urn:microsoft.com/office/officeart/2005/8/layout/orgChart1"/>
+    <dgm:cxn modelId="{F4E8D4A3-1150-4811-A51E-89B1F0FE3860}" type="presParOf" srcId="{003AC5B9-9EB1-419E-8899-02136F40D59C}" destId="{68DF29B4-CB2F-4E47-931F-1D0F60589E9F}" srcOrd="0" destOrd="0" presId="urn:microsoft.com/office/officeart/2005/8/layout/orgChart1"/>
+    <dgm:cxn modelId="{F2EFD152-B960-474A-B348-7403064777FB}" type="presParOf" srcId="{003AC5B9-9EB1-419E-8899-02136F40D59C}" destId="{7BD3C06E-8C7A-43FF-8DC4-E8D03131804B}" srcOrd="1" destOrd="0" presId="urn:microsoft.com/office/officeart/2005/8/layout/orgChart1"/>
+    <dgm:cxn modelId="{B0A32A70-5E82-4555-864F-A592739CA028}" type="presParOf" srcId="{0BEAE8EF-0A4F-41EF-9058-1717CDAA8477}" destId="{F3CA407E-7986-4870-96DC-EA6D3DDA8783}" srcOrd="1" destOrd="0" presId="urn:microsoft.com/office/officeart/2005/8/layout/orgChart1"/>
+    <dgm:cxn modelId="{065A968D-E966-4CD7-8C38-0FA604679B4C}" type="presParOf" srcId="{0BEAE8EF-0A4F-41EF-9058-1717CDAA8477}" destId="{C13AEB80-B2E5-4F27-9873-7A1667E6AFBE}" srcOrd="2" destOrd="0" presId="urn:microsoft.com/office/officeart/2005/8/layout/orgChart1"/>
+    <dgm:cxn modelId="{0BBFFBA1-CB39-46D4-8435-1767634A8C12}" type="presParOf" srcId="{731C87CA-0505-46E3-9EC0-EA9DC83B77E9}" destId="{E884EC6A-6E63-4601-86D4-169559201A0F}" srcOrd="2" destOrd="0" presId="urn:microsoft.com/office/officeart/2005/8/layout/orgChart1"/>
+    <dgm:cxn modelId="{63DA34A5-0965-498C-B6A7-F076B0D1FC19}" type="presParOf" srcId="{731C87CA-0505-46E3-9EC0-EA9DC83B77E9}" destId="{680D4883-267C-4972-B2F3-3264BE800EF4}" srcOrd="3" destOrd="0" presId="urn:microsoft.com/office/officeart/2005/8/layout/orgChart1"/>
+    <dgm:cxn modelId="{DBCE7B35-2A84-496B-9FC6-7AE1097E1F9C}" type="presParOf" srcId="{680D4883-267C-4972-B2F3-3264BE800EF4}" destId="{6A213DE7-6DB1-4851-B9AD-A230F8E8EEC6}" srcOrd="0" destOrd="0" presId="urn:microsoft.com/office/officeart/2005/8/layout/orgChart1"/>
+    <dgm:cxn modelId="{45D3D121-2C5F-4870-9F46-68158CD7B298}" type="presParOf" srcId="{6A213DE7-6DB1-4851-B9AD-A230F8E8EEC6}" destId="{7218482D-B1C4-4299-820E-061FE8B5CFC5}" srcOrd="0" destOrd="0" presId="urn:microsoft.com/office/officeart/2005/8/layout/orgChart1"/>
+    <dgm:cxn modelId="{8525FFD1-CA84-49C1-B6F2-24DE41820AC0}" type="presParOf" srcId="{6A213DE7-6DB1-4851-B9AD-A230F8E8EEC6}" destId="{2E5839CE-AE1D-45D5-BE6B-9CBEE7737158}" srcOrd="1" destOrd="0" presId="urn:microsoft.com/office/officeart/2005/8/layout/orgChart1"/>
+    <dgm:cxn modelId="{2ACC73B4-8555-448E-A0AA-DBC1B571A799}" type="presParOf" srcId="{680D4883-267C-4972-B2F3-3264BE800EF4}" destId="{BC856362-D0B0-4261-830B-2A747B4E3F1C}" srcOrd="1" destOrd="0" presId="urn:microsoft.com/office/officeart/2005/8/layout/orgChart1"/>
+    <dgm:cxn modelId="{B68244AF-94E7-47E1-9B7C-950518CBDA38}" type="presParOf" srcId="{680D4883-267C-4972-B2F3-3264BE800EF4}" destId="{AF90669B-30AA-4CDF-9D03-6139928EEDF0}" srcOrd="2" destOrd="0" presId="urn:microsoft.com/office/officeart/2005/8/layout/orgChart1"/>
+    <dgm:cxn modelId="{F95003BE-72E3-4E8A-9009-B52B3152E694}" type="presParOf" srcId="{731C87CA-0505-46E3-9EC0-EA9DC83B77E9}" destId="{32A7B4C7-B9D4-4CF3-A551-D1417CC141AD}" srcOrd="4" destOrd="0" presId="urn:microsoft.com/office/officeart/2005/8/layout/orgChart1"/>
+    <dgm:cxn modelId="{9E9704F8-8229-44CD-8077-34FE1D58359C}" type="presParOf" srcId="{731C87CA-0505-46E3-9EC0-EA9DC83B77E9}" destId="{CF2961F1-D647-409A-A791-34C62CD68AB1}" srcOrd="5" destOrd="0" presId="urn:microsoft.com/office/officeart/2005/8/layout/orgChart1"/>
+    <dgm:cxn modelId="{99FD3329-67F7-4A2E-8F61-54C4A33E1240}" type="presParOf" srcId="{CF2961F1-D647-409A-A791-34C62CD68AB1}" destId="{B01C8EA2-76FF-4F00-B96E-342EDBA9C829}" srcOrd="0" destOrd="0" presId="urn:microsoft.com/office/officeart/2005/8/layout/orgChart1"/>
+    <dgm:cxn modelId="{F23DF93F-E2DC-4065-9715-CD0F622AC191}" type="presParOf" srcId="{B01C8EA2-76FF-4F00-B96E-342EDBA9C829}" destId="{50F6EAD8-A2DB-4CCD-A1EE-4FBF8D3D8880}" srcOrd="0" destOrd="0" presId="urn:microsoft.com/office/officeart/2005/8/layout/orgChart1"/>
+    <dgm:cxn modelId="{659B70B7-DBF9-44EB-806C-FAA0CA4F10CC}" type="presParOf" srcId="{B01C8EA2-76FF-4F00-B96E-342EDBA9C829}" destId="{31473C47-94BC-4B4A-80C8-FD8B81289AEB}" srcOrd="1" destOrd="0" presId="urn:microsoft.com/office/officeart/2005/8/layout/orgChart1"/>
+    <dgm:cxn modelId="{6C346D21-F0B3-4F7F-9529-5557554E77F0}" type="presParOf" srcId="{CF2961F1-D647-409A-A791-34C62CD68AB1}" destId="{D60E8639-A6DC-4E7A-A74E-B9586C743B38}" srcOrd="1" destOrd="0" presId="urn:microsoft.com/office/officeart/2005/8/layout/orgChart1"/>
+    <dgm:cxn modelId="{E04F09A6-2A87-4990-A693-12FAF4C4695D}" type="presParOf" srcId="{CF2961F1-D647-409A-A791-34C62CD68AB1}" destId="{9FCFFB9E-B20F-446C-90D1-ABE010F7A370}" srcOrd="2" destOrd="0" presId="urn:microsoft.com/office/officeart/2005/8/layout/orgChart1"/>
+    <dgm:cxn modelId="{A62D47FF-90D9-4A4D-BA24-0645288F1A46}" type="presParOf" srcId="{74F19F48-2F81-4FD9-8A68-13F6129AF79D}" destId="{0EF66310-0034-4B50-AEF0-9877E6CCB46B}" srcOrd="2" destOrd="0" presId="urn:microsoft.com/office/officeart/2005/8/layout/orgChart1"/>
+  </dgm:cxnLst>
+  <dgm:bg/>
+  <dgm:whole/>
+  <dgm:extLst>
+    <a:ext uri="http://schemas.microsoft.com/office/drawing/2008/diagram">
+      <dsp:dataModelExt xmlns:dsp="http://schemas.microsoft.com/office/drawing/2008/diagram" relId="rId6" minVer="http://schemas.openxmlformats.org/drawingml/2006/diagram"/>
+    </a:ext>
+  </dgm:extLst>
+</dgm:dataModel>
+</file>
+
+<file path=ppt/diagrams/drawing1.xml><?xml version="1.0" encoding="utf-8"?>
+<dsp:drawing xmlns:dgm="http://schemas.openxmlformats.org/drawingml/2006/diagram" xmlns:dsp="http://schemas.microsoft.com/office/drawing/2008/diagram" xmlns:a="http://schemas.openxmlformats.org/drawingml/2006/main">
+  <dsp:spTree>
+    <dsp:nvGrpSpPr>
+      <dsp:cNvPr id="0" name=""/>
+      <dsp:cNvGrpSpPr/>
+    </dsp:nvGrpSpPr>
+    <dsp:grpSpPr/>
+    <dsp:sp modelId="{32A7B4C7-B9D4-4CF3-A551-D1417CC141AD}">
+      <dsp:nvSpPr>
+        <dsp:cNvPr id="0" name=""/>
+        <dsp:cNvSpPr/>
+      </dsp:nvSpPr>
+      <dsp:spPr>
+        <a:xfrm>
+          <a:off x="2038156" y="1599181"/>
+          <a:ext cx="1409813" cy="787775"/>
+        </a:xfrm>
+        <a:custGeom>
+          <a:avLst/>
+          <a:gdLst/>
+          <a:ahLst/>
+          <a:cxnLst/>
+          <a:rect l="0" t="0" r="0" b="0"/>
+          <a:pathLst>
+            <a:path>
+              <a:moveTo>
+                <a:pt x="0" y="0"/>
+              </a:moveTo>
+              <a:lnTo>
+                <a:pt x="0" y="663800"/>
+              </a:lnTo>
+              <a:lnTo>
+                <a:pt x="1409813" y="663800"/>
+              </a:lnTo>
+              <a:lnTo>
+                <a:pt x="1409813" y="787775"/>
+              </a:lnTo>
+            </a:path>
+          </a:pathLst>
+        </a:custGeom>
+        <a:noFill/>
+        <a:ln w="25400" cap="flat" cmpd="sng" algn="ctr">
+          <a:solidFill>
+            <a:schemeClr val="dk1">
+              <a:shade val="60000"/>
+              <a:hueOff val="0"/>
+              <a:satOff val="0"/>
+              <a:lumOff val="0"/>
+              <a:alphaOff val="0"/>
+            </a:schemeClr>
+          </a:solidFill>
+          <a:prstDash val="solid"/>
+        </a:ln>
+        <a:effectLst/>
+      </dsp:spPr>
+      <dsp:style>
+        <a:lnRef idx="2">
+          <a:scrgbClr r="0" g="0" b="0"/>
+        </a:lnRef>
+        <a:fillRef idx="0">
+          <a:scrgbClr r="0" g="0" b="0"/>
+        </a:fillRef>
+        <a:effectRef idx="0">
+          <a:scrgbClr r="0" g="0" b="0"/>
+        </a:effectRef>
+        <a:fontRef idx="minor"/>
+      </dsp:style>
+    </dsp:sp>
+    <dsp:sp modelId="{E884EC6A-6E63-4601-86D4-169559201A0F}">
+      <dsp:nvSpPr>
+        <dsp:cNvPr id="0" name=""/>
+        <dsp:cNvSpPr/>
+      </dsp:nvSpPr>
+      <dsp:spPr>
+        <a:xfrm>
+          <a:off x="1973580" y="1599181"/>
+          <a:ext cx="91440" cy="787775"/>
+        </a:xfrm>
+        <a:custGeom>
+          <a:avLst/>
+          <a:gdLst/>
+          <a:ahLst/>
+          <a:cxnLst/>
+          <a:rect l="0" t="0" r="0" b="0"/>
+          <a:pathLst>
+            <a:path>
+              <a:moveTo>
+                <a:pt x="64576" y="0"/>
+              </a:moveTo>
+              <a:lnTo>
+                <a:pt x="64576" y="663800"/>
+              </a:lnTo>
+              <a:lnTo>
+                <a:pt x="45720" y="663800"/>
+              </a:lnTo>
+              <a:lnTo>
+                <a:pt x="45720" y="787775"/>
+              </a:lnTo>
+            </a:path>
+          </a:pathLst>
+        </a:custGeom>
+        <a:noFill/>
+        <a:ln w="25400" cap="flat" cmpd="sng" algn="ctr">
+          <a:solidFill>
+            <a:schemeClr val="dk1">
+              <a:shade val="60000"/>
+              <a:hueOff val="0"/>
+              <a:satOff val="0"/>
+              <a:lumOff val="0"/>
+              <a:alphaOff val="0"/>
+            </a:schemeClr>
+          </a:solidFill>
+          <a:prstDash val="solid"/>
+        </a:ln>
+        <a:effectLst/>
+      </dsp:spPr>
+      <dsp:style>
+        <a:lnRef idx="2">
+          <a:scrgbClr r="0" g="0" b="0"/>
+        </a:lnRef>
+        <a:fillRef idx="0">
+          <a:scrgbClr r="0" g="0" b="0"/>
+        </a:fillRef>
+        <a:effectRef idx="0">
+          <a:scrgbClr r="0" g="0" b="0"/>
+        </a:effectRef>
+        <a:fontRef idx="minor"/>
+      </dsp:style>
+    </dsp:sp>
+    <dsp:sp modelId="{E120C2BC-9971-4C06-B959-15F48257F503}">
+      <dsp:nvSpPr>
+        <dsp:cNvPr id="0" name=""/>
+        <dsp:cNvSpPr/>
+      </dsp:nvSpPr>
+      <dsp:spPr>
+        <a:xfrm>
+          <a:off x="590630" y="1599181"/>
+          <a:ext cx="1447525" cy="787775"/>
+        </a:xfrm>
+        <a:custGeom>
+          <a:avLst/>
+          <a:gdLst/>
+          <a:ahLst/>
+          <a:cxnLst/>
+          <a:rect l="0" t="0" r="0" b="0"/>
+          <a:pathLst>
+            <a:path>
+              <a:moveTo>
+                <a:pt x="1447525" y="0"/>
+              </a:moveTo>
+              <a:lnTo>
+                <a:pt x="1447525" y="663800"/>
+              </a:lnTo>
+              <a:lnTo>
+                <a:pt x="0" y="663800"/>
+              </a:lnTo>
+              <a:lnTo>
+                <a:pt x="0" y="787775"/>
+              </a:lnTo>
+            </a:path>
+          </a:pathLst>
+        </a:custGeom>
+        <a:noFill/>
+        <a:ln w="25400" cap="flat" cmpd="sng" algn="ctr">
+          <a:solidFill>
+            <a:schemeClr val="dk1">
+              <a:shade val="60000"/>
+              <a:hueOff val="0"/>
+              <a:satOff val="0"/>
+              <a:lumOff val="0"/>
+              <a:alphaOff val="0"/>
+            </a:schemeClr>
+          </a:solidFill>
+          <a:prstDash val="solid"/>
+        </a:ln>
+        <a:effectLst/>
+      </dsp:spPr>
+      <dsp:style>
+        <a:lnRef idx="2">
+          <a:scrgbClr r="0" g="0" b="0"/>
+        </a:lnRef>
+        <a:fillRef idx="0">
+          <a:scrgbClr r="0" g="0" b="0"/>
+        </a:fillRef>
+        <a:effectRef idx="0">
+          <a:scrgbClr r="0" g="0" b="0"/>
+        </a:effectRef>
+        <a:fontRef idx="minor"/>
+      </dsp:style>
+    </dsp:sp>
+    <dsp:sp modelId="{A0A617C9-40DD-411E-954D-70440C863D28}">
+      <dsp:nvSpPr>
+        <dsp:cNvPr id="0" name=""/>
+        <dsp:cNvSpPr/>
+      </dsp:nvSpPr>
+      <dsp:spPr>
+        <a:xfrm>
+          <a:off x="1447796" y="1008822"/>
+          <a:ext cx="1180718" cy="590359"/>
+        </a:xfrm>
+        <a:prstGeom prst="rect">
+          <a:avLst/>
+        </a:prstGeom>
+        <a:solidFill>
+          <a:schemeClr val="lt1">
+            <a:hueOff val="0"/>
+            <a:satOff val="0"/>
+            <a:lumOff val="0"/>
+            <a:alphaOff val="0"/>
+          </a:schemeClr>
+        </a:solidFill>
+        <a:ln w="25400" cap="flat" cmpd="sng" algn="ctr">
+          <a:solidFill>
+            <a:schemeClr val="dk1">
+              <a:shade val="80000"/>
+              <a:hueOff val="0"/>
+              <a:satOff val="0"/>
+              <a:lumOff val="0"/>
+              <a:alphaOff val="0"/>
+            </a:schemeClr>
+          </a:solidFill>
+          <a:prstDash val="solid"/>
+        </a:ln>
+        <a:effectLst/>
+      </dsp:spPr>
+      <dsp:style>
+        <a:lnRef idx="2">
+          <a:scrgbClr r="0" g="0" b="0"/>
+        </a:lnRef>
+        <a:fillRef idx="1">
+          <a:scrgbClr r="0" g="0" b="0"/>
+        </a:fillRef>
+        <a:effectRef idx="0">
+          <a:scrgbClr r="0" g="0" b="0"/>
+        </a:effectRef>
+        <a:fontRef idx="minor">
+          <a:schemeClr val="lt1"/>
+        </a:fontRef>
+      </dsp:style>
+      <dsp:txBody>
+        <a:bodyPr spcFirstLastPara="0" vert="horz" wrap="square" lIns="11430" tIns="11430" rIns="11430" bIns="11430" numCol="1" spcCol="1270" anchor="ctr" anchorCtr="0">
+          <a:noAutofit/>
+        </a:bodyPr>
+        <a:lstStyle/>
+        <a:p>
+          <a:pPr marL="0" lvl="0" indent="0" algn="ctr" defTabSz="800100">
+            <a:lnSpc>
+              <a:spcPct val="90000"/>
+            </a:lnSpc>
+            <a:spcBef>
+              <a:spcPct val="0"/>
+            </a:spcBef>
+            <a:spcAft>
+              <a:spcPct val="35000"/>
+            </a:spcAft>
+            <a:buNone/>
+          </a:pPr>
+          <a:r>
+            <a:rPr lang="en-US" sz="1800" kern="1200" dirty="0" err="1"/>
+            <a:t>BarOrder</a:t>
+          </a:r>
+          <a:endParaRPr lang="en-US" sz="1800" kern="1200" dirty="0"/>
+        </a:p>
+      </dsp:txBody>
+      <dsp:txXfrm>
+        <a:off x="1447796" y="1008822"/>
+        <a:ext cx="1180718" cy="590359"/>
+      </dsp:txXfrm>
+    </dsp:sp>
+    <dsp:sp modelId="{68DF29B4-CB2F-4E47-931F-1D0F60589E9F}">
+      <dsp:nvSpPr>
+        <dsp:cNvPr id="0" name=""/>
+        <dsp:cNvSpPr/>
+      </dsp:nvSpPr>
+      <dsp:spPr>
+        <a:xfrm>
+          <a:off x="271" y="2386956"/>
+          <a:ext cx="1180718" cy="590359"/>
+        </a:xfrm>
+        <a:prstGeom prst="rect">
+          <a:avLst/>
+        </a:prstGeom>
+        <a:solidFill>
+          <a:schemeClr val="lt1">
+            <a:hueOff val="0"/>
+            <a:satOff val="0"/>
+            <a:lumOff val="0"/>
+            <a:alphaOff val="0"/>
+          </a:schemeClr>
+        </a:solidFill>
+        <a:ln w="25400" cap="flat" cmpd="sng" algn="ctr">
+          <a:solidFill>
+            <a:schemeClr val="dk1">
+              <a:shade val="80000"/>
+              <a:hueOff val="0"/>
+              <a:satOff val="0"/>
+              <a:lumOff val="0"/>
+              <a:alphaOff val="0"/>
+            </a:schemeClr>
+          </a:solidFill>
+          <a:prstDash val="solid"/>
+        </a:ln>
+        <a:effectLst/>
+      </dsp:spPr>
+      <dsp:style>
+        <a:lnRef idx="2">
+          <a:scrgbClr r="0" g="0" b="0"/>
+        </a:lnRef>
+        <a:fillRef idx="1">
+          <a:scrgbClr r="0" g="0" b="0"/>
+        </a:fillRef>
+        <a:effectRef idx="0">
+          <a:scrgbClr r="0" g="0" b="0"/>
+        </a:effectRef>
+        <a:fontRef idx="minor">
+          <a:schemeClr val="lt1"/>
+        </a:fontRef>
+      </dsp:style>
+      <dsp:txBody>
+        <a:bodyPr spcFirstLastPara="0" vert="horz" wrap="square" lIns="11430" tIns="11430" rIns="11430" bIns="11430" numCol="1" spcCol="1270" anchor="ctr" anchorCtr="0">
+          <a:noAutofit/>
+        </a:bodyPr>
+        <a:lstStyle/>
+        <a:p>
+          <a:pPr marL="0" lvl="0" indent="0" algn="ctr" defTabSz="800100">
+            <a:lnSpc>
+              <a:spcPct val="90000"/>
+            </a:lnSpc>
+            <a:spcBef>
+              <a:spcPct val="0"/>
+            </a:spcBef>
+            <a:spcAft>
+              <a:spcPct val="35000"/>
+            </a:spcAft>
+            <a:buNone/>
+          </a:pPr>
+          <a:r>
+            <a:rPr lang="en-US" sz="1800" kern="1200" dirty="0" err="1"/>
+            <a:t>CoffeeOrder</a:t>
+          </a:r>
+          <a:endParaRPr lang="en-US" sz="1800" kern="1200" dirty="0"/>
+        </a:p>
+      </dsp:txBody>
+      <dsp:txXfrm>
+        <a:off x="271" y="2386956"/>
+        <a:ext cx="1180718" cy="590359"/>
+      </dsp:txXfrm>
+    </dsp:sp>
+    <dsp:sp modelId="{7218482D-B1C4-4299-820E-061FE8B5CFC5}">
+      <dsp:nvSpPr>
+        <dsp:cNvPr id="0" name=""/>
+        <dsp:cNvSpPr/>
+      </dsp:nvSpPr>
+      <dsp:spPr>
+        <a:xfrm>
+          <a:off x="1428940" y="2386956"/>
+          <a:ext cx="1180718" cy="590359"/>
+        </a:xfrm>
+        <a:prstGeom prst="rect">
+          <a:avLst/>
+        </a:prstGeom>
+        <a:solidFill>
+          <a:schemeClr val="lt1">
+            <a:hueOff val="0"/>
+            <a:satOff val="0"/>
+            <a:lumOff val="0"/>
+            <a:alphaOff val="0"/>
+          </a:schemeClr>
+        </a:solidFill>
+        <a:ln w="25400" cap="flat" cmpd="sng" algn="ctr">
+          <a:solidFill>
+            <a:schemeClr val="dk1">
+              <a:shade val="80000"/>
+              <a:hueOff val="0"/>
+              <a:satOff val="0"/>
+              <a:lumOff val="0"/>
+              <a:alphaOff val="0"/>
+            </a:schemeClr>
+          </a:solidFill>
+          <a:prstDash val="solid"/>
+        </a:ln>
+        <a:effectLst/>
+      </dsp:spPr>
+      <dsp:style>
+        <a:lnRef idx="2">
+          <a:scrgbClr r="0" g="0" b="0"/>
+        </a:lnRef>
+        <a:fillRef idx="1">
+          <a:scrgbClr r="0" g="0" b="0"/>
+        </a:fillRef>
+        <a:effectRef idx="0">
+          <a:scrgbClr r="0" g="0" b="0"/>
+        </a:effectRef>
+        <a:fontRef idx="minor">
+          <a:schemeClr val="lt1"/>
+        </a:fontRef>
+      </dsp:style>
+      <dsp:txBody>
+        <a:bodyPr spcFirstLastPara="0" vert="horz" wrap="square" lIns="11430" tIns="11430" rIns="11430" bIns="11430" numCol="1" spcCol="1270" anchor="ctr" anchorCtr="0">
+          <a:noAutofit/>
+        </a:bodyPr>
+        <a:lstStyle/>
+        <a:p>
+          <a:pPr marL="0" lvl="0" indent="0" algn="ctr" defTabSz="800100">
+            <a:lnSpc>
+              <a:spcPct val="90000"/>
+            </a:lnSpc>
+            <a:spcBef>
+              <a:spcPct val="0"/>
+            </a:spcBef>
+            <a:spcAft>
+              <a:spcPct val="35000"/>
+            </a:spcAft>
+            <a:buNone/>
+          </a:pPr>
+          <a:r>
+            <a:rPr lang="en-US" sz="1800" kern="1200" dirty="0" err="1"/>
+            <a:t>WineOrder</a:t>
+          </a:r>
+          <a:endParaRPr lang="en-US" sz="1800" kern="1200" dirty="0"/>
+        </a:p>
+      </dsp:txBody>
+      <dsp:txXfrm>
+        <a:off x="1428940" y="2386956"/>
+        <a:ext cx="1180718" cy="590359"/>
+      </dsp:txXfrm>
+    </dsp:sp>
+    <dsp:sp modelId="{50F6EAD8-A2DB-4CCD-A1EE-4FBF8D3D8880}">
+      <dsp:nvSpPr>
+        <dsp:cNvPr id="0" name=""/>
+        <dsp:cNvSpPr/>
+      </dsp:nvSpPr>
+      <dsp:spPr>
+        <a:xfrm>
+          <a:off x="2857610" y="2386956"/>
+          <a:ext cx="1180718" cy="590359"/>
+        </a:xfrm>
+        <a:prstGeom prst="rect">
+          <a:avLst/>
+        </a:prstGeom>
+        <a:solidFill>
+          <a:schemeClr val="lt1">
+            <a:hueOff val="0"/>
+            <a:satOff val="0"/>
+            <a:lumOff val="0"/>
+            <a:alphaOff val="0"/>
+          </a:schemeClr>
+        </a:solidFill>
+        <a:ln w="25400" cap="flat" cmpd="sng" algn="ctr">
+          <a:solidFill>
+            <a:schemeClr val="dk1">
+              <a:shade val="80000"/>
+              <a:hueOff val="0"/>
+              <a:satOff val="0"/>
+              <a:lumOff val="0"/>
+              <a:alphaOff val="0"/>
+            </a:schemeClr>
+          </a:solidFill>
+          <a:prstDash val="solid"/>
+        </a:ln>
+        <a:effectLst/>
+      </dsp:spPr>
+      <dsp:style>
+        <a:lnRef idx="2">
+          <a:scrgbClr r="0" g="0" b="0"/>
+        </a:lnRef>
+        <a:fillRef idx="1">
+          <a:scrgbClr r="0" g="0" b="0"/>
+        </a:fillRef>
+        <a:effectRef idx="0">
+          <a:scrgbClr r="0" g="0" b="0"/>
+        </a:effectRef>
+        <a:fontRef idx="minor">
+          <a:schemeClr val="lt1"/>
+        </a:fontRef>
+      </dsp:style>
+      <dsp:txBody>
+        <a:bodyPr spcFirstLastPara="0" vert="horz" wrap="square" lIns="11430" tIns="11430" rIns="11430" bIns="11430" numCol="1" spcCol="1270" anchor="ctr" anchorCtr="0">
+          <a:noAutofit/>
+        </a:bodyPr>
+        <a:lstStyle/>
+        <a:p>
+          <a:pPr marL="0" lvl="0" indent="0" algn="ctr" defTabSz="800100">
+            <a:lnSpc>
+              <a:spcPct val="90000"/>
+            </a:lnSpc>
+            <a:spcBef>
+              <a:spcPct val="0"/>
+            </a:spcBef>
+            <a:spcAft>
+              <a:spcPct val="35000"/>
+            </a:spcAft>
+            <a:buNone/>
+          </a:pPr>
+          <a:r>
+            <a:rPr lang="en-US" sz="1800" kern="1200" dirty="0" err="1"/>
+            <a:t>TeaOrder</a:t>
+          </a:r>
+          <a:endParaRPr lang="en-US" sz="1800" kern="1200" dirty="0"/>
+        </a:p>
+      </dsp:txBody>
+      <dsp:txXfrm>
+        <a:off x="2857610" y="2386956"/>
+        <a:ext cx="1180718" cy="590359"/>
+      </dsp:txXfrm>
+    </dsp:sp>
+  </dsp:spTree>
+</dsp:drawing>
+</file>
+
+<file path=ppt/diagrams/layout1.xml><?xml version="1.0" encoding="utf-8"?>
+<dgm:layoutDef xmlns:dgm="http://schemas.openxmlformats.org/drawingml/2006/diagram" xmlns:a="http://schemas.openxmlformats.org/drawingml/2006/main" uniqueId="urn:microsoft.com/office/officeart/2005/8/layout/orgChart1">
+  <dgm:title val=""/>
+  <dgm:desc val=""/>
+  <dgm:catLst>
+    <dgm:cat type="hierarchy" pri="1000"/>
+    <dgm:cat type="convert" pri="6000"/>
+  </dgm:catLst>
+  <dgm:sampData>
+    <dgm:dataModel>
+      <dgm:ptLst>
+        <dgm:pt modelId="0" type="doc"/>
+        <dgm:pt modelId="1">
+          <dgm:prSet phldr="1"/>
+        </dgm:pt>
+        <dgm:pt modelId="2" type="asst">
+          <dgm:prSet phldr="1"/>
+        </dgm:pt>
+        <dgm:pt modelId="3">
+          <dgm:prSet phldr="1"/>
+        </dgm:pt>
+        <dgm:pt modelId="4">
+          <dgm:prSet phldr="1"/>
+        </dgm:pt>
+        <dgm:pt modelId="5">
+          <dgm:prSet phldr="1"/>
+        </dgm:pt>
+      </dgm:ptLst>
+      <dgm:cxnLst>
+        <dgm:cxn modelId="5" srcId="0" destId="1" srcOrd="0" destOrd="0"/>
+        <dgm:cxn modelId="6" srcId="1" destId="2" srcOrd="0" destOrd="0"/>
+        <dgm:cxn modelId="7" srcId="1" destId="3" srcOrd="1" destOrd="0"/>
+        <dgm:cxn modelId="8" srcId="1" destId="4" srcOrd="2" destOrd="0"/>
+        <dgm:cxn modelId="9" srcId="1" destId="5" srcOrd="3" destOrd="0"/>
+      </dgm:cxnLst>
+      <dgm:bg/>
+      <dgm:whole/>
+    </dgm:dataModel>
+  </dgm:sampData>
+  <dgm:styleData>
+    <dgm:dataModel>
+      <dgm:ptLst>
+        <dgm:pt modelId="0" type="doc"/>
+        <dgm:pt modelId="1"/>
+        <dgm:pt modelId="12"/>
+        <dgm:pt modelId="13"/>
+      </dgm:ptLst>
+      <dgm:cxnLst>
+        <dgm:cxn modelId="2" srcId="0" destId="1" srcOrd="0" destOrd="0"/>
+        <dgm:cxn modelId="16" srcId="1" destId="12" srcOrd="1" destOrd="0"/>
+        <dgm:cxn modelId="17" srcId="1" destId="13" srcOrd="2" destOrd="0"/>
+      </dgm:cxnLst>
+      <dgm:bg/>
+      <dgm:whole/>
+    </dgm:dataModel>
+  </dgm:styleData>
+  <dgm:clrData>
+    <dgm:dataModel>
+      <dgm:ptLst>
+        <dgm:pt modelId="0" type="doc"/>
+        <dgm:pt modelId="1"/>
+        <dgm:pt modelId="11" type="asst"/>
+        <dgm:pt modelId="12"/>
+        <dgm:pt modelId="13"/>
+        <dgm:pt modelId="14"/>
+      </dgm:ptLst>
+      <dgm:cxnLst>
+        <dgm:cxn modelId="2" srcId="0" destId="1" srcOrd="0" destOrd="0"/>
+        <dgm:cxn modelId="15" srcId="1" destId="11" srcOrd="0" destOrd="0"/>
+        <dgm:cxn modelId="16" srcId="1" destId="12" srcOrd="1" destOrd="0"/>
+        <dgm:cxn modelId="17" srcId="1" destId="13" srcOrd="2" destOrd="0"/>
+        <dgm:cxn modelId="18" srcId="1" destId="14" srcOrd="2" destOrd="0"/>
+      </dgm:cxnLst>
+      <dgm:bg/>
+      <dgm:whole/>
+    </dgm:dataModel>
+  </dgm:clrData>
+  <dgm:layoutNode name="hierChild1">
+    <dgm:varLst>
+      <dgm:orgChart val="1"/>
+      <dgm:chPref val="1"/>
+      <dgm:dir/>
+      <dgm:animOne val="branch"/>
+      <dgm:animLvl val="lvl"/>
+      <dgm:resizeHandles/>
+    </dgm:varLst>
+    <dgm:choose name="Name0">
+      <dgm:if name="Name1" func="var" arg="dir" op="equ" val="norm">
+        <dgm:alg type="hierChild">
+          <dgm:param type="linDir" val="fromL"/>
+        </dgm:alg>
+      </dgm:if>
+      <dgm:else name="Name2">
+        <dgm:alg type="hierChild">
+          <dgm:param type="linDir" val="fromR"/>
+        </dgm:alg>
+      </dgm:else>
+    </dgm:choose>
+    <dgm:shape xmlns:r="http://schemas.openxmlformats.org/officeDocument/2006/relationships" r:blip="">
+      <dgm:adjLst/>
+    </dgm:shape>
+    <dgm:presOf/>
+    <dgm:constrLst>
+      <dgm:constr type="w" for="des" forName="rootComposite1" refType="w" fact="10"/>
+      <dgm:constr type="h" for="des" forName="rootComposite1" refType="w" refFor="des" refForName="rootComposite1" fact="0.5"/>
+      <dgm:constr type="w" for="des" forName="rootComposite" refType="w" fact="10"/>
+      <dgm:constr type="h" for="des" forName="rootComposite" refType="w" refFor="des" refForName="rootComposite1" fact="0.5"/>
+      <dgm:constr type="w" for="des" forName="rootComposite3" refType="w" fact="10"/>
+      <dgm:constr type="h" for="des" forName="rootComposite3" refType="w" refFor="des" refForName="rootComposite1" fact="0.5"/>
+      <dgm:constr type="primFontSz" for="des" ptType="node" op="equ"/>
+      <dgm:constr type="sp" for="des" op="equ"/>
+      <dgm:constr type="sp" for="des" forName="hierRoot1" refType="w" refFor="des" refForName="rootComposite1" fact="0.21"/>
+      <dgm:constr type="sp" for="des" forName="hierRoot2" refType="sp" refFor="des" refForName="hierRoot1"/>
+      <dgm:constr type="sp" for="des" forName="hierRoot3" refType="sp" refFor="des" refForName="hierRoot1"/>
+      <dgm:constr type="sibSp" refType="w" refFor="des" refForName="rootComposite1" fact="0.21"/>
+      <dgm:constr type="sibSp" for="des" forName="hierChild2" refType="sibSp"/>
+      <dgm:constr type="sibSp" for="des" forName="hierChild3" refType="sibSp"/>
+      <dgm:constr type="sibSp" for="des" forName="hierChild4" refType="sibSp"/>
+      <dgm:constr type="sibSp" for="des" forName="hierChild5" refType="sibSp"/>
+      <dgm:constr type="sibSp" for="des" forName="hierChild6" refType="sibSp"/>
+      <dgm:constr type="sibSp" for="des" forName="hierChild7" refType="sibSp"/>
+      <dgm:constr type="secSibSp" refType="w" refFor="des" refForName="rootComposite1" fact="0.21"/>
+      <dgm:constr type="secSibSp" for="des" forName="hierChild2" refType="secSibSp"/>
+      <dgm:constr type="secSibSp" for="des" forName="hierChild3" refType="secSibSp"/>
+      <dgm:constr type="secSibSp" for="des" forName="hierChild4" refType="secSibSp"/>
+      <dgm:constr type="secSibSp" for="des" forName="hierChild5" refType="secSibSp"/>
+      <dgm:constr type="secSibSp" for="des" forName="hierChild6" refType="secSibSp"/>
+      <dgm:constr type="secSibSp" for="des" forName="hierChild7" refType="secSibSp"/>
+    </dgm:constrLst>
+    <dgm:ruleLst/>
+    <dgm:forEach name="Name3" axis="ch">
+      <dgm:forEach name="Name4" axis="self" ptType="node">
+        <dgm:layoutNode name="hierRoot1">
+          <dgm:varLst>
+            <dgm:hierBranch val="init"/>
+          </dgm:varLst>
+          <dgm:choose name="Name5">
+            <dgm:if name="Name6" func="var" arg="hierBranch" op="equ" val="l">
+              <dgm:choose name="Name7">
+                <dgm:if name="Name8" axis="ch" ptType="asst" func="cnt" op="gte" val="1">
+                  <dgm:alg type="hierRoot">
+                    <dgm:param type="hierAlign" val="tR"/>
+                  </dgm:alg>
+                  <dgm:constrLst>
+                    <dgm:constr type="alignOff" val="0.65"/>
+                  </dgm:constrLst>
+                </dgm:if>
+                <dgm:else name="Name9">
+                  <dgm:alg type="hierRoot">
+                    <dgm:param type="hierAlign" val="tR"/>
+                  </dgm:alg>
+                  <dgm:constrLst>
+                    <dgm:constr type="alignOff" val="0.25"/>
+                  </dgm:constrLst>
+                </dgm:else>
+              </dgm:choose>
+            </dgm:if>
+            <dgm:if name="Name10" func="var" arg="hierBranch" op="equ" val="r">
+              <dgm:choose name="Name11">
+                <dgm:if name="Name12" axis="ch" ptType="asst" func="cnt" op="gte" val="1">
+                  <dgm:alg type="hierRoot">
+                    <dgm:param type="hierAlign" val="tL"/>
+                  </dgm:alg>
+                  <dgm:constrLst>
+                    <dgm:constr type="alignOff" val="0.65"/>
+                  </dgm:constrLst>
+                </dgm:if>
+                <dgm:else name="Name13">
+                  <dgm:alg type="hierRoot">
+                    <dgm:param type="hierAlign" val="tL"/>
+                  </dgm:alg>
+                  <dgm:constrLst>
+                    <dgm:constr type="alignOff" val="0.25"/>
+                  </dgm:constrLst>
+                </dgm:else>
+              </dgm:choose>
+            </dgm:if>
+            <dgm:if name="Name14" func="var" arg="hierBranch" op="equ" val="hang">
+              <dgm:alg type="hierRoot"/>
+              <dgm:constrLst>
+                <dgm:constr type="alignOff" val="0.65"/>
+              </dgm:constrLst>
+            </dgm:if>
+            <dgm:else name="Name15">
+              <dgm:alg type="hierRoot"/>
+              <dgm:constrLst>
+                <dgm:constr type="alignOff"/>
+                <dgm:constr type="bendDist" for="des" ptType="parTrans" refType="sp" fact="0.5"/>
+              </dgm:constrLst>
+            </dgm:else>
+          </dgm:choose>
+          <dgm:shape xmlns:r="http://schemas.openxmlformats.org/officeDocument/2006/relationships" r:blip="">
+            <dgm:adjLst/>
+          </dgm:shape>
+          <dgm:presOf/>
+          <dgm:ruleLst/>
+          <dgm:layoutNode name="rootComposite1">
+            <dgm:alg type="composite"/>
+            <dgm:shape xmlns:r="http://schemas.openxmlformats.org/officeDocument/2006/relationships" r:blip="">
+              <dgm:adjLst/>
+            </dgm:shape>
+            <dgm:presOf axis="self" ptType="node" cnt="1"/>
+            <dgm:choose name="Name16">
+              <dgm:if name="Name17" func="var" arg="hierBranch" op="equ" val="init">
+                <dgm:constrLst>
+                  <dgm:constr type="l" for="ch" forName="rootText1"/>
+                  <dgm:constr type="t" for="ch" forName="rootText1"/>
+                  <dgm:constr type="w" for="ch" forName="rootText1" refType="w"/>
+                  <dgm:constr type="h" for="ch" forName="rootText1" refType="h"/>
+                  <dgm:constr type="l" for="ch" forName="rootConnector1"/>
+                  <dgm:constr type="t" for="ch" forName="rootConnector1"/>
+                  <dgm:constr type="w" for="ch" forName="rootConnector1" refType="w" refFor="ch" refForName="rootText1" fact="0.2"/>
+                  <dgm:constr type="h" for="ch" forName="rootConnector1" refType="h" refFor="ch" refForName="rootText1"/>
+                </dgm:constrLst>
+              </dgm:if>
+              <dgm:if name="Name18" func="var" arg="hierBranch" op="equ" val="l">
+                <dgm:constrLst>
+                  <dgm:constr type="l" for="ch" forName="rootText1"/>
+                  <dgm:constr type="t" for="ch" forName="rootText1"/>
+                  <dgm:constr type="w" for="ch" forName="rootText1" refType="w"/>
+                  <dgm:constr type="h" for="ch" forName="rootText1" refType="h"/>
+                  <dgm:constr type="r" for="ch" forName="rootConnector1" refType="w"/>
+                  <dgm:constr type="t" for="ch" forName="rootConnector1"/>
+                  <dgm:constr type="w" for="ch" forName="rootConnector1" refType="w" refFor="ch" refForName="rootText1" fact="0.2"/>
+                  <dgm:constr type="h" for="ch" forName="rootConnector1" refType="h" refFor="ch" refForName="rootText1"/>
+                </dgm:constrLst>
+              </dgm:if>
+              <dgm:if name="Name19" func="var" arg="hierBranch" op="equ" val="r">
+                <dgm:constrLst>
+                  <dgm:constr type="l" for="ch" forName="rootText1"/>
+                  <dgm:constr type="t" for="ch" forName="rootText1"/>
+                  <dgm:constr type="w" for="ch" forName="rootText1" refType="w"/>
+                  <dgm:constr type="h" for="ch" forName="rootText1" refType="h"/>
+                  <dgm:constr type="l" for="ch" forName="rootConnector1"/>
+                  <dgm:constr type="t" for="ch" forName="rootConnector1"/>
+                  <dgm:constr type="w" for="ch" forName="rootConnector1" refType="w" refFor="ch" refForName="rootText1" fact="0.2"/>
+                  <dgm:constr type="h" for="ch" forName="rootConnector1" refType="h" refFor="ch" refForName="rootText1"/>
+                </dgm:constrLst>
+              </dgm:if>
+              <dgm:else name="Name20">
+                <dgm:constrLst>
+                  <dgm:constr type="l" for="ch" forName="rootText1"/>
+                  <dgm:constr type="t" for="ch" forName="rootText1"/>
+                  <dgm:constr type="w" for="ch" forName="rootText1" refType="w"/>
+                  <dgm:constr type="h" for="ch" forName="rootText1" refType="h"/>
+                  <dgm:constr type="r" for="ch" forName="rootConnector1" refType="w"/>
+                  <dgm:constr type="t" for="ch" forName="rootConnector1"/>
+                  <dgm:constr type="w" for="ch" forName="rootConnector1" refType="w" refFor="ch" refForName="rootText1" fact="0.2"/>
+                  <dgm:constr type="h" for="ch" forName="rootConnector1" refType="h" refFor="ch" refForName="rootText1"/>
+                </dgm:constrLst>
+              </dgm:else>
+            </dgm:choose>
+            <dgm:ruleLst/>
+            <dgm:layoutNode name="rootText1" styleLbl="node0">
+              <dgm:varLst>
+                <dgm:chPref val="3"/>
+              </dgm:varLst>
+              <dgm:alg type="tx"/>
+              <dgm:shape xmlns:r="http://schemas.openxmlformats.org/officeDocument/2006/relationships" type="rect" r:blip="">
+                <dgm:adjLst/>
+              </dgm:shape>
+              <dgm:presOf axis="self" ptType="node" cnt="1"/>
+              <dgm:constrLst>
+                <dgm:constr type="primFontSz" val="65"/>
+                <dgm:constr type="lMarg" refType="primFontSz" fact="0.05"/>
+                <dgm:constr type="rMarg" refType="primFontSz" fact="0.05"/>
+                <dgm:constr type="tMarg" refType="primFontSz" fact="0.05"/>
+                <dgm:constr type="bMarg" refType="primFontSz" fact="0.05"/>
+              </dgm:constrLst>
+              <dgm:ruleLst>
+                <dgm:rule type="primFontSz" val="5" fact="NaN" max="NaN"/>
+              </dgm:ruleLst>
+            </dgm:layoutNode>
+            <dgm:layoutNode name="rootConnector1" moveWith="rootText1">
+              <dgm:alg type="sp"/>
+              <dgm:shape xmlns:r="http://schemas.openxmlformats.org/officeDocument/2006/relationships" type="rect" r:blip="" hideGeom="1">
+                <dgm:adjLst/>
+              </dgm:shape>
+              <dgm:presOf axis="self" ptType="node" cnt="1"/>
+              <dgm:constrLst/>
+              <dgm:ruleLst/>
+            </dgm:layoutNode>
+          </dgm:layoutNode>
+          <dgm:layoutNode name="hierChild2">
+            <dgm:choose name="Name21">
+              <dgm:if name="Name22" func="var" arg="hierBranch" op="equ" val="l">
+                <dgm:alg type="hierChild">
+                  <dgm:param type="chAlign" val="r"/>
+                  <dgm:param type="linDir" val="fromT"/>
+                </dgm:alg>
+              </dgm:if>
+              <dgm:if name="Name23" func="var" arg="hierBranch" op="equ" val="r">
+                <dgm:alg type="hierChild">
+                  <dgm:param type="chAlign" val="l"/>
+                  <dgm:param type="linDir" val="fromT"/>
+                </dgm:alg>
+              </dgm:if>
+              <dgm:if name="Name24" func="var" arg="hierBranch" op="equ" val="hang">
+                <dgm:choose name="Name25">
+                  <dgm:if name="Name26" func="var" arg="dir" op="equ" val="norm">
+                    <dgm:alg type="hierChild">
+                      <dgm:param type="chAlign" val="l"/>
+                      <dgm:param type="linDir" val="fromL"/>
+                      <dgm:param type="secChAlign" val="t"/>
+                      <dgm:param type="secLinDir" val="fromT"/>
+                    </dgm:alg>
+                  </dgm:if>
+                  <dgm:else name="Name27">
+                    <dgm:alg type="hierChild">
+                      <dgm:param type="chAlign" val="l"/>
+                      <dgm:param type="linDir" val="fromR"/>
+                      <dgm:param type="secChAlign" val="t"/>
+                      <dgm:param type="secLinDir" val="fromT"/>
+                    </dgm:alg>
+                  </dgm:else>
+                </dgm:choose>
+              </dgm:if>
+              <dgm:else name="Name28">
+                <dgm:choose name="Name29">
+                  <dgm:if name="Name30" func="var" arg="dir" op="equ" val="norm">
+                    <dgm:alg type="hierChild"/>
+                  </dgm:if>
+                  <dgm:else name="Name31">
+                    <dgm:alg type="hierChild">
+                      <dgm:param type="linDir" val="fromR"/>
+                    </dgm:alg>
+                  </dgm:else>
+                </dgm:choose>
+              </dgm:else>
+            </dgm:choose>
+            <dgm:shape xmlns:r="http://schemas.openxmlformats.org/officeDocument/2006/relationships" r:blip="">
+              <dgm:adjLst/>
+            </dgm:shape>
+            <dgm:presOf/>
+            <dgm:constrLst/>
+            <dgm:ruleLst/>
+            <dgm:forEach name="rep2a" axis="ch" ptType="nonAsst">
+              <dgm:forEach name="Name32" axis="precedSib" ptType="parTrans" st="-1" cnt="1">
+                <dgm:choose name="Name33">
+                  <dgm:if name="Name34" func="var" arg="hierBranch" op="equ" val="std">
+                    <dgm:layoutNode name="Name35">
+                      <dgm:alg type="conn">
+                        <dgm:param type="connRout" val="bend"/>
+                        <dgm:param type="dim" val="1D"/>
+                        <dgm:param type="endSty" val="noArr"/>
+                        <dgm:param type="begPts" val="bCtr"/>
+                        <dgm:param type="endPts" val="tCtr"/>
+                        <dgm:param type="bendPt" val="end"/>
+                      </dgm:alg>
+                      <dgm:shape xmlns:r="http://schemas.openxmlformats.org/officeDocument/2006/relationships" type="conn" r:blip="" zOrderOff="-99999">
+                        <dgm:adjLst/>
+                      </dgm:shape>
+                      <dgm:presOf axis="self"/>
+                      <dgm:constrLst>
+                        <dgm:constr type="begPad"/>
+                        <dgm:constr type="endPad"/>
+                      </dgm:constrLst>
+                      <dgm:ruleLst/>
+                    </dgm:layoutNode>
+                  </dgm:if>
+                  <dgm:if name="Name36" func="var" arg="hierBranch" op="equ" val="init">
+                    <dgm:layoutNode name="Name37">
+                      <dgm:choose name="Name38">
+                        <dgm:if name="Name39" axis="self" func="depth" op="lte" val="2">
+                          <dgm:alg type="conn">
+                            <dgm:param type="connRout" val="bend"/>
+                            <dgm:param type="dim" val="1D"/>
+                            <dgm:param type="endSty" val="noArr"/>
+                            <dgm:param type="begPts" val="bCtr"/>
+                            <dgm:param type="endPts" val="tCtr"/>
+                            <dgm:param type="bendPt" val="end"/>
+                          </dgm:alg>
+                        </dgm:if>
+                        <dgm:else name="Name40">
+                          <dgm:choose name="Name41">
+                            <dgm:if name="Name42" axis="par des" func="maxDepth" op="lte" val="1">
+                              <dgm:choose name="Name43">
+                                <dgm:if name="Name44" axis="par ch" ptType="node asst" func="cnt" op="gte" val="1">
+                                  <dgm:alg type="conn">
+                                    <dgm:param type="connRout" val="bend"/>
+                                    <dgm:param type="dim" val="1D"/>
+                                    <dgm:param type="endSty" val="noArr"/>
+                                    <dgm:param type="begPts" val="bCtr"/>
+                                    <dgm:param type="endPts" val="midL midR"/>
+                                  </dgm:alg>
+                                </dgm:if>
+                                <dgm:else name="Name45">
+                                  <dgm:alg type="conn">
+                                    <dgm:param type="connRout" val="bend"/>
+                                    <dgm:param type="dim" val="1D"/>
+                                    <dgm:param type="endSty" val="noArr"/>
+                                    <dgm:param type="begPts" val="bCtr"/>
+                                    <dgm:param type="endPts" val="midL midR"/>
+                                    <dgm:param type="srcNode" val="rootConnector"/>
+                                  </dgm:alg>
+                                </dgm:else>
+                              </dgm:choose>
+                            </dgm:if>
+                            <dgm:else name="Name46">
+                              <dgm:alg type="conn">
+                                <dgm:param type="connRout" val="bend"/>
+                                <dgm:param type="dim" val="1D"/>
+                                <dgm:param type="endSty" val="noArr"/>
+                                <dgm:param type="begPts" val="bCtr"/>
+                                <dgm:param type="endPts" val="tCtr"/>
+                                <dgm:param type="bendPt" val="end"/>
+                              </dgm:alg>
+                            </dgm:else>
+                          </dgm:choose>
+                        </dgm:else>
+                      </dgm:choose>
+                      <dgm:shape xmlns:r="http://schemas.openxmlformats.org/officeDocument/2006/relationships" type="conn" r:blip="" zOrderOff="-99999">
+                        <dgm:adjLst/>
+                      </dgm:shape>
+                      <dgm:presOf axis="self"/>
+                      <dgm:constrLst>
+                        <dgm:constr type="begPad"/>
+                        <dgm:constr type="endPad"/>
+                      </dgm:constrLst>
+                      <dgm:ruleLst/>
+                    </dgm:layoutNode>
+                  </dgm:if>
+                  <dgm:if name="Name47" func="var" arg="hierBranch" op="equ" val="hang">
+                    <dgm:layoutNode name="Name48">
+                      <dgm:alg type="conn">
+                        <dgm:param type="connRout" val="bend"/>
+                        <dgm:param type="dim" val="1D"/>
+                        <dgm:param type="endSty" val="noArr"/>
+                        <dgm:param type="begPts" val="bCtr"/>
+                        <dgm:param type="endPts" val="midL midR"/>
+                      </dgm:alg>
+                      <dgm:shape xmlns:r="http://schemas.openxmlformats.org/officeDocument/2006/relationships" type="conn" r:blip="" zOrderOff="-99999">
+                        <dgm:adjLst/>
+                      </dgm:shape>
+                      <dgm:presOf axis="self"/>
+                      <dgm:constrLst>
+                        <dgm:constr type="begPad"/>
+                        <dgm:constr type="endPad"/>
+                      </dgm:constrLst>
+                      <dgm:ruleLst/>
+                    </dgm:layoutNode>
+                  </dgm:if>
+                  <dgm:else name="Name49">
+                    <dgm:layoutNode name="Name50">
+                      <dgm:choose name="Name51">
+                        <dgm:if name="Name52" axis="self" func="depth" op="lte" val="2">
+                          <dgm:choose name="Name53">
+                            <dgm:if name="Name54" axis="par ch" ptType="node asst" func="cnt" op="gte" val="1">
+                              <dgm:alg type="conn">
+                                <dgm:param type="connRout" val="bend"/>
+                                <dgm:param type="dim" val="1D"/>
+                                <dgm:param type="endSty" val="noArr"/>
+                                <dgm:param type="begPts" val="bCtr"/>
+                                <dgm:param type="endPts" val="midL midR"/>
+                              </dgm:alg>
+                            </dgm:if>
+                            <dgm:else name="Name55">
+                              <dgm:alg type="conn">
+                                <dgm:param type="connRout" val="bend"/>
+                                <dgm:param type="dim" val="1D"/>
+                                <dgm:param type="endSty" val="noArr"/>
+                                <dgm:param type="begPts" val="bCtr"/>
+                                <dgm:param type="endPts" val="midL midR"/>
+                                <dgm:param type="srcNode" val="rootConnector1"/>
+                              </dgm:alg>
+                            </dgm:else>
+                          </dgm:choose>
+                        </dgm:if>
+                        <dgm:else name="Name56">
+                          <dgm:choose name="Name57">
+                            <dgm:if name="Name58" axis="par ch" ptType="node asst" func="cnt" op="gte" val="1">
+                              <dgm:alg type="conn">
+                                <dgm:param type="connRout" val="bend"/>
+                                <dgm:param type="dim" val="1D"/>
+                                <dgm:param type="endSty" val="noArr"/>
+                                <dgm:param type="begPts" val="bCtr"/>
+                                <dgm:param type="endPts" val="midL midR"/>
+                              </dgm:alg>
+                            </dgm:if>
+                            <dgm:else name="Name59">
+                              <dgm:alg type="conn">
+                                <dgm:param type="connRout" val="bend"/>
+                                <dgm:param type="dim" val="1D"/>
+                                <dgm:param type="endSty" val="noArr"/>
+                                <dgm:param type="begPts" val="bCtr"/>
+                                <dgm:param type="endPts" val="midL midR"/>
+                                <dgm:param type="srcNode" val="rootConnector"/>
+                              </dgm:alg>
+                            </dgm:else>
+                          </dgm:choose>
+                        </dgm:else>
+                      </dgm:choose>
+                      <dgm:shape xmlns:r="http://schemas.openxmlformats.org/officeDocument/2006/relationships" type="conn" r:blip="" zOrderOff="-99999">
+                        <dgm:adjLst/>
+                      </dgm:shape>
+                      <dgm:presOf axis="self"/>
+                      <dgm:constrLst>
+                        <dgm:constr type="begPad"/>
+                        <dgm:constr type="endPad"/>
+                      </dgm:constrLst>
+                      <dgm:ruleLst/>
+                    </dgm:layoutNode>
+                  </dgm:else>
+                </dgm:choose>
+              </dgm:forEach>
+              <dgm:layoutNode name="hierRoot2">
+                <dgm:varLst>
+                  <dgm:hierBranch val="init"/>
+                </dgm:varLst>
+                <dgm:choose name="Name60">
+                  <dgm:if name="Name61" func="var" arg="hierBranch" op="equ" val="l">
+                    <dgm:choose name="Name62">
+                      <dgm:if name="Name63" axis="ch" ptType="asst" func="cnt" op="gte" val="1">
+                        <dgm:alg type="hierRoot">
+                          <dgm:param type="hierAlign" val="tR"/>
+                        </dgm:alg>
+                        <dgm:shape xmlns:r="http://schemas.openxmlformats.org/officeDocument/2006/relationships" r:blip="">
+                          <dgm:adjLst/>
+                        </dgm:shape>
+                        <dgm:presOf/>
+                        <dgm:constrLst>
+                          <dgm:constr type="alignOff" val="0.65"/>
+                        </dgm:constrLst>
+                      </dgm:if>
+                      <dgm:else name="Name64">
+                        <dgm:alg type="hierRoot">
+                          <dgm:param type="hierAlign" val="tR"/>
+                        </dgm:alg>
+                        <dgm:shape xmlns:r="http://schemas.openxmlformats.org/officeDocument/2006/relationships" r:blip="">
+                          <dgm:adjLst/>
+                        </dgm:shape>
+                        <dgm:presOf/>
+                        <dgm:constrLst>
+                          <dgm:constr type="alignOff" val="0.25"/>
+                        </dgm:constrLst>
+                      </dgm:else>
+                    </dgm:choose>
+                  </dgm:if>
+                  <dgm:if name="Name65" func="var" arg="hierBranch" op="equ" val="r">
+                    <dgm:choose name="Name66">
+                      <dgm:if name="Name67" axis="ch" ptType="asst" func="cnt" op="gte" val="1">
+                        <dgm:alg type="hierRoot">
+                          <dgm:param type="hierAlign" val="tL"/>
+                        </dgm:alg>
+                        <dgm:shape xmlns:r="http://schemas.openxmlformats.org/officeDocument/2006/relationships" r:blip="">
+                          <dgm:adjLst/>
+                        </dgm:shape>
+                        <dgm:presOf/>
+                        <dgm:constrLst>
+                          <dgm:constr type="alignOff" val="0.65"/>
+                        </dgm:constrLst>
+                      </dgm:if>
+                      <dgm:else name="Name68">
+                        <dgm:alg type="hierRoot">
+                          <dgm:param type="hierAlign" val="tL"/>
+                        </dgm:alg>
+                        <dgm:shape xmlns:r="http://schemas.openxmlformats.org/officeDocument/2006/relationships" r:blip="">
+                          <dgm:adjLst/>
+                        </dgm:shape>
+                        <dgm:presOf/>
+                        <dgm:constrLst>
+                          <dgm:constr type="alignOff" val="0.25"/>
+                        </dgm:constrLst>
+                      </dgm:else>
+                    </dgm:choose>
+                  </dgm:if>
+                  <dgm:if name="Name69" func="var" arg="hierBranch" op="equ" val="std">
+                    <dgm:alg type="hierRoot"/>
+                    <dgm:shape xmlns:r="http://schemas.openxmlformats.org/officeDocument/2006/relationships" r:blip="">
+                      <dgm:adjLst/>
+                    </dgm:shape>
+                    <dgm:presOf/>
+                    <dgm:constrLst>
+                      <dgm:constr type="alignOff"/>
+                      <dgm:constr type="bendDist" for="des" ptType="parTrans" refType="sp" fact="0.5"/>
+                    </dgm:constrLst>
+                  </dgm:if>
+                  <dgm:if name="Name70" func="var" arg="hierBranch" op="equ" val="init">
+                    <dgm:choose name="Name71">
+                      <dgm:if name="Name72" axis="des" func="maxDepth" op="lte" val="1">
+                        <dgm:choose name="Name73">
+                          <dgm:if name="Name74" axis="ch" ptType="asst" func="cnt" op="gte" val="1">
+                            <dgm:alg type="hierRoot">
+                              <dgm:param type="hierAlign" val="tL"/>
+                            </dgm:alg>
+                            <dgm:shape xmlns:r="http://schemas.openxmlformats.org/officeDocument/2006/relationships" r:blip="">
+                              <dgm:adjLst/>
+                            </dgm:shape>
+                            <dgm:presOf/>
+                            <dgm:constrLst>
+                              <dgm:constr type="alignOff" val="0.65"/>
+                            </dgm:constrLst>
+                          </dgm:if>
+                          <dgm:else name="Name75">
+                            <dgm:alg type="hierRoot">
+                              <dgm:param type="hierAlign" val="tL"/>
+                            </dgm:alg>
+                            <dgm:shape xmlns:r="http://schemas.openxmlformats.org/officeDocument/2006/relationships" r:blip="">
+                              <dgm:adjLst/>
+                            </dgm:shape>
+                            <dgm:presOf/>
+                            <dgm:constrLst>
+                              <dgm:constr type="alignOff" val="0.25"/>
+                            </dgm:constrLst>
+                          </dgm:else>
+                        </dgm:choose>
+                      </dgm:if>
+                      <dgm:else name="Name76">
+                        <dgm:alg type="hierRoot"/>
+                        <dgm:shape xmlns:r="http://schemas.openxmlformats.org/officeDocument/2006/relationships" r:blip="">
+                          <dgm:adjLst/>
+                        </dgm:shape>
+                        <dgm:presOf/>
+                        <dgm:constrLst>
+                          <dgm:constr type="alignOff"/>
+                          <dgm:constr type="bendDist" for="des" ptType="parTrans" refType="sp" fact="0.5"/>
+                        </dgm:constrLst>
+                      </dgm:else>
+                    </dgm:choose>
+                  </dgm:if>
+                  <dgm:else name="Name77">
+                    <dgm:alg type="hierRoot"/>
+                    <dgm:shape xmlns:r="http://schemas.openxmlformats.org/officeDocument/2006/relationships" r:blip="">
+                      <dgm:adjLst/>
+                    </dgm:shape>
+                    <dgm:presOf/>
+                    <dgm:constrLst>
+                      <dgm:constr type="alignOff" val="0.65"/>
+                    </dgm:constrLst>
+                  </dgm:else>
+                </dgm:choose>
+                <dgm:ruleLst/>
+                <dgm:layoutNode name="rootComposite">
+                  <dgm:alg type="composite"/>
+                  <dgm:shape xmlns:r="http://schemas.openxmlformats.org/officeDocument/2006/relationships" r:blip="">
+                    <dgm:adjLst/>
+                  </dgm:shape>
+                  <dgm:presOf axis="self" ptType="node" cnt="1"/>
+                  <dgm:choose name="Name78">
+                    <dgm:if name="Name79" func="var" arg="hierBranch" op="equ" val="init">
+                      <dgm:constrLst>
+                        <dgm:constr type="l" for="ch" forName="rootText"/>
+                        <dgm:constr type="t" for="ch" forName="rootText"/>
+                        <dgm:constr type="w" for="ch" forName="rootText" refType="w"/>
+                        <dgm:constr type="h" for="ch" forName="rootText" refType="h"/>
+                        <dgm:constr type="l" for="ch" forName="rootConnector"/>
+                        <dgm:constr type="t" for="ch" forName="rootConnector"/>
+                        <dgm:constr type="w" for="ch" forName="rootConnector" refType="w" refFor="ch" refForName="rootText" fact="0.2"/>
+                        <dgm:constr type="h" for="ch" forName="rootConnector" refType="h" refFor="ch" refForName="rootText"/>
+                      </dgm:constrLst>
+                    </dgm:if>
+                    <dgm:if name="Name80" func="var" arg="hierBranch" op="equ" val="l">
+                      <dgm:constrLst>
+                        <dgm:constr type="l" for="ch" forName="rootText"/>
+                        <dgm:constr type="t" for="ch" forName="rootText"/>
+                        <dgm:constr type="w" for="ch" forName="rootText" refType="w"/>
+                        <dgm:constr type="h" for="ch" forName="rootText" refType="h"/>
+                        <dgm:constr type="r" for="ch" forName="rootConnector" refType="w"/>
+                        <dgm:constr type="t" for="ch" forName="rootConnector"/>
+                        <dgm:constr type="w" for="ch" forName="rootConnector" refType="w" refFor="ch" refForName="rootText" fact="0.2"/>
+                        <dgm:constr type="h" for="ch" forName="rootConnector" refType="h" refFor="ch" refForName="rootText"/>
+                      </dgm:constrLst>
+                    </dgm:if>
+                    <dgm:if name="Name81" func="var" arg="hierBranch" op="equ" val="r">
+                      <dgm:constrLst>
+                        <dgm:constr type="l" for="ch" forName="rootText"/>
+                        <dgm:constr type="t" for="ch" forName="rootText"/>
+                        <dgm:constr type="w" for="ch" forName="rootText" refType="w"/>
+                        <dgm:constr type="h" for="ch" forName="rootText" refType="h"/>
+                        <dgm:constr type="l" for="ch" forName="rootConnector"/>
+                        <dgm:constr type="t" for="ch" forName="rootConnector"/>
+                        <dgm:constr type="w" for="ch" forName="rootConnector" refType="w" refFor="ch" refForName="rootText" fact="0.2"/>
+                        <dgm:constr type="h" for="ch" forName="rootConnector" refType="h" refFor="ch" refForName="rootText"/>
+                      </dgm:constrLst>
+                    </dgm:if>
+                    <dgm:else name="Name82">
+                      <dgm:constrLst>
+                        <dgm:constr type="l" for="ch" forName="rootText"/>
+                        <dgm:constr type="t" for="ch" forName="rootText"/>
+                        <dgm:constr type="w" for="ch" forName="rootText" refType="w"/>
+                        <dgm:constr type="h" for="ch" forName="rootText" refType="h"/>
+                        <dgm:constr type="r" for="ch" forName="rootConnector" refType="w"/>
+                        <dgm:constr type="t" for="ch" forName="rootConnector"/>
+                        <dgm:constr type="w" for="ch" forName="rootConnector" refType="w" refFor="ch" refForName="rootText" fact="0.2"/>
+                        <dgm:constr type="h" for="ch" forName="rootConnector" refType="h" refFor="ch" refForName="rootText"/>
+                      </dgm:constrLst>
+                    </dgm:else>
+                  </dgm:choose>
+                  <dgm:ruleLst/>
+                  <dgm:layoutNode name="rootText">
+                    <dgm:varLst>
+                      <dgm:chPref val="3"/>
+                    </dgm:varLst>
+                    <dgm:alg type="tx"/>
+                    <dgm:shape xmlns:r="http://schemas.openxmlformats.org/officeDocument/2006/relationships" type="rect" r:blip="">
+                      <dgm:adjLst/>
+                    </dgm:shape>
+                    <dgm:presOf axis="self" ptType="node" cnt="1"/>
+                    <dgm:constrLst>
+                      <dgm:constr type="primFontSz" val="65"/>
+                      <dgm:constr type="lMarg" refType="primFontSz" fact="0.05"/>
+                      <dgm:constr type="rMarg" refType="primFontSz" fact="0.05"/>
+                      <dgm:constr type="tMarg" refType="primFontSz" fact="0.05"/>
+                      <dgm:constr type="bMarg" refType="primFontSz" fact="0.05"/>
+                    </dgm:constrLst>
+                    <dgm:ruleLst>
+                      <dgm:rule type="primFontSz" val="5" fact="NaN" max="NaN"/>
+                    </dgm:ruleLst>
+                  </dgm:layoutNode>
+                  <dgm:layoutNode name="rootConnector" moveWith="rootText">
+                    <dgm:alg type="sp"/>
+                    <dgm:shape xmlns:r="http://schemas.openxmlformats.org/officeDocument/2006/relationships" type="rect" r:blip="" hideGeom="1">
+                      <dgm:adjLst/>
+                    </dgm:shape>
+                    <dgm:presOf axis="self" ptType="node" cnt="1"/>
+                    <dgm:constrLst/>
+                    <dgm:ruleLst/>
+                  </dgm:layoutNode>
+                </dgm:layoutNode>
+                <dgm:layoutNode name="hierChild4">
+                  <dgm:choose name="Name83">
+                    <dgm:if name="Name84" func="var" arg="hierBranch" op="equ" val="l">
+                      <dgm:alg type="hierChild">
+                        <dgm:param type="chAlign" val="r"/>
+                        <dgm:param type="linDir" val="fromT"/>
+                      </dgm:alg>
+                    </dgm:if>
+                    <dgm:if name="Name85" func="var" arg="hierBranch" op="equ" val="r">
+                      <dgm:alg type="hierChild">
+                        <dgm:param type="chAlign" val="l"/>
+                        <dgm:param type="linDir" val="fromT"/>
+                      </dgm:alg>
+                    </dgm:if>
+                    <dgm:if name="Name86" func="var" arg="hierBranch" op="equ" val="hang">
+                      <dgm:choose name="Name87">
+                        <dgm:if name="Name88" func="var" arg="dir" op="equ" val="norm">
+                          <dgm:alg type="hierChild">
+                            <dgm:param type="chAlign" val="l"/>
+                            <dgm:param type="linDir" val="fromL"/>
+                            <dgm:param type="secChAlign" val="t"/>
+                            <dgm:param type="secLinDir" val="fromT"/>
+                          </dgm:alg>
+                        </dgm:if>
+                        <dgm:else name="Name89">
+                          <dgm:alg type="hierChild">
+                            <dgm:param type="chAlign" val="l"/>
+                            <dgm:param type="linDir" val="fromR"/>
+                            <dgm:param type="secChAlign" val="t"/>
+                            <dgm:param type="secLinDir" val="fromT"/>
+                          </dgm:alg>
+                        </dgm:else>
+                      </dgm:choose>
+                    </dgm:if>
+                    <dgm:if name="Name90" func="var" arg="hierBranch" op="equ" val="std">
+                      <dgm:choose name="Name91">
+                        <dgm:if name="Name92" func="var" arg="dir" op="equ" val="norm">
+                          <dgm:alg type="hierChild"/>
+                        </dgm:if>
+                        <dgm:else name="Name93">
+                          <dgm:alg type="hierChild">
+                            <dgm:param type="linDir" val="fromR"/>
+                          </dgm:alg>
+                        </dgm:else>
+                      </dgm:choose>
+                    </dgm:if>
+                    <dgm:if name="Name94" func="var" arg="hierBranch" op="equ" val="init">
+                      <dgm:choose name="Name95">
+                        <dgm:if name="Name96" axis="des" func="maxDepth" op="lte" val="1">
+                          <dgm:alg type="hierChild">
+                            <dgm:param type="chAlign" val="l"/>
+                            <dgm:param type="linDir" val="fromT"/>
+                          </dgm:alg>
+                        </dgm:if>
+                        <dgm:else name="Name97">
+                          <dgm:choose name="Name98">
+                            <dgm:if name="Name99" func="var" arg="dir" op="equ" val="norm">
+                              <dgm:alg type="hierChild"/>
+                            </dgm:if>
+                            <dgm:else name="Name100">
+                              <dgm:alg type="hierChild">
+                                <dgm:param type="linDir" val="fromR"/>
+                              </dgm:alg>
+                            </dgm:else>
+                          </dgm:choose>
+                        </dgm:else>
+                      </dgm:choose>
+                    </dgm:if>
+                    <dgm:else name="Name101"/>
+                  </dgm:choose>
+                  <dgm:shape xmlns:r="http://schemas.openxmlformats.org/officeDocument/2006/relationships" r:blip="">
+                    <dgm:adjLst/>
+                  </dgm:shape>
+                  <dgm:presOf/>
+                  <dgm:constrLst/>
+                  <dgm:ruleLst/>
+                  <dgm:forEach name="Name102" ref="rep2a"/>
+                </dgm:layoutNode>
+                <dgm:layoutNode name="hierChild5">
+                  <dgm:choose name="Name103">
+                    <dgm:if name="Name104" func="var" arg="dir" op="equ" val="norm">
+                      <dgm:alg type="hierChild">
+                        <dgm:param type="chAlign" val="l"/>
+                        <dgm:param type="linDir" val="fromL"/>
+                        <dgm:param type="secChAlign" val="t"/>
+                        <dgm:param type="secLinDir" val="fromT"/>
+                      </dgm:alg>
+                    </dgm:if>
+                    <dgm:else name="Name105">
+                      <dgm:alg type="hierChild">
+                        <dgm:param type="chAlign" val="l"/>
+                        <dgm:param type="linDir" val="fromR"/>
+                        <dgm:param type="secChAlign" val="t"/>
+                        <dgm:param type="secLinDir" val="fromT"/>
+                      </dgm:alg>
+                    </dgm:else>
+                  </dgm:choose>
+                  <dgm:shape xmlns:r="http://schemas.openxmlformats.org/officeDocument/2006/relationships" r:blip="">
+                    <dgm:adjLst/>
+                  </dgm:shape>
+                  <dgm:presOf/>
+                  <dgm:constrLst/>
+                  <dgm:ruleLst/>
+                  <dgm:forEach name="Name106" ref="rep2b"/>
+                </dgm:layoutNode>
+              </dgm:layoutNode>
+            </dgm:forEach>
+          </dgm:layoutNode>
+          <dgm:layoutNode name="hierChild3">
+            <dgm:choose name="Name107">
+              <dgm:if name="Name108" func="var" arg="dir" op="equ" val="norm">
+                <dgm:alg type="hierChild">
+                  <dgm:param type="chAlign" val="l"/>
+                  <dgm:param type="linDir" val="fromL"/>
+                  <dgm:param type="secChAlign" val="t"/>
+                  <dgm:param type="secLinDir" val="fromT"/>
+                </dgm:alg>
+              </dgm:if>
+              <dgm:else name="Name109">
+                <dgm:alg type="hierChild">
+                  <dgm:param type="chAlign" val="l"/>
+                  <dgm:param type="linDir" val="fromR"/>
+                  <dgm:param type="secChAlign" val="t"/>
+                  <dgm:param type="secLinDir" val="fromT"/>
+                </dgm:alg>
+              </dgm:else>
+            </dgm:choose>
+            <dgm:shape xmlns:r="http://schemas.openxmlformats.org/officeDocument/2006/relationships" r:blip="">
+              <dgm:adjLst/>
+            </dgm:shape>
+            <dgm:presOf/>
+            <dgm:constrLst/>
+            <dgm:ruleLst/>
+            <dgm:forEach name="rep2b" axis="ch" ptType="asst">
+              <dgm:forEach name="Name110" axis="precedSib" ptType="parTrans" st="-1" cnt="1">
+                <dgm:layoutNode name="Name111">
+                  <dgm:alg type="conn">
+                    <dgm:param type="connRout" val="bend"/>
+                    <dgm:param type="dim" val="1D"/>
+                    <dgm:param type="endSty" val="noArr"/>
+                    <dgm:param type="begPts" val="bCtr"/>
+                    <dgm:param type="endPts" val="midL midR"/>
+                  </dgm:alg>
+                  <dgm:shape xmlns:r="http://schemas.openxmlformats.org/officeDocument/2006/relationships" type="conn" r:blip="" zOrderOff="-99999">
+                    <dgm:adjLst/>
+                  </dgm:shape>
+                  <dgm:presOf axis="self"/>
+                  <dgm:constrLst>
+                    <dgm:constr type="begPad"/>
+                    <dgm:constr type="endPad"/>
+                  </dgm:constrLst>
+                  <dgm:ruleLst/>
+                </dgm:layoutNode>
+              </dgm:forEach>
+              <dgm:layoutNode name="hierRoot3">
+                <dgm:varLst>
+                  <dgm:hierBranch val="init"/>
+                </dgm:varLst>
+                <dgm:choose name="Name112">
+                  <dgm:if name="Name113" func="var" arg="hierBranch" op="equ" val="l">
+                    <dgm:alg type="hierRoot">
+                      <dgm:param type="hierAlign" val="tR"/>
+                    </dgm:alg>
+                    <dgm:shape xmlns:r="http://schemas.openxmlformats.org/officeDocument/2006/relationships" r:blip="">
+                      <dgm:adjLst/>
+                    </dgm:shape>
+                    <dgm:presOf/>
+                    <dgm:constrLst>
+                      <dgm:constr type="alignOff" val="0.65"/>
+                    </dgm:constrLst>
+                  </dgm:if>
+                  <dgm:if name="Name114" func="var" arg="hierBranch" op="equ" val="r">
+                    <dgm:alg type="hierRoot">
+                      <dgm:param type="hierAlign" val="tL"/>
+                    </dgm:alg>
+                    <dgm:shape xmlns:r="http://schemas.openxmlformats.org/officeDocument/2006/relationships" r:blip="">
+                      <dgm:adjLst/>
+                    </dgm:shape>
+                    <dgm:presOf/>
+                    <dgm:constrLst>
+                      <dgm:constr type="alignOff" val="0.65"/>
+                    </dgm:constrLst>
+                  </dgm:if>
+                  <dgm:if name="Name115" func="var" arg="hierBranch" op="equ" val="hang">
+                    <dgm:alg type="hierRoot"/>
+                    <dgm:shape xmlns:r="http://schemas.openxmlformats.org/officeDocument/2006/relationships" r:blip="">
+                      <dgm:adjLst/>
+                    </dgm:shape>
+                    <dgm:presOf/>
+                    <dgm:constrLst>
+                      <dgm:constr type="alignOff" val="0.65"/>
+                    </dgm:constrLst>
+                  </dgm:if>
+                  <dgm:if name="Name116" func="var" arg="hierBranch" op="equ" val="std">
+                    <dgm:alg type="hierRoot"/>
+                    <dgm:shape xmlns:r="http://schemas.openxmlformats.org/officeDocument/2006/relationships" r:blip="">
+                      <dgm:adjLst/>
+                    </dgm:shape>
+                    <dgm:presOf/>
+                    <dgm:constrLst>
+                      <dgm:constr type="alignOff"/>
+                      <dgm:constr type="bendDist" for="des" ptType="parTrans" refType="sp" fact="0.5"/>
+                    </dgm:constrLst>
+                  </dgm:if>
+                  <dgm:if name="Name117" func="var" arg="hierBranch" op="equ" val="init">
+                    <dgm:choose name="Name118">
+                      <dgm:if name="Name119" axis="des" func="maxDepth" op="lte" val="1">
+                        <dgm:alg type="hierRoot">
+                          <dgm:param type="hierAlign" val="tL"/>
+                        </dgm:alg>
+                        <dgm:shape xmlns:r="http://schemas.openxmlformats.org/officeDocument/2006/relationships" r:blip="">
+                          <dgm:adjLst/>
+                        </dgm:shape>
+                        <dgm:presOf/>
+                        <dgm:constrLst>
+                          <dgm:constr type="alignOff" val="0.65"/>
+                        </dgm:constrLst>
+                      </dgm:if>
+                      <dgm:else name="Name120">
+                        <dgm:alg type="hierRoot"/>
+                        <dgm:shape xmlns:r="http://schemas.openxmlformats.org/officeDocument/2006/relationships" r:blip="">
+                          <dgm:adjLst/>
+                        </dgm:shape>
+                        <dgm:presOf/>
+                        <dgm:constrLst>
+                          <dgm:constr type="alignOff"/>
+                          <dgm:constr type="bendDist" for="des" ptType="parTrans" refType="sp" fact="0.5"/>
+                        </dgm:constrLst>
+                      </dgm:else>
+                    </dgm:choose>
+                  </dgm:if>
+                  <dgm:else name="Name121"/>
+                </dgm:choose>
+                <dgm:ruleLst/>
+                <dgm:layoutNode name="rootComposite3">
+                  <dgm:alg type="composite"/>
+                  <dgm:shape xmlns:r="http://schemas.openxmlformats.org/officeDocument/2006/relationships" r:blip="">
+                    <dgm:adjLst/>
+                  </dgm:shape>
+                  <dgm:presOf axis="self" ptType="node" cnt="1"/>
+                  <dgm:choose name="Name122">
+                    <dgm:if name="Name123" func="var" arg="hierBranch" op="equ" val="init">
+                      <dgm:constrLst>
+                        <dgm:constr type="l" for="ch" forName="rootText3"/>
+                        <dgm:constr type="t" for="ch" forName="rootText3"/>
+                        <dgm:constr type="w" for="ch" forName="rootText3" refType="w"/>
+                        <dgm:constr type="h" for="ch" forName="rootText3" refType="h"/>
+                        <dgm:constr type="l" for="ch" forName="rootConnector3"/>
+                        <dgm:constr type="t" for="ch" forName="rootConnector3"/>
+                        <dgm:constr type="w" for="ch" forName="rootConnector3" refType="w" refFor="ch" refForName="rootText3" fact="0.2"/>
+                        <dgm:constr type="h" for="ch" forName="rootConnector3" refType="h" refFor="ch" refForName="rootText3"/>
+                      </dgm:constrLst>
+                    </dgm:if>
+                    <dgm:if name="Name124" func="var" arg="hierBranch" op="equ" val="l">
+                      <dgm:constrLst>
+                        <dgm:constr type="l" for="ch" forName="rootText3"/>
+                        <dgm:constr type="t" for="ch" forName="rootText3"/>
+                        <dgm:constr type="w" for="ch" forName="rootText3" refType="w"/>
+                        <dgm:constr type="h" for="ch" forName="rootText3" refType="h"/>
+                        <dgm:constr type="r" for="ch" forName="rootConnector3" refType="w"/>
+                        <dgm:constr type="t" for="ch" forName="rootConnector3"/>
+                        <dgm:constr type="w" for="ch" forName="rootConnector3" refType="w" refFor="ch" refForName="rootText3" fact="0.2"/>
+                        <dgm:constr type="h" for="ch" forName="rootConnector3" refType="h" refFor="ch" refForName="rootText3"/>
+                      </dgm:constrLst>
+                    </dgm:if>
+                    <dgm:if name="Name125" func="var" arg="hierBranch" op="equ" val="r">
+                      <dgm:constrLst>
+                        <dgm:constr type="l" for="ch" forName="rootText3"/>
+                        <dgm:constr type="t" for="ch" forName="rootText3"/>
+                        <dgm:constr type="w" for="ch" forName="rootText3" refType="w"/>
+                        <dgm:constr type="h" for="ch" forName="rootText3" refType="h"/>
+                        <dgm:constr type="l" for="ch" forName="rootConnector3"/>
+                        <dgm:constr type="t" for="ch" forName="rootConnector3"/>
+                        <dgm:constr type="w" for="ch" forName="rootConnector3" refType="w" refFor="ch" refForName="rootText3" fact="0.2"/>
+                        <dgm:constr type="h" for="ch" forName="rootConnector3" refType="h" refFor="ch" refForName="rootText3"/>
+                      </dgm:constrLst>
+                    </dgm:if>
+                    <dgm:else name="Name126">
+                      <dgm:constrLst>
+                        <dgm:constr type="l" for="ch" forName="rootText3"/>
+                        <dgm:constr type="t" for="ch" forName="rootText3"/>
+                        <dgm:constr type="w" for="ch" forName="rootText3" refType="w"/>
+                        <dgm:constr type="h" for="ch" forName="rootText3" refType="h"/>
+                        <dgm:constr type="r" for="ch" forName="rootConnector3" refType="w"/>
+                        <dgm:constr type="t" for="ch" forName="rootConnector3"/>
+                        <dgm:constr type="w" for="ch" forName="rootConnector3" refType="w" refFor="ch" refForName="rootText3" fact="0.2"/>
+                        <dgm:constr type="h" for="ch" forName="rootConnector3" refType="h" refFor="ch" refForName="rootText3"/>
+                      </dgm:constrLst>
+                    </dgm:else>
+                  </dgm:choose>
+                  <dgm:ruleLst/>
+                  <dgm:layoutNode name="rootText3">
+                    <dgm:varLst>
+                      <dgm:chPref val="3"/>
+                    </dgm:varLst>
+                    <dgm:alg type="tx"/>
+                    <dgm:shape xmlns:r="http://schemas.openxmlformats.org/officeDocument/2006/relationships" type="rect" r:blip="">
+                      <dgm:adjLst/>
+                    </dgm:shape>
+                    <dgm:presOf axis="self" ptType="node" cnt="1"/>
+                    <dgm:constrLst>
+                      <dgm:constr type="primFontSz" val="65"/>
+                      <dgm:constr type="lMarg" refType="primFontSz" fact="0.05"/>
+                      <dgm:constr type="rMarg" refType="primFontSz" fact="0.05"/>
+                      <dgm:constr type="tMarg" refType="primFontSz" fact="0.05"/>
+                      <dgm:constr type="bMarg" refType="primFontSz" fact="0.05"/>
+                    </dgm:constrLst>
+                    <dgm:ruleLst>
+                      <dgm:rule type="primFontSz" val="5" fact="NaN" max="NaN"/>
+                    </dgm:ruleLst>
+                  </dgm:layoutNode>
+                  <dgm:layoutNode name="rootConnector3" moveWith="rootText1">
+                    <dgm:alg type="sp"/>
+                    <dgm:shape xmlns:r="http://schemas.openxmlformats.org/officeDocument/2006/relationships" type="rect" r:blip="" hideGeom="1">
+                      <dgm:adjLst/>
+                    </dgm:shape>
+                    <dgm:presOf axis="self" ptType="node" cnt="1"/>
+                    <dgm:constrLst/>
+                    <dgm:ruleLst/>
+                  </dgm:layoutNode>
+                </dgm:layoutNode>
+                <dgm:layoutNode name="hierChild6">
+                  <dgm:choose name="Name127">
+                    <dgm:if name="Name128" func="var" arg="hierBranch" op="equ" val="l">
+                      <dgm:alg type="hierChild">
+                        <dgm:param type="chAlign" val="r"/>
+                        <dgm:param type="linDir" val="fromT"/>
+                      </dgm:alg>
+                    </dgm:if>
+                    <dgm:if name="Name129" func="var" arg="hierBranch" op="equ" val="r">
+                      <dgm:alg type="hierChild">
+                        <dgm:param type="chAlign" val="l"/>
+                        <dgm:param type="linDir" val="fromT"/>
+                      </dgm:alg>
+                    </dgm:if>
+                    <dgm:if name="Name130" func="var" arg="hierBranch" op="equ" val="hang">
+                      <dgm:choose name="Name131">
+                        <dgm:if name="Name132" func="var" arg="dir" op="equ" val="norm">
+                          <dgm:alg type="hierChild">
+                            <dgm:param type="chAlign" val="l"/>
+                            <dgm:param type="linDir" val="fromL"/>
+                            <dgm:param type="secChAlign" val="t"/>
+                            <dgm:param type="secLinDir" val="fromT"/>
+                          </dgm:alg>
+                        </dgm:if>
+                        <dgm:else name="Name133">
+                          <dgm:alg type="hierChild">
+                            <dgm:param type="chAlign" val="l"/>
+                            <dgm:param type="linDir" val="fromR"/>
+                            <dgm:param type="secChAlign" val="t"/>
+                            <dgm:param type="secLinDir" val="fromT"/>
+                          </dgm:alg>
+                        </dgm:else>
+                      </dgm:choose>
+                    </dgm:if>
+                    <dgm:if name="Name134" func="var" arg="hierBranch" op="equ" val="std">
+                      <dgm:choose name="Name135">
+                        <dgm:if name="Name136" func="var" arg="dir" op="equ" val="norm">
+                          <dgm:alg type="hierChild"/>
+                        </dgm:if>
+                        <dgm:else name="Name137">
+                          <dgm:alg type="hierChild">
+                            <dgm:param type="linDir" val="fromR"/>
+                          </dgm:alg>
+                        </dgm:else>
+                      </dgm:choose>
+                    </dgm:if>
+                    <dgm:if name="Name138" func="var" arg="hierBranch" op="equ" val="init">
+                      <dgm:choose name="Name139">
+                        <dgm:if name="Name140" axis="des" func="maxDepth" op="lte" val="1">
+                          <dgm:alg type="hierChild">
+                            <dgm:param type="chAlign" val="l"/>
+                            <dgm:param type="linDir" val="fromT"/>
+                          </dgm:alg>
+                        </dgm:if>
+                        <dgm:else name="Name141">
+                          <dgm:alg type="hierChild"/>
+                        </dgm:else>
+                      </dgm:choose>
+                    </dgm:if>
+                    <dgm:else name="Name142"/>
+                  </dgm:choose>
+                  <dgm:shape xmlns:r="http://schemas.openxmlformats.org/officeDocument/2006/relationships" r:blip="">
+                    <dgm:adjLst/>
+                  </dgm:shape>
+                  <dgm:presOf/>
+                  <dgm:constrLst/>
+                  <dgm:ruleLst/>
+                  <dgm:forEach name="Name143" ref="rep2a"/>
+                </dgm:layoutNode>
+                <dgm:layoutNode name="hierChild7">
+                  <dgm:choose name="Name144">
+                    <dgm:if name="Name145" func="var" arg="dir" op="equ" val="norm">
+                      <dgm:alg type="hierChild">
+                        <dgm:param type="chAlign" val="l"/>
+                        <dgm:param type="linDir" val="fromL"/>
+                        <dgm:param type="secChAlign" val="t"/>
+                        <dgm:param type="secLinDir" val="fromT"/>
+                      </dgm:alg>
+                    </dgm:if>
+                    <dgm:else name="Name146">
+                      <dgm:alg type="hierChild">
+                        <dgm:param type="chAlign" val="l"/>
+                        <dgm:param type="linDir" val="fromR"/>
+                        <dgm:param type="secChAlign" val="t"/>
+                        <dgm:param type="secLinDir" val="fromT"/>
+                      </dgm:alg>
+                    </dgm:else>
+                  </dgm:choose>
+                  <dgm:shape xmlns:r="http://schemas.openxmlformats.org/officeDocument/2006/relationships" r:blip="">
+                    <dgm:adjLst/>
+                  </dgm:shape>
+                  <dgm:presOf/>
+                  <dgm:constrLst/>
+                  <dgm:ruleLst/>
+                  <dgm:forEach name="Name147" ref="rep2b"/>
+                </dgm:layoutNode>
+              </dgm:layoutNode>
+            </dgm:forEach>
+          </dgm:layoutNode>
+        </dgm:layoutNode>
+      </dgm:forEach>
+    </dgm:forEach>
+  </dgm:layoutNode>
+</dgm:layoutDef>
+</file>
+
+<file path=ppt/diagrams/quickStyle1.xml><?xml version="1.0" encoding="utf-8"?>
+<dgm:styleDef xmlns:dgm="http://schemas.openxmlformats.org/drawingml/2006/diagram" xmlns:a="http://schemas.openxmlformats.org/drawingml/2006/main" uniqueId="urn:microsoft.com/office/officeart/2005/8/quickstyle/simple1">
+  <dgm:title val=""/>
+  <dgm:desc val=""/>
+  <dgm:catLst>
+    <dgm:cat type="simple" pri="10100"/>
+  </dgm:catLst>
+  <dgm:scene3d>
+    <a:camera prst="orthographicFront"/>
+    <a:lightRig rig="threePt" dir="t"/>
+  </dgm:scene3d>
+  <dgm:styleLbl name="node0">
+    <dgm:scene3d>
+      <a:camera prst="orthographicFront"/>
+      <a:lightRig rig="threePt" dir="t"/>
+    </dgm:scene3d>
+    <dgm:sp3d/>
+    <dgm:txPr/>
+    <dgm:style>
+      <a:lnRef idx="2">
+        <a:scrgbClr r="0" g="0" b="0"/>
+      </a:lnRef>
+      <a:fillRef idx="1">
+        <a:scrgbClr r="0" g="0" b="0"/>
+      </a:fillRef>
+      <a:effectRef idx="0">
+        <a:scrgbClr r="0" g="0" b="0"/>
+      </a:effectRef>
+      <a:fontRef idx="minor">
+        <a:schemeClr val="lt1"/>
+      </a:fontRef>
+    </dgm:style>
+  </dgm:styleLbl>
+  <dgm:styleLbl name="lnNode1">
+    <dgm:scene3d>
+      <a:camera prst="orthographicFront"/>
+      <a:lightRig rig="threePt" dir="t"/>
+    </dgm:scene3d>
+    <dgm:sp3d/>
+    <dgm:txPr/>
+    <dgm:style>
+      <a:lnRef idx="2">
+        <a:scrgbClr r="0" g="0" b="0"/>
+      </a:lnRef>
+      <a:fillRef idx="1">
+        <a:scrgbClr r="0" g="0" b="0"/>
+      </a:fillRef>
+      <a:effectRef idx="0">
+        <a:scrgbClr r="0" g="0" b="0"/>
+      </a:effectRef>
+      <a:fontRef idx="minor">
+        <a:schemeClr val="lt1"/>
+      </a:fontRef>
+    </dgm:style>
+  </dgm:styleLbl>
+  <dgm:styleLbl name="vennNode1">
+    <dgm:scene3d>
+      <a:camera prst="orthographicFront"/>
+      <a:lightRig rig="threePt" dir="t"/>
+    </dgm:scene3d>
+    <dgm:sp3d/>
+    <dgm:txPr/>
+    <dgm:style>
+      <a:lnRef idx="2">
+        <a:scrgbClr r="0" g="0" b="0"/>
+      </a:lnRef>
+      <a:fillRef idx="1">
+        <a:scrgbClr r="0" g="0" b="0"/>
+      </a:fillRef>
+      <a:effectRef idx="0">
+        <a:scrgbClr r="0" g="0" b="0"/>
+      </a:effectRef>
+      <a:fontRef idx="minor">
+        <a:schemeClr val="tx1"/>
+      </a:fontRef>
+    </dgm:style>
+  </dgm:styleLbl>
+  <dgm:styleLbl name="alignNode1">
+    <dgm:scene3d>
+      <a:camera prst="orthographicFront"/>
+      <a:lightRig rig="threePt" dir="t"/>
+    </dgm:scene3d>
+    <dgm:sp3d/>
+    <dgm:txPr/>
+    <dgm:style>
+      <a:lnRef idx="2">
+        <a:scrgbClr r="0" g="0" b="0"/>
+      </a:lnRef>
+      <a:fillRef idx="1">
+        <a:scrgbClr r="0" g="0" b="0"/>
+      </a:fillRef>
+      <a:effectRef idx="0">
+        <a:scrgbClr r="0" g="0" b="0"/>
+      </a:effectRef>
+      <a:fontRef idx="minor">
+        <a:schemeClr val="lt1"/>
+      </a:fontRef>
+    </dgm:style>
+  </dgm:styleLbl>
+  <dgm:styleLbl name="node1">
+    <dgm:scene3d>
+      <a:camera prst="orthographicFront"/>
+      <a:lightRig rig="threePt" dir="t"/>
+    </dgm:scene3d>
+    <dgm:sp3d/>
+    <dgm:txPr/>
+    <dgm:style>
+      <a:lnRef idx="2">
+        <a:scrgbClr r="0" g="0" b="0"/>
+      </a:lnRef>
+      <a:fillRef idx="1">
+        <a:scrgbClr r="0" g="0" b="0"/>
+      </a:fillRef>
+      <a:effectRef idx="0">
+        <a:scrgbClr r="0" g="0" b="0"/>
+      </a:effectRef>
+      <a:fontRef idx="minor">
+        <a:schemeClr val="lt1"/>
+      </a:fontRef>
+    </dgm:style>
+  </dgm:styleLbl>
+  <dgm:styleLbl name="node2">
+    <dgm:scene3d>
+      <a:camera prst="orthographicFront"/>
+      <a:lightRig rig="threePt" dir="t"/>
+    </dgm:scene3d>
+    <dgm:sp3d/>
+    <dgm:txPr/>
+    <dgm:style>
+      <a:lnRef idx="2">
+        <a:scrgbClr r="0" g="0" b="0"/>
+      </a:lnRef>
+      <a:fillRef idx="1">
+        <a:scrgbClr r="0" g="0" b="0"/>
+      </a:fillRef>
+      <a:effectRef idx="0">
+        <a:scrgbClr r="0" g="0" b="0"/>
+      </a:effectRef>
+      <a:fontRef idx="minor">
+        <a:schemeClr val="lt1"/>
+      </a:fontRef>
+    </dgm:style>
+  </dgm:styleLbl>
+  <dgm:styleLbl name="node3">
+    <dgm:scene3d>
+      <a:camera prst="orthographicFront"/>
+      <a:lightRig rig="threePt" dir="t"/>
+    </dgm:scene3d>
+    <dgm:sp3d/>
+    <dgm:txPr/>
+    <dgm:style>
+      <a:lnRef idx="2">
+        <a:scrgbClr r="0" g="0" b="0"/>
+      </a:lnRef>
+      <a:fillRef idx="1">
+        <a:scrgbClr r="0" g="0" b="0"/>
+      </a:fillRef>
+      <a:effectRef idx="0">
+        <a:scrgbClr r="0" g="0" b="0"/>
+      </a:effectRef>
+      <a:fontRef idx="minor">
+        <a:schemeClr val="lt1"/>
+      </a:fontRef>
+    </dgm:style>
+  </dgm:styleLbl>
+  <dgm:styleLbl name="node4">
+    <dgm:scene3d>
+      <a:camera prst="orthographicFront"/>
+      <a:lightRig rig="threePt" dir="t"/>
+    </dgm:scene3d>
+    <dgm:sp3d/>
+    <dgm:txPr/>
+    <dgm:style>
+      <a:lnRef idx="2">
+        <a:scrgbClr r="0" g="0" b="0"/>
+      </a:lnRef>
+      <a:fillRef idx="1">
+        <a:scrgbClr r="0" g="0" b="0"/>
+      </a:fillRef>
+      <a:effectRef idx="0">
+        <a:scrgbClr r="0" g="0" b="0"/>
+      </a:effectRef>
+      <a:fontRef idx="minor">
+        <a:schemeClr val="lt1"/>
+      </a:fontRef>
+    </dgm:style>
+  </dgm:styleLbl>
+  <dgm:styleLbl name="fgImgPlace1">
+    <dgm:scene3d>
+      <a:camera prst="orthographicFront"/>
+      <a:lightRig rig="threePt" dir="t"/>
+    </dgm:scene3d>
+    <dgm:sp3d/>
+    <dgm:txPr/>
+    <dgm:style>
+      <a:lnRef idx="2">
+        <a:scrgbClr r="0" g="0" b="0"/>
+      </a:lnRef>
+      <a:fillRef idx="1">
+        <a:scrgbClr r="0" g="0" b="0"/>
+      </a:fillRef>
+      <a:effectRef idx="0">
+        <a:scrgbClr r="0" g="0" b="0"/>
+      </a:effectRef>
+      <a:fontRef idx="minor"/>
+    </dgm:style>
+  </dgm:styleLbl>
+  <dgm:styleLbl name="alignImgPlace1">
+    <dgm:scene3d>
+      <a:camera prst="orthographicFront"/>
+      <a:lightRig rig="threePt" dir="t"/>
+    </dgm:scene3d>
+    <dgm:sp3d/>
+    <dgm:txPr/>
+    <dgm:style>
+      <a:lnRef idx="2">
+        <a:scrgbClr r="0" g="0" b="0"/>
+      </a:lnRef>
+      <a:fillRef idx="1">
+        <a:scrgbClr r="0" g="0" b="0"/>
+      </a:fillRef>
+      <a:effectRef idx="0">
+        <a:scrgbClr r="0" g="0" b="0"/>
+      </a:effectRef>
+      <a:fontRef idx="minor"/>
+    </dgm:style>
+  </dgm:styleLbl>
+  <dgm:styleLbl name="bgImgPlace1">
+    <dgm:scene3d>
+      <a:camera prst="orthographicFront"/>
+      <a:lightRig rig="threePt" dir="t"/>
+    </dgm:scene3d>
+    <dgm:sp3d/>
+    <dgm:txPr/>
+    <dgm:style>
+      <a:lnRef idx="2">
+        <a:scrgbClr r="0" g="0" b="0"/>
+      </a:lnRef>
+      <a:fillRef idx="1">
+        <a:scrgbClr r="0" g="0" b="0"/>
+      </a:fillRef>
+      <a:effectRef idx="0">
+        <a:scrgbClr r="0" g="0" b="0"/>
+      </a:effectRef>
+      <a:fontRef idx="minor"/>
+    </dgm:style>
+  </dgm:styleLbl>
+  <dgm:styleLbl name="sibTrans2D1">
+    <dgm:scene3d>
+      <a:camera prst="orthographicFront"/>
+      <a:lightRig rig="threePt" dir="t"/>
+    </dgm:scene3d>
+    <dgm:sp3d/>
+    <dgm:txPr/>
+    <dgm:style>
+      <a:lnRef idx="0">
+        <a:scrgbClr r="0" g="0" b="0"/>
+      </a:lnRef>
+      <a:fillRef idx="1">
+        <a:scrgbClr r="0" g="0" b="0"/>
+      </a:fillRef>
+      <a:effectRef idx="0">
+        <a:scrgbClr r="0" g="0" b="0"/>
+      </a:effectRef>
+      <a:fontRef idx="minor">
+        <a:schemeClr val="lt1"/>
+      </a:fontRef>
+    </dgm:style>
+  </dgm:styleLbl>
+  <dgm:styleLbl name="fgSibTrans2D1">
+    <dgm:scene3d>
+      <a:camera prst="orthographicFront"/>
+      <a:lightRig rig="threePt" dir="t"/>
+    </dgm:scene3d>
+    <dgm:sp3d/>
+    <dgm:txPr/>
+    <dgm:style>
+      <a:lnRef idx="0">
+        <a:scrgbClr r="0" g="0" b="0"/>
+      </a:lnRef>
+      <a:fillRef idx="1">
+        <a:scrgbClr r="0" g="0" b="0"/>
+      </a:fillRef>
+      <a:effectRef idx="0">
+        <a:scrgbClr r="0" g="0" b="0"/>
+      </a:effectRef>
+      <a:fontRef idx="minor">
+        <a:schemeClr val="lt1"/>
+      </a:fontRef>
+    </dgm:style>
+  </dgm:styleLbl>
+  <dgm:styleLbl name="bgSibTrans2D1">
+    <dgm:scene3d>
+      <a:camera prst="orthographicFront"/>
+      <a:lightRig rig="threePt" dir="t"/>
+    </dgm:scene3d>
+    <dgm:sp3d/>
+    <dgm:txPr/>
+    <dgm:style>
+      <a:lnRef idx="0">
+        <a:scrgbClr r="0" g="0" b="0"/>
+      </a:lnRef>
+      <a:fillRef idx="1">
+        <a:scrgbClr r="0" g="0" b="0"/>
+      </a:fillRef>
+      <a:effectRef idx="0">
+        <a:scrgbClr r="0" g="0" b="0"/>
+      </a:effectRef>
+      <a:fontRef idx="minor">
+        <a:schemeClr val="lt1"/>
+      </a:fontRef>
+    </dgm:style>
+  </dgm:styleLbl>
+  <dgm:styleLbl name="sibTrans1D1">
+    <dgm:scene3d>
+      <a:camera prst="orthographicFront"/>
+      <a:lightRig rig="threePt" dir="t"/>
+    </dgm:scene3d>
+    <dgm:sp3d/>
+    <dgm:txPr/>
+    <dgm:style>
+      <a:lnRef idx="1">
+        <a:scrgbClr r="0" g="0" b="0"/>
+      </a:lnRef>
+      <a:fillRef idx="0">
+        <a:scrgbClr r="0" g="0" b="0"/>
+      </a:fillRef>
+      <a:effectRef idx="0">
+        <a:scrgbClr r="0" g="0" b="0"/>
+      </a:effectRef>
+      <a:fontRef idx="minor"/>
+    </dgm:style>
+  </dgm:styleLbl>
+  <dgm:styleLbl name="callout">
+    <dgm:scene3d>
+      <a:camera prst="orthographicFront"/>
+      <a:lightRig rig="threePt" dir="t"/>
+    </dgm:scene3d>
+    <dgm:sp3d/>
+    <dgm:txPr/>
+    <dgm:style>
+      <a:lnRef idx="2">
+        <a:scrgbClr r="0" g="0" b="0"/>
+      </a:lnRef>
+      <a:fillRef idx="1">
+        <a:scrgbClr r="0" g="0" b="0"/>
+      </a:fillRef>
+      <a:effectRef idx="0">
+        <a:scrgbClr r="0" g="0" b="0"/>
+      </a:effectRef>
+      <a:fontRef idx="minor"/>
+    </dgm:style>
+  </dgm:styleLbl>
+  <dgm:styleLbl name="asst0">
+    <dgm:scene3d>
+      <a:camera prst="orthographicFront"/>
+      <a:lightRig rig="threePt" dir="t"/>
+    </dgm:scene3d>
+    <dgm:sp3d/>
+    <dgm:txPr/>
+    <dgm:style>
+      <a:lnRef idx="2">
+        <a:scrgbClr r="0" g="0" b="0"/>
+      </a:lnRef>
+      <a:fillRef idx="1">
+        <a:scrgbClr r="0" g="0" b="0"/>
+      </a:fillRef>
+      <a:effectRef idx="0">
+        <a:scrgbClr r="0" g="0" b="0"/>
+      </a:effectRef>
+      <a:fontRef idx="minor">
+        <a:schemeClr val="lt1"/>
+      </a:fontRef>
+    </dgm:style>
+  </dgm:styleLbl>
+  <dgm:styleLbl name="asst1">
+    <dgm:scene3d>
+      <a:camera prst="orthographicFront"/>
+      <a:lightRig rig="threePt" dir="t"/>
+    </dgm:scene3d>
+    <dgm:sp3d/>
+    <dgm:txPr/>
+    <dgm:style>
+      <a:lnRef idx="2">
+        <a:scrgbClr r="0" g="0" b="0"/>
+      </a:lnRef>
+      <a:fillRef idx="1">
+        <a:scrgbClr r="0" g="0" b="0"/>
+      </a:fillRef>
+      <a:effectRef idx="0">
+        <a:scrgbClr r="0" g="0" b="0"/>
+      </a:effectRef>
+      <a:fontRef idx="minor">
+        <a:schemeClr val="lt1"/>
+      </a:fontRef>
+    </dgm:style>
+  </dgm:styleLbl>
+  <dgm:styleLbl name="asst2">
+    <dgm:scene3d>
+      <a:camera prst="orthographicFront"/>
+      <a:lightRig rig="threePt" dir="t"/>
+    </dgm:scene3d>
+    <dgm:sp3d/>
+    <dgm:txPr/>
+    <dgm:style>
+      <a:lnRef idx="2">
+        <a:scrgbClr r="0" g="0" b="0"/>
+      </a:lnRef>
+      <a:fillRef idx="1">
+        <a:scrgbClr r="0" g="0" b="0"/>
+      </a:fillRef>
+      <a:effectRef idx="0">
+        <a:scrgbClr r="0" g="0" b="0"/>
+      </a:effectRef>
+      <a:fontRef idx="minor">
+        <a:schemeClr val="lt1"/>
+      </a:fontRef>
+    </dgm:style>
+  </dgm:styleLbl>
+  <dgm:styleLbl name="asst3">
+    <dgm:scene3d>
+      <a:camera prst="orthographicFront"/>
+      <a:lightRig rig="threePt" dir="t"/>
+    </dgm:scene3d>
+    <dgm:sp3d/>
+    <dgm:txPr/>
+    <dgm:style>
+      <a:lnRef idx="2">
+        <a:scrgbClr r="0" g="0" b="0"/>
+      </a:lnRef>
+      <a:fillRef idx="1">
+        <a:scrgbClr r="0" g="0" b="0"/>
+      </a:fillRef>
+      <a:effectRef idx="0">
+        <a:scrgbClr r="0" g="0" b="0"/>
+      </a:effectRef>
+      <a:fontRef idx="minor">
+        <a:schemeClr val="lt1"/>
+      </a:fontRef>
+    </dgm:style>
+  </dgm:styleLbl>
+  <dgm:styleLbl name="asst4">
+    <dgm:scene3d>
+      <a:camera prst="orthographicFront"/>
+      <a:lightRig rig="threePt" dir="t"/>
+    </dgm:scene3d>
+    <dgm:sp3d/>
+    <dgm:txPr/>
+    <dgm:style>
+      <a:lnRef idx="2">
+        <a:scrgbClr r="0" g="0" b="0"/>
+      </a:lnRef>
+      <a:fillRef idx="1">
+        <a:scrgbClr r="0" g="0" b="0"/>
+      </a:fillRef>
+      <a:effectRef idx="0">
+        <a:scrgbClr r="0" g="0" b="0"/>
+      </a:effectRef>
+      <a:fontRef idx="minor">
+        <a:schemeClr val="lt1"/>
+      </a:fontRef>
+    </dgm:style>
+  </dgm:styleLbl>
+  <dgm:styleLbl name="parChTrans2D1">
+    <dgm:scene3d>
+      <a:camera prst="orthographicFront"/>
+      <a:lightRig rig="threePt" dir="t"/>
+    </dgm:scene3d>
+    <dgm:sp3d/>
+    <dgm:txPr/>
+    <dgm:style>
+      <a:lnRef idx="2">
+        <a:scrgbClr r="0" g="0" b="0"/>
+      </a:lnRef>
+      <a:fillRef idx="1">
+        <a:scrgbClr r="0" g="0" b="0"/>
+      </a:fillRef>
+      <a:effectRef idx="0">
+        <a:scrgbClr r="0" g="0" b="0"/>
+      </a:effectRef>
+      <a:fontRef idx="minor">
+        <a:schemeClr val="lt1"/>
+      </a:fontRef>
+    </dgm:style>
+  </dgm:styleLbl>
+  <dgm:styleLbl name="parChTrans2D2">
+    <dgm:scene3d>
+      <a:camera prst="orthographicFront"/>
+      <a:lightRig rig="threePt" dir="t"/>
+    </dgm:scene3d>
+    <dgm:sp3d/>
+    <dgm:txPr/>
+    <dgm:style>
+      <a:lnRef idx="2">
+        <a:scrgbClr r="0" g="0" b="0"/>
+      </a:lnRef>
+      <a:fillRef idx="1">
+        <a:scrgbClr r="0" g="0" b="0"/>
+      </a:fillRef>
+      <a:effectRef idx="0">
+        <a:scrgbClr r="0" g="0" b="0"/>
+      </a:effectRef>
+      <a:fontRef idx="minor">
+        <a:schemeClr val="lt1"/>
+      </a:fontRef>
+    </dgm:style>
+  </dgm:styleLbl>
+  <dgm:styleLbl name="parChTrans2D3">
+    <dgm:scene3d>
+      <a:camera prst="orthographicFront"/>
+      <a:lightRig rig="threePt" dir="t"/>
+    </dgm:scene3d>
+    <dgm:sp3d/>
+    <dgm:txPr/>
+    <dgm:style>
+      <a:lnRef idx="2">
+        <a:scrgbClr r="0" g="0" b="0"/>
+      </a:lnRef>
+      <a:fillRef idx="1">
+        <a:scrgbClr r="0" g="0" b="0"/>
+      </a:fillRef>
+      <a:effectRef idx="0">
+        <a:scrgbClr r="0" g="0" b="0"/>
+      </a:effectRef>
+      <a:fontRef idx="minor">
+        <a:schemeClr val="lt1"/>
+      </a:fontRef>
+    </dgm:style>
+  </dgm:styleLbl>
+  <dgm:styleLbl name="parChTrans2D4">
+    <dgm:scene3d>
+      <a:camera prst="orthographicFront"/>
+      <a:lightRig rig="threePt" dir="t"/>
+    </dgm:scene3d>
+    <dgm:sp3d/>
+    <dgm:txPr/>
+    <dgm:style>
+      <a:lnRef idx="2">
+        <a:scrgbClr r="0" g="0" b="0"/>
+      </a:lnRef>
+      <a:fillRef idx="1">
+        <a:scrgbClr r="0" g="0" b="0"/>
+      </a:fillRef>
+      <a:effectRef idx="0">
+        <a:scrgbClr r="0" g="0" b="0"/>
+      </a:effectRef>
+      <a:fontRef idx="minor">
+        <a:schemeClr val="lt1"/>
+      </a:fontRef>
+    </dgm:style>
+  </dgm:styleLbl>
+  <dgm:styleLbl name="parChTrans1D1">
+    <dgm:scene3d>
+      <a:camera prst="orthographicFront"/>
+      <a:lightRig rig="threePt" dir="t"/>
+    </dgm:scene3d>
+    <dgm:sp3d/>
+    <dgm:txPr/>
+    <dgm:style>
+      <a:lnRef idx="2">
+        <a:scrgbClr r="0" g="0" b="0"/>
+      </a:lnRef>
+      <a:fillRef idx="0">
+        <a:scrgbClr r="0" g="0" b="0"/>
+      </a:fillRef>
+      <a:effectRef idx="0">
+        <a:scrgbClr r="0" g="0" b="0"/>
+      </a:effectRef>
+      <a:fontRef idx="minor"/>
+    </dgm:style>
+  </dgm:styleLbl>
+  <dgm:styleLbl name="parChTrans1D2">
+    <dgm:scene3d>
+      <a:camera prst="orthographicFront"/>
+      <a:lightRig rig="threePt" dir="t"/>
+    </dgm:scene3d>
+    <dgm:sp3d/>
+    <dgm:txPr/>
+    <dgm:style>
+      <a:lnRef idx="2">
+        <a:scrgbClr r="0" g="0" b="0"/>
+      </a:lnRef>
+      <a:fillRef idx="0">
+        <a:scrgbClr r="0" g="0" b="0"/>
+      </a:fillRef>
+      <a:effectRef idx="0">
+        <a:scrgbClr r="0" g="0" b="0"/>
+      </a:effectRef>
+      <a:fontRef idx="minor"/>
+    </dgm:style>
+  </dgm:styleLbl>
+  <dgm:styleLbl name="parChTrans1D3">
+    <dgm:scene3d>
+      <a:camera prst="orthographicFront"/>
+      <a:lightRig rig="threePt" dir="t"/>
+    </dgm:scene3d>
+    <dgm:sp3d/>
+    <dgm:txPr/>
+    <dgm:style>
+      <a:lnRef idx="2">
+        <a:scrgbClr r="0" g="0" b="0"/>
+      </a:lnRef>
+      <a:fillRef idx="0">
+        <a:scrgbClr r="0" g="0" b="0"/>
+      </a:fillRef>
+      <a:effectRef idx="0">
+        <a:scrgbClr r="0" g="0" b="0"/>
+      </a:effectRef>
+      <a:fontRef idx="minor"/>
+    </dgm:style>
+  </dgm:styleLbl>
+  <dgm:styleLbl name="parChTrans1D4">
+    <dgm:scene3d>
+      <a:camera prst="orthographicFront"/>
+      <a:lightRig rig="threePt" dir="t"/>
+    </dgm:scene3d>
+    <dgm:sp3d/>
+    <dgm:txPr/>
+    <dgm:style>
+      <a:lnRef idx="2">
+        <a:scrgbClr r="0" g="0" b="0"/>
+      </a:lnRef>
+      <a:fillRef idx="0">
+        <a:scrgbClr r="0" g="0" b="0"/>
+      </a:fillRef>
+      <a:effectRef idx="0">
+        <a:scrgbClr r="0" g="0" b="0"/>
+      </a:effectRef>
+      <a:fontRef idx="minor"/>
+    </dgm:style>
+  </dgm:styleLbl>
+  <dgm:styleLbl name="fgAcc1">
+    <dgm:scene3d>
+      <a:camera prst="orthographicFront"/>
+      <a:lightRig rig="threePt" dir="t"/>
+    </dgm:scene3d>
+    <dgm:sp3d/>
+    <dgm:txPr/>
+    <dgm:style>
+      <a:lnRef idx="2">
+        <a:scrgbClr r="0" g="0" b="0"/>
+      </a:lnRef>
+      <a:fillRef idx="1">
+        <a:scrgbClr r="0" g="0" b="0"/>
+      </a:fillRef>
+      <a:effectRef idx="0">
+        <a:scrgbClr r="0" g="0" b="0"/>
+      </a:effectRef>
+      <a:fontRef idx="minor"/>
+    </dgm:style>
+  </dgm:styleLbl>
+  <dgm:styleLbl name="conFgAcc1">
+    <dgm:scene3d>
+      <a:camera prst="orthographicFront"/>
+      <a:lightRig rig="threePt" dir="t"/>
+    </dgm:scene3d>
+    <dgm:sp3d/>
+    <dgm:txPr/>
+    <dgm:style>
+      <a:lnRef idx="2">
+        <a:scrgbClr r="0" g="0" b="0"/>
+      </a:lnRef>
+      <a:fillRef idx="1">
+        <a:scrgbClr r="0" g="0" b="0"/>
+      </a:fillRef>
+      <a:effectRef idx="0">
+        <a:scrgbClr r="0" g="0" b="0"/>
+      </a:effectRef>
+      <a:fontRef idx="minor"/>
+    </dgm:style>
+  </dgm:styleLbl>
+  <dgm:styleLbl name="alignAcc1">
+    <dgm:scene3d>
+      <a:camera prst="orthographicFront"/>
+      <a:lightRig rig="threePt" dir="t"/>
+    </dgm:scene3d>
+    <dgm:sp3d/>
+    <dgm:txPr/>
+    <dgm:style>
+      <a:lnRef idx="2">
+        <a:scrgbClr r="0" g="0" b="0"/>
+      </a:lnRef>
+      <a:fillRef idx="1">
+        <a:scrgbClr r="0" g="0" b="0"/>
+      </a:fillRef>
+      <a:effectRef idx="0">
+        <a:scrgbClr r="0" g="0" b="0"/>
+      </a:effectRef>
+      <a:fontRef idx="minor"/>
+    </dgm:style>
+  </dgm:styleLbl>
+  <dgm:styleLbl name="trAlignAcc1">
+    <dgm:scene3d>
+      <a:camera prst="orthographicFront"/>
+      <a:lightRig rig="threePt" dir="t"/>
+    </dgm:scene3d>
+    <dgm:sp3d/>
+    <dgm:txPr/>
+    <dgm:style>
+      <a:lnRef idx="1">
+        <a:scrgbClr r="0" g="0" b="0"/>
+      </a:lnRef>
+      <a:fillRef idx="1">
+        <a:scrgbClr r="0" g="0" b="0"/>
+      </a:fillRef>
+      <a:effectRef idx="0">
+        <a:scrgbClr r="0" g="0" b="0"/>
+      </a:effectRef>
+      <a:fontRef idx="minor"/>
+    </dgm:style>
+  </dgm:styleLbl>
+  <dgm:styleLbl name="bgAcc1">
+    <dgm:scene3d>
+      <a:camera prst="orthographicFront"/>
+      <a:lightRig rig="threePt" dir="t"/>
+    </dgm:scene3d>
+    <dgm:sp3d/>
+    <dgm:txPr/>
+    <dgm:style>
+      <a:lnRef idx="2">
+        <a:scrgbClr r="0" g="0" b="0"/>
+      </a:lnRef>
+      <a:fillRef idx="1">
+        <a:scrgbClr r="0" g="0" b="0"/>
+      </a:fillRef>
+      <a:effectRef idx="0">
+        <a:scrgbClr r="0" g="0" b="0"/>
+      </a:effectRef>
+      <a:fontRef idx="minor"/>
+    </dgm:style>
+  </dgm:styleLbl>
+  <dgm:styleLbl name="solidFgAcc1">
+    <dgm:scene3d>
+      <a:camera prst="orthographicFront"/>
+      <a:lightRig rig="threePt" dir="t"/>
+    </dgm:scene3d>
+    <dgm:sp3d/>
+    <dgm:txPr/>
+    <dgm:style>
+      <a:lnRef idx="2">
+        <a:scrgbClr r="0" g="0" b="0"/>
+      </a:lnRef>
+      <a:fillRef idx="1">
+        <a:scrgbClr r="0" g="0" b="0"/>
+      </a:fillRef>
+      <a:effectRef idx="0">
+        <a:scrgbClr r="0" g="0" b="0"/>
+      </a:effectRef>
+      <a:fontRef idx="minor"/>
+    </dgm:style>
+  </dgm:styleLbl>
+  <dgm:styleLbl name="solidAlignAcc1">
+    <dgm:scene3d>
+      <a:camera prst="orthographicFront"/>
+      <a:lightRig rig="threePt" dir="t"/>
+    </dgm:scene3d>
+    <dgm:sp3d/>
+    <dgm:txPr/>
+    <dgm:style>
+      <a:lnRef idx="2">
+        <a:scrgbClr r="0" g="0" b="0"/>
+      </a:lnRef>
+      <a:fillRef idx="1">
+        <a:scrgbClr r="0" g="0" b="0"/>
+      </a:fillRef>
+      <a:effectRef idx="0">
+        <a:scrgbClr r="0" g="0" b="0"/>
+      </a:effectRef>
+      <a:fontRef idx="minor"/>
+    </dgm:style>
+  </dgm:styleLbl>
+  <dgm:styleLbl name="solidBgAcc1">
+    <dgm:scene3d>
+      <a:camera prst="orthographicFront"/>
+      <a:lightRig rig="threePt" dir="t"/>
+    </dgm:scene3d>
+    <dgm:sp3d/>
+    <dgm:txPr/>
+    <dgm:style>
+      <a:lnRef idx="2">
+        <a:scrgbClr r="0" g="0" b="0"/>
+      </a:lnRef>
+      <a:fillRef idx="1">
+        <a:scrgbClr r="0" g="0" b="0"/>
+      </a:fillRef>
+      <a:effectRef idx="0">
+        <a:scrgbClr r="0" g="0" b="0"/>
+      </a:effectRef>
+      <a:fontRef idx="minor"/>
+    </dgm:style>
+  </dgm:styleLbl>
+  <dgm:styleLbl name="fgAccFollowNode1">
+    <dgm:scene3d>
+      <a:camera prst="orthographicFront"/>
+      <a:lightRig rig="threePt" dir="t"/>
+    </dgm:scene3d>
+    <dgm:sp3d/>
+    <dgm:txPr/>
+    <dgm:style>
+      <a:lnRef idx="2">
+        <a:scrgbClr r="0" g="0" b="0"/>
+      </a:lnRef>
+      <a:fillRef idx="1">
+        <a:scrgbClr r="0" g="0" b="0"/>
+      </a:fillRef>
+      <a:effectRef idx="0">
+        <a:scrgbClr r="0" g="0" b="0"/>
+      </a:effectRef>
+      <a:fontRef idx="minor"/>
+    </dgm:style>
+  </dgm:styleLbl>
+  <dgm:styleLbl name="alignAccFollowNode1">
+    <dgm:scene3d>
+      <a:camera prst="orthographicFront"/>
+      <a:lightRig rig="threePt" dir="t"/>
+    </dgm:scene3d>
+    <dgm:sp3d/>
+    <dgm:txPr/>
+    <dgm:style>
+      <a:lnRef idx="2">
+        <a:scrgbClr r="0" g="0" b="0"/>
+      </a:lnRef>
+      <a:fillRef idx="1">
+        <a:scrgbClr r="0" g="0" b="0"/>
+      </a:fillRef>
+      <a:effectRef idx="0">
+        <a:scrgbClr r="0" g="0" b="0"/>
+      </a:effectRef>
+      <a:fontRef idx="minor"/>
+    </dgm:style>
+  </dgm:styleLbl>
+  <dgm:styleLbl name="bgAccFollowNode1">
+    <dgm:scene3d>
+      <a:camera prst="orthographicFront"/>
+      <a:lightRig rig="threePt" dir="t"/>
+    </dgm:scene3d>
+    <dgm:sp3d/>
+    <dgm:txPr/>
+    <dgm:style>
+      <a:lnRef idx="2">
+        <a:scrgbClr r="0" g="0" b="0"/>
+      </a:lnRef>
+      <a:fillRef idx="1">
+        <a:scrgbClr r="0" g="0" b="0"/>
+      </a:fillRef>
+      <a:effectRef idx="0">
+        <a:scrgbClr r="0" g="0" b="0"/>
+      </a:effectRef>
+      <a:fontRef idx="minor"/>
+    </dgm:style>
+  </dgm:styleLbl>
+  <dgm:styleLbl name="fgAcc0">
+    <dgm:scene3d>
+      <a:camera prst="orthographicFront"/>
+      <a:lightRig rig="threePt" dir="t"/>
+    </dgm:scene3d>
+    <dgm:sp3d/>
+    <dgm:txPr/>
+    <dgm:style>
+      <a:lnRef idx="2">
+        <a:scrgbClr r="0" g="0" b="0"/>
+      </a:lnRef>
+      <a:fillRef idx="1">
+        <a:scrgbClr r="0" g="0" b="0"/>
+      </a:fillRef>
+      <a:effectRef idx="0">
+        <a:scrgbClr r="0" g="0" b="0"/>
+      </a:effectRef>
+      <a:fontRef idx="minor"/>
+    </dgm:style>
+  </dgm:styleLbl>
+  <dgm:styleLbl name="fgAcc2">
+    <dgm:scene3d>
+      <a:camera prst="orthographicFront"/>
+      <a:lightRig rig="threePt" dir="t"/>
+    </dgm:scene3d>
+    <dgm:sp3d/>
+    <dgm:txPr/>
+    <dgm:style>
+      <a:lnRef idx="2">
+        <a:scrgbClr r="0" g="0" b="0"/>
+      </a:lnRef>
+      <a:fillRef idx="1">
+        <a:scrgbClr r="0" g="0" b="0"/>
+      </a:fillRef>
+      <a:effectRef idx="0">
+        <a:scrgbClr r="0" g="0" b="0"/>
+      </a:effectRef>
+      <a:fontRef idx="minor"/>
+    </dgm:style>
+  </dgm:styleLbl>
+  <dgm:styleLbl name="fgAcc3">
+    <dgm:scene3d>
+      <a:camera prst="orthographicFront"/>
+      <a:lightRig rig="threePt" dir="t"/>
+    </dgm:scene3d>
+    <dgm:sp3d/>
+    <dgm:txPr/>
+    <dgm:style>
+      <a:lnRef idx="2">
+        <a:scrgbClr r="0" g="0" b="0"/>
+      </a:lnRef>
+      <a:fillRef idx="1">
+        <a:scrgbClr r="0" g="0" b="0"/>
+      </a:fillRef>
+      <a:effectRef idx="0">
+        <a:scrgbClr r="0" g="0" b="0"/>
+      </a:effectRef>
+      <a:fontRef idx="minor"/>
+    </dgm:style>
+  </dgm:styleLbl>
+  <dgm:styleLbl name="fgAcc4">
+    <dgm:scene3d>
+      <a:camera prst="orthographicFront"/>
+      <a:lightRig rig="threePt" dir="t"/>
+    </dgm:scene3d>
+    <dgm:sp3d/>
+    <dgm:txPr/>
+    <dgm:style>
+      <a:lnRef idx="2">
+        <a:scrgbClr r="0" g="0" b="0"/>
+      </a:lnRef>
+      <a:fillRef idx="1">
+        <a:scrgbClr r="0" g="0" b="0"/>
+      </a:fillRef>
+      <a:effectRef idx="0">
+        <a:scrgbClr r="0" g="0" b="0"/>
+      </a:effectRef>
+      <a:fontRef idx="minor"/>
+    </dgm:style>
+  </dgm:styleLbl>
+  <dgm:styleLbl name="bgShp">
+    <dgm:scene3d>
+      <a:camera prst="orthographicFront"/>
+      <a:lightRig rig="threePt" dir="t"/>
+    </dgm:scene3d>
+    <dgm:sp3d/>
+    <dgm:txPr/>
+    <dgm:style>
+      <a:lnRef idx="0">
+        <a:scrgbClr r="0" g="0" b="0"/>
+      </a:lnRef>
+      <a:fillRef idx="1">
+        <a:scrgbClr r="0" g="0" b="0"/>
+      </a:fillRef>
+      <a:effectRef idx="0">
+        <a:scrgbClr r="0" g="0" b="0"/>
+      </a:effectRef>
+      <a:fontRef idx="minor"/>
+    </dgm:style>
+  </dgm:styleLbl>
+  <dgm:styleLbl name="dkBgShp">
+    <dgm:scene3d>
+      <a:camera prst="orthographicFront"/>
+      <a:lightRig rig="threePt" dir="t"/>
+    </dgm:scene3d>
+    <dgm:sp3d/>
+    <dgm:txPr/>
+    <dgm:style>
+      <a:lnRef idx="0">
+        <a:scrgbClr r="0" g="0" b="0"/>
+      </a:lnRef>
+      <a:fillRef idx="1">
+        <a:scrgbClr r="0" g="0" b="0"/>
+      </a:fillRef>
+      <a:effectRef idx="0">
+        <a:scrgbClr r="0" g="0" b="0"/>
+      </a:effectRef>
+      <a:fontRef idx="minor"/>
+    </dgm:style>
+  </dgm:styleLbl>
+  <dgm:styleLbl name="trBgShp">
+    <dgm:scene3d>
+      <a:camera prst="orthographicFront"/>
+      <a:lightRig rig="threePt" dir="t"/>
+    </dgm:scene3d>
+    <dgm:sp3d/>
+    <dgm:txPr/>
+    <dgm:style>
+      <a:lnRef idx="0">
+        <a:scrgbClr r="0" g="0" b="0"/>
+      </a:lnRef>
+      <a:fillRef idx="1">
+        <a:scrgbClr r="0" g="0" b="0"/>
+      </a:fillRef>
+      <a:effectRef idx="0">
+        <a:scrgbClr r="0" g="0" b="0"/>
+      </a:effectRef>
+      <a:fontRef idx="minor"/>
+    </dgm:style>
+  </dgm:styleLbl>
+  <dgm:styleLbl name="fgShp">
+    <dgm:scene3d>
+      <a:camera prst="orthographicFront"/>
+      <a:lightRig rig="threePt" dir="t"/>
+    </dgm:scene3d>
+    <dgm:sp3d/>
+    <dgm:txPr/>
+    <dgm:style>
+      <a:lnRef idx="2">
+        <a:scrgbClr r="0" g="0" b="0"/>
+      </a:lnRef>
+      <a:fillRef idx="1">
+        <a:scrgbClr r="0" g="0" b="0"/>
+      </a:fillRef>
+      <a:effectRef idx="0">
+        <a:scrgbClr r="0" g="0" b="0"/>
+      </a:effectRef>
+      <a:fontRef idx="minor"/>
+    </dgm:style>
+  </dgm:styleLbl>
+  <dgm:styleLbl name="revTx">
+    <dgm:scene3d>
+      <a:camera prst="orthographicFront"/>
+      <a:lightRig rig="threePt" dir="t"/>
+    </dgm:scene3d>
+    <dgm:sp3d/>
+    <dgm:txPr/>
+    <dgm:style>
+      <a:lnRef idx="0">
+        <a:scrgbClr r="0" g="0" b="0"/>
+      </a:lnRef>
+      <a:fillRef idx="0">
+        <a:scrgbClr r="0" g="0" b="0"/>
+      </a:fillRef>
+      <a:effectRef idx="0">
+        <a:scrgbClr r="0" g="0" b="0"/>
+      </a:effectRef>
+      <a:fontRef idx="minor"/>
+    </dgm:style>
+  </dgm:styleLbl>
+</dgm:styleDef>
+</file>
+
 <file path=ppt/notesMasters/notesMaster1.xml><?xml version="1.0" encoding="utf-8"?>
 <p:notesMaster xmlns:a="http://schemas.openxmlformats.org/drawingml/2006/main" xmlns:r="http://schemas.openxmlformats.org/officeDocument/2006/relationships" xmlns:p="http://schemas.openxmlformats.org/presentationml/2006/main">
   <p:cSld>
@@ -282,7 +4155,7 @@
             <a:fld id="{E3057DDA-BF5C-4879-9957-16E91151DE1E}" type="datetimeFigureOut">
               <a:rPr lang="en-US" smtClean="0"/>
               <a:pPr/>
-              <a:t>7/24/2017</a:t>
+              <a:t>7/25/2017</a:t>
             </a:fld>
             <a:endParaRPr lang="en-US"/>
           </a:p>
@@ -874,7 +4747,7 @@
             <a:fld id="{47B2CBB0-62C7-44D8-B0B4-2BA0BA541526}" type="slidenum">
               <a:rPr lang="en-US" smtClean="0"/>
               <a:pPr/>
-              <a:t>31</a:t>
+              <a:t>33</a:t>
             </a:fld>
             <a:endParaRPr lang="en-US"/>
           </a:p>
@@ -959,7 +4832,7 @@
             <a:fld id="{6048B3DE-E9CD-4720-84B6-E24D30E64DE7}" type="slidenum">
               <a:rPr lang="en-US" smtClean="0"/>
               <a:pPr/>
-              <a:t>32</a:t>
+              <a:t>34</a:t>
             </a:fld>
             <a:endParaRPr lang="en-US"/>
           </a:p>
@@ -1165,7 +5038,7 @@
           <a:p>
             <a:fld id="{768B3A28-1884-497D-94C5-27227826CE2C}" type="datetime1">
               <a:rPr lang="en-US" smtClean="0"/>
-              <a:t>7/24/2017</a:t>
+              <a:t>7/25/2017</a:t>
             </a:fld>
             <a:endParaRPr lang="en-US"/>
           </a:p>
@@ -1434,7 +5307,7 @@
           <a:p>
             <a:fld id="{B8262C03-9B91-44B2-B7D5-2A844E6680F8}" type="datetime1">
               <a:rPr lang="en-US" smtClean="0"/>
-              <a:t>7/24/2017</a:t>
+              <a:t>7/25/2017</a:t>
             </a:fld>
             <a:endParaRPr lang="en-US"/>
           </a:p>
@@ -1619,7 +5492,7 @@
           <a:p>
             <a:fld id="{B11DCD3A-F44B-4ECF-B365-54BE99BB4BEA}" type="datetime1">
               <a:rPr lang="en-US" smtClean="0"/>
-              <a:t>7/24/2017</a:t>
+              <a:t>7/25/2017</a:t>
             </a:fld>
             <a:endParaRPr lang="en-US"/>
           </a:p>
@@ -1814,7 +5687,7 @@
           <a:p>
             <a:fld id="{94377941-97D9-4840-A51B-C8DAEDA2815C}" type="datetime1">
               <a:rPr lang="en-US" smtClean="0"/>
-              <a:t>7/24/2017</a:t>
+              <a:t>7/25/2017</a:t>
             </a:fld>
             <a:endParaRPr lang="en-US"/>
           </a:p>
@@ -2011,7 +5884,7 @@
           <a:p>
             <a:fld id="{AB7F5B1C-135C-4619-A2DE-25131AF5278A}" type="datetime1">
               <a:rPr lang="en-US" smtClean="0"/>
-              <a:t>7/24/2017</a:t>
+              <a:t>7/25/2017</a:t>
             </a:fld>
             <a:endParaRPr lang="en-US"/>
           </a:p>
@@ -2216,7 +6089,7 @@
           <a:p>
             <a:fld id="{29517BA8-26BA-4B7C-A41A-804B81F83A36}" type="datetime1">
               <a:rPr lang="en-US" smtClean="0"/>
-              <a:t>7/24/2017</a:t>
+              <a:t>7/25/2017</a:t>
             </a:fld>
             <a:endParaRPr lang="en-US"/>
           </a:p>
@@ -2478,7 +6351,7 @@
           <a:p>
             <a:fld id="{E54FABC5-F62F-49DD-A24E-5C2CE15A3D87}" type="datetime1">
               <a:rPr lang="en-US" smtClean="0"/>
-              <a:t>7/24/2017</a:t>
+              <a:t>7/25/2017</a:t>
             </a:fld>
             <a:endParaRPr lang="en-US"/>
           </a:p>
@@ -2780,7 +6653,7 @@
           <a:p>
             <a:fld id="{510AAC56-4986-4B63-9F74-D47EE64ADD9E}" type="datetime1">
               <a:rPr lang="en-US" smtClean="0"/>
-              <a:t>7/24/2017</a:t>
+              <a:t>7/25/2017</a:t>
             </a:fld>
             <a:endParaRPr lang="en-US"/>
           </a:p>
@@ -3216,7 +7089,7 @@
           <a:p>
             <a:fld id="{FCC14660-E407-48B8-9CF0-DD79C3F69AD0}" type="datetime1">
               <a:rPr lang="en-US" smtClean="0"/>
-              <a:t>7/24/2017</a:t>
+              <a:t>7/25/2017</a:t>
             </a:fld>
             <a:endParaRPr lang="en-US"/>
           </a:p>
@@ -3350,7 +7223,7 @@
           <a:p>
             <a:fld id="{9B0DE907-AEDA-4EE9-869A-B21DA6DC498D}" type="datetime1">
               <a:rPr lang="en-US" smtClean="0"/>
-              <a:t>7/24/2017</a:t>
+              <a:t>7/25/2017</a:t>
             </a:fld>
             <a:endParaRPr lang="en-US"/>
           </a:p>
@@ -3462,7 +7335,7 @@
           <a:p>
             <a:fld id="{38C540BA-3DB2-4124-8990-4661E7113E01}" type="datetime1">
               <a:rPr lang="en-US" smtClean="0"/>
-              <a:t>7/24/2017</a:t>
+              <a:t>7/25/2017</a:t>
             </a:fld>
             <a:endParaRPr lang="en-US"/>
           </a:p>
@@ -3754,7 +7627,7 @@
           <a:p>
             <a:fld id="{90F6EF63-9AC7-45BB-B551-A0640428FFFB}" type="datetime1">
               <a:rPr lang="en-US" smtClean="0"/>
-              <a:t>7/24/2017</a:t>
+              <a:t>7/25/2017</a:t>
             </a:fld>
             <a:endParaRPr lang="en-US"/>
           </a:p>
@@ -10434,19 +14307,21 @@
         </p:nvSpPr>
         <p:spPr/>
         <p:txBody>
-          <a:bodyPr/>
-          <a:lstStyle/>
-          <a:p>
-            <a:r>
-              <a:rPr lang="en-US" dirty="0"/>
-              <a:t>DDR Step 7: Review</a:t>
-            </a:r>
-          </a:p>
-        </p:txBody>
-      </p:sp>
-      <p:sp>
-        <p:nvSpPr>
-          <p:cNvPr id="4" name="Content Placeholder 3"/>
+          <a:bodyPr>
+            <a:normAutofit fontScale="90000"/>
+          </a:bodyPr>
+          <a:lstStyle/>
+          <a:p>
+            <a:r>
+              <a:rPr lang="en-US" dirty="0"/>
+              <a:t>The Shape of the Program Follows the Shape of the Data</a:t>
+            </a:r>
+          </a:p>
+        </p:txBody>
+      </p:sp>
+      <p:sp>
+        <p:nvSpPr>
+          <p:cNvPr id="5" name="Content Placeholder 4"/>
           <p:cNvSpPr>
             <a:spLocks noGrp="1"/>
           </p:cNvSpPr>
@@ -10456,25 +14331,121 @@
         </p:nvSpPr>
         <p:spPr/>
         <p:txBody>
-          <a:bodyPr/>
-          <a:lstStyle/>
-          <a:p>
-            <a:r>
-              <a:rPr lang="en-US" dirty="0"/>
-              <a:t>Nothing is done until you review it!</a:t>
-            </a:r>
-          </a:p>
-          <a:p>
-            <a:r>
-              <a:rPr lang="en-US" dirty="0"/>
-              <a:t>Before you move on, look at your data definition and ask the following questions</a:t>
-            </a:r>
-          </a:p>
-        </p:txBody>
-      </p:sp>
-      <p:sp>
-        <p:nvSpPr>
-          <p:cNvPr id="5" name="Slide Number Placeholder 4"/>
+          <a:bodyPr>
+            <a:normAutofit lnSpcReduction="10000"/>
+          </a:bodyPr>
+          <a:lstStyle/>
+          <a:p>
+            <a:r>
+              <a:rPr lang="en-US" dirty="0"/>
+              <a:t>A </a:t>
+            </a:r>
+            <a:r>
+              <a:rPr lang="en-US" dirty="0" err="1"/>
+              <a:t>BarOrder</a:t>
+            </a:r>
+            <a:r>
+              <a:rPr lang="en-US" dirty="0"/>
+              <a:t> is one of </a:t>
+            </a:r>
+          </a:p>
+          <a:p>
+            <a:pPr lvl="1"/>
+            <a:r>
+              <a:rPr lang="en-US" dirty="0"/>
+              <a:t>a </a:t>
+            </a:r>
+            <a:r>
+              <a:rPr lang="en-US" dirty="0" err="1"/>
+              <a:t>CoffeeOrder</a:t>
+            </a:r>
+            <a:endParaRPr lang="en-US" dirty="0"/>
+          </a:p>
+          <a:p>
+            <a:pPr lvl="1"/>
+            <a:r>
+              <a:rPr lang="en-US" dirty="0"/>
+              <a:t>a </a:t>
+            </a:r>
+            <a:r>
+              <a:rPr lang="en-US" dirty="0" err="1"/>
+              <a:t>WineOrder</a:t>
+            </a:r>
+            <a:r>
+              <a:rPr lang="en-US" dirty="0"/>
+              <a:t>, or</a:t>
+            </a:r>
+          </a:p>
+          <a:p>
+            <a:pPr lvl="1"/>
+            <a:r>
+              <a:rPr lang="en-US" dirty="0"/>
+              <a:t>a </a:t>
+            </a:r>
+            <a:r>
+              <a:rPr lang="en-US" dirty="0" err="1"/>
+              <a:t>TeaOrder</a:t>
+            </a:r>
+            <a:endParaRPr lang="en-US" dirty="0"/>
+          </a:p>
+          <a:p>
+            <a:r>
+              <a:rPr lang="en-US" dirty="0"/>
+              <a:t>The observer template tells that a function on </a:t>
+            </a:r>
+            <a:r>
+              <a:rPr lang="en-US" dirty="0" err="1"/>
+              <a:t>BarOrders</a:t>
+            </a:r>
+            <a:r>
+              <a:rPr lang="en-US" dirty="0"/>
+              <a:t> may call</a:t>
+            </a:r>
+          </a:p>
+          <a:p>
+            <a:pPr lvl="1"/>
+            <a:r>
+              <a:rPr lang="en-US" dirty="0"/>
+              <a:t>a function on </a:t>
+            </a:r>
+            <a:r>
+              <a:rPr lang="en-US" dirty="0" err="1"/>
+              <a:t>CoffeeOrders</a:t>
+            </a:r>
+            <a:endParaRPr lang="en-US" dirty="0"/>
+          </a:p>
+          <a:p>
+            <a:pPr lvl="1"/>
+            <a:r>
+              <a:rPr lang="en-US" dirty="0"/>
+              <a:t>a function on </a:t>
+            </a:r>
+            <a:r>
+              <a:rPr lang="en-US" dirty="0" err="1"/>
+              <a:t>WineOrders</a:t>
+            </a:r>
+            <a:r>
+              <a:rPr lang="en-US" dirty="0"/>
+              <a:t>, or</a:t>
+            </a:r>
+          </a:p>
+          <a:p>
+            <a:pPr lvl="1"/>
+            <a:r>
+              <a:rPr lang="en-US" dirty="0"/>
+              <a:t>a function on </a:t>
+            </a:r>
+            <a:r>
+              <a:rPr lang="en-US" dirty="0" err="1"/>
+              <a:t>TeaOrders</a:t>
+            </a:r>
+            <a:endParaRPr lang="en-US" dirty="0"/>
+          </a:p>
+        </p:txBody>
+      </p:sp>
+      <p:sp>
+        <p:nvSpPr>
+          <p:cNvPr id="4" name="Slide Number Placeholder 3"/>
           <p:cNvSpPr>
             <a:spLocks noGrp="1"/>
           </p:cNvSpPr>
@@ -10491,6 +14462,672 @@
               <a:rPr lang="en-US" smtClean="0"/>
               <a:pPr/>
               <a:t>31</a:t>
+            </a:fld>
+            <a:endParaRPr lang="en-US" dirty="0"/>
+          </a:p>
+        </p:txBody>
+      </p:sp>
+    </p:spTree>
+    <p:extLst>
+      <p:ext uri="{BB962C8B-B14F-4D97-AF65-F5344CB8AC3E}">
+        <p14:creationId xmlns:p14="http://schemas.microsoft.com/office/powerpoint/2010/main" val="3499858043"/>
+      </p:ext>
+    </p:extLst>
+  </p:cSld>
+  <p:clrMapOvr>
+    <a:masterClrMapping/>
+  </p:clrMapOvr>
+</p:sld>
+</file>
+
+<file path=ppt/slides/slide32.xml><?xml version="1.0" encoding="utf-8"?>
+<p:sld xmlns:a="http://schemas.openxmlformats.org/drawingml/2006/main" xmlns:r="http://schemas.openxmlformats.org/officeDocument/2006/relationships" xmlns:p="http://schemas.openxmlformats.org/presentationml/2006/main">
+  <p:cSld>
+    <p:spTree>
+      <p:nvGrpSpPr>
+        <p:cNvPr id="1" name=""/>
+        <p:cNvGrpSpPr/>
+        <p:nvPr/>
+      </p:nvGrpSpPr>
+      <p:grpSpPr>
+        <a:xfrm>
+          <a:off x="0" y="0"/>
+          <a:ext cx="0" cy="0"/>
+          <a:chOff x="0" y="0"/>
+          <a:chExt cx="0" cy="0"/>
+        </a:xfrm>
+      </p:grpSpPr>
+      <p:graphicFrame>
+        <p:nvGraphicFramePr>
+          <p:cNvPr id="7" name="Content Placeholder 6"/>
+          <p:cNvGraphicFramePr>
+            <a:graphicFrameLocks noGrp="1"/>
+          </p:cNvGraphicFramePr>
+          <p:nvPr>
+            <p:ph sz="half" idx="1"/>
+            <p:extLst>
+              <p:ext uri="{D42A27DB-BD31-4B8C-83A1-F6EECF244321}">
+                <p14:modId xmlns:p14="http://schemas.microsoft.com/office/powerpoint/2010/main" val="3517690711"/>
+              </p:ext>
+            </p:extLst>
+          </p:nvPr>
+        </p:nvGraphicFramePr>
+        <p:xfrm>
+          <a:off x="381000" y="1332681"/>
+          <a:ext cx="4038600" cy="4525963"/>
+        </p:xfrm>
+        <a:graphic>
+          <a:graphicData uri="http://schemas.openxmlformats.org/drawingml/2006/diagram">
+            <dgm:relIds xmlns:dgm="http://schemas.openxmlformats.org/drawingml/2006/diagram" xmlns:r="http://schemas.openxmlformats.org/officeDocument/2006/relationships" r:dm="rId2" r:lo="rId3" r:qs="rId4" r:cs="rId5"/>
+          </a:graphicData>
+        </a:graphic>
+      </p:graphicFrame>
+      <p:sp>
+        <p:nvSpPr>
+          <p:cNvPr id="2" name="Title 1"/>
+          <p:cNvSpPr>
+            <a:spLocks noGrp="1"/>
+          </p:cNvSpPr>
+          <p:nvPr>
+            <p:ph type="title"/>
+          </p:nvPr>
+        </p:nvSpPr>
+        <p:spPr>
+          <a:ln w="25400">
+            <a:solidFill>
+              <a:schemeClr val="accent1"/>
+            </a:solidFill>
+          </a:ln>
+        </p:spPr>
+        <p:txBody>
+          <a:bodyPr vert="horz" lIns="91440" tIns="45720" rIns="91440" bIns="45720" rtlCol="0" anchor="ctr">
+            <a:normAutofit fontScale="90000"/>
+          </a:bodyPr>
+          <a:lstStyle/>
+          <a:p>
+            <a:r>
+              <a:rPr lang="en-US" dirty="0"/>
+              <a:t>The Shape of the Program Follows the Shape of the Data</a:t>
+            </a:r>
+          </a:p>
+        </p:txBody>
+      </p:sp>
+      <p:sp>
+        <p:nvSpPr>
+          <p:cNvPr id="4" name="Slide Number Placeholder 3"/>
+          <p:cNvSpPr>
+            <a:spLocks noGrp="1"/>
+          </p:cNvSpPr>
+          <p:nvPr>
+            <p:ph type="sldNum" sz="quarter" idx="12"/>
+          </p:nvPr>
+        </p:nvSpPr>
+        <p:spPr/>
+        <p:txBody>
+          <a:bodyPr/>
+          <a:lstStyle/>
+          <a:p>
+            <a:fld id="{8D704B19-8EED-495A-99FA-12E5518CCC54}" type="slidenum">
+              <a:rPr lang="en-US" smtClean="0"/>
+              <a:pPr/>
+              <a:t>32</a:t>
+            </a:fld>
+            <a:endParaRPr lang="en-US"/>
+          </a:p>
+        </p:txBody>
+      </p:sp>
+      <p:sp>
+        <p:nvSpPr>
+          <p:cNvPr id="10" name="Rectangle 9"/>
+          <p:cNvSpPr/>
+          <p:nvPr/>
+        </p:nvSpPr>
+        <p:spPr>
+          <a:xfrm>
+            <a:off x="4648200" y="3575785"/>
+            <a:ext cx="1333500" cy="762000"/>
+          </a:xfrm>
+          <a:prstGeom prst="rect">
+            <a:avLst/>
+          </a:prstGeom>
+        </p:spPr>
+        <p:style>
+          <a:lnRef idx="2">
+            <a:schemeClr val="dk1"/>
+          </a:lnRef>
+          <a:fillRef idx="1">
+            <a:schemeClr val="lt1"/>
+          </a:fillRef>
+          <a:effectRef idx="0">
+            <a:schemeClr val="dk1"/>
+          </a:effectRef>
+          <a:fontRef idx="minor">
+            <a:schemeClr val="dk1"/>
+          </a:fontRef>
+        </p:style>
+        <p:txBody>
+          <a:bodyPr rtlCol="0" anchor="ctr"/>
+          <a:lstStyle/>
+          <a:p>
+            <a:pPr algn="ctr"/>
+            <a:r>
+              <a:rPr lang="en-US" dirty="0" err="1"/>
+              <a:t>CoffeeOrder</a:t>
+            </a:r>
+            <a:r>
+              <a:rPr lang="en-US" dirty="0"/>
+              <a:t> function</a:t>
+            </a:r>
+          </a:p>
+        </p:txBody>
+      </p:sp>
+      <p:sp>
+        <p:nvSpPr>
+          <p:cNvPr id="13" name="Rectangle 12"/>
+          <p:cNvSpPr/>
+          <p:nvPr/>
+        </p:nvSpPr>
+        <p:spPr>
+          <a:xfrm>
+            <a:off x="6139715" y="2341504"/>
+            <a:ext cx="1143000" cy="762000"/>
+          </a:xfrm>
+          <a:prstGeom prst="rect">
+            <a:avLst/>
+          </a:prstGeom>
+        </p:spPr>
+        <p:style>
+          <a:lnRef idx="2">
+            <a:schemeClr val="dk1"/>
+          </a:lnRef>
+          <a:fillRef idx="1">
+            <a:schemeClr val="lt1"/>
+          </a:fillRef>
+          <a:effectRef idx="0">
+            <a:schemeClr val="dk1"/>
+          </a:effectRef>
+          <a:fontRef idx="minor">
+            <a:schemeClr val="dk1"/>
+          </a:fontRef>
+        </p:style>
+        <p:txBody>
+          <a:bodyPr rtlCol="0" anchor="ctr"/>
+          <a:lstStyle/>
+          <a:p>
+            <a:pPr algn="ctr"/>
+            <a:r>
+              <a:rPr lang="en-US" dirty="0" err="1"/>
+              <a:t>BarOrder</a:t>
+            </a:r>
+            <a:r>
+              <a:rPr lang="en-US" dirty="0"/>
+              <a:t> function</a:t>
+            </a:r>
+          </a:p>
+        </p:txBody>
+      </p:sp>
+      <p:sp>
+        <p:nvSpPr>
+          <p:cNvPr id="15" name="Rectangle 14"/>
+          <p:cNvSpPr/>
+          <p:nvPr/>
+        </p:nvSpPr>
+        <p:spPr>
+          <a:xfrm>
+            <a:off x="6044465" y="3575785"/>
+            <a:ext cx="1333500" cy="762000"/>
+          </a:xfrm>
+          <a:prstGeom prst="rect">
+            <a:avLst/>
+          </a:prstGeom>
+        </p:spPr>
+        <p:style>
+          <a:lnRef idx="2">
+            <a:schemeClr val="dk1"/>
+          </a:lnRef>
+          <a:fillRef idx="1">
+            <a:schemeClr val="lt1"/>
+          </a:fillRef>
+          <a:effectRef idx="0">
+            <a:schemeClr val="dk1"/>
+          </a:effectRef>
+          <a:fontRef idx="minor">
+            <a:schemeClr val="dk1"/>
+          </a:fontRef>
+        </p:style>
+        <p:txBody>
+          <a:bodyPr rtlCol="0" anchor="ctr"/>
+          <a:lstStyle/>
+          <a:p>
+            <a:pPr algn="ctr"/>
+            <a:r>
+              <a:rPr lang="en-US" dirty="0" err="1"/>
+              <a:t>WineOrder</a:t>
+            </a:r>
+            <a:r>
+              <a:rPr lang="en-US" dirty="0"/>
+              <a:t> function</a:t>
+            </a:r>
+          </a:p>
+        </p:txBody>
+      </p:sp>
+      <p:sp>
+        <p:nvSpPr>
+          <p:cNvPr id="16" name="Rectangle 15"/>
+          <p:cNvSpPr/>
+          <p:nvPr/>
+        </p:nvSpPr>
+        <p:spPr>
+          <a:xfrm>
+            <a:off x="7505700" y="3595663"/>
+            <a:ext cx="1333500" cy="762000"/>
+          </a:xfrm>
+          <a:prstGeom prst="rect">
+            <a:avLst/>
+          </a:prstGeom>
+        </p:spPr>
+        <p:style>
+          <a:lnRef idx="2">
+            <a:schemeClr val="dk1"/>
+          </a:lnRef>
+          <a:fillRef idx="1">
+            <a:schemeClr val="lt1"/>
+          </a:fillRef>
+          <a:effectRef idx="0">
+            <a:schemeClr val="dk1"/>
+          </a:effectRef>
+          <a:fontRef idx="minor">
+            <a:schemeClr val="dk1"/>
+          </a:fontRef>
+        </p:style>
+        <p:txBody>
+          <a:bodyPr rtlCol="0" anchor="ctr"/>
+          <a:lstStyle/>
+          <a:p>
+            <a:pPr algn="ctr"/>
+            <a:r>
+              <a:rPr lang="en-US" dirty="0" err="1"/>
+              <a:t>TeaOrder</a:t>
+            </a:r>
+            <a:r>
+              <a:rPr lang="en-US" dirty="0"/>
+              <a:t> function</a:t>
+            </a:r>
+          </a:p>
+        </p:txBody>
+      </p:sp>
+      <p:sp>
+        <p:nvSpPr>
+          <p:cNvPr id="17" name="Isosceles Triangle 16"/>
+          <p:cNvSpPr/>
+          <p:nvPr/>
+        </p:nvSpPr>
+        <p:spPr>
+          <a:xfrm>
+            <a:off x="2252472" y="2966185"/>
+            <a:ext cx="295656" cy="274637"/>
+          </a:xfrm>
+          <a:prstGeom prst="triangle">
+            <a:avLst/>
+          </a:prstGeom>
+          <a:noFill/>
+          <a:ln>
+            <a:solidFill>
+              <a:schemeClr val="tx1"/>
+            </a:solidFill>
+          </a:ln>
+        </p:spPr>
+        <p:style>
+          <a:lnRef idx="2">
+            <a:schemeClr val="accent1">
+              <a:shade val="50000"/>
+            </a:schemeClr>
+          </a:lnRef>
+          <a:fillRef idx="1">
+            <a:schemeClr val="accent1"/>
+          </a:fillRef>
+          <a:effectRef idx="0">
+            <a:schemeClr val="accent1"/>
+          </a:effectRef>
+          <a:fontRef idx="minor">
+            <a:schemeClr val="lt1"/>
+          </a:fontRef>
+        </p:style>
+        <p:txBody>
+          <a:bodyPr rtlCol="0" anchor="ctr"/>
+          <a:lstStyle/>
+          <a:p>
+            <a:pPr algn="ctr"/>
+            <a:endParaRPr lang="en-US"/>
+          </a:p>
+        </p:txBody>
+      </p:sp>
+      <p:cxnSp>
+        <p:nvCxnSpPr>
+          <p:cNvPr id="21" name="Straight Arrow Connector 20"/>
+          <p:cNvCxnSpPr>
+            <a:stCxn id="13" idx="2"/>
+            <a:endCxn id="10" idx="0"/>
+          </p:cNvCxnSpPr>
+          <p:nvPr/>
+        </p:nvCxnSpPr>
+        <p:spPr>
+          <a:xfrm flipH="1">
+            <a:off x="5314950" y="3103504"/>
+            <a:ext cx="1396265" cy="472281"/>
+          </a:xfrm>
+          <a:prstGeom prst="straightConnector1">
+            <a:avLst/>
+          </a:prstGeom>
+          <a:ln w="19050">
+            <a:solidFill>
+              <a:schemeClr val="tx1"/>
+            </a:solidFill>
+            <a:tailEnd type="triangle"/>
+          </a:ln>
+        </p:spPr>
+        <p:style>
+          <a:lnRef idx="1">
+            <a:schemeClr val="accent1"/>
+          </a:lnRef>
+          <a:fillRef idx="0">
+            <a:schemeClr val="accent1"/>
+          </a:fillRef>
+          <a:effectRef idx="0">
+            <a:schemeClr val="accent1"/>
+          </a:effectRef>
+          <a:fontRef idx="minor">
+            <a:schemeClr val="tx1"/>
+          </a:fontRef>
+        </p:style>
+      </p:cxnSp>
+      <p:cxnSp>
+        <p:nvCxnSpPr>
+          <p:cNvPr id="23" name="Straight Arrow Connector 22"/>
+          <p:cNvCxnSpPr>
+            <a:stCxn id="13" idx="2"/>
+            <a:endCxn id="15" idx="0"/>
+          </p:cNvCxnSpPr>
+          <p:nvPr/>
+        </p:nvCxnSpPr>
+        <p:spPr>
+          <a:xfrm>
+            <a:off x="6711215" y="3103504"/>
+            <a:ext cx="0" cy="472281"/>
+          </a:xfrm>
+          <a:prstGeom prst="straightConnector1">
+            <a:avLst/>
+          </a:prstGeom>
+          <a:ln w="19050">
+            <a:solidFill>
+              <a:schemeClr val="tx1"/>
+            </a:solidFill>
+            <a:tailEnd type="triangle"/>
+          </a:ln>
+        </p:spPr>
+        <p:style>
+          <a:lnRef idx="1">
+            <a:schemeClr val="accent1"/>
+          </a:lnRef>
+          <a:fillRef idx="0">
+            <a:schemeClr val="accent1"/>
+          </a:fillRef>
+          <a:effectRef idx="0">
+            <a:schemeClr val="accent1"/>
+          </a:effectRef>
+          <a:fontRef idx="minor">
+            <a:schemeClr val="tx1"/>
+          </a:fontRef>
+        </p:style>
+      </p:cxnSp>
+      <p:cxnSp>
+        <p:nvCxnSpPr>
+          <p:cNvPr id="24" name="Straight Arrow Connector 23"/>
+          <p:cNvCxnSpPr>
+            <a:stCxn id="13" idx="2"/>
+            <a:endCxn id="16" idx="0"/>
+          </p:cNvCxnSpPr>
+          <p:nvPr/>
+        </p:nvCxnSpPr>
+        <p:spPr>
+          <a:xfrm>
+            <a:off x="6711215" y="3103504"/>
+            <a:ext cx="1461235" cy="492159"/>
+          </a:xfrm>
+          <a:prstGeom prst="straightConnector1">
+            <a:avLst/>
+          </a:prstGeom>
+          <a:ln w="19050">
+            <a:solidFill>
+              <a:schemeClr val="tx1"/>
+            </a:solidFill>
+            <a:tailEnd type="triangle"/>
+          </a:ln>
+        </p:spPr>
+        <p:style>
+          <a:lnRef idx="1">
+            <a:schemeClr val="accent1"/>
+          </a:lnRef>
+          <a:fillRef idx="0">
+            <a:schemeClr val="accent1"/>
+          </a:fillRef>
+          <a:effectRef idx="0">
+            <a:schemeClr val="accent1"/>
+          </a:effectRef>
+          <a:fontRef idx="minor">
+            <a:schemeClr val="tx1"/>
+          </a:fontRef>
+        </p:style>
+      </p:cxnSp>
+      <p:sp>
+        <p:nvSpPr>
+          <p:cNvPr id="27" name="TextBox 26"/>
+          <p:cNvSpPr txBox="1"/>
+          <p:nvPr/>
+        </p:nvSpPr>
+        <p:spPr>
+          <a:xfrm>
+            <a:off x="1295400" y="4648200"/>
+            <a:ext cx="2209800" cy="923330"/>
+          </a:xfrm>
+          <a:prstGeom prst="rect">
+            <a:avLst/>
+          </a:prstGeom>
+          <a:solidFill>
+            <a:schemeClr val="accent1">
+              <a:lumMod val="20000"/>
+              <a:lumOff val="80000"/>
+            </a:schemeClr>
+          </a:solidFill>
+        </p:spPr>
+        <p:txBody>
+          <a:bodyPr wrap="square" rtlCol="0">
+            <a:spAutoFit/>
+          </a:bodyPr>
+          <a:lstStyle/>
+          <a:p>
+            <a:r>
+              <a:rPr lang="en-US" dirty="0"/>
+              <a:t>Data Hierarchy (the open triangle means “OR”)</a:t>
+            </a:r>
+          </a:p>
+        </p:txBody>
+      </p:sp>
+      <p:sp>
+        <p:nvSpPr>
+          <p:cNvPr id="28" name="TextBox 27"/>
+          <p:cNvSpPr txBox="1"/>
+          <p:nvPr/>
+        </p:nvSpPr>
+        <p:spPr>
+          <a:xfrm flipH="1">
+            <a:off x="5682515" y="4660404"/>
+            <a:ext cx="2057400" cy="923330"/>
+          </a:xfrm>
+          <a:prstGeom prst="rect">
+            <a:avLst/>
+          </a:prstGeom>
+          <a:solidFill>
+            <a:schemeClr val="accent1">
+              <a:lumMod val="20000"/>
+              <a:lumOff val="80000"/>
+            </a:schemeClr>
+          </a:solidFill>
+        </p:spPr>
+        <p:txBody>
+          <a:bodyPr wrap="square" rtlCol="0">
+            <a:spAutoFit/>
+          </a:bodyPr>
+          <a:lstStyle/>
+          <a:p>
+            <a:r>
+              <a:rPr lang="en-US" dirty="0"/>
+              <a:t>Call Tree (the arrow goes from caller to </a:t>
+            </a:r>
+            <a:r>
+              <a:rPr lang="en-US" dirty="0" err="1"/>
+              <a:t>callee</a:t>
+            </a:r>
+            <a:r>
+              <a:rPr lang="en-US" dirty="0"/>
+              <a:t>)</a:t>
+            </a:r>
+          </a:p>
+        </p:txBody>
+      </p:sp>
+      <p:sp>
+        <p:nvSpPr>
+          <p:cNvPr id="29" name="TextBox 28"/>
+          <p:cNvSpPr txBox="1"/>
+          <p:nvPr/>
+        </p:nvSpPr>
+        <p:spPr>
+          <a:xfrm>
+            <a:off x="5789596" y="5710019"/>
+            <a:ext cx="3049604" cy="646331"/>
+          </a:xfrm>
+          <a:prstGeom prst="rect">
+            <a:avLst/>
+          </a:prstGeom>
+          <a:solidFill>
+            <a:schemeClr val="accent2">
+              <a:lumMod val="20000"/>
+              <a:lumOff val="80000"/>
+            </a:schemeClr>
+          </a:solidFill>
+        </p:spPr>
+        <p:txBody>
+          <a:bodyPr wrap="square" rtlCol="0">
+            <a:spAutoFit/>
+          </a:bodyPr>
+          <a:lstStyle/>
+          <a:p>
+            <a:r>
+              <a:rPr lang="en-US" dirty="0"/>
+              <a:t>We’ll see this principle over and over again!</a:t>
+            </a:r>
+          </a:p>
+        </p:txBody>
+      </p:sp>
+    </p:spTree>
+    <p:extLst>
+      <p:ext uri="{BB962C8B-B14F-4D97-AF65-F5344CB8AC3E}">
+        <p14:creationId xmlns:p14="http://schemas.microsoft.com/office/powerpoint/2010/main" val="3772012202"/>
+      </p:ext>
+    </p:extLst>
+  </p:cSld>
+  <p:clrMapOvr>
+    <a:masterClrMapping/>
+  </p:clrMapOvr>
+</p:sld>
+</file>
+
+<file path=ppt/slides/slide33.xml><?xml version="1.0" encoding="utf-8"?>
+<p:sld xmlns:a="http://schemas.openxmlformats.org/drawingml/2006/main" xmlns:r="http://schemas.openxmlformats.org/officeDocument/2006/relationships" xmlns:p="http://schemas.openxmlformats.org/presentationml/2006/main">
+  <p:cSld>
+    <p:spTree>
+      <p:nvGrpSpPr>
+        <p:cNvPr id="1" name=""/>
+        <p:cNvGrpSpPr/>
+        <p:nvPr/>
+      </p:nvGrpSpPr>
+      <p:grpSpPr>
+        <a:xfrm>
+          <a:off x="0" y="0"/>
+          <a:ext cx="0" cy="0"/>
+          <a:chOff x="0" y="0"/>
+          <a:chExt cx="0" cy="0"/>
+        </a:xfrm>
+      </p:grpSpPr>
+      <p:sp>
+        <p:nvSpPr>
+          <p:cNvPr id="2" name="Title 1"/>
+          <p:cNvSpPr>
+            <a:spLocks noGrp="1"/>
+          </p:cNvSpPr>
+          <p:nvPr>
+            <p:ph type="title"/>
+          </p:nvPr>
+        </p:nvSpPr>
+        <p:spPr/>
+        <p:txBody>
+          <a:bodyPr/>
+          <a:lstStyle/>
+          <a:p>
+            <a:r>
+              <a:rPr lang="en-US" dirty="0"/>
+              <a:t>DDR Step 7: Review</a:t>
+            </a:r>
+          </a:p>
+        </p:txBody>
+      </p:sp>
+      <p:sp>
+        <p:nvSpPr>
+          <p:cNvPr id="4" name="Content Placeholder 3"/>
+          <p:cNvSpPr>
+            <a:spLocks noGrp="1"/>
+          </p:cNvSpPr>
+          <p:nvPr>
+            <p:ph idx="1"/>
+          </p:nvPr>
+        </p:nvSpPr>
+        <p:spPr/>
+        <p:txBody>
+          <a:bodyPr/>
+          <a:lstStyle/>
+          <a:p>
+            <a:r>
+              <a:rPr lang="en-US" dirty="0"/>
+              <a:t>Nothing is done until you review it!</a:t>
+            </a:r>
+          </a:p>
+          <a:p>
+            <a:r>
+              <a:rPr lang="en-US" dirty="0"/>
+              <a:t>Before you move on, look at your data definition and ask the following questions</a:t>
+            </a:r>
+          </a:p>
+        </p:txBody>
+      </p:sp>
+      <p:sp>
+        <p:nvSpPr>
+          <p:cNvPr id="5" name="Slide Number Placeholder 4"/>
+          <p:cNvSpPr>
+            <a:spLocks noGrp="1"/>
+          </p:cNvSpPr>
+          <p:nvPr>
+            <p:ph type="sldNum" sz="quarter" idx="12"/>
+          </p:nvPr>
+        </p:nvSpPr>
+        <p:spPr/>
+        <p:txBody>
+          <a:bodyPr/>
+          <a:lstStyle/>
+          <a:p>
+            <a:fld id="{8D704B19-8EED-495A-99FA-12E5518CCC54}" type="slidenum">
+              <a:rPr lang="en-US" smtClean="0"/>
+              <a:pPr/>
+              <a:t>33</a:t>
             </a:fld>
             <a:endParaRPr lang="en-US"/>
           </a:p>
@@ -10509,7 +15146,7 @@
 </p:sld>
 </file>
 
-<file path=ppt/slides/slide32.xml><?xml version="1.0" encoding="utf-8"?>
+<file path=ppt/slides/slide34.xml><?xml version="1.0" encoding="utf-8"?>
 <p:sld xmlns:a="http://schemas.openxmlformats.org/drawingml/2006/main" xmlns:r="http://schemas.openxmlformats.org/officeDocument/2006/relationships" xmlns:p="http://schemas.openxmlformats.org/presentationml/2006/main">
   <p:cSld>
     <p:spTree>
@@ -10719,7 +15356,7 @@
             <a:fld id="{8D704B19-8EED-495A-99FA-12E5518CCC54}" type="slidenum">
               <a:rPr lang="en-US" smtClean="0"/>
               <a:pPr/>
-              <a:t>32</a:t>
+              <a:t>34</a:t>
             </a:fld>
             <a:endParaRPr lang="en-US"/>
           </a:p>
@@ -10738,7 +15375,7 @@
 </p:sld>
 </file>
 
-<file path=ppt/slides/slide33.xml><?xml version="1.0" encoding="utf-8"?>
+<file path=ppt/slides/slide35.xml><?xml version="1.0" encoding="utf-8"?>
 <p:sld xmlns:a="http://schemas.openxmlformats.org/drawingml/2006/main" xmlns:r="http://schemas.openxmlformats.org/officeDocument/2006/relationships" xmlns:p="http://schemas.openxmlformats.org/presentationml/2006/main">
   <p:cSld>
     <p:spTree>
@@ -10826,7 +15463,7 @@
           <a:p>
             <a:fld id="{2AF3B5EA-18B6-4040-9F78-6052AF49C681}" type="slidenum">
               <a:rPr lang="en-US" smtClean="0"/>
-              <a:t>33</a:t>
+              <a:t>35</a:t>
             </a:fld>
             <a:endParaRPr lang="en-US"/>
           </a:p>

--- a/Slides/Lesson 1.3 The Data Design Recipe.pptx
+++ b/Slides/Lesson 1.3 The Data Design Recipe.pptx
@@ -4155,7 +4155,7 @@
             <a:fld id="{E3057DDA-BF5C-4879-9957-16E91151DE1E}" type="datetimeFigureOut">
               <a:rPr lang="en-US" smtClean="0"/>
               <a:pPr/>
-              <a:t>7/25/2017</a:t>
+              <a:t>8/11/2017</a:t>
             </a:fld>
             <a:endParaRPr lang="en-US"/>
           </a:p>
@@ -5038,7 +5038,7 @@
           <a:p>
             <a:fld id="{768B3A28-1884-497D-94C5-27227826CE2C}" type="datetime1">
               <a:rPr lang="en-US" smtClean="0"/>
-              <a:t>7/25/2017</a:t>
+              <a:t>8/11/2017</a:t>
             </a:fld>
             <a:endParaRPr lang="en-US"/>
           </a:p>
@@ -5307,7 +5307,7 @@
           <a:p>
             <a:fld id="{B8262C03-9B91-44B2-B7D5-2A844E6680F8}" type="datetime1">
               <a:rPr lang="en-US" smtClean="0"/>
-              <a:t>7/25/2017</a:t>
+              <a:t>8/11/2017</a:t>
             </a:fld>
             <a:endParaRPr lang="en-US"/>
           </a:p>
@@ -5492,7 +5492,7 @@
           <a:p>
             <a:fld id="{B11DCD3A-F44B-4ECF-B365-54BE99BB4BEA}" type="datetime1">
               <a:rPr lang="en-US" smtClean="0"/>
-              <a:t>7/25/2017</a:t>
+              <a:t>8/11/2017</a:t>
             </a:fld>
             <a:endParaRPr lang="en-US"/>
           </a:p>
@@ -5687,7 +5687,7 @@
           <a:p>
             <a:fld id="{94377941-97D9-4840-A51B-C8DAEDA2815C}" type="datetime1">
               <a:rPr lang="en-US" smtClean="0"/>
-              <a:t>7/25/2017</a:t>
+              <a:t>8/11/2017</a:t>
             </a:fld>
             <a:endParaRPr lang="en-US"/>
           </a:p>
@@ -5884,7 +5884,7 @@
           <a:p>
             <a:fld id="{AB7F5B1C-135C-4619-A2DE-25131AF5278A}" type="datetime1">
               <a:rPr lang="en-US" smtClean="0"/>
-              <a:t>7/25/2017</a:t>
+              <a:t>8/11/2017</a:t>
             </a:fld>
             <a:endParaRPr lang="en-US"/>
           </a:p>
@@ -6089,7 +6089,7 @@
           <a:p>
             <a:fld id="{29517BA8-26BA-4B7C-A41A-804B81F83A36}" type="datetime1">
               <a:rPr lang="en-US" smtClean="0"/>
-              <a:t>7/25/2017</a:t>
+              <a:t>8/11/2017</a:t>
             </a:fld>
             <a:endParaRPr lang="en-US"/>
           </a:p>
@@ -6351,7 +6351,7 @@
           <a:p>
             <a:fld id="{E54FABC5-F62F-49DD-A24E-5C2CE15A3D87}" type="datetime1">
               <a:rPr lang="en-US" smtClean="0"/>
-              <a:t>7/25/2017</a:t>
+              <a:t>8/11/2017</a:t>
             </a:fld>
             <a:endParaRPr lang="en-US"/>
           </a:p>
@@ -6653,7 +6653,7 @@
           <a:p>
             <a:fld id="{510AAC56-4986-4B63-9F74-D47EE64ADD9E}" type="datetime1">
               <a:rPr lang="en-US" smtClean="0"/>
-              <a:t>7/25/2017</a:t>
+              <a:t>8/11/2017</a:t>
             </a:fld>
             <a:endParaRPr lang="en-US"/>
           </a:p>
@@ -7089,7 +7089,7 @@
           <a:p>
             <a:fld id="{FCC14660-E407-48B8-9CF0-DD79C3F69AD0}" type="datetime1">
               <a:rPr lang="en-US" smtClean="0"/>
-              <a:t>7/25/2017</a:t>
+              <a:t>8/11/2017</a:t>
             </a:fld>
             <a:endParaRPr lang="en-US"/>
           </a:p>
@@ -7223,7 +7223,7 @@
           <a:p>
             <a:fld id="{9B0DE907-AEDA-4EE9-869A-B21DA6DC498D}" type="datetime1">
               <a:rPr lang="en-US" smtClean="0"/>
-              <a:t>7/25/2017</a:t>
+              <a:t>8/11/2017</a:t>
             </a:fld>
             <a:endParaRPr lang="en-US"/>
           </a:p>
@@ -7335,7 +7335,7 @@
           <a:p>
             <a:fld id="{38C540BA-3DB2-4124-8990-4661E7113E01}" type="datetime1">
               <a:rPr lang="en-US" smtClean="0"/>
-              <a:t>7/25/2017</a:t>
+              <a:t>8/11/2017</a:t>
             </a:fld>
             <a:endParaRPr lang="en-US"/>
           </a:p>
@@ -7627,7 +7627,7 @@
           <a:p>
             <a:fld id="{90F6EF63-9AC7-45BB-B551-A0640428FFFB}" type="datetime1">
               <a:rPr lang="en-US" smtClean="0"/>
-              <a:t>7/25/2017</a:t>
+              <a:t>8/11/2017</a:t>
             </a:fld>
             <a:endParaRPr lang="en-US"/>
           </a:p>
@@ -8595,31 +8595,16 @@
           <a:lstStyle/>
           <a:p>
             <a:r>
-              <a:rPr lang="en-US" dirty="0"/>
-              <a:t>In Racket, we implement compound data as a </a:t>
-            </a:r>
-            <a:r>
-              <a:rPr lang="en-US" b="1" dirty="0">
-                <a:latin typeface="Consolas" pitchFamily="49" charset="0"/>
+              <a:rPr lang="en-US">
                 <a:cs typeface="Consolas" pitchFamily="49" charset="0"/>
               </a:rPr>
-              <a:t>struct</a:t>
-            </a:r>
-          </a:p>
-          <a:p>
+              <a:t>In </a:t>
+            </a:r>
             <a:r>
               <a:rPr lang="en-US" dirty="0">
                 <a:cs typeface="Consolas" pitchFamily="49" charset="0"/>
               </a:rPr>
-              <a:t>This is like a struct or record in other languages.</a:t>
-            </a:r>
-          </a:p>
-          <a:p>
-            <a:r>
-              <a:rPr lang="en-US" dirty="0">
-                <a:cs typeface="Consolas" pitchFamily="49" charset="0"/>
-              </a:rPr>
-              <a:t>In Racket, we define new kinds of structs or records with </a:t>
+              <a:t>Racket, we define new kinds of structs or records with </a:t>
             </a:r>
             <a:r>
               <a:rPr lang="en-US" b="1" dirty="0">

--- a/Slides/Lesson 1.3 The Data Design Recipe.pptx
+++ b/Slides/Lesson 1.3 The Data Design Recipe.pptx
@@ -4155,7 +4155,7 @@
             <a:fld id="{E3057DDA-BF5C-4879-9957-16E91151DE1E}" type="datetimeFigureOut">
               <a:rPr lang="en-US" smtClean="0"/>
               <a:pPr/>
-              <a:t>8/11/2017</a:t>
+              <a:t>9/13/2017</a:t>
             </a:fld>
             <a:endParaRPr lang="en-US"/>
           </a:p>
@@ -5038,7 +5038,7 @@
           <a:p>
             <a:fld id="{768B3A28-1884-497D-94C5-27227826CE2C}" type="datetime1">
               <a:rPr lang="en-US" smtClean="0"/>
-              <a:t>8/11/2017</a:t>
+              <a:t>9/13/2017</a:t>
             </a:fld>
             <a:endParaRPr lang="en-US"/>
           </a:p>
@@ -5307,7 +5307,7 @@
           <a:p>
             <a:fld id="{B8262C03-9B91-44B2-B7D5-2A844E6680F8}" type="datetime1">
               <a:rPr lang="en-US" smtClean="0"/>
-              <a:t>8/11/2017</a:t>
+              <a:t>9/13/2017</a:t>
             </a:fld>
             <a:endParaRPr lang="en-US"/>
           </a:p>
@@ -5492,7 +5492,7 @@
           <a:p>
             <a:fld id="{B11DCD3A-F44B-4ECF-B365-54BE99BB4BEA}" type="datetime1">
               <a:rPr lang="en-US" smtClean="0"/>
-              <a:t>8/11/2017</a:t>
+              <a:t>9/13/2017</a:t>
             </a:fld>
             <a:endParaRPr lang="en-US"/>
           </a:p>
@@ -5687,7 +5687,7 @@
           <a:p>
             <a:fld id="{94377941-97D9-4840-A51B-C8DAEDA2815C}" type="datetime1">
               <a:rPr lang="en-US" smtClean="0"/>
-              <a:t>8/11/2017</a:t>
+              <a:t>9/13/2017</a:t>
             </a:fld>
             <a:endParaRPr lang="en-US"/>
           </a:p>
@@ -5884,7 +5884,7 @@
           <a:p>
             <a:fld id="{AB7F5B1C-135C-4619-A2DE-25131AF5278A}" type="datetime1">
               <a:rPr lang="en-US" smtClean="0"/>
-              <a:t>8/11/2017</a:t>
+              <a:t>9/13/2017</a:t>
             </a:fld>
             <a:endParaRPr lang="en-US"/>
           </a:p>
@@ -6089,7 +6089,7 @@
           <a:p>
             <a:fld id="{29517BA8-26BA-4B7C-A41A-804B81F83A36}" type="datetime1">
               <a:rPr lang="en-US" smtClean="0"/>
-              <a:t>8/11/2017</a:t>
+              <a:t>9/13/2017</a:t>
             </a:fld>
             <a:endParaRPr lang="en-US"/>
           </a:p>
@@ -6351,7 +6351,7 @@
           <a:p>
             <a:fld id="{E54FABC5-F62F-49DD-A24E-5C2CE15A3D87}" type="datetime1">
               <a:rPr lang="en-US" smtClean="0"/>
-              <a:t>8/11/2017</a:t>
+              <a:t>9/13/2017</a:t>
             </a:fld>
             <a:endParaRPr lang="en-US"/>
           </a:p>
@@ -6653,7 +6653,7 @@
           <a:p>
             <a:fld id="{510AAC56-4986-4B63-9F74-D47EE64ADD9E}" type="datetime1">
               <a:rPr lang="en-US" smtClean="0"/>
-              <a:t>8/11/2017</a:t>
+              <a:t>9/13/2017</a:t>
             </a:fld>
             <a:endParaRPr lang="en-US"/>
           </a:p>
@@ -7089,7 +7089,7 @@
           <a:p>
             <a:fld id="{FCC14660-E407-48B8-9CF0-DD79C3F69AD0}" type="datetime1">
               <a:rPr lang="en-US" smtClean="0"/>
-              <a:t>8/11/2017</a:t>
+              <a:t>9/13/2017</a:t>
             </a:fld>
             <a:endParaRPr lang="en-US"/>
           </a:p>
@@ -7223,7 +7223,7 @@
           <a:p>
             <a:fld id="{9B0DE907-AEDA-4EE9-869A-B21DA6DC498D}" type="datetime1">
               <a:rPr lang="en-US" smtClean="0"/>
-              <a:t>8/11/2017</a:t>
+              <a:t>9/13/2017</a:t>
             </a:fld>
             <a:endParaRPr lang="en-US"/>
           </a:p>
@@ -7335,7 +7335,7 @@
           <a:p>
             <a:fld id="{38C540BA-3DB2-4124-8990-4661E7113E01}" type="datetime1">
               <a:rPr lang="en-US" smtClean="0"/>
-              <a:t>8/11/2017</a:t>
+              <a:t>9/13/2017</a:t>
             </a:fld>
             <a:endParaRPr lang="en-US"/>
           </a:p>
@@ -7627,7 +7627,7 @@
           <a:p>
             <a:fld id="{90F6EF63-9AC7-45BB-B551-A0640428FFFB}" type="datetime1">
               <a:rPr lang="en-US" smtClean="0"/>
-              <a:t>8/11/2017</a:t>
+              <a:t>9/13/2017</a:t>
             </a:fld>
             <a:endParaRPr lang="en-US"/>
           </a:p>
@@ -9354,7 +9354,7 @@
                 </a:solidFill>
                 <a:latin typeface="Consolas" pitchFamily="49" charset="0"/>
               </a:rPr>
-              <a:t>;; A Book is a </a:t>
+              <a:t>;; CONSTRUCTOR TEMPLATE FOR Book:</a:t>
             </a:r>
           </a:p>
           <a:p>
@@ -10748,7 +10748,19 @@
           <a:p>
             <a:r>
               <a:rPr lang="en-US" dirty="0"/>
-              <a:t>This is an inventory of the quantities we can use to construct the answer.</a:t>
+              <a:t>This is an </a:t>
+            </a:r>
+            <a:r>
+              <a:rPr lang="en-US" i="1" dirty="0">
+                <a:solidFill>
+                  <a:srgbClr val="FF0000"/>
+                </a:solidFill>
+              </a:rPr>
+              <a:t>inventory</a:t>
+            </a:r>
+            <a:r>
+              <a:rPr lang="en-US" dirty="0"/>
+              <a:t> of the quantities we can use to construct the answer.</a:t>
             </a:r>
           </a:p>
         </p:txBody>
@@ -11370,30 +11382,6 @@
       </p:sp>
       <p:sp>
         <p:nvSpPr>
-          <p:cNvPr id="2" name="Title 1"/>
-          <p:cNvSpPr>
-            <a:spLocks noGrp="1"/>
-          </p:cNvSpPr>
-          <p:nvPr>
-            <p:ph type="title"/>
-          </p:nvPr>
-        </p:nvSpPr>
-        <p:spPr/>
-        <p:txBody>
-          <a:bodyPr>
-            <a:normAutofit fontScale="90000"/>
-          </a:bodyPr>
-          <a:lstStyle/>
-          <a:p>
-            <a:r>
-              <a:rPr lang="en-US" dirty="0"/>
-              <a:t>Examples of data definitions for scalar information</a:t>
-            </a:r>
-          </a:p>
-        </p:txBody>
-      </p:sp>
-      <p:sp>
-        <p:nvSpPr>
           <p:cNvPr id="3" name="Content Placeholder 2"/>
           <p:cNvSpPr>
             <a:spLocks noGrp="1"/>
@@ -11498,6 +11486,30 @@
             <a:r>
               <a:rPr lang="en-US" dirty="0"/>
               <a:t> in [1800,2100]</a:t>
+            </a:r>
+          </a:p>
+        </p:txBody>
+      </p:sp>
+      <p:sp>
+        <p:nvSpPr>
+          <p:cNvPr id="2" name="Title 1"/>
+          <p:cNvSpPr>
+            <a:spLocks noGrp="1"/>
+          </p:cNvSpPr>
+          <p:nvPr>
+            <p:ph type="title"/>
+          </p:nvPr>
+        </p:nvSpPr>
+        <p:spPr/>
+        <p:txBody>
+          <a:bodyPr>
+            <a:normAutofit fontScale="90000"/>
+          </a:bodyPr>
+          <a:lstStyle/>
+          <a:p>
+            <a:r>
+              <a:rPr lang="en-US" dirty="0"/>
+              <a:t>Examples of data definitions for scalar information</a:t>
             </a:r>
           </a:p>
         </p:txBody>
@@ -11636,7 +11648,7 @@
         </p:nvSpPr>
         <p:spPr>
           <a:xfrm>
-            <a:off x="454152" y="5864959"/>
+            <a:off x="457200" y="5847060"/>
             <a:ext cx="7089648" cy="923330"/>
           </a:xfrm>
           <a:prstGeom prst="rect">
@@ -11678,7 +11690,7 @@
         </p:nvCxnSpPr>
         <p:spPr>
           <a:xfrm flipH="1" flipV="1">
-            <a:off x="3276600" y="5410200"/>
+            <a:off x="3279648" y="5392301"/>
             <a:ext cx="722376" cy="454759"/>
           </a:xfrm>
           <a:prstGeom prst="straightConnector1">
@@ -11716,6 +11728,163 @@
   <p:clrMapOvr>
     <a:masterClrMapping/>
   </p:clrMapOvr>
+  <p:timing>
+    <p:tnLst>
+      <p:par>
+        <p:cTn id="1" dur="indefinite" restart="never" nodeType="tmRoot">
+          <p:childTnLst>
+            <p:seq concurrent="1" nextAc="seek">
+              <p:cTn id="2" dur="indefinite" nodeType="mainSeq">
+                <p:childTnLst>
+                  <p:par>
+                    <p:cTn id="3" fill="hold">
+                      <p:stCondLst>
+                        <p:cond delay="indefinite"/>
+                      </p:stCondLst>
+                      <p:childTnLst>
+                        <p:par>
+                          <p:cTn id="4" fill="hold">
+                            <p:stCondLst>
+                              <p:cond delay="0"/>
+                            </p:stCondLst>
+                            <p:childTnLst>
+                              <p:par>
+                                <p:cTn id="5" presetID="10" presetClass="entr" presetSubtype="0" fill="hold" grpId="0" nodeType="clickEffect">
+                                  <p:stCondLst>
+                                    <p:cond delay="0"/>
+                                  </p:stCondLst>
+                                  <p:childTnLst>
+                                    <p:set>
+                                      <p:cBhvr>
+                                        <p:cTn id="6" dur="1" fill="hold">
+                                          <p:stCondLst>
+                                            <p:cond delay="0"/>
+                                          </p:stCondLst>
+                                        </p:cTn>
+                                        <p:tgtEl>
+                                          <p:spTgt spid="8"/>
+                                        </p:tgtEl>
+                                        <p:attrNameLst>
+                                          <p:attrName>style.visibility</p:attrName>
+                                        </p:attrNameLst>
+                                      </p:cBhvr>
+                                      <p:to>
+                                        <p:strVal val="visible"/>
+                                      </p:to>
+                                    </p:set>
+                                    <p:animEffect transition="in" filter="fade">
+                                      <p:cBhvr>
+                                        <p:cTn id="7" dur="500"/>
+                                        <p:tgtEl>
+                                          <p:spTgt spid="8"/>
+                                        </p:tgtEl>
+                                      </p:cBhvr>
+                                    </p:animEffect>
+                                  </p:childTnLst>
+                                </p:cTn>
+                              </p:par>
+                              <p:par>
+                                <p:cTn id="8" presetID="10" presetClass="entr" presetSubtype="0" fill="hold" nodeType="withEffect">
+                                  <p:stCondLst>
+                                    <p:cond delay="0"/>
+                                  </p:stCondLst>
+                                  <p:childTnLst>
+                                    <p:set>
+                                      <p:cBhvr>
+                                        <p:cTn id="9" dur="1" fill="hold">
+                                          <p:stCondLst>
+                                            <p:cond delay="0"/>
+                                          </p:stCondLst>
+                                        </p:cTn>
+                                        <p:tgtEl>
+                                          <p:spTgt spid="11"/>
+                                        </p:tgtEl>
+                                        <p:attrNameLst>
+                                          <p:attrName>style.visibility</p:attrName>
+                                        </p:attrNameLst>
+                                      </p:cBhvr>
+                                      <p:to>
+                                        <p:strVal val="visible"/>
+                                      </p:to>
+                                    </p:set>
+                                    <p:animEffect transition="in" filter="fade">
+                                      <p:cBhvr>
+                                        <p:cTn id="10" dur="500"/>
+                                        <p:tgtEl>
+                                          <p:spTgt spid="11"/>
+                                        </p:tgtEl>
+                                      </p:cBhvr>
+                                    </p:animEffect>
+                                  </p:childTnLst>
+                                </p:cTn>
+                              </p:par>
+                              <p:par>
+                                <p:cTn id="11" presetID="10" presetClass="entr" presetSubtype="0" fill="hold" grpId="0" nodeType="withEffect">
+                                  <p:stCondLst>
+                                    <p:cond delay="0"/>
+                                  </p:stCondLst>
+                                  <p:childTnLst>
+                                    <p:set>
+                                      <p:cBhvr>
+                                        <p:cTn id="12" dur="1" fill="hold">
+                                          <p:stCondLst>
+                                            <p:cond delay="0"/>
+                                          </p:stCondLst>
+                                        </p:cTn>
+                                        <p:tgtEl>
+                                          <p:spTgt spid="9"/>
+                                        </p:tgtEl>
+                                        <p:attrNameLst>
+                                          <p:attrName>style.visibility</p:attrName>
+                                        </p:attrNameLst>
+                                      </p:cBhvr>
+                                      <p:to>
+                                        <p:strVal val="visible"/>
+                                      </p:to>
+                                    </p:set>
+                                    <p:animEffect transition="in" filter="fade">
+                                      <p:cBhvr>
+                                        <p:cTn id="13" dur="500"/>
+                                        <p:tgtEl>
+                                          <p:spTgt spid="9"/>
+                                        </p:tgtEl>
+                                      </p:cBhvr>
+                                    </p:animEffect>
+                                  </p:childTnLst>
+                                </p:cTn>
+                              </p:par>
+                            </p:childTnLst>
+                          </p:cTn>
+                        </p:par>
+                      </p:childTnLst>
+                    </p:cTn>
+                  </p:par>
+                </p:childTnLst>
+              </p:cTn>
+              <p:prevCondLst>
+                <p:cond evt="onPrev" delay="0">
+                  <p:tgtEl>
+                    <p:sldTgt/>
+                  </p:tgtEl>
+                </p:cond>
+              </p:prevCondLst>
+              <p:nextCondLst>
+                <p:cond evt="onNext" delay="0">
+                  <p:tgtEl>
+                    <p:sldTgt/>
+                  </p:tgtEl>
+                </p:cond>
+              </p:nextCondLst>
+            </p:seq>
+          </p:childTnLst>
+        </p:cTn>
+      </p:par>
+    </p:tnLst>
+    <p:bldLst>
+      <p:bldP spid="9" grpId="0" animBg="1"/>
+      <p:bldP spid="8" grpId="0" animBg="1"/>
+    </p:bldLst>
+  </p:timing>
 </p:sld>
 </file>
 
@@ -12022,7 +12191,12 @@
             <p:ph idx="1"/>
           </p:nvPr>
         </p:nvSpPr>
-        <p:spPr/>
+        <p:spPr>
+          <a:xfrm>
+            <a:off x="457200" y="1624012"/>
+            <a:ext cx="8229600" cy="4525963"/>
+          </a:xfrm>
+        </p:spPr>
         <p:txBody>
           <a:bodyPr/>
           <a:lstStyle/>
@@ -12031,6 +12205,9 @@
               <a:rPr lang="en-US" dirty="0"/>
               <a:t>Do we need an interpretation?</a:t>
             </a:r>
+          </a:p>
+          <a:p>
+            <a:endParaRPr lang="en-US" dirty="0"/>
           </a:p>
           <a:p>
             <a:endParaRPr lang="en-US" dirty="0"/>
@@ -12081,8 +12258,8 @@
         </p:nvSpPr>
         <p:spPr>
           <a:xfrm>
-            <a:off x="2514600" y="2438400"/>
-            <a:ext cx="3886200" cy="1569660"/>
+            <a:off x="1943100" y="2362200"/>
+            <a:ext cx="5257800" cy="1938992"/>
           </a:xfrm>
           <a:prstGeom prst="rect">
             <a:avLst/>
@@ -12114,7 +12291,7 @@
                 <a:latin typeface="Consolas" pitchFamily="49" charset="0"/>
                 <a:cs typeface="Consolas" pitchFamily="49" charset="0"/>
               </a:rPr>
-              <a:t> is one of</a:t>
+              <a:t> is represented as one of the following strings:</a:t>
             </a:r>
           </a:p>
           <a:p>
@@ -12228,6 +12405,9 @@
             <a:endParaRPr lang="en-US" dirty="0"/>
           </a:p>
           <a:p>
+            <a:endParaRPr lang="en-US" dirty="0"/>
+          </a:p>
+          <a:p>
             <a:r>
               <a:rPr lang="en-US" dirty="0"/>
               <a:t>YES: the reader is unlikely to guess that 217 denotes green, 126 denotes yellow, and 43 denotes red.</a:t>
@@ -12268,7 +12448,7 @@
         <p:spPr>
           <a:xfrm>
             <a:off x="2514600" y="2438400"/>
-            <a:ext cx="3886200" cy="1569660"/>
+            <a:ext cx="5257800" cy="1938992"/>
           </a:xfrm>
           <a:prstGeom prst="rect">
             <a:avLst/>
@@ -12300,7 +12480,7 @@
                 <a:latin typeface="Consolas" pitchFamily="49" charset="0"/>
                 <a:cs typeface="Consolas" pitchFamily="49" charset="0"/>
               </a:rPr>
-              <a:t> is one of</a:t>
+              <a:t> is represented one of the following integers:</a:t>
             </a:r>
           </a:p>
           <a:p>
@@ -12559,12 +12739,14 @@
         </p:nvSpPr>
         <p:spPr/>
         <p:txBody>
-          <a:bodyPr/>
-          <a:lstStyle/>
-          <a:p>
-            <a:r>
-              <a:rPr lang="en-US" dirty="0"/>
-              <a:t>The DDR for mixed data</a:t>
+          <a:bodyPr>
+            <a:normAutofit fontScale="90000"/>
+          </a:bodyPr>
+          <a:lstStyle/>
+          <a:p>
+            <a:r>
+              <a:rPr lang="en-US" dirty="0"/>
+              <a:t>The DDR for more complicated data</a:t>
             </a:r>
           </a:p>
         </p:txBody>
@@ -12581,12 +12763,14 @@
         </p:nvSpPr>
         <p:spPr/>
         <p:txBody>
-          <a:bodyPr/>
-          <a:lstStyle/>
-          <a:p>
-            <a:r>
-              <a:rPr lang="en-US" dirty="0"/>
-              <a:t>Mixed data can be:</a:t>
+          <a:bodyPr>
+            <a:normAutofit fontScale="92500" lnSpcReduction="10000"/>
+          </a:bodyPr>
+          <a:lstStyle/>
+          <a:p>
+            <a:r>
+              <a:rPr lang="en-US" dirty="0"/>
+              <a:t>For example:</a:t>
             </a:r>
           </a:p>
           <a:p>
@@ -12606,7 +12790,13 @@
           <a:p>
             <a:r>
               <a:rPr lang="en-US" dirty="0"/>
-              <a:t>We build the data definition for mixed data out of the definitions of the pieces.</a:t>
+              <a:t>We build the data definition for this more complicated data out of the definitions of the pieces.</a:t>
+            </a:r>
+          </a:p>
+          <a:p>
+            <a:r>
+              <a:rPr lang="en-US" dirty="0"/>
+              <a:t>This is less scary than it sounds.</a:t>
             </a:r>
           </a:p>
           <a:p>
@@ -12684,14 +12874,19 @@
         <p:spPr/>
         <p:txBody>
           <a:bodyPr>
-            <a:normAutofit fontScale="90000"/>
+            <a:normAutofit/>
           </a:bodyPr>
           <a:lstStyle/>
           <a:p>
             <a:r>
               <a:rPr lang="en-US" dirty="0"/>
-              <a:t>Remember our example of mixed data</a:t>
-            </a:r>
+              <a:t>Case Study: </a:t>
+            </a:r>
+            <a:r>
+              <a:rPr lang="en-US" dirty="0" err="1"/>
+              <a:t>BarOrder</a:t>
+            </a:r>
+            <a:endParaRPr lang="en-US" dirty="0"/>
           </a:p>
         </p:txBody>
       </p:sp>
@@ -12875,22 +13070,19 @@
         <p:spPr/>
         <p:txBody>
           <a:bodyPr>
-            <a:normAutofit fontScale="90000"/>
+            <a:normAutofit/>
           </a:bodyPr>
           <a:lstStyle/>
           <a:p>
             <a:r>
               <a:rPr lang="en-US" dirty="0"/>
-              <a:t>Mixed Data Example #1: </a:t>
+              <a:t>Case Study (part 2): </a:t>
             </a:r>
             <a:r>
               <a:rPr lang="en-US" dirty="0" err="1"/>
-              <a:t>CoffeeOrder</a:t>
-            </a:r>
-            <a:r>
-              <a:rPr lang="en-US" dirty="0"/>
-              <a:t> (1)</a:t>
-            </a:r>
+              <a:t>CoffeeType</a:t>
+            </a:r>
+            <a:endParaRPr lang="en-US" dirty="0"/>
           </a:p>
         </p:txBody>
       </p:sp>
@@ -13084,13 +13276,14 @@
           <a:lstStyle/>
           <a:p>
             <a:r>
+              <a:rPr lang="en-US" dirty="0"/>
+              <a:t>Case Study (part 3): </a:t>
+            </a:r>
+            <a:r>
               <a:rPr lang="en-US" dirty="0" err="1"/>
               <a:t>CoffeeOrder</a:t>
             </a:r>
-            <a:r>
-              <a:rPr lang="en-US" dirty="0"/>
-              <a:t> (2)</a:t>
-            </a:r>
+            <a:endParaRPr lang="en-US" dirty="0"/>
           </a:p>
         </p:txBody>
       </p:sp>
@@ -13513,6 +13706,10 @@
           <a:bodyPr/>
           <a:lstStyle/>
           <a:p>
+            <a:r>
+              <a:rPr lang="en-US" dirty="0"/>
+              <a:t>Case Study, completed: </a:t>
+            </a:r>
             <a:r>
               <a:rPr lang="en-US" dirty="0" err="1"/>
               <a:t>BarOrder</a:t>
@@ -14247,6 +14444,40 @@
               <a:t>30</a:t>
             </a:fld>
             <a:endParaRPr lang="en-US" dirty="0"/>
+          </a:p>
+        </p:txBody>
+      </p:sp>
+      <p:sp>
+        <p:nvSpPr>
+          <p:cNvPr id="5" name="TextBox 4"/>
+          <p:cNvSpPr txBox="1"/>
+          <p:nvPr/>
+        </p:nvSpPr>
+        <p:spPr>
+          <a:xfrm>
+            <a:off x="2971800" y="5594925"/>
+            <a:ext cx="4800600" cy="646331"/>
+          </a:xfrm>
+          <a:prstGeom prst="rect">
+            <a:avLst/>
+          </a:prstGeom>
+          <a:solidFill>
+            <a:schemeClr val="accent1">
+              <a:lumMod val="20000"/>
+              <a:lumOff val="80000"/>
+            </a:schemeClr>
+          </a:solidFill>
+        </p:spPr>
+        <p:txBody>
+          <a:bodyPr wrap="square" rtlCol="0">
+            <a:spAutoFit/>
+          </a:bodyPr>
+          <a:lstStyle/>
+          <a:p>
+            <a:r>
+              <a:rPr lang="en-US" dirty="0"/>
+              <a:t>Best practice is to expand all of them, as we’ve done here for the coffee-order alternative.</a:t>
+            </a:r>
           </a:p>
         </p:txBody>
       </p:sp>

--- a/Slides/Lesson 1.3 The Data Design Recipe.pptx
+++ b/Slides/Lesson 1.3 The Data Design Recipe.pptx
@@ -12124,7 +12124,15 @@
           <a:p>
             <a:r>
               <a:rPr lang="en-US" dirty="0"/>
-              <a:t>The observer template consists of a cond with as many clauses as there are cases.  The predicates in the cond select each case.</a:t>
+              <a:t>The observer template consists of a cond with as many clauses as there are cases.  The predicates in the cond select </a:t>
+            </a:r>
+            <a:r>
+              <a:rPr lang="en-US"/>
+              <a:t>the relevant case</a:t>
+            </a:r>
+            <a:r>
+              <a:rPr lang="en-US" dirty="0"/>
+              <a:t>.</a:t>
             </a:r>
           </a:p>
         </p:txBody>
@@ -16209,7 +16217,7 @@
           <a:p>
             <a:r>
               <a:rPr lang="en-US" dirty="0"/>
-              <a:t>At the end of step 1, you should know what kind of data you need (scalar, compound, mixed, etc.)</a:t>
+              <a:t>At the end of step 1, you should know what kind of data you need (scalar, compound, itemization, etc.)</a:t>
             </a:r>
           </a:p>
           <a:p>
